--- a/Inlämningsuppgift 3 Datalogi - Grupp 2 (1).pptx
+++ b/Inlämningsuppgift 3 Datalogi - Grupp 2 (1).pptx
@@ -1,43 +1,41 @@
 
 <file path=ppt/presentation.xml><?xml version="1.0" encoding="utf-8"?>
-<p:presentation xmlns:a="http://schemas.openxmlformats.org/drawingml/2006/main" xmlns:r="http://schemas.openxmlformats.org/officeDocument/2006/relationships" xmlns:mc="http://schemas.openxmlformats.org/markup-compatibility/2006" xmlns:mv="urn:schemas-microsoft-com:mac:vml" xmlns:p="http://schemas.openxmlformats.org/presentationml/2006/main" xmlns:c="http://schemas.openxmlformats.org/drawingml/2006/chart" xmlns:dgm="http://schemas.openxmlformats.org/drawingml/2006/diagram" xmlns:o="urn:schemas-microsoft-com:office:office" xmlns:v="urn:schemas-microsoft-com:vml" xmlns:pvml="urn:schemas-microsoft-com:office:powerpoint" xmlns:com="http://schemas.openxmlformats.org/drawingml/2006/compatibility" xmlns:p14="http://schemas.microsoft.com/office/powerpoint/2010/main" xmlns:p15="http://schemas.microsoft.com/office/powerpoint/2012/main" autoCompressPictures="0" embedTrueTypeFonts="1" strictFirstAndLastChars="0" saveSubsetFonts="1">
+<p:presentation xmlns:a="http://schemas.openxmlformats.org/drawingml/2006/main" xmlns:r="http://schemas.openxmlformats.org/officeDocument/2006/relationships" xmlns:p="http://schemas.openxmlformats.org/presentationml/2006/main" strictFirstAndLastChars="0" embedTrueTypeFonts="1" saveSubsetFonts="1" autoCompressPictures="0">
   <p:sldMasterIdLst>
-    <p:sldMasterId id="2147483659" r:id="rId4"/>
+    <p:sldMasterId id="2147483659" r:id="rId1"/>
   </p:sldMasterIdLst>
   <p:notesMasterIdLst>
-    <p:notesMasterId r:id="rId5"/>
+    <p:notesMasterId r:id="rId9"/>
   </p:notesMasterIdLst>
   <p:sldIdLst>
-    <p:sldId id="256" r:id="rId6"/>
-    <p:sldId id="257" r:id="rId7"/>
-    <p:sldId id="258" r:id="rId8"/>
-    <p:sldId id="259" r:id="rId9"/>
-    <p:sldId id="260" r:id="rId10"/>
-    <p:sldId id="261" r:id="rId11"/>
-    <p:sldId id="262" r:id="rId12"/>
-    <p:sldId id="263" r:id="rId13"/>
-    <p:sldId id="264" r:id="rId14"/>
+    <p:sldId id="256" r:id="rId2"/>
+    <p:sldId id="258" r:id="rId3"/>
+    <p:sldId id="259" r:id="rId4"/>
+    <p:sldId id="261" r:id="rId5"/>
+    <p:sldId id="262" r:id="rId6"/>
+    <p:sldId id="263" r:id="rId7"/>
+    <p:sldId id="264" r:id="rId8"/>
   </p:sldIdLst>
-  <p:sldSz cy="5143500" cx="9144000"/>
+  <p:sldSz cx="9144000" cy="5143500" type="screen16x9"/>
   <p:notesSz cx="6858000" cy="9144000"/>
   <p:embeddedFontLst>
     <p:embeddedFont>
-      <p:font typeface="Montserrat"/>
-      <p:regular r:id="rId15"/>
-      <p:bold r:id="rId16"/>
-      <p:italic r:id="rId17"/>
-      <p:boldItalic r:id="rId18"/>
+      <p:font typeface="Lato" panose="020B0604020202020204" charset="0"/>
+      <p:regular r:id="rId10"/>
+      <p:bold r:id="rId11"/>
+      <p:italic r:id="rId12"/>
+      <p:boldItalic r:id="rId13"/>
     </p:embeddedFont>
     <p:embeddedFont>
-      <p:font typeface="Lato"/>
-      <p:regular r:id="rId19"/>
-      <p:bold r:id="rId20"/>
-      <p:italic r:id="rId21"/>
-      <p:boldItalic r:id="rId22"/>
+      <p:font typeface="Montserrat" panose="020B0604020202020204" charset="0"/>
+      <p:regular r:id="rId14"/>
+      <p:bold r:id="rId15"/>
+      <p:italic r:id="rId16"/>
+      <p:boldItalic r:id="rId17"/>
     </p:embeddedFont>
   </p:embeddedFontLst>
   <p:defaultTextStyle>
-    <a:defPPr lvl="0" marR="0" rtl="0" algn="l">
+    <a:defPPr marR="0" lvl="0" algn="l" rtl="0">
       <a:lnSpc>
         <a:spcPct val="100000"/>
       </a:lnSpc>
@@ -48,7 +46,7 @@
         <a:spcPts val="0"/>
       </a:spcAft>
     </a:defPPr>
-    <a:lvl1pPr lvl="0" marR="0" rtl="0" algn="l">
+    <a:lvl1pPr marR="0" lvl="0" algn="l" rtl="0">
       <a:lnSpc>
         <a:spcPct val="100000"/>
       </a:lnSpc>
@@ -62,7 +60,7 @@
         <a:srgbClr val="000000"/>
       </a:buClr>
       <a:buFont typeface="Arial"/>
-      <a:defRPr b="0" i="0" sz="1400" u="none" cap="none" strike="noStrike">
+      <a:defRPr sz="1400" b="0" i="0" u="none" strike="noStrike" cap="none">
         <a:solidFill>
           <a:srgbClr val="000000"/>
         </a:solidFill>
@@ -72,7 +70,7 @@
         <a:sym typeface="Arial"/>
       </a:defRPr>
     </a:lvl1pPr>
-    <a:lvl2pPr lvl="1" marR="0" rtl="0" algn="l">
+    <a:lvl2pPr marR="0" lvl="1" algn="l" rtl="0">
       <a:lnSpc>
         <a:spcPct val="100000"/>
       </a:lnSpc>
@@ -86,7 +84,7 @@
         <a:srgbClr val="000000"/>
       </a:buClr>
       <a:buFont typeface="Arial"/>
-      <a:defRPr b="0" i="0" sz="1400" u="none" cap="none" strike="noStrike">
+      <a:defRPr sz="1400" b="0" i="0" u="none" strike="noStrike" cap="none">
         <a:solidFill>
           <a:srgbClr val="000000"/>
         </a:solidFill>
@@ -96,7 +94,7 @@
         <a:sym typeface="Arial"/>
       </a:defRPr>
     </a:lvl2pPr>
-    <a:lvl3pPr lvl="2" marR="0" rtl="0" algn="l">
+    <a:lvl3pPr marR="0" lvl="2" algn="l" rtl="0">
       <a:lnSpc>
         <a:spcPct val="100000"/>
       </a:lnSpc>
@@ -110,7 +108,7 @@
         <a:srgbClr val="000000"/>
       </a:buClr>
       <a:buFont typeface="Arial"/>
-      <a:defRPr b="0" i="0" sz="1400" u="none" cap="none" strike="noStrike">
+      <a:defRPr sz="1400" b="0" i="0" u="none" strike="noStrike" cap="none">
         <a:solidFill>
           <a:srgbClr val="000000"/>
         </a:solidFill>
@@ -120,7 +118,7 @@
         <a:sym typeface="Arial"/>
       </a:defRPr>
     </a:lvl3pPr>
-    <a:lvl4pPr lvl="3" marR="0" rtl="0" algn="l">
+    <a:lvl4pPr marR="0" lvl="3" algn="l" rtl="0">
       <a:lnSpc>
         <a:spcPct val="100000"/>
       </a:lnSpc>
@@ -134,7 +132,7 @@
         <a:srgbClr val="000000"/>
       </a:buClr>
       <a:buFont typeface="Arial"/>
-      <a:defRPr b="0" i="0" sz="1400" u="none" cap="none" strike="noStrike">
+      <a:defRPr sz="1400" b="0" i="0" u="none" strike="noStrike" cap="none">
         <a:solidFill>
           <a:srgbClr val="000000"/>
         </a:solidFill>
@@ -144,7 +142,7 @@
         <a:sym typeface="Arial"/>
       </a:defRPr>
     </a:lvl4pPr>
-    <a:lvl5pPr lvl="4" marR="0" rtl="0" algn="l">
+    <a:lvl5pPr marR="0" lvl="4" algn="l" rtl="0">
       <a:lnSpc>
         <a:spcPct val="100000"/>
       </a:lnSpc>
@@ -158,7 +156,7 @@
         <a:srgbClr val="000000"/>
       </a:buClr>
       <a:buFont typeface="Arial"/>
-      <a:defRPr b="0" i="0" sz="1400" u="none" cap="none" strike="noStrike">
+      <a:defRPr sz="1400" b="0" i="0" u="none" strike="noStrike" cap="none">
         <a:solidFill>
           <a:srgbClr val="000000"/>
         </a:solidFill>
@@ -168,7 +166,7 @@
         <a:sym typeface="Arial"/>
       </a:defRPr>
     </a:lvl5pPr>
-    <a:lvl6pPr lvl="5" marR="0" rtl="0" algn="l">
+    <a:lvl6pPr marR="0" lvl="5" algn="l" rtl="0">
       <a:lnSpc>
         <a:spcPct val="100000"/>
       </a:lnSpc>
@@ -182,7 +180,7 @@
         <a:srgbClr val="000000"/>
       </a:buClr>
       <a:buFont typeface="Arial"/>
-      <a:defRPr b="0" i="0" sz="1400" u="none" cap="none" strike="noStrike">
+      <a:defRPr sz="1400" b="0" i="0" u="none" strike="noStrike" cap="none">
         <a:solidFill>
           <a:srgbClr val="000000"/>
         </a:solidFill>
@@ -192,7 +190,7 @@
         <a:sym typeface="Arial"/>
       </a:defRPr>
     </a:lvl6pPr>
-    <a:lvl7pPr lvl="6" marR="0" rtl="0" algn="l">
+    <a:lvl7pPr marR="0" lvl="6" algn="l" rtl="0">
       <a:lnSpc>
         <a:spcPct val="100000"/>
       </a:lnSpc>
@@ -206,7 +204,7 @@
         <a:srgbClr val="000000"/>
       </a:buClr>
       <a:buFont typeface="Arial"/>
-      <a:defRPr b="0" i="0" sz="1400" u="none" cap="none" strike="noStrike">
+      <a:defRPr sz="1400" b="0" i="0" u="none" strike="noStrike" cap="none">
         <a:solidFill>
           <a:srgbClr val="000000"/>
         </a:solidFill>
@@ -216,7 +214,7 @@
         <a:sym typeface="Arial"/>
       </a:defRPr>
     </a:lvl7pPr>
-    <a:lvl8pPr lvl="7" marR="0" rtl="0" algn="l">
+    <a:lvl8pPr marR="0" lvl="7" algn="l" rtl="0">
       <a:lnSpc>
         <a:spcPct val="100000"/>
       </a:lnSpc>
@@ -230,7 +228,7 @@
         <a:srgbClr val="000000"/>
       </a:buClr>
       <a:buFont typeface="Arial"/>
-      <a:defRPr b="0" i="0" sz="1400" u="none" cap="none" strike="noStrike">
+      <a:defRPr sz="1400" b="0" i="0" u="none" strike="noStrike" cap="none">
         <a:solidFill>
           <a:srgbClr val="000000"/>
         </a:solidFill>
@@ -240,7 +238,7 @@
         <a:sym typeface="Arial"/>
       </a:defRPr>
     </a:lvl8pPr>
-    <a:lvl9pPr lvl="8" marR="0" rtl="0" algn="l">
+    <a:lvl9pPr marR="0" lvl="8" algn="l" rtl="0">
       <a:lnSpc>
         <a:spcPct val="100000"/>
       </a:lnSpc>
@@ -254,7 +252,7 @@
         <a:srgbClr val="000000"/>
       </a:buClr>
       <a:buFont typeface="Arial"/>
-      <a:defRPr b="0" i="0" sz="1400" u="none" cap="none" strike="noStrike">
+      <a:defRPr sz="1400" b="0" i="0" u="none" strike="noStrike" cap="none">
         <a:solidFill>
           <a:srgbClr val="000000"/>
         </a:solidFill>
@@ -267,7 +265,7 @@
   </p:defaultTextStyle>
   <p:extLst>
     <p:ext uri="{EFAFB233-063F-42B5-8137-9DF3F51BA10A}">
-      <p15:sldGuideLst>
+      <p15:sldGuideLst xmlns:p15="http://schemas.microsoft.com/office/powerpoint/2012/main">
         <p15:guide id="1" orient="horz" pos="1620">
           <p15:clr>
             <a:srgbClr val="A4A3A4"/>
@@ -285,11 +283,16 @@
 </file>
 
 <file path=ppt/notesMasters/notesMaster1.xml><?xml version="1.0" encoding="utf-8"?>
-<p:notesMaster xmlns:a="http://schemas.openxmlformats.org/drawingml/2006/main" xmlns:r="http://schemas.openxmlformats.org/officeDocument/2006/relationships" xmlns:mc="http://schemas.openxmlformats.org/markup-compatibility/2006" xmlns:mv="urn:schemas-microsoft-com:mac:vml" xmlns:p="http://schemas.openxmlformats.org/presentationml/2006/main" xmlns:c="http://schemas.openxmlformats.org/drawingml/2006/chart" xmlns:dgm="http://schemas.openxmlformats.org/drawingml/2006/diagram" xmlns:o="urn:schemas-microsoft-com:office:office" xmlns:v="urn:schemas-microsoft-com:vml" xmlns:pvml="urn:schemas-microsoft-com:office:powerpoint" xmlns:com="http://schemas.openxmlformats.org/drawingml/2006/compatibility" xmlns:p14="http://schemas.microsoft.com/office/powerpoint/2010/main" xmlns:p15="http://schemas.microsoft.com/office/powerpoint/2012/main">
+<p:notesMaster xmlns:a="http://schemas.openxmlformats.org/drawingml/2006/main" xmlns:r="http://schemas.openxmlformats.org/officeDocument/2006/relationships" xmlns:p="http://schemas.openxmlformats.org/presentationml/2006/main">
   <p:cSld>
+    <p:bg>
+      <p:bgRef idx="1001">
+        <a:schemeClr val="bg1"/>
+      </p:bgRef>
+    </p:bg>
     <p:spTree>
       <p:nvGrpSpPr>
-        <p:cNvPr id="2" name="Shape 2"/>
+        <p:cNvPr id="1" name="Shape 2"/>
         <p:cNvGrpSpPr/>
         <p:nvPr/>
       </p:nvGrpSpPr>
@@ -304,9 +307,11 @@
       <p:sp>
         <p:nvSpPr>
           <p:cNvPr id="3" name="Google Shape;3;n"/>
-          <p:cNvSpPr/>
+          <p:cNvSpPr>
+            <a:spLocks noGrp="1" noRot="1" noChangeAspect="1"/>
+          </p:cNvSpPr>
           <p:nvPr>
-            <p:ph idx="2" type="sldImg"/>
+            <p:ph type="sldImg" idx="2"/>
           </p:nvPr>
         </p:nvSpPr>
         <p:spPr>
@@ -315,9 +320,13 @@
             <a:ext cx="6096075" cy="3429000"/>
           </a:xfrm>
           <a:custGeom>
-            <a:rect b="b" l="l" r="r" t="t"/>
+            <a:avLst/>
+            <a:gdLst/>
+            <a:ahLst/>
+            <a:cxnLst/>
+            <a:rect l="l" t="t" r="r" b="b"/>
             <a:pathLst>
-              <a:path extrusionOk="0" h="120000" w="120000">
+              <a:path w="120000" h="120000" extrusionOk="0">
                 <a:moveTo>
                   <a:pt x="0" y="0"/>
                 </a:moveTo>
@@ -335,23 +344,25 @@
             </a:pathLst>
           </a:custGeom>
           <a:noFill/>
-          <a:ln cap="flat" cmpd="sng" w="9525">
+          <a:ln w="9525" cap="flat" cmpd="sng">
             <a:solidFill>
               <a:srgbClr val="000000"/>
             </a:solidFill>
             <a:prstDash val="solid"/>
             <a:round/>
-            <a:headEnd len="sm" w="sm" type="none"/>
-            <a:tailEnd len="sm" w="sm" type="none"/>
+            <a:headEnd type="none" w="sm" len="sm"/>
+            <a:tailEnd type="none" w="sm" len="sm"/>
           </a:ln>
         </p:spPr>
       </p:sp>
       <p:sp>
         <p:nvSpPr>
           <p:cNvPr id="4" name="Google Shape;4;n"/>
-          <p:cNvSpPr txBox="1"/>
+          <p:cNvSpPr txBox="1">
+            <a:spLocks noGrp="1"/>
+          </p:cNvSpPr>
           <p:nvPr>
-            <p:ph idx="1" type="body"/>
+            <p:ph type="body" idx="1"/>
           </p:nvPr>
         </p:nvSpPr>
         <p:spPr>
@@ -368,9 +379,9 @@
           </a:ln>
         </p:spPr>
         <p:txBody>
-          <a:bodyPr anchorCtr="0" anchor="t" bIns="91425" lIns="91425" spcFirstLastPara="1" rIns="91425" wrap="square" tIns="91425"/>
+          <a:bodyPr spcFirstLastPara="1" wrap="square" lIns="91425" tIns="91425" rIns="91425" bIns="91425" anchor="t" anchorCtr="0"/>
           <a:lstStyle>
-            <a:lvl1pPr indent="-298450" lvl="0" marL="457200">
+            <a:lvl1pPr marL="457200" lvl="0" indent="-298450">
               <a:spcBef>
                 <a:spcPts val="0"/>
               </a:spcBef>
@@ -381,7 +392,7 @@
               <a:buChar char="●"/>
               <a:defRPr sz="1100"/>
             </a:lvl1pPr>
-            <a:lvl2pPr indent="-298450" lvl="1" marL="914400">
+            <a:lvl2pPr marL="914400" lvl="1" indent="-298450">
               <a:spcBef>
                 <a:spcPts val="0"/>
               </a:spcBef>
@@ -392,7 +403,7 @@
               <a:buChar char="○"/>
               <a:defRPr sz="1100"/>
             </a:lvl2pPr>
-            <a:lvl3pPr indent="-298450" lvl="2" marL="1371600">
+            <a:lvl3pPr marL="1371600" lvl="2" indent="-298450">
               <a:spcBef>
                 <a:spcPts val="0"/>
               </a:spcBef>
@@ -403,7 +414,7 @@
               <a:buChar char="■"/>
               <a:defRPr sz="1100"/>
             </a:lvl3pPr>
-            <a:lvl4pPr indent="-298450" lvl="3" marL="1828800">
+            <a:lvl4pPr marL="1828800" lvl="3" indent="-298450">
               <a:spcBef>
                 <a:spcPts val="0"/>
               </a:spcBef>
@@ -414,7 +425,7 @@
               <a:buChar char="●"/>
               <a:defRPr sz="1100"/>
             </a:lvl4pPr>
-            <a:lvl5pPr indent="-298450" lvl="4" marL="2286000">
+            <a:lvl5pPr marL="2286000" lvl="4" indent="-298450">
               <a:spcBef>
                 <a:spcPts val="0"/>
               </a:spcBef>
@@ -425,7 +436,7 @@
               <a:buChar char="○"/>
               <a:defRPr sz="1100"/>
             </a:lvl5pPr>
-            <a:lvl6pPr indent="-298450" lvl="5" marL="2743200">
+            <a:lvl6pPr marL="2743200" lvl="5" indent="-298450">
               <a:spcBef>
                 <a:spcPts val="0"/>
               </a:spcBef>
@@ -436,7 +447,7 @@
               <a:buChar char="■"/>
               <a:defRPr sz="1100"/>
             </a:lvl6pPr>
-            <a:lvl7pPr indent="-298450" lvl="6" marL="3200400">
+            <a:lvl7pPr marL="3200400" lvl="6" indent="-298450">
               <a:spcBef>
                 <a:spcPts val="0"/>
               </a:spcBef>
@@ -447,7 +458,7 @@
               <a:buChar char="●"/>
               <a:defRPr sz="1100"/>
             </a:lvl7pPr>
-            <a:lvl8pPr indent="-298450" lvl="7" marL="3657600">
+            <a:lvl8pPr marL="3657600" lvl="7" indent="-298450">
               <a:spcBef>
                 <a:spcPts val="0"/>
               </a:spcBef>
@@ -458,7 +469,7 @@
               <a:buChar char="○"/>
               <a:defRPr sz="1100"/>
             </a:lvl8pPr>
-            <a:lvl9pPr indent="-298450" lvl="8" marL="4114800">
+            <a:lvl9pPr marL="4114800" lvl="8" indent="-298450">
               <a:spcBef>
                 <a:spcPts val="0"/>
               </a:spcBef>
@@ -470,14 +481,16 @@
               <a:defRPr sz="1100"/>
             </a:lvl9pPr>
           </a:lstStyle>
-          <a:p/>
+          <a:p>
+            <a:endParaRPr/>
+          </a:p>
         </p:txBody>
       </p:sp>
     </p:spTree>
   </p:cSld>
-  <p:clrMap accent1="accent1" accent2="accent2" accent3="accent3" accent4="accent4" accent5="accent5" accent6="accent6" bg1="lt1" bg2="dk2" tx1="dk1" tx2="lt2" folHlink="folHlink" hlink="hlink"/>
+  <p:clrMap bg1="lt1" tx1="dk1" bg2="dk2" tx2="lt2" accent1="accent1" accent2="accent2" accent3="accent3" accent4="accent4" accent5="accent5" accent6="accent6" hlink="hlink" folHlink="folHlink"/>
   <p:notesStyle>
-    <a:defPPr lvl="0" marR="0" rtl="0" algn="l">
+    <a:defPPr marR="0" lvl="0" algn="l" rtl="0">
       <a:lnSpc>
         <a:spcPct val="100000"/>
       </a:lnSpc>
@@ -488,7 +501,7 @@
         <a:spcPts val="0"/>
       </a:spcAft>
     </a:defPPr>
-    <a:lvl1pPr lvl="0" marR="0" rtl="0" algn="l">
+    <a:lvl1pPr marR="0" lvl="0" algn="l" rtl="0">
       <a:lnSpc>
         <a:spcPct val="100000"/>
       </a:lnSpc>
@@ -502,7 +515,7 @@
         <a:srgbClr val="000000"/>
       </a:buClr>
       <a:buFont typeface="Arial"/>
-      <a:defRPr b="0" i="0" sz="1400" u="none" cap="none" strike="noStrike">
+      <a:defRPr sz="1400" b="0" i="0" u="none" strike="noStrike" cap="none">
         <a:solidFill>
           <a:srgbClr val="000000"/>
         </a:solidFill>
@@ -512,7 +525,7 @@
         <a:sym typeface="Arial"/>
       </a:defRPr>
     </a:lvl1pPr>
-    <a:lvl2pPr lvl="1" marR="0" rtl="0" algn="l">
+    <a:lvl2pPr marR="0" lvl="1" algn="l" rtl="0">
       <a:lnSpc>
         <a:spcPct val="100000"/>
       </a:lnSpc>
@@ -526,7 +539,7 @@
         <a:srgbClr val="000000"/>
       </a:buClr>
       <a:buFont typeface="Arial"/>
-      <a:defRPr b="0" i="0" sz="1400" u="none" cap="none" strike="noStrike">
+      <a:defRPr sz="1400" b="0" i="0" u="none" strike="noStrike" cap="none">
         <a:solidFill>
           <a:srgbClr val="000000"/>
         </a:solidFill>
@@ -536,7 +549,7 @@
         <a:sym typeface="Arial"/>
       </a:defRPr>
     </a:lvl2pPr>
-    <a:lvl3pPr lvl="2" marR="0" rtl="0" algn="l">
+    <a:lvl3pPr marR="0" lvl="2" algn="l" rtl="0">
       <a:lnSpc>
         <a:spcPct val="100000"/>
       </a:lnSpc>
@@ -550,7 +563,7 @@
         <a:srgbClr val="000000"/>
       </a:buClr>
       <a:buFont typeface="Arial"/>
-      <a:defRPr b="0" i="0" sz="1400" u="none" cap="none" strike="noStrike">
+      <a:defRPr sz="1400" b="0" i="0" u="none" strike="noStrike" cap="none">
         <a:solidFill>
           <a:srgbClr val="000000"/>
         </a:solidFill>
@@ -560,7 +573,7 @@
         <a:sym typeface="Arial"/>
       </a:defRPr>
     </a:lvl3pPr>
-    <a:lvl4pPr lvl="3" marR="0" rtl="0" algn="l">
+    <a:lvl4pPr marR="0" lvl="3" algn="l" rtl="0">
       <a:lnSpc>
         <a:spcPct val="100000"/>
       </a:lnSpc>
@@ -574,7 +587,7 @@
         <a:srgbClr val="000000"/>
       </a:buClr>
       <a:buFont typeface="Arial"/>
-      <a:defRPr b="0" i="0" sz="1400" u="none" cap="none" strike="noStrike">
+      <a:defRPr sz="1400" b="0" i="0" u="none" strike="noStrike" cap="none">
         <a:solidFill>
           <a:srgbClr val="000000"/>
         </a:solidFill>
@@ -584,7 +597,7 @@
         <a:sym typeface="Arial"/>
       </a:defRPr>
     </a:lvl4pPr>
-    <a:lvl5pPr lvl="4" marR="0" rtl="0" algn="l">
+    <a:lvl5pPr marR="0" lvl="4" algn="l" rtl="0">
       <a:lnSpc>
         <a:spcPct val="100000"/>
       </a:lnSpc>
@@ -598,7 +611,7 @@
         <a:srgbClr val="000000"/>
       </a:buClr>
       <a:buFont typeface="Arial"/>
-      <a:defRPr b="0" i="0" sz="1400" u="none" cap="none" strike="noStrike">
+      <a:defRPr sz="1400" b="0" i="0" u="none" strike="noStrike" cap="none">
         <a:solidFill>
           <a:srgbClr val="000000"/>
         </a:solidFill>
@@ -608,7 +621,7 @@
         <a:sym typeface="Arial"/>
       </a:defRPr>
     </a:lvl5pPr>
-    <a:lvl6pPr lvl="5" marR="0" rtl="0" algn="l">
+    <a:lvl6pPr marR="0" lvl="5" algn="l" rtl="0">
       <a:lnSpc>
         <a:spcPct val="100000"/>
       </a:lnSpc>
@@ -622,7 +635,7 @@
         <a:srgbClr val="000000"/>
       </a:buClr>
       <a:buFont typeface="Arial"/>
-      <a:defRPr b="0" i="0" sz="1400" u="none" cap="none" strike="noStrike">
+      <a:defRPr sz="1400" b="0" i="0" u="none" strike="noStrike" cap="none">
         <a:solidFill>
           <a:srgbClr val="000000"/>
         </a:solidFill>
@@ -632,7 +645,7 @@
         <a:sym typeface="Arial"/>
       </a:defRPr>
     </a:lvl6pPr>
-    <a:lvl7pPr lvl="6" marR="0" rtl="0" algn="l">
+    <a:lvl7pPr marR="0" lvl="6" algn="l" rtl="0">
       <a:lnSpc>
         <a:spcPct val="100000"/>
       </a:lnSpc>
@@ -646,7 +659,7 @@
         <a:srgbClr val="000000"/>
       </a:buClr>
       <a:buFont typeface="Arial"/>
-      <a:defRPr b="0" i="0" sz="1400" u="none" cap="none" strike="noStrike">
+      <a:defRPr sz="1400" b="0" i="0" u="none" strike="noStrike" cap="none">
         <a:solidFill>
           <a:srgbClr val="000000"/>
         </a:solidFill>
@@ -656,7 +669,7 @@
         <a:sym typeface="Arial"/>
       </a:defRPr>
     </a:lvl7pPr>
-    <a:lvl8pPr lvl="7" marR="0" rtl="0" algn="l">
+    <a:lvl8pPr marR="0" lvl="7" algn="l" rtl="0">
       <a:lnSpc>
         <a:spcPct val="100000"/>
       </a:lnSpc>
@@ -670,7 +683,7 @@
         <a:srgbClr val="000000"/>
       </a:buClr>
       <a:buFont typeface="Arial"/>
-      <a:defRPr b="0" i="0" sz="1400" u="none" cap="none" strike="noStrike">
+      <a:defRPr sz="1400" b="0" i="0" u="none" strike="noStrike" cap="none">
         <a:solidFill>
           <a:srgbClr val="000000"/>
         </a:solidFill>
@@ -680,7 +693,7 @@
         <a:sym typeface="Arial"/>
       </a:defRPr>
     </a:lvl8pPr>
-    <a:lvl9pPr lvl="8" marR="0" rtl="0" algn="l">
+    <a:lvl9pPr marR="0" lvl="8" algn="l" rtl="0">
       <a:lnSpc>
         <a:spcPct val="100000"/>
       </a:lnSpc>
@@ -694,7 +707,7 @@
         <a:srgbClr val="000000"/>
       </a:buClr>
       <a:buFont typeface="Arial"/>
-      <a:defRPr b="0" i="0" sz="1400" u="none" cap="none" strike="noStrike">
+      <a:defRPr sz="1400" b="0" i="0" u="none" strike="noStrike" cap="none">
         <a:solidFill>
           <a:srgbClr val="000000"/>
         </a:solidFill>
@@ -709,11 +722,11 @@
 </file>
 
 <file path=ppt/notesSlides/notesSlide1.xml><?xml version="1.0" encoding="utf-8"?>
-<p:notes xmlns:a="http://schemas.openxmlformats.org/drawingml/2006/main" xmlns:r="http://schemas.openxmlformats.org/officeDocument/2006/relationships" xmlns:mc="http://schemas.openxmlformats.org/markup-compatibility/2006" xmlns:mv="urn:schemas-microsoft-com:mac:vml" xmlns:p="http://schemas.openxmlformats.org/presentationml/2006/main" xmlns:c="http://schemas.openxmlformats.org/drawingml/2006/chart" xmlns:dgm="http://schemas.openxmlformats.org/drawingml/2006/diagram" xmlns:o="urn:schemas-microsoft-com:office:office" xmlns:v="urn:schemas-microsoft-com:vml" xmlns:pvml="urn:schemas-microsoft-com:office:powerpoint" xmlns:com="http://schemas.openxmlformats.org/drawingml/2006/compatibility" xmlns:p14="http://schemas.microsoft.com/office/powerpoint/2010/main" xmlns:p15="http://schemas.microsoft.com/office/powerpoint/2012/main" showMasterPhAnim="0" showMasterSp="0">
+<p:notes xmlns:a="http://schemas.openxmlformats.org/drawingml/2006/main" xmlns:r="http://schemas.openxmlformats.org/officeDocument/2006/relationships" xmlns:p="http://schemas.openxmlformats.org/presentationml/2006/main" showMasterSp="0" showMasterPhAnim="0">
   <p:cSld>
     <p:spTree>
       <p:nvGrpSpPr>
-        <p:cNvPr id="130" name="Shape 130"/>
+        <p:cNvPr id="1" name="Shape 130"/>
         <p:cNvGrpSpPr/>
         <p:nvPr/>
       </p:nvGrpSpPr>
@@ -728,9 +741,11 @@
       <p:sp>
         <p:nvSpPr>
           <p:cNvPr id="131" name="Google Shape;131;p:notes"/>
-          <p:cNvSpPr/>
+          <p:cNvSpPr>
+            <a:spLocks noGrp="1" noRot="1" noChangeAspect="1"/>
+          </p:cNvSpPr>
           <p:nvPr>
-            <p:ph idx="2" type="sldImg"/>
+            <p:ph type="sldImg" idx="2"/>
           </p:nvPr>
         </p:nvSpPr>
         <p:spPr>
@@ -739,9 +754,13 @@
             <a:ext cx="6096075" cy="3429000"/>
           </a:xfrm>
           <a:custGeom>
-            <a:rect b="b" l="l" r="r" t="t"/>
+            <a:avLst/>
+            <a:gdLst/>
+            <a:ahLst/>
+            <a:cxnLst/>
+            <a:rect l="l" t="t" r="r" b="b"/>
             <a:pathLst>
-              <a:path extrusionOk="0" h="120000" w="120000">
+              <a:path w="120000" h="120000" extrusionOk="0">
                 <a:moveTo>
                   <a:pt x="0" y="0"/>
                 </a:moveTo>
@@ -763,9 +782,11 @@
       <p:sp>
         <p:nvSpPr>
           <p:cNvPr id="132" name="Google Shape;132;p:notes"/>
-          <p:cNvSpPr txBox="1"/>
+          <p:cNvSpPr txBox="1">
+            <a:spLocks noGrp="1"/>
+          </p:cNvSpPr>
           <p:nvPr>
-            <p:ph idx="1" type="body"/>
+            <p:ph type="body" idx="1"/>
           </p:nvPr>
         </p:nvSpPr>
         <p:spPr>
@@ -778,12 +799,12 @@
           </a:prstGeom>
         </p:spPr>
         <p:txBody>
-          <a:bodyPr anchorCtr="0" anchor="t" bIns="91425" lIns="91425" spcFirstLastPara="1" rIns="91425" wrap="square" tIns="91425">
+          <a:bodyPr spcFirstLastPara="1" wrap="square" lIns="91425" tIns="91425" rIns="91425" bIns="91425" anchor="t" anchorCtr="0">
             <a:noAutofit/>
           </a:bodyPr>
           <a:lstStyle/>
           <a:p>
-            <a:pPr indent="0" lvl="0" marL="0" rtl="0" algn="l">
+            <a:pPr marL="0" lvl="0" indent="0" algn="l" rtl="0">
               <a:spcBef>
                 <a:spcPts val="0"/>
               </a:spcBef>
@@ -792,9 +813,6 @@
               </a:spcAft>
               <a:buNone/>
             </a:pPr>
-            <a:r>
-              <a:t/>
-            </a:r>
             <a:endParaRPr/>
           </a:p>
         </p:txBody>
@@ -808,110 +826,11 @@
 </file>
 
 <file path=ppt/notesSlides/notesSlide2.xml><?xml version="1.0" encoding="utf-8"?>
-<p:notes xmlns:a="http://schemas.openxmlformats.org/drawingml/2006/main" xmlns:r="http://schemas.openxmlformats.org/officeDocument/2006/relationships" xmlns:mc="http://schemas.openxmlformats.org/markup-compatibility/2006" xmlns:mv="urn:schemas-microsoft-com:mac:vml" xmlns:p="http://schemas.openxmlformats.org/presentationml/2006/main" xmlns:c="http://schemas.openxmlformats.org/drawingml/2006/chart" xmlns:dgm="http://schemas.openxmlformats.org/drawingml/2006/diagram" xmlns:o="urn:schemas-microsoft-com:office:office" xmlns:v="urn:schemas-microsoft-com:vml" xmlns:pvml="urn:schemas-microsoft-com:office:powerpoint" xmlns:com="http://schemas.openxmlformats.org/drawingml/2006/compatibility" xmlns:p14="http://schemas.microsoft.com/office/powerpoint/2010/main" xmlns:p15="http://schemas.microsoft.com/office/powerpoint/2012/main" showMasterPhAnim="0" showMasterSp="0">
+<p:notes xmlns:a="http://schemas.openxmlformats.org/drawingml/2006/main" xmlns:r="http://schemas.openxmlformats.org/officeDocument/2006/relationships" xmlns:p="http://schemas.openxmlformats.org/presentationml/2006/main" showMasterSp="0" showMasterPhAnim="0">
   <p:cSld>
     <p:spTree>
       <p:nvGrpSpPr>
-        <p:cNvPr id="137" name="Shape 137"/>
-        <p:cNvGrpSpPr/>
-        <p:nvPr/>
-      </p:nvGrpSpPr>
-      <p:grpSpPr>
-        <a:xfrm>
-          <a:off x="0" y="0"/>
-          <a:ext cx="0" cy="0"/>
-          <a:chOff x="0" y="0"/>
-          <a:chExt cx="0" cy="0"/>
-        </a:xfrm>
-      </p:grpSpPr>
-      <p:sp>
-        <p:nvSpPr>
-          <p:cNvPr id="138" name="Google Shape;138;g4fbd8a8587_0_126:notes"/>
-          <p:cNvSpPr/>
-          <p:nvPr>
-            <p:ph idx="2" type="sldImg"/>
-          </p:nvPr>
-        </p:nvSpPr>
-        <p:spPr>
-          <a:xfrm>
-            <a:off x="381300" y="685800"/>
-            <a:ext cx="6096000" cy="3429000"/>
-          </a:xfrm>
-          <a:custGeom>
-            <a:rect b="b" l="l" r="r" t="t"/>
-            <a:pathLst>
-              <a:path extrusionOk="0" h="120000" w="120000">
-                <a:moveTo>
-                  <a:pt x="0" y="0"/>
-                </a:moveTo>
-                <a:lnTo>
-                  <a:pt x="120000" y="0"/>
-                </a:lnTo>
-                <a:lnTo>
-                  <a:pt x="120000" y="120000"/>
-                </a:lnTo>
-                <a:lnTo>
-                  <a:pt x="0" y="120000"/>
-                </a:lnTo>
-                <a:close/>
-              </a:path>
-            </a:pathLst>
-          </a:custGeom>
-        </p:spPr>
-      </p:sp>
-      <p:sp>
-        <p:nvSpPr>
-          <p:cNvPr id="139" name="Google Shape;139;g4fbd8a8587_0_126:notes"/>
-          <p:cNvSpPr txBox="1"/>
-          <p:nvPr>
-            <p:ph idx="1" type="body"/>
-          </p:nvPr>
-        </p:nvSpPr>
-        <p:spPr>
-          <a:xfrm>
-            <a:off x="685800" y="4343400"/>
-            <a:ext cx="5486400" cy="4114800"/>
-          </a:xfrm>
-          <a:prstGeom prst="rect">
-            <a:avLst/>
-          </a:prstGeom>
-        </p:spPr>
-        <p:txBody>
-          <a:bodyPr anchorCtr="0" anchor="t" bIns="91425" lIns="91425" spcFirstLastPara="1" rIns="91425" wrap="square" tIns="91425">
-            <a:noAutofit/>
-          </a:bodyPr>
-          <a:lstStyle/>
-          <a:p>
-            <a:pPr indent="0" lvl="0" marL="0" rtl="0" algn="l">
-              <a:spcBef>
-                <a:spcPts val="0"/>
-              </a:spcBef>
-              <a:spcAft>
-                <a:spcPts val="0"/>
-              </a:spcAft>
-              <a:buNone/>
-            </a:pPr>
-            <a:r>
-              <a:t/>
-            </a:r>
-            <a:endParaRPr/>
-          </a:p>
-        </p:txBody>
-      </p:sp>
-    </p:spTree>
-  </p:cSld>
-  <p:clrMapOvr>
-    <a:masterClrMapping/>
-  </p:clrMapOvr>
-</p:notes>
-</file>
-
-<file path=ppt/notesSlides/notesSlide3.xml><?xml version="1.0" encoding="utf-8"?>
-<p:notes xmlns:a="http://schemas.openxmlformats.org/drawingml/2006/main" xmlns:r="http://schemas.openxmlformats.org/officeDocument/2006/relationships" xmlns:mc="http://schemas.openxmlformats.org/markup-compatibility/2006" xmlns:mv="urn:schemas-microsoft-com:mac:vml" xmlns:p="http://schemas.openxmlformats.org/presentationml/2006/main" xmlns:c="http://schemas.openxmlformats.org/drawingml/2006/chart" xmlns:dgm="http://schemas.openxmlformats.org/drawingml/2006/diagram" xmlns:o="urn:schemas-microsoft-com:office:office" xmlns:v="urn:schemas-microsoft-com:vml" xmlns:pvml="urn:schemas-microsoft-com:office:powerpoint" xmlns:com="http://schemas.openxmlformats.org/drawingml/2006/compatibility" xmlns:p14="http://schemas.microsoft.com/office/powerpoint/2010/main" xmlns:p15="http://schemas.microsoft.com/office/powerpoint/2012/main" showMasterPhAnim="0" showMasterSp="0">
-  <p:cSld>
-    <p:spTree>
-      <p:nvGrpSpPr>
-        <p:cNvPr id="144" name="Shape 144"/>
+        <p:cNvPr id="1" name="Shape 144"/>
         <p:cNvGrpSpPr/>
         <p:nvPr/>
       </p:nvGrpSpPr>
@@ -926,9 +845,11 @@
       <p:sp>
         <p:nvSpPr>
           <p:cNvPr id="145" name="Google Shape;145;g4fbd8a8587_0_132:notes"/>
-          <p:cNvSpPr/>
+          <p:cNvSpPr>
+            <a:spLocks noGrp="1" noRot="1" noChangeAspect="1"/>
+          </p:cNvSpPr>
           <p:nvPr>
-            <p:ph idx="2" type="sldImg"/>
+            <p:ph type="sldImg" idx="2"/>
           </p:nvPr>
         </p:nvSpPr>
         <p:spPr>
@@ -937,9 +858,13 @@
             <a:ext cx="6096000" cy="3429000"/>
           </a:xfrm>
           <a:custGeom>
-            <a:rect b="b" l="l" r="r" t="t"/>
+            <a:avLst/>
+            <a:gdLst/>
+            <a:ahLst/>
+            <a:cxnLst/>
+            <a:rect l="l" t="t" r="r" b="b"/>
             <a:pathLst>
-              <a:path extrusionOk="0" h="120000" w="120000">
+              <a:path w="120000" h="120000" extrusionOk="0">
                 <a:moveTo>
                   <a:pt x="0" y="0"/>
                 </a:moveTo>
@@ -961,9 +886,11 @@
       <p:sp>
         <p:nvSpPr>
           <p:cNvPr id="146" name="Google Shape;146;g4fbd8a8587_0_132:notes"/>
-          <p:cNvSpPr txBox="1"/>
+          <p:cNvSpPr txBox="1">
+            <a:spLocks noGrp="1"/>
+          </p:cNvSpPr>
           <p:nvPr>
-            <p:ph idx="1" type="body"/>
+            <p:ph type="body" idx="1"/>
           </p:nvPr>
         </p:nvSpPr>
         <p:spPr>
@@ -976,12 +903,12 @@
           </a:prstGeom>
         </p:spPr>
         <p:txBody>
-          <a:bodyPr anchorCtr="0" anchor="t" bIns="91425" lIns="91425" spcFirstLastPara="1" rIns="91425" wrap="square" tIns="91425">
+          <a:bodyPr spcFirstLastPara="1" wrap="square" lIns="91425" tIns="91425" rIns="91425" bIns="91425" anchor="t" anchorCtr="0">
             <a:noAutofit/>
           </a:bodyPr>
           <a:lstStyle/>
           <a:p>
-            <a:pPr indent="0" lvl="0" marL="0" rtl="0" algn="l">
+            <a:pPr marL="0" lvl="0" indent="0" algn="l" rtl="0">
               <a:spcBef>
                 <a:spcPts val="0"/>
               </a:spcBef>
@@ -990,9 +917,6 @@
               </a:spcAft>
               <a:buNone/>
             </a:pPr>
-            <a:r>
-              <a:t/>
-            </a:r>
             <a:endParaRPr/>
           </a:p>
         </p:txBody>
@@ -1005,12 +929,12 @@
 </p:notes>
 </file>
 
-<file path=ppt/notesSlides/notesSlide4.xml><?xml version="1.0" encoding="utf-8"?>
-<p:notes xmlns:a="http://schemas.openxmlformats.org/drawingml/2006/main" xmlns:r="http://schemas.openxmlformats.org/officeDocument/2006/relationships" xmlns:mc="http://schemas.openxmlformats.org/markup-compatibility/2006" xmlns:mv="urn:schemas-microsoft-com:mac:vml" xmlns:p="http://schemas.openxmlformats.org/presentationml/2006/main" xmlns:c="http://schemas.openxmlformats.org/drawingml/2006/chart" xmlns:dgm="http://schemas.openxmlformats.org/drawingml/2006/diagram" xmlns:o="urn:schemas-microsoft-com:office:office" xmlns:v="urn:schemas-microsoft-com:vml" xmlns:pvml="urn:schemas-microsoft-com:office:powerpoint" xmlns:com="http://schemas.openxmlformats.org/drawingml/2006/compatibility" xmlns:p14="http://schemas.microsoft.com/office/powerpoint/2010/main" xmlns:p15="http://schemas.microsoft.com/office/powerpoint/2012/main" showMasterPhAnim="0" showMasterSp="0">
+<file path=ppt/notesSlides/notesSlide3.xml><?xml version="1.0" encoding="utf-8"?>
+<p:notes xmlns:a="http://schemas.openxmlformats.org/drawingml/2006/main" xmlns:r="http://schemas.openxmlformats.org/officeDocument/2006/relationships" xmlns:p="http://schemas.openxmlformats.org/presentationml/2006/main" showMasterSp="0" showMasterPhAnim="0">
   <p:cSld>
     <p:spTree>
       <p:nvGrpSpPr>
-        <p:cNvPr id="151" name="Shape 151"/>
+        <p:cNvPr id="1" name="Shape 151"/>
         <p:cNvGrpSpPr/>
         <p:nvPr/>
       </p:nvGrpSpPr>
@@ -1025,9 +949,11 @@
       <p:sp>
         <p:nvSpPr>
           <p:cNvPr id="152" name="Google Shape;152;g4fbd8a8587_0_139:notes"/>
-          <p:cNvSpPr/>
+          <p:cNvSpPr>
+            <a:spLocks noGrp="1" noRot="1" noChangeAspect="1"/>
+          </p:cNvSpPr>
           <p:nvPr>
-            <p:ph idx="2" type="sldImg"/>
+            <p:ph type="sldImg" idx="2"/>
           </p:nvPr>
         </p:nvSpPr>
         <p:spPr>
@@ -1036,9 +962,13 @@
             <a:ext cx="6096000" cy="3429000"/>
           </a:xfrm>
           <a:custGeom>
-            <a:rect b="b" l="l" r="r" t="t"/>
+            <a:avLst/>
+            <a:gdLst/>
+            <a:ahLst/>
+            <a:cxnLst/>
+            <a:rect l="l" t="t" r="r" b="b"/>
             <a:pathLst>
-              <a:path extrusionOk="0" h="120000" w="120000">
+              <a:path w="120000" h="120000" extrusionOk="0">
                 <a:moveTo>
                   <a:pt x="0" y="0"/>
                 </a:moveTo>
@@ -1060,9 +990,11 @@
       <p:sp>
         <p:nvSpPr>
           <p:cNvPr id="153" name="Google Shape;153;g4fbd8a8587_0_139:notes"/>
-          <p:cNvSpPr txBox="1"/>
+          <p:cNvSpPr txBox="1">
+            <a:spLocks noGrp="1"/>
+          </p:cNvSpPr>
           <p:nvPr>
-            <p:ph idx="1" type="body"/>
+            <p:ph type="body" idx="1"/>
           </p:nvPr>
         </p:nvSpPr>
         <p:spPr>
@@ -1075,12 +1007,12 @@
           </a:prstGeom>
         </p:spPr>
         <p:txBody>
-          <a:bodyPr anchorCtr="0" anchor="t" bIns="91425" lIns="91425" spcFirstLastPara="1" rIns="91425" wrap="square" tIns="91425">
+          <a:bodyPr spcFirstLastPara="1" wrap="square" lIns="91425" tIns="91425" rIns="91425" bIns="91425" anchor="t" anchorCtr="0">
             <a:noAutofit/>
           </a:bodyPr>
           <a:lstStyle/>
           <a:p>
-            <a:pPr indent="0" lvl="0" marL="0" rtl="0" algn="l">
+            <a:pPr marL="0" lvl="0" indent="0" algn="l" rtl="0">
               <a:spcBef>
                 <a:spcPts val="0"/>
               </a:spcBef>
@@ -1089,9 +1021,6 @@
               </a:spcAft>
               <a:buNone/>
             </a:pPr>
-            <a:r>
-              <a:t/>
-            </a:r>
             <a:endParaRPr/>
           </a:p>
         </p:txBody>
@@ -1104,111 +1033,12 @@
 </p:notes>
 </file>
 
-<file path=ppt/notesSlides/notesSlide5.xml><?xml version="1.0" encoding="utf-8"?>
-<p:notes xmlns:a="http://schemas.openxmlformats.org/drawingml/2006/main" xmlns:r="http://schemas.openxmlformats.org/officeDocument/2006/relationships" xmlns:mc="http://schemas.openxmlformats.org/markup-compatibility/2006" xmlns:mv="urn:schemas-microsoft-com:mac:vml" xmlns:p="http://schemas.openxmlformats.org/presentationml/2006/main" xmlns:c="http://schemas.openxmlformats.org/drawingml/2006/chart" xmlns:dgm="http://schemas.openxmlformats.org/drawingml/2006/diagram" xmlns:o="urn:schemas-microsoft-com:office:office" xmlns:v="urn:schemas-microsoft-com:vml" xmlns:pvml="urn:schemas-microsoft-com:office:powerpoint" xmlns:com="http://schemas.openxmlformats.org/drawingml/2006/compatibility" xmlns:p14="http://schemas.microsoft.com/office/powerpoint/2010/main" xmlns:p15="http://schemas.microsoft.com/office/powerpoint/2012/main" showMasterPhAnim="0" showMasterSp="0">
+<file path=ppt/notesSlides/notesSlide4.xml><?xml version="1.0" encoding="utf-8"?>
+<p:notes xmlns:a="http://schemas.openxmlformats.org/drawingml/2006/main" xmlns:r="http://schemas.openxmlformats.org/officeDocument/2006/relationships" xmlns:p="http://schemas.openxmlformats.org/presentationml/2006/main" showMasterSp="0" showMasterPhAnim="0">
   <p:cSld>
     <p:spTree>
       <p:nvGrpSpPr>
-        <p:cNvPr id="158" name="Shape 158"/>
-        <p:cNvGrpSpPr/>
-        <p:nvPr/>
-      </p:nvGrpSpPr>
-      <p:grpSpPr>
-        <a:xfrm>
-          <a:off x="0" y="0"/>
-          <a:ext cx="0" cy="0"/>
-          <a:chOff x="0" y="0"/>
-          <a:chExt cx="0" cy="0"/>
-        </a:xfrm>
-      </p:grpSpPr>
-      <p:sp>
-        <p:nvSpPr>
-          <p:cNvPr id="159" name="Google Shape;159;g4fbd8a8587_0_145:notes"/>
-          <p:cNvSpPr/>
-          <p:nvPr>
-            <p:ph idx="2" type="sldImg"/>
-          </p:nvPr>
-        </p:nvSpPr>
-        <p:spPr>
-          <a:xfrm>
-            <a:off x="381300" y="685800"/>
-            <a:ext cx="6096000" cy="3429000"/>
-          </a:xfrm>
-          <a:custGeom>
-            <a:rect b="b" l="l" r="r" t="t"/>
-            <a:pathLst>
-              <a:path extrusionOk="0" h="120000" w="120000">
-                <a:moveTo>
-                  <a:pt x="0" y="0"/>
-                </a:moveTo>
-                <a:lnTo>
-                  <a:pt x="120000" y="0"/>
-                </a:lnTo>
-                <a:lnTo>
-                  <a:pt x="120000" y="120000"/>
-                </a:lnTo>
-                <a:lnTo>
-                  <a:pt x="0" y="120000"/>
-                </a:lnTo>
-                <a:close/>
-              </a:path>
-            </a:pathLst>
-          </a:custGeom>
-        </p:spPr>
-      </p:sp>
-      <p:sp>
-        <p:nvSpPr>
-          <p:cNvPr id="160" name="Google Shape;160;g4fbd8a8587_0_145:notes"/>
-          <p:cNvSpPr txBox="1"/>
-          <p:nvPr>
-            <p:ph idx="1" type="body"/>
-          </p:nvPr>
-        </p:nvSpPr>
-        <p:spPr>
-          <a:xfrm>
-            <a:off x="685800" y="4343400"/>
-            <a:ext cx="5486400" cy="4114800"/>
-          </a:xfrm>
-          <a:prstGeom prst="rect">
-            <a:avLst/>
-          </a:prstGeom>
-        </p:spPr>
-        <p:txBody>
-          <a:bodyPr anchorCtr="0" anchor="t" bIns="91425" lIns="91425" spcFirstLastPara="1" rIns="91425" wrap="square" tIns="91425">
-            <a:noAutofit/>
-          </a:bodyPr>
-          <a:lstStyle/>
-          <a:p>
-            <a:pPr indent="0" lvl="0" marL="0" rtl="0" algn="l">
-              <a:spcBef>
-                <a:spcPts val="0"/>
-              </a:spcBef>
-              <a:spcAft>
-                <a:spcPts val="0"/>
-              </a:spcAft>
-              <a:buNone/>
-            </a:pPr>
-            <a:r>
-              <a:t/>
-            </a:r>
-            <a:endParaRPr/>
-          </a:p>
-        </p:txBody>
-      </p:sp>
-    </p:spTree>
-  </p:cSld>
-  <p:clrMapOvr>
-    <a:masterClrMapping/>
-  </p:clrMapOvr>
-</p:notes>
-</file>
-
-<file path=ppt/notesSlides/notesSlide6.xml><?xml version="1.0" encoding="utf-8"?>
-<p:notes xmlns:a="http://schemas.openxmlformats.org/drawingml/2006/main" xmlns:r="http://schemas.openxmlformats.org/officeDocument/2006/relationships" xmlns:mc="http://schemas.openxmlformats.org/markup-compatibility/2006" xmlns:mv="urn:schemas-microsoft-com:mac:vml" xmlns:p="http://schemas.openxmlformats.org/presentationml/2006/main" xmlns:c="http://schemas.openxmlformats.org/drawingml/2006/chart" xmlns:dgm="http://schemas.openxmlformats.org/drawingml/2006/diagram" xmlns:o="urn:schemas-microsoft-com:office:office" xmlns:v="urn:schemas-microsoft-com:vml" xmlns:pvml="urn:schemas-microsoft-com:office:powerpoint" xmlns:com="http://schemas.openxmlformats.org/drawingml/2006/compatibility" xmlns:p14="http://schemas.microsoft.com/office/powerpoint/2010/main" xmlns:p15="http://schemas.microsoft.com/office/powerpoint/2012/main" showMasterPhAnim="0" showMasterSp="0">
-  <p:cSld>
-    <p:spTree>
-      <p:nvGrpSpPr>
-        <p:cNvPr id="164" name="Shape 164"/>
+        <p:cNvPr id="1" name="Shape 164"/>
         <p:cNvGrpSpPr/>
         <p:nvPr/>
       </p:nvGrpSpPr>
@@ -1223,9 +1053,11 @@
       <p:sp>
         <p:nvSpPr>
           <p:cNvPr id="165" name="Google Shape;165;g4fbd8a8587_0_150:notes"/>
-          <p:cNvSpPr/>
+          <p:cNvSpPr>
+            <a:spLocks noGrp="1" noRot="1" noChangeAspect="1"/>
+          </p:cNvSpPr>
           <p:nvPr>
-            <p:ph idx="2" type="sldImg"/>
+            <p:ph type="sldImg" idx="2"/>
           </p:nvPr>
         </p:nvSpPr>
         <p:spPr>
@@ -1234,9 +1066,13 @@
             <a:ext cx="6096000" cy="3429000"/>
           </a:xfrm>
           <a:custGeom>
-            <a:rect b="b" l="l" r="r" t="t"/>
+            <a:avLst/>
+            <a:gdLst/>
+            <a:ahLst/>
+            <a:cxnLst/>
+            <a:rect l="l" t="t" r="r" b="b"/>
             <a:pathLst>
-              <a:path extrusionOk="0" h="120000" w="120000">
+              <a:path w="120000" h="120000" extrusionOk="0">
                 <a:moveTo>
                   <a:pt x="0" y="0"/>
                 </a:moveTo>
@@ -1258,9 +1094,11 @@
       <p:sp>
         <p:nvSpPr>
           <p:cNvPr id="166" name="Google Shape;166;g4fbd8a8587_0_150:notes"/>
-          <p:cNvSpPr txBox="1"/>
+          <p:cNvSpPr txBox="1">
+            <a:spLocks noGrp="1"/>
+          </p:cNvSpPr>
           <p:nvPr>
-            <p:ph idx="1" type="body"/>
+            <p:ph type="body" idx="1"/>
           </p:nvPr>
         </p:nvSpPr>
         <p:spPr>
@@ -1273,12 +1111,12 @@
           </a:prstGeom>
         </p:spPr>
         <p:txBody>
-          <a:bodyPr anchorCtr="0" anchor="t" bIns="91425" lIns="91425" spcFirstLastPara="1" rIns="91425" wrap="square" tIns="91425">
+          <a:bodyPr spcFirstLastPara="1" wrap="square" lIns="91425" tIns="91425" rIns="91425" bIns="91425" anchor="t" anchorCtr="0">
             <a:noAutofit/>
           </a:bodyPr>
           <a:lstStyle/>
           <a:p>
-            <a:pPr indent="0" lvl="0" marL="0" rtl="0" algn="l">
+            <a:pPr marL="0" lvl="0" indent="0" algn="l" rtl="0">
               <a:spcBef>
                 <a:spcPts val="0"/>
               </a:spcBef>
@@ -1287,9 +1125,6 @@
               </a:spcAft>
               <a:buNone/>
             </a:pPr>
-            <a:r>
-              <a:t/>
-            </a:r>
             <a:endParaRPr/>
           </a:p>
         </p:txBody>
@@ -1302,12 +1137,12 @@
 </p:notes>
 </file>
 
-<file path=ppt/notesSlides/notesSlide7.xml><?xml version="1.0" encoding="utf-8"?>
-<p:notes xmlns:a="http://schemas.openxmlformats.org/drawingml/2006/main" xmlns:r="http://schemas.openxmlformats.org/officeDocument/2006/relationships" xmlns:mc="http://schemas.openxmlformats.org/markup-compatibility/2006" xmlns:mv="urn:schemas-microsoft-com:mac:vml" xmlns:p="http://schemas.openxmlformats.org/presentationml/2006/main" xmlns:c="http://schemas.openxmlformats.org/drawingml/2006/chart" xmlns:dgm="http://schemas.openxmlformats.org/drawingml/2006/diagram" xmlns:o="urn:schemas-microsoft-com:office:office" xmlns:v="urn:schemas-microsoft-com:vml" xmlns:pvml="urn:schemas-microsoft-com:office:powerpoint" xmlns:com="http://schemas.openxmlformats.org/drawingml/2006/compatibility" xmlns:p14="http://schemas.microsoft.com/office/powerpoint/2010/main" xmlns:p15="http://schemas.microsoft.com/office/powerpoint/2012/main" showMasterPhAnim="0" showMasterSp="0">
+<file path=ppt/notesSlides/notesSlide5.xml><?xml version="1.0" encoding="utf-8"?>
+<p:notes xmlns:a="http://schemas.openxmlformats.org/drawingml/2006/main" xmlns:r="http://schemas.openxmlformats.org/officeDocument/2006/relationships" xmlns:p="http://schemas.openxmlformats.org/presentationml/2006/main" showMasterSp="0" showMasterPhAnim="0">
   <p:cSld>
     <p:spTree>
       <p:nvGrpSpPr>
-        <p:cNvPr id="169" name="Shape 169"/>
+        <p:cNvPr id="1" name="Shape 169"/>
         <p:cNvGrpSpPr/>
         <p:nvPr/>
       </p:nvGrpSpPr>
@@ -1322,9 +1157,11 @@
       <p:sp>
         <p:nvSpPr>
           <p:cNvPr id="170" name="Google Shape;170;g4fbd8a8587_0_160:notes"/>
-          <p:cNvSpPr/>
+          <p:cNvSpPr>
+            <a:spLocks noGrp="1" noRot="1" noChangeAspect="1"/>
+          </p:cNvSpPr>
           <p:nvPr>
-            <p:ph idx="2" type="sldImg"/>
+            <p:ph type="sldImg" idx="2"/>
           </p:nvPr>
         </p:nvSpPr>
         <p:spPr>
@@ -1333,9 +1170,13 @@
             <a:ext cx="6096000" cy="3429000"/>
           </a:xfrm>
           <a:custGeom>
-            <a:rect b="b" l="l" r="r" t="t"/>
+            <a:avLst/>
+            <a:gdLst/>
+            <a:ahLst/>
+            <a:cxnLst/>
+            <a:rect l="l" t="t" r="r" b="b"/>
             <a:pathLst>
-              <a:path extrusionOk="0" h="120000" w="120000">
+              <a:path w="120000" h="120000" extrusionOk="0">
                 <a:moveTo>
                   <a:pt x="0" y="0"/>
                 </a:moveTo>
@@ -1357,9 +1198,11 @@
       <p:sp>
         <p:nvSpPr>
           <p:cNvPr id="171" name="Google Shape;171;g4fbd8a8587_0_160:notes"/>
-          <p:cNvSpPr txBox="1"/>
+          <p:cNvSpPr txBox="1">
+            <a:spLocks noGrp="1"/>
+          </p:cNvSpPr>
           <p:nvPr>
-            <p:ph idx="1" type="body"/>
+            <p:ph type="body" idx="1"/>
           </p:nvPr>
         </p:nvSpPr>
         <p:spPr>
@@ -1372,12 +1215,12 @@
           </a:prstGeom>
         </p:spPr>
         <p:txBody>
-          <a:bodyPr anchorCtr="0" anchor="t" bIns="91425" lIns="91425" spcFirstLastPara="1" rIns="91425" wrap="square" tIns="91425">
+          <a:bodyPr spcFirstLastPara="1" wrap="square" lIns="91425" tIns="91425" rIns="91425" bIns="91425" anchor="t" anchorCtr="0">
             <a:noAutofit/>
           </a:bodyPr>
           <a:lstStyle/>
           <a:p>
-            <a:pPr indent="0" lvl="0" marL="0" rtl="0" algn="l">
+            <a:pPr marL="0" lvl="0" indent="0" algn="l" rtl="0">
               <a:spcBef>
                 <a:spcPts val="0"/>
               </a:spcBef>
@@ -1386,9 +1229,6 @@
               </a:spcAft>
               <a:buNone/>
             </a:pPr>
-            <a:r>
-              <a:t/>
-            </a:r>
             <a:endParaRPr/>
           </a:p>
         </p:txBody>
@@ -1401,12 +1241,12 @@
 </p:notes>
 </file>
 
-<file path=ppt/notesSlides/notesSlide8.xml><?xml version="1.0" encoding="utf-8"?>
-<p:notes xmlns:a="http://schemas.openxmlformats.org/drawingml/2006/main" xmlns:r="http://schemas.openxmlformats.org/officeDocument/2006/relationships" xmlns:mc="http://schemas.openxmlformats.org/markup-compatibility/2006" xmlns:mv="urn:schemas-microsoft-com:mac:vml" xmlns:p="http://schemas.openxmlformats.org/presentationml/2006/main" xmlns:c="http://schemas.openxmlformats.org/drawingml/2006/chart" xmlns:dgm="http://schemas.openxmlformats.org/drawingml/2006/diagram" xmlns:o="urn:schemas-microsoft-com:office:office" xmlns:v="urn:schemas-microsoft-com:vml" xmlns:pvml="urn:schemas-microsoft-com:office:powerpoint" xmlns:com="http://schemas.openxmlformats.org/drawingml/2006/compatibility" xmlns:p14="http://schemas.microsoft.com/office/powerpoint/2010/main" xmlns:p15="http://schemas.microsoft.com/office/powerpoint/2012/main" showMasterPhAnim="0" showMasterSp="0">
+<file path=ppt/notesSlides/notesSlide6.xml><?xml version="1.0" encoding="utf-8"?>
+<p:notes xmlns:a="http://schemas.openxmlformats.org/drawingml/2006/main" xmlns:r="http://schemas.openxmlformats.org/officeDocument/2006/relationships" xmlns:p="http://schemas.openxmlformats.org/presentationml/2006/main" showMasterSp="0" showMasterPhAnim="0">
   <p:cSld>
     <p:spTree>
       <p:nvGrpSpPr>
-        <p:cNvPr id="175" name="Shape 175"/>
+        <p:cNvPr id="1" name="Shape 175"/>
         <p:cNvGrpSpPr/>
         <p:nvPr/>
       </p:nvGrpSpPr>
@@ -1421,20 +1261,26 @@
       <p:sp>
         <p:nvSpPr>
           <p:cNvPr id="176" name="Google Shape;176;g4fbd8a8587_0_165:notes"/>
-          <p:cNvSpPr/>
+          <p:cNvSpPr>
+            <a:spLocks noGrp="1" noRot="1" noChangeAspect="1"/>
+          </p:cNvSpPr>
           <p:nvPr>
-            <p:ph idx="2" type="sldImg"/>
+            <p:ph type="sldImg" idx="2"/>
           </p:nvPr>
         </p:nvSpPr>
         <p:spPr>
           <a:xfrm>
-            <a:off x="381300" y="685800"/>
+            <a:off x="381000" y="685800"/>
             <a:ext cx="6096000" cy="3429000"/>
           </a:xfrm>
           <a:custGeom>
-            <a:rect b="b" l="l" r="r" t="t"/>
+            <a:avLst/>
+            <a:gdLst/>
+            <a:ahLst/>
+            <a:cxnLst/>
+            <a:rect l="l" t="t" r="r" b="b"/>
             <a:pathLst>
-              <a:path extrusionOk="0" h="120000" w="120000">
+              <a:path w="120000" h="120000" extrusionOk="0">
                 <a:moveTo>
                   <a:pt x="0" y="0"/>
                 </a:moveTo>
@@ -1456,9 +1302,11 @@
       <p:sp>
         <p:nvSpPr>
           <p:cNvPr id="177" name="Google Shape;177;g4fbd8a8587_0_165:notes"/>
-          <p:cNvSpPr txBox="1"/>
+          <p:cNvSpPr txBox="1">
+            <a:spLocks noGrp="1"/>
+          </p:cNvSpPr>
           <p:nvPr>
-            <p:ph idx="1" type="body"/>
+            <p:ph type="body" idx="1"/>
           </p:nvPr>
         </p:nvSpPr>
         <p:spPr>
@@ -1471,12 +1319,12 @@
           </a:prstGeom>
         </p:spPr>
         <p:txBody>
-          <a:bodyPr anchorCtr="0" anchor="t" bIns="91425" lIns="91425" spcFirstLastPara="1" rIns="91425" wrap="square" tIns="91425">
+          <a:bodyPr spcFirstLastPara="1" wrap="square" lIns="91425" tIns="91425" rIns="91425" bIns="91425" anchor="t" anchorCtr="0">
             <a:noAutofit/>
           </a:bodyPr>
           <a:lstStyle/>
           <a:p>
-            <a:pPr indent="0" lvl="0" marL="0" rtl="0" algn="l">
+            <a:pPr marL="0" lvl="0" indent="0" algn="l" rtl="0">
               <a:spcBef>
                 <a:spcPts val="0"/>
               </a:spcBef>
@@ -1485,9 +1333,6 @@
               </a:spcAft>
               <a:buNone/>
             </a:pPr>
-            <a:r>
-              <a:t/>
-            </a:r>
             <a:endParaRPr/>
           </a:p>
         </p:txBody>
@@ -1500,12 +1345,12 @@
 </p:notes>
 </file>
 
-<file path=ppt/notesSlides/notesSlide9.xml><?xml version="1.0" encoding="utf-8"?>
-<p:notes xmlns:a="http://schemas.openxmlformats.org/drawingml/2006/main" xmlns:r="http://schemas.openxmlformats.org/officeDocument/2006/relationships" xmlns:mc="http://schemas.openxmlformats.org/markup-compatibility/2006" xmlns:mv="urn:schemas-microsoft-com:mac:vml" xmlns:p="http://schemas.openxmlformats.org/presentationml/2006/main" xmlns:c="http://schemas.openxmlformats.org/drawingml/2006/chart" xmlns:dgm="http://schemas.openxmlformats.org/drawingml/2006/diagram" xmlns:o="urn:schemas-microsoft-com:office:office" xmlns:v="urn:schemas-microsoft-com:vml" xmlns:pvml="urn:schemas-microsoft-com:office:powerpoint" xmlns:com="http://schemas.openxmlformats.org/drawingml/2006/compatibility" xmlns:p14="http://schemas.microsoft.com/office/powerpoint/2010/main" xmlns:p15="http://schemas.microsoft.com/office/powerpoint/2012/main" showMasterPhAnim="0" showMasterSp="0">
+<file path=ppt/notesSlides/notesSlide7.xml><?xml version="1.0" encoding="utf-8"?>
+<p:notes xmlns:a="http://schemas.openxmlformats.org/drawingml/2006/main" xmlns:r="http://schemas.openxmlformats.org/officeDocument/2006/relationships" xmlns:p="http://schemas.openxmlformats.org/presentationml/2006/main" showMasterSp="0" showMasterPhAnim="0">
   <p:cSld>
     <p:spTree>
       <p:nvGrpSpPr>
-        <p:cNvPr id="182" name="Shape 182"/>
+        <p:cNvPr id="1" name="Shape 182"/>
         <p:cNvGrpSpPr/>
         <p:nvPr/>
       </p:nvGrpSpPr>
@@ -1520,9 +1365,11 @@
       <p:sp>
         <p:nvSpPr>
           <p:cNvPr id="183" name="Google Shape;183;g4fbd8a8587_0_171:notes"/>
-          <p:cNvSpPr/>
+          <p:cNvSpPr>
+            <a:spLocks noGrp="1" noRot="1" noChangeAspect="1"/>
+          </p:cNvSpPr>
           <p:nvPr>
-            <p:ph idx="2" type="sldImg"/>
+            <p:ph type="sldImg" idx="2"/>
           </p:nvPr>
         </p:nvSpPr>
         <p:spPr>
@@ -1531,9 +1378,13 @@
             <a:ext cx="6096000" cy="3429000"/>
           </a:xfrm>
           <a:custGeom>
-            <a:rect b="b" l="l" r="r" t="t"/>
+            <a:avLst/>
+            <a:gdLst/>
+            <a:ahLst/>
+            <a:cxnLst/>
+            <a:rect l="l" t="t" r="r" b="b"/>
             <a:pathLst>
-              <a:path extrusionOk="0" h="120000" w="120000">
+              <a:path w="120000" h="120000" extrusionOk="0">
                 <a:moveTo>
                   <a:pt x="0" y="0"/>
                 </a:moveTo>
@@ -1555,9 +1406,11 @@
       <p:sp>
         <p:nvSpPr>
           <p:cNvPr id="184" name="Google Shape;184;g4fbd8a8587_0_171:notes"/>
-          <p:cNvSpPr txBox="1"/>
+          <p:cNvSpPr txBox="1">
+            <a:spLocks noGrp="1"/>
+          </p:cNvSpPr>
           <p:nvPr>
-            <p:ph idx="1" type="body"/>
+            <p:ph type="body" idx="1"/>
           </p:nvPr>
         </p:nvSpPr>
         <p:spPr>
@@ -1570,12 +1423,12 @@
           </a:prstGeom>
         </p:spPr>
         <p:txBody>
-          <a:bodyPr anchorCtr="0" anchor="t" bIns="91425" lIns="91425" spcFirstLastPara="1" rIns="91425" wrap="square" tIns="91425">
+          <a:bodyPr spcFirstLastPara="1" wrap="square" lIns="91425" tIns="91425" rIns="91425" bIns="91425" anchor="t" anchorCtr="0">
             <a:noAutofit/>
           </a:bodyPr>
           <a:lstStyle/>
           <a:p>
-            <a:pPr indent="0" lvl="0" marL="0" rtl="0" algn="l">
+            <a:pPr marL="0" lvl="0" indent="0" algn="l" rtl="0">
               <a:spcBef>
                 <a:spcPts val="0"/>
               </a:spcBef>
@@ -1584,9 +1437,6 @@
               </a:spcAft>
               <a:buNone/>
             </a:pPr>
-            <a:r>
-              <a:t/>
-            </a:r>
             <a:endParaRPr/>
           </a:p>
         </p:txBody>
@@ -1600,11 +1450,11 @@
 </file>
 
 <file path=ppt/slideLayouts/slideLayout1.xml><?xml version="1.0" encoding="utf-8"?>
-<p:sldLayout xmlns:a="http://schemas.openxmlformats.org/drawingml/2006/main" xmlns:r="http://schemas.openxmlformats.org/officeDocument/2006/relationships" xmlns:mc="http://schemas.openxmlformats.org/markup-compatibility/2006" xmlns:mv="urn:schemas-microsoft-com:mac:vml" xmlns:p="http://schemas.openxmlformats.org/presentationml/2006/main" xmlns:c="http://schemas.openxmlformats.org/drawingml/2006/chart" xmlns:dgm="http://schemas.openxmlformats.org/drawingml/2006/diagram" xmlns:o="urn:schemas-microsoft-com:office:office" xmlns:v="urn:schemas-microsoft-com:vml" xmlns:pvml="urn:schemas-microsoft-com:office:powerpoint" xmlns:com="http://schemas.openxmlformats.org/drawingml/2006/compatibility" xmlns:p14="http://schemas.microsoft.com/office/powerpoint/2010/main" xmlns:p15="http://schemas.microsoft.com/office/powerpoint/2012/main" matchingName="Title slide" type="title">
+<p:sldLayout xmlns:a="http://schemas.openxmlformats.org/drawingml/2006/main" xmlns:r="http://schemas.openxmlformats.org/officeDocument/2006/relationships" xmlns:p="http://schemas.openxmlformats.org/presentationml/2006/main" matchingName="Title slide" type="title">
   <p:cSld name="TITLE">
     <p:spTree>
       <p:nvGrpSpPr>
-        <p:cNvPr id="9" name="Shape 9"/>
+        <p:cNvPr id="1" name="Shape 9"/>
         <p:cNvGrpSpPr/>
         <p:nvPr/>
       </p:nvGrpSpPr>
@@ -1629,7 +1479,7 @@
           </a:xfrm>
           <a:prstGeom prst="diagStripe">
             <a:avLst>
-              <a:gd fmla="val 0" name="adj"/>
+              <a:gd name="adj" fmla="val 0"/>
             </a:avLst>
           </a:prstGeom>
           <a:solidFill>
@@ -1642,12 +1492,12 @@
           </a:ln>
         </p:spPr>
         <p:txBody>
-          <a:bodyPr anchorCtr="0" anchor="ctr" bIns="91425" lIns="91425" spcFirstLastPara="1" rIns="91425" wrap="square" tIns="91425">
+          <a:bodyPr spcFirstLastPara="1" wrap="square" lIns="91425" tIns="91425" rIns="91425" bIns="91425" anchor="ctr" anchorCtr="0">
             <a:noAutofit/>
           </a:bodyPr>
           <a:lstStyle/>
           <a:p>
-            <a:pPr indent="0" lvl="0" marL="0" rtl="0" algn="l">
+            <a:pPr marL="0" lvl="0" indent="0" algn="l" rtl="0">
               <a:spcBef>
                 <a:spcPts val="0"/>
               </a:spcBef>
@@ -1656,9 +1506,6 @@
               </a:spcAft>
               <a:buNone/>
             </a:pPr>
-            <a:r>
-              <a:t/>
-            </a:r>
             <a:endParaRPr/>
           </a:p>
         </p:txBody>
@@ -1690,7 +1537,7 @@
             </a:xfrm>
             <a:prstGeom prst="diagStripe">
               <a:avLst>
-                <a:gd fmla="val 50000" name="adj"/>
+                <a:gd name="adj" fmla="val 50000"/>
               </a:avLst>
             </a:prstGeom>
             <a:solidFill>
@@ -1703,12 +1550,12 @@
             </a:ln>
           </p:spPr>
           <p:txBody>
-            <a:bodyPr anchorCtr="0" anchor="ctr" bIns="91425" lIns="91425" spcFirstLastPara="1" rIns="91425" wrap="square" tIns="91425">
+            <a:bodyPr spcFirstLastPara="1" wrap="square" lIns="91425" tIns="91425" rIns="91425" bIns="91425" anchor="ctr" anchorCtr="0">
               <a:noAutofit/>
             </a:bodyPr>
             <a:lstStyle/>
             <a:p>
-              <a:pPr indent="0" lvl="0" marL="0" rtl="0" algn="l">
+              <a:pPr marL="0" lvl="0" indent="0" algn="l" rtl="0">
                 <a:spcBef>
                   <a:spcPts val="0"/>
                 </a:spcBef>
@@ -1717,9 +1564,6 @@
                 </a:spcAft>
                 <a:buNone/>
               </a:pPr>
-              <a:r>
-                <a:t/>
-              </a:r>
               <a:endParaRPr/>
             </a:p>
           </p:txBody>
@@ -1737,7 +1581,7 @@
             </a:xfrm>
             <a:prstGeom prst="diagStripe">
               <a:avLst>
-                <a:gd fmla="val 58774" name="adj"/>
+                <a:gd name="adj" fmla="val 58774"/>
               </a:avLst>
             </a:prstGeom>
             <a:solidFill>
@@ -1750,12 +1594,12 @@
             </a:ln>
           </p:spPr>
           <p:txBody>
-            <a:bodyPr anchorCtr="0" anchor="ctr" bIns="91425" lIns="91425" spcFirstLastPara="1" rIns="91425" wrap="square" tIns="91425">
+            <a:bodyPr spcFirstLastPara="1" wrap="square" lIns="91425" tIns="91425" rIns="91425" bIns="91425" anchor="ctr" anchorCtr="0">
               <a:noAutofit/>
             </a:bodyPr>
             <a:lstStyle/>
             <a:p>
-              <a:pPr indent="0" lvl="0" marL="0" rtl="0" algn="l">
+              <a:pPr marL="0" lvl="0" indent="0" algn="l" rtl="0">
                 <a:spcBef>
                   <a:spcPts val="0"/>
                 </a:spcBef>
@@ -1764,9 +1608,6 @@
                 </a:spcAft>
                 <a:buNone/>
               </a:pPr>
-              <a:r>
-                <a:t/>
-              </a:r>
               <a:endParaRPr/>
             </a:p>
           </p:txBody>
@@ -1784,7 +1625,7 @@
             </a:xfrm>
             <a:prstGeom prst="diagStripe">
               <a:avLst>
-                <a:gd fmla="val 50000" name="adj"/>
+                <a:gd name="adj" fmla="val 50000"/>
               </a:avLst>
             </a:prstGeom>
             <a:solidFill>
@@ -1795,12 +1636,12 @@
             </a:ln>
           </p:spPr>
           <p:txBody>
-            <a:bodyPr anchorCtr="0" anchor="ctr" bIns="91425" lIns="91425" spcFirstLastPara="1" rIns="91425" wrap="square" tIns="91425">
+            <a:bodyPr spcFirstLastPara="1" wrap="square" lIns="91425" tIns="91425" rIns="91425" bIns="91425" anchor="ctr" anchorCtr="0">
               <a:noAutofit/>
             </a:bodyPr>
             <a:lstStyle/>
             <a:p>
-              <a:pPr indent="0" lvl="0" marL="0" rtl="0" algn="l">
+              <a:pPr marL="0" lvl="0" indent="0" algn="l" rtl="0">
                 <a:spcBef>
                   <a:spcPts val="0"/>
                 </a:spcBef>
@@ -1809,9 +1650,6 @@
                 </a:spcAft>
                 <a:buNone/>
               </a:pPr>
-              <a:r>
-                <a:t/>
-              </a:r>
               <a:endParaRPr/>
             </a:p>
           </p:txBody>
@@ -1829,7 +1667,7 @@
             </a:xfrm>
             <a:prstGeom prst="diagStripe">
               <a:avLst>
-                <a:gd fmla="val 50000" name="adj"/>
+                <a:gd name="adj" fmla="val 50000"/>
               </a:avLst>
             </a:prstGeom>
             <a:solidFill>
@@ -1840,12 +1678,12 @@
             </a:ln>
           </p:spPr>
           <p:txBody>
-            <a:bodyPr anchorCtr="0" anchor="ctr" bIns="91425" lIns="91425" spcFirstLastPara="1" rIns="91425" wrap="square" tIns="91425">
+            <a:bodyPr spcFirstLastPara="1" wrap="square" lIns="91425" tIns="91425" rIns="91425" bIns="91425" anchor="ctr" anchorCtr="0">
               <a:noAutofit/>
             </a:bodyPr>
             <a:lstStyle/>
             <a:p>
-              <a:pPr indent="0" lvl="0" marL="0" rtl="0" algn="l">
+              <a:pPr marL="0" lvl="0" indent="0" algn="l" rtl="0">
                 <a:spcBef>
                   <a:spcPts val="0"/>
                 </a:spcBef>
@@ -1854,9 +1692,6 @@
                 </a:spcAft>
                 <a:buNone/>
               </a:pPr>
-              <a:r>
-                <a:t/>
-              </a:r>
               <a:endParaRPr/>
             </a:p>
           </p:txBody>
@@ -1865,7 +1700,9 @@
       <p:sp>
         <p:nvSpPr>
           <p:cNvPr id="16" name="Google Shape;16;p2"/>
-          <p:cNvSpPr txBox="1"/>
+          <p:cNvSpPr txBox="1">
+            <a:spLocks noGrp="1"/>
+          </p:cNvSpPr>
           <p:nvPr>
             <p:ph type="ctrTitle"/>
           </p:nvPr>
@@ -1880,7 +1717,7 @@
           </a:prstGeom>
         </p:spPr>
         <p:txBody>
-          <a:bodyPr anchorCtr="0" anchor="t" bIns="91425" lIns="91425" spcFirstLastPara="1" rIns="91425" wrap="square" tIns="91425"/>
+          <a:bodyPr spcFirstLastPara="1" wrap="square" lIns="91425" tIns="91425" rIns="91425" bIns="91425" anchor="t" anchorCtr="0"/>
           <a:lstStyle>
             <a:lvl1pPr lvl="0">
               <a:spcBef>
@@ -1982,15 +1819,19 @@
               <a:defRPr sz="4000"/>
             </a:lvl9pPr>
           </a:lstStyle>
-          <a:p/>
+          <a:p>
+            <a:endParaRPr/>
+          </a:p>
         </p:txBody>
       </p:sp>
       <p:sp>
         <p:nvSpPr>
           <p:cNvPr id="17" name="Google Shape;17;p2"/>
-          <p:cNvSpPr txBox="1"/>
+          <p:cNvSpPr txBox="1">
+            <a:spLocks noGrp="1"/>
+          </p:cNvSpPr>
           <p:nvPr>
-            <p:ph idx="1" type="subTitle"/>
+            <p:ph type="subTitle" idx="1"/>
           </p:nvPr>
         </p:nvSpPr>
         <p:spPr>
@@ -2003,7 +1844,7 @@
           </a:prstGeom>
         </p:spPr>
         <p:txBody>
-          <a:bodyPr anchorCtr="0" anchor="t" bIns="91425" lIns="91425" spcFirstLastPara="1" rIns="91425" wrap="square" tIns="91425"/>
+          <a:bodyPr spcFirstLastPara="1" wrap="square" lIns="91425" tIns="91425" rIns="91425" bIns="91425" anchor="t" anchorCtr="0"/>
           <a:lstStyle>
             <a:lvl1pPr lvl="0">
               <a:lnSpc>
@@ -2132,15 +1973,19 @@
               <a:defRPr sz="1300"/>
             </a:lvl9pPr>
           </a:lstStyle>
-          <a:p/>
+          <a:p>
+            <a:endParaRPr/>
+          </a:p>
         </p:txBody>
       </p:sp>
       <p:sp>
         <p:nvSpPr>
           <p:cNvPr id="18" name="Google Shape;18;p2"/>
-          <p:cNvSpPr txBox="1"/>
+          <p:cNvSpPr txBox="1">
+            <a:spLocks noGrp="1"/>
+          </p:cNvSpPr>
           <p:nvPr>
-            <p:ph idx="12" type="sldNum"/>
+            <p:ph type="sldNum" idx="12"/>
           </p:nvPr>
         </p:nvSpPr>
         <p:spPr>
@@ -2153,7 +1998,7 @@
           </a:prstGeom>
         </p:spPr>
         <p:txBody>
-          <a:bodyPr anchorCtr="0" anchor="ctr" bIns="91425" lIns="91425" spcFirstLastPara="1" rIns="91425" wrap="square" tIns="91425">
+          <a:bodyPr spcFirstLastPara="1" wrap="square" lIns="91425" tIns="91425" rIns="91425" bIns="91425" anchor="ctr" anchorCtr="0">
             <a:noAutofit/>
           </a:bodyPr>
           <a:lstStyle>
@@ -2195,7 +2040,7 @@
             </a:lvl9pPr>
           </a:lstStyle>
           <a:p>
-            <a:pPr indent="0" lvl="0" marL="0" rtl="0" algn="r">
+            <a:pPr marL="0" lvl="0" indent="0" algn="r" rtl="0">
               <a:spcBef>
                 <a:spcPts val="0"/>
               </a:spcBef>
@@ -2221,11 +2066,11 @@
 </file>
 
 <file path=ppt/slideLayouts/slideLayout10.xml><?xml version="1.0" encoding="utf-8"?>
-<p:sldLayout xmlns:a="http://schemas.openxmlformats.org/drawingml/2006/main" xmlns:r="http://schemas.openxmlformats.org/officeDocument/2006/relationships" xmlns:mc="http://schemas.openxmlformats.org/markup-compatibility/2006" xmlns:mv="urn:schemas-microsoft-com:mac:vml" xmlns:p="http://schemas.openxmlformats.org/presentationml/2006/main" xmlns:c="http://schemas.openxmlformats.org/drawingml/2006/chart" xmlns:dgm="http://schemas.openxmlformats.org/drawingml/2006/diagram" xmlns:o="urn:schemas-microsoft-com:office:office" xmlns:v="urn:schemas-microsoft-com:vml" xmlns:pvml="urn:schemas-microsoft-com:office:powerpoint" xmlns:com="http://schemas.openxmlformats.org/drawingml/2006/compatibility" xmlns:p14="http://schemas.microsoft.com/office/powerpoint/2010/main" xmlns:p15="http://schemas.microsoft.com/office/powerpoint/2012/main" matchingName="Big number">
+<p:sldLayout xmlns:a="http://schemas.openxmlformats.org/drawingml/2006/main" xmlns:r="http://schemas.openxmlformats.org/officeDocument/2006/relationships" xmlns:p="http://schemas.openxmlformats.org/presentationml/2006/main" matchingName="Big number">
   <p:cSld name="BIG_NUMBER">
     <p:spTree>
       <p:nvGrpSpPr>
-        <p:cNvPr id="105" name="Shape 105"/>
+        <p:cNvPr id="1" name="Shape 105"/>
         <p:cNvGrpSpPr/>
         <p:nvPr/>
       </p:nvGrpSpPr>
@@ -2264,7 +2109,7 @@
             </a:xfrm>
             <a:prstGeom prst="diagStripe">
               <a:avLst>
-                <a:gd fmla="val 49469" name="adj"/>
+                <a:gd name="adj" fmla="val 49469"/>
               </a:avLst>
             </a:prstGeom>
             <a:solidFill>
@@ -2277,12 +2122,12 @@
             </a:ln>
           </p:spPr>
           <p:txBody>
-            <a:bodyPr anchorCtr="0" anchor="ctr" bIns="91425" lIns="91425" spcFirstLastPara="1" rIns="91425" wrap="square" tIns="91425">
+            <a:bodyPr spcFirstLastPara="1" wrap="square" lIns="91425" tIns="91425" rIns="91425" bIns="91425" anchor="ctr" anchorCtr="0">
               <a:noAutofit/>
             </a:bodyPr>
             <a:lstStyle/>
             <a:p>
-              <a:pPr indent="0" lvl="0" marL="0" rtl="0" algn="l">
+              <a:pPr marL="0" lvl="0" indent="0" algn="l" rtl="0">
                 <a:spcBef>
                   <a:spcPts val="0"/>
                 </a:spcBef>
@@ -2291,9 +2136,6 @@
                 </a:spcAft>
                 <a:buNone/>
               </a:pPr>
-              <a:r>
-                <a:t/>
-              </a:r>
               <a:endParaRPr/>
             </a:p>
           </p:txBody>
@@ -2311,7 +2153,7 @@
             </a:xfrm>
             <a:prstGeom prst="diagStripe">
               <a:avLst>
-                <a:gd fmla="val 0" name="adj"/>
+                <a:gd name="adj" fmla="val 0"/>
               </a:avLst>
             </a:prstGeom>
             <a:solidFill>
@@ -2324,12 +2166,12 @@
             </a:ln>
           </p:spPr>
           <p:txBody>
-            <a:bodyPr anchorCtr="0" anchor="ctr" bIns="91425" lIns="91425" spcFirstLastPara="1" rIns="91425" wrap="square" tIns="91425">
+            <a:bodyPr spcFirstLastPara="1" wrap="square" lIns="91425" tIns="91425" rIns="91425" bIns="91425" anchor="ctr" anchorCtr="0">
               <a:noAutofit/>
             </a:bodyPr>
             <a:lstStyle/>
             <a:p>
-              <a:pPr indent="0" lvl="0" marL="0" rtl="0" algn="l">
+              <a:pPr marL="0" lvl="0" indent="0" algn="l" rtl="0">
                 <a:spcBef>
                   <a:spcPts val="0"/>
                 </a:spcBef>
@@ -2338,9 +2180,6 @@
                 </a:spcAft>
                 <a:buNone/>
               </a:pPr>
-              <a:r>
-                <a:t/>
-              </a:r>
               <a:endParaRPr/>
             </a:p>
           </p:txBody>
@@ -2358,7 +2197,7 @@
             </a:xfrm>
             <a:prstGeom prst="diagStripe">
               <a:avLst>
-                <a:gd fmla="val 50000" name="adj"/>
+                <a:gd name="adj" fmla="val 50000"/>
               </a:avLst>
             </a:prstGeom>
             <a:solidFill>
@@ -2371,12 +2210,12 @@
             </a:ln>
           </p:spPr>
           <p:txBody>
-            <a:bodyPr anchorCtr="0" anchor="ctr" bIns="91425" lIns="91425" spcFirstLastPara="1" rIns="91425" wrap="square" tIns="91425">
+            <a:bodyPr spcFirstLastPara="1" wrap="square" lIns="91425" tIns="91425" rIns="91425" bIns="91425" anchor="ctr" anchorCtr="0">
               <a:noAutofit/>
             </a:bodyPr>
             <a:lstStyle/>
             <a:p>
-              <a:pPr indent="0" lvl="0" marL="0" rtl="0" algn="l">
+              <a:pPr marL="0" lvl="0" indent="0" algn="l" rtl="0">
                 <a:spcBef>
                   <a:spcPts val="0"/>
                 </a:spcBef>
@@ -2385,9 +2224,6 @@
                 </a:spcAft>
                 <a:buNone/>
               </a:pPr>
-              <a:r>
-                <a:t/>
-              </a:r>
               <a:endParaRPr/>
             </a:p>
           </p:txBody>
@@ -2405,7 +2241,7 @@
             </a:xfrm>
             <a:prstGeom prst="diagStripe">
               <a:avLst>
-                <a:gd fmla="val 50000" name="adj"/>
+                <a:gd name="adj" fmla="val 50000"/>
               </a:avLst>
             </a:prstGeom>
             <a:solidFill>
@@ -2418,12 +2254,12 @@
             </a:ln>
           </p:spPr>
           <p:txBody>
-            <a:bodyPr anchorCtr="0" anchor="ctr" bIns="91425" lIns="91425" spcFirstLastPara="1" rIns="91425" wrap="square" tIns="91425">
+            <a:bodyPr spcFirstLastPara="1" wrap="square" lIns="91425" tIns="91425" rIns="91425" bIns="91425" anchor="ctr" anchorCtr="0">
               <a:noAutofit/>
             </a:bodyPr>
             <a:lstStyle/>
             <a:p>
-              <a:pPr indent="0" lvl="0" marL="0" rtl="0" algn="l">
+              <a:pPr marL="0" lvl="0" indent="0" algn="l" rtl="0">
                 <a:spcBef>
                   <a:spcPts val="0"/>
                 </a:spcBef>
@@ -2432,9 +2268,6 @@
                 </a:spcAft>
                 <a:buNone/>
               </a:pPr>
-              <a:r>
-                <a:t/>
-              </a:r>
               <a:endParaRPr/>
             </a:p>
           </p:txBody>
@@ -2452,7 +2285,7 @@
             </a:xfrm>
             <a:prstGeom prst="diagStripe">
               <a:avLst>
-                <a:gd fmla="val 50000" name="adj"/>
+                <a:gd name="adj" fmla="val 50000"/>
               </a:avLst>
             </a:prstGeom>
             <a:solidFill>
@@ -2465,12 +2298,12 @@
             </a:ln>
           </p:spPr>
           <p:txBody>
-            <a:bodyPr anchorCtr="0" anchor="ctr" bIns="91425" lIns="91425" spcFirstLastPara="1" rIns="91425" wrap="square" tIns="91425">
+            <a:bodyPr spcFirstLastPara="1" wrap="square" lIns="91425" tIns="91425" rIns="91425" bIns="91425" anchor="ctr" anchorCtr="0">
               <a:noAutofit/>
             </a:bodyPr>
             <a:lstStyle/>
             <a:p>
-              <a:pPr indent="0" lvl="0" marL="0" rtl="0" algn="l">
+              <a:pPr marL="0" lvl="0" indent="0" algn="l" rtl="0">
                 <a:spcBef>
                   <a:spcPts val="0"/>
                 </a:spcBef>
@@ -2479,9 +2312,6 @@
                 </a:spcAft>
                 <a:buNone/>
               </a:pPr>
-              <a:r>
-                <a:t/>
-              </a:r>
               <a:endParaRPr/>
             </a:p>
           </p:txBody>
@@ -2499,7 +2329,7 @@
             </a:xfrm>
             <a:prstGeom prst="diagStripe">
               <a:avLst>
-                <a:gd fmla="val 50000" name="adj"/>
+                <a:gd name="adj" fmla="val 50000"/>
               </a:avLst>
             </a:prstGeom>
             <a:solidFill>
@@ -2512,12 +2342,12 @@
             </a:ln>
           </p:spPr>
           <p:txBody>
-            <a:bodyPr anchorCtr="0" anchor="ctr" bIns="91425" lIns="91425" spcFirstLastPara="1" rIns="91425" wrap="square" tIns="91425">
+            <a:bodyPr spcFirstLastPara="1" wrap="square" lIns="91425" tIns="91425" rIns="91425" bIns="91425" anchor="ctr" anchorCtr="0">
               <a:noAutofit/>
             </a:bodyPr>
             <a:lstStyle/>
             <a:p>
-              <a:pPr indent="0" lvl="0" marL="0" rtl="0" algn="l">
+              <a:pPr marL="0" lvl="0" indent="0" algn="l" rtl="0">
                 <a:spcBef>
                   <a:spcPts val="0"/>
                 </a:spcBef>
@@ -2526,9 +2356,6 @@
                 </a:spcAft>
                 <a:buNone/>
               </a:pPr>
-              <a:r>
-                <a:t/>
-              </a:r>
               <a:endParaRPr/>
             </a:p>
           </p:txBody>
@@ -2546,7 +2373,7 @@
             </a:xfrm>
             <a:prstGeom prst="diagStripe">
               <a:avLst>
-                <a:gd fmla="val 50000" name="adj"/>
+                <a:gd name="adj" fmla="val 50000"/>
               </a:avLst>
             </a:prstGeom>
             <a:solidFill>
@@ -2559,12 +2386,12 @@
             </a:ln>
           </p:spPr>
           <p:txBody>
-            <a:bodyPr anchorCtr="0" anchor="ctr" bIns="91425" lIns="91425" spcFirstLastPara="1" rIns="91425" wrap="square" tIns="91425">
+            <a:bodyPr spcFirstLastPara="1" wrap="square" lIns="91425" tIns="91425" rIns="91425" bIns="91425" anchor="ctr" anchorCtr="0">
               <a:noAutofit/>
             </a:bodyPr>
             <a:lstStyle/>
             <a:p>
-              <a:pPr indent="0" lvl="0" marL="0" rtl="0" algn="l">
+              <a:pPr marL="0" lvl="0" indent="0" algn="l" rtl="0">
                 <a:spcBef>
                   <a:spcPts val="0"/>
                 </a:spcBef>
@@ -2573,9 +2400,6 @@
                 </a:spcAft>
                 <a:buNone/>
               </a:pPr>
-              <a:r>
-                <a:t/>
-              </a:r>
               <a:endParaRPr/>
             </a:p>
           </p:txBody>
@@ -2593,7 +2417,7 @@
             </a:xfrm>
             <a:prstGeom prst="diagStripe">
               <a:avLst>
-                <a:gd fmla="val 50000" name="adj"/>
+                <a:gd name="adj" fmla="val 50000"/>
               </a:avLst>
             </a:prstGeom>
             <a:solidFill>
@@ -2604,12 +2428,12 @@
             </a:ln>
           </p:spPr>
           <p:txBody>
-            <a:bodyPr anchorCtr="0" anchor="ctr" bIns="91425" lIns="91425" spcFirstLastPara="1" rIns="91425" wrap="square" tIns="91425">
+            <a:bodyPr spcFirstLastPara="1" wrap="square" lIns="91425" tIns="91425" rIns="91425" bIns="91425" anchor="ctr" anchorCtr="0">
               <a:noAutofit/>
             </a:bodyPr>
             <a:lstStyle/>
             <a:p>
-              <a:pPr indent="0" lvl="0" marL="0" rtl="0" algn="l">
+              <a:pPr marL="0" lvl="0" indent="0" algn="l" rtl="0">
                 <a:spcBef>
                   <a:spcPts val="0"/>
                 </a:spcBef>
@@ -2618,9 +2442,6 @@
                 </a:spcAft>
                 <a:buNone/>
               </a:pPr>
-              <a:r>
-                <a:t/>
-              </a:r>
               <a:endParaRPr/>
             </a:p>
           </p:txBody>
@@ -2638,7 +2459,7 @@
             </a:xfrm>
             <a:prstGeom prst="diagStripe">
               <a:avLst>
-                <a:gd fmla="val 50000" name="adj"/>
+                <a:gd name="adj" fmla="val 50000"/>
               </a:avLst>
             </a:prstGeom>
             <a:solidFill>
@@ -2651,12 +2472,12 @@
             </a:ln>
           </p:spPr>
           <p:txBody>
-            <a:bodyPr anchorCtr="0" anchor="ctr" bIns="91425" lIns="91425" spcFirstLastPara="1" rIns="91425" wrap="square" tIns="91425">
+            <a:bodyPr spcFirstLastPara="1" wrap="square" lIns="91425" tIns="91425" rIns="91425" bIns="91425" anchor="ctr" anchorCtr="0">
               <a:noAutofit/>
             </a:bodyPr>
             <a:lstStyle/>
             <a:p>
-              <a:pPr indent="0" lvl="0" marL="0" rtl="0" algn="l">
+              <a:pPr marL="0" lvl="0" indent="0" algn="l" rtl="0">
                 <a:spcBef>
                   <a:spcPts val="0"/>
                 </a:spcBef>
@@ -2665,9 +2486,6 @@
                 </a:spcAft>
                 <a:buNone/>
               </a:pPr>
-              <a:r>
-                <a:t/>
-              </a:r>
               <a:endParaRPr/>
             </a:p>
           </p:txBody>
@@ -2685,7 +2503,7 @@
             </a:xfrm>
             <a:prstGeom prst="diagStripe">
               <a:avLst>
-                <a:gd fmla="val 50000" name="adj"/>
+                <a:gd name="adj" fmla="val 50000"/>
               </a:avLst>
             </a:prstGeom>
             <a:solidFill>
@@ -2698,12 +2516,12 @@
             </a:ln>
           </p:spPr>
           <p:txBody>
-            <a:bodyPr anchorCtr="0" anchor="ctr" bIns="91425" lIns="91425" spcFirstLastPara="1" rIns="91425" wrap="square" tIns="91425">
+            <a:bodyPr spcFirstLastPara="1" wrap="square" lIns="91425" tIns="91425" rIns="91425" bIns="91425" anchor="ctr" anchorCtr="0">
               <a:noAutofit/>
             </a:bodyPr>
             <a:lstStyle/>
             <a:p>
-              <a:pPr indent="0" lvl="0" marL="0" rtl="0" algn="l">
+              <a:pPr marL="0" lvl="0" indent="0" algn="l" rtl="0">
                 <a:spcBef>
                   <a:spcPts val="0"/>
                 </a:spcBef>
@@ -2712,9 +2530,6 @@
                 </a:spcAft>
                 <a:buNone/>
               </a:pPr>
-              <a:r>
-                <a:t/>
-              </a:r>
               <a:endParaRPr/>
             </a:p>
           </p:txBody>
@@ -2732,7 +2547,7 @@
             </a:xfrm>
             <a:prstGeom prst="diagStripe">
               <a:avLst>
-                <a:gd fmla="val 50000" name="adj"/>
+                <a:gd name="adj" fmla="val 50000"/>
               </a:avLst>
             </a:prstGeom>
             <a:solidFill>
@@ -2745,12 +2560,12 @@
             </a:ln>
           </p:spPr>
           <p:txBody>
-            <a:bodyPr anchorCtr="0" anchor="ctr" bIns="91425" lIns="91425" spcFirstLastPara="1" rIns="91425" wrap="square" tIns="91425">
+            <a:bodyPr spcFirstLastPara="1" wrap="square" lIns="91425" tIns="91425" rIns="91425" bIns="91425" anchor="ctr" anchorCtr="0">
               <a:noAutofit/>
             </a:bodyPr>
             <a:lstStyle/>
             <a:p>
-              <a:pPr indent="0" lvl="0" marL="0" rtl="0" algn="l">
+              <a:pPr marL="0" lvl="0" indent="0" algn="l" rtl="0">
                 <a:spcBef>
                   <a:spcPts val="0"/>
                 </a:spcBef>
@@ -2759,9 +2574,6 @@
                 </a:spcAft>
                 <a:buNone/>
               </a:pPr>
-              <a:r>
-                <a:t/>
-              </a:r>
               <a:endParaRPr/>
             </a:p>
           </p:txBody>
@@ -2779,7 +2591,7 @@
             </a:xfrm>
             <a:prstGeom prst="diagStripe">
               <a:avLst>
-                <a:gd fmla="val 50000" name="adj"/>
+                <a:gd name="adj" fmla="val 50000"/>
               </a:avLst>
             </a:prstGeom>
             <a:solidFill>
@@ -2792,12 +2604,12 @@
             </a:ln>
           </p:spPr>
           <p:txBody>
-            <a:bodyPr anchorCtr="0" anchor="ctr" bIns="91425" lIns="91425" spcFirstLastPara="1" rIns="91425" wrap="square" tIns="91425">
+            <a:bodyPr spcFirstLastPara="1" wrap="square" lIns="91425" tIns="91425" rIns="91425" bIns="91425" anchor="ctr" anchorCtr="0">
               <a:noAutofit/>
             </a:bodyPr>
             <a:lstStyle/>
             <a:p>
-              <a:pPr indent="0" lvl="0" marL="0" rtl="0" algn="l">
+              <a:pPr marL="0" lvl="0" indent="0" algn="l" rtl="0">
                 <a:spcBef>
                   <a:spcPts val="0"/>
                 </a:spcBef>
@@ -2806,9 +2618,6 @@
                 </a:spcAft>
                 <a:buNone/>
               </a:pPr>
-              <a:r>
-                <a:t/>
-              </a:r>
               <a:endParaRPr/>
             </a:p>
           </p:txBody>
@@ -2826,7 +2635,7 @@
             </a:xfrm>
             <a:prstGeom prst="diagStripe">
               <a:avLst>
-                <a:gd fmla="val 50000" name="adj"/>
+                <a:gd name="adj" fmla="val 50000"/>
               </a:avLst>
             </a:prstGeom>
             <a:solidFill>
@@ -2839,12 +2648,12 @@
             </a:ln>
           </p:spPr>
           <p:txBody>
-            <a:bodyPr anchorCtr="0" anchor="ctr" bIns="91425" lIns="91425" spcFirstLastPara="1" rIns="91425" wrap="square" tIns="91425">
+            <a:bodyPr spcFirstLastPara="1" wrap="square" lIns="91425" tIns="91425" rIns="91425" bIns="91425" anchor="ctr" anchorCtr="0">
               <a:noAutofit/>
             </a:bodyPr>
             <a:lstStyle/>
             <a:p>
-              <a:pPr indent="0" lvl="0" marL="0" rtl="0" algn="l">
+              <a:pPr marL="0" lvl="0" indent="0" algn="l" rtl="0">
                 <a:spcBef>
                   <a:spcPts val="0"/>
                 </a:spcBef>
@@ -2853,9 +2662,6 @@
                 </a:spcAft>
                 <a:buNone/>
               </a:pPr>
-              <a:r>
-                <a:t/>
-              </a:r>
               <a:endParaRPr/>
             </a:p>
           </p:txBody>
@@ -2873,7 +2679,7 @@
             </a:xfrm>
             <a:prstGeom prst="diagStripe">
               <a:avLst>
-                <a:gd fmla="val 50000" name="adj"/>
+                <a:gd name="adj" fmla="val 50000"/>
               </a:avLst>
             </a:prstGeom>
             <a:solidFill>
@@ -2884,12 +2690,12 @@
             </a:ln>
           </p:spPr>
           <p:txBody>
-            <a:bodyPr anchorCtr="0" anchor="ctr" bIns="91425" lIns="91425" spcFirstLastPara="1" rIns="91425" wrap="square" tIns="91425">
+            <a:bodyPr spcFirstLastPara="1" wrap="square" lIns="91425" tIns="91425" rIns="91425" bIns="91425" anchor="ctr" anchorCtr="0">
               <a:noAutofit/>
             </a:bodyPr>
             <a:lstStyle/>
             <a:p>
-              <a:pPr indent="0" lvl="0" marL="0" rtl="0" algn="l">
+              <a:pPr marL="0" lvl="0" indent="0" algn="l" rtl="0">
                 <a:spcBef>
                   <a:spcPts val="0"/>
                 </a:spcBef>
@@ -2898,9 +2704,6 @@
                 </a:spcAft>
                 <a:buNone/>
               </a:pPr>
-              <a:r>
-                <a:t/>
-              </a:r>
               <a:endParaRPr/>
             </a:p>
           </p:txBody>
@@ -2918,7 +2721,7 @@
             </a:xfrm>
             <a:prstGeom prst="diagStripe">
               <a:avLst>
-                <a:gd fmla="val 50000" name="adj"/>
+                <a:gd name="adj" fmla="val 50000"/>
               </a:avLst>
             </a:prstGeom>
             <a:solidFill>
@@ -2931,12 +2734,12 @@
             </a:ln>
           </p:spPr>
           <p:txBody>
-            <a:bodyPr anchorCtr="0" anchor="ctr" bIns="91425" lIns="91425" spcFirstLastPara="1" rIns="91425" wrap="square" tIns="91425">
+            <a:bodyPr spcFirstLastPara="1" wrap="square" lIns="91425" tIns="91425" rIns="91425" bIns="91425" anchor="ctr" anchorCtr="0">
               <a:noAutofit/>
             </a:bodyPr>
             <a:lstStyle/>
             <a:p>
-              <a:pPr indent="0" lvl="0" marL="0" rtl="0" algn="l">
+              <a:pPr marL="0" lvl="0" indent="0" algn="l" rtl="0">
                 <a:spcBef>
                   <a:spcPts val="0"/>
                 </a:spcBef>
@@ -2945,9 +2748,6 @@
                 </a:spcAft>
                 <a:buNone/>
               </a:pPr>
-              <a:r>
-                <a:t/>
-              </a:r>
               <a:endParaRPr/>
             </a:p>
           </p:txBody>
@@ -2965,7 +2765,7 @@
             </a:xfrm>
             <a:prstGeom prst="diagStripe">
               <a:avLst>
-                <a:gd fmla="val 50000" name="adj"/>
+                <a:gd name="adj" fmla="val 50000"/>
               </a:avLst>
             </a:prstGeom>
             <a:solidFill>
@@ -2978,12 +2778,12 @@
             </a:ln>
           </p:spPr>
           <p:txBody>
-            <a:bodyPr anchorCtr="0" anchor="ctr" bIns="91425" lIns="91425" spcFirstLastPara="1" rIns="91425" wrap="square" tIns="91425">
+            <a:bodyPr spcFirstLastPara="1" wrap="square" lIns="91425" tIns="91425" rIns="91425" bIns="91425" anchor="ctr" anchorCtr="0">
               <a:noAutofit/>
             </a:bodyPr>
             <a:lstStyle/>
             <a:p>
-              <a:pPr indent="0" lvl="0" marL="0" rtl="0" algn="l">
+              <a:pPr marL="0" lvl="0" indent="0" algn="l" rtl="0">
                 <a:spcBef>
                   <a:spcPts val="0"/>
                 </a:spcBef>
@@ -2992,9 +2792,6 @@
                 </a:spcAft>
                 <a:buNone/>
               </a:pPr>
-              <a:r>
-                <a:t/>
-              </a:r>
               <a:endParaRPr/>
             </a:p>
           </p:txBody>
@@ -3012,7 +2809,7 @@
             </a:xfrm>
             <a:prstGeom prst="diagStripe">
               <a:avLst>
-                <a:gd fmla="val 50000" name="adj"/>
+                <a:gd name="adj" fmla="val 50000"/>
               </a:avLst>
             </a:prstGeom>
             <a:solidFill>
@@ -3025,12 +2822,12 @@
             </a:ln>
           </p:spPr>
           <p:txBody>
-            <a:bodyPr anchorCtr="0" anchor="ctr" bIns="91425" lIns="91425" spcFirstLastPara="1" rIns="91425" wrap="square" tIns="91425">
+            <a:bodyPr spcFirstLastPara="1" wrap="square" lIns="91425" tIns="91425" rIns="91425" bIns="91425" anchor="ctr" anchorCtr="0">
               <a:noAutofit/>
             </a:bodyPr>
             <a:lstStyle/>
             <a:p>
-              <a:pPr indent="0" lvl="0" marL="0" rtl="0" algn="l">
+              <a:pPr marL="0" lvl="0" indent="0" algn="l" rtl="0">
                 <a:spcBef>
                   <a:spcPts val="0"/>
                 </a:spcBef>
@@ -3039,9 +2836,6 @@
                 </a:spcAft>
                 <a:buNone/>
               </a:pPr>
-              <a:r>
-                <a:t/>
-              </a:r>
               <a:endParaRPr/>
             </a:p>
           </p:txBody>
@@ -3059,7 +2853,7 @@
             </a:xfrm>
             <a:prstGeom prst="diagStripe">
               <a:avLst>
-                <a:gd fmla="val 50000" name="adj"/>
+                <a:gd name="adj" fmla="val 50000"/>
               </a:avLst>
             </a:prstGeom>
             <a:solidFill>
@@ -3072,12 +2866,12 @@
             </a:ln>
           </p:spPr>
           <p:txBody>
-            <a:bodyPr anchorCtr="0" anchor="ctr" bIns="91425" lIns="91425" spcFirstLastPara="1" rIns="91425" wrap="square" tIns="91425">
+            <a:bodyPr spcFirstLastPara="1" wrap="square" lIns="91425" tIns="91425" rIns="91425" bIns="91425" anchor="ctr" anchorCtr="0">
               <a:noAutofit/>
             </a:bodyPr>
             <a:lstStyle/>
             <a:p>
-              <a:pPr indent="0" lvl="0" marL="0" rtl="0" algn="l">
+              <a:pPr marL="0" lvl="0" indent="0" algn="l" rtl="0">
                 <a:spcBef>
                   <a:spcPts val="0"/>
                 </a:spcBef>
@@ -3086,9 +2880,6 @@
                 </a:spcAft>
                 <a:buNone/>
               </a:pPr>
-              <a:r>
-                <a:t/>
-              </a:r>
               <a:endParaRPr/>
             </a:p>
           </p:txBody>
@@ -3097,9 +2888,11 @@
       <p:sp>
         <p:nvSpPr>
           <p:cNvPr id="125" name="Google Shape;125;p11"/>
-          <p:cNvSpPr txBox="1"/>
+          <p:cNvSpPr txBox="1">
+            <a:spLocks noGrp="1"/>
+          </p:cNvSpPr>
           <p:nvPr>
-            <p:ph hasCustomPrompt="1" type="title"/>
+            <p:ph type="title" hasCustomPrompt="1"/>
           </p:nvPr>
         </p:nvSpPr>
         <p:spPr>
@@ -3112,7 +2905,7 @@
           </a:prstGeom>
         </p:spPr>
         <p:txBody>
-          <a:bodyPr anchorCtr="0" anchor="t" bIns="91425" lIns="91425" spcFirstLastPara="1" rIns="91425" wrap="square" tIns="91425"/>
+          <a:bodyPr spcFirstLastPara="1" wrap="square" lIns="91425" tIns="91425" rIns="91425" bIns="91425" anchor="t" anchorCtr="0"/>
           <a:lstStyle>
             <a:lvl1pPr lvl="0">
               <a:spcBef>
@@ -3224,9 +3017,11 @@
       <p:sp>
         <p:nvSpPr>
           <p:cNvPr id="126" name="Google Shape;126;p11"/>
-          <p:cNvSpPr txBox="1"/>
+          <p:cNvSpPr txBox="1">
+            <a:spLocks noGrp="1"/>
+          </p:cNvSpPr>
           <p:nvPr>
-            <p:ph idx="1" type="body"/>
+            <p:ph type="body" idx="1"/>
           </p:nvPr>
         </p:nvSpPr>
         <p:spPr>
@@ -3239,9 +3034,9 @@
           </a:prstGeom>
         </p:spPr>
         <p:txBody>
-          <a:bodyPr anchorCtr="0" anchor="t" bIns="91425" lIns="91425" spcFirstLastPara="1" rIns="91425" wrap="square" tIns="91425"/>
+          <a:bodyPr spcFirstLastPara="1" wrap="square" lIns="91425" tIns="91425" rIns="91425" bIns="91425" anchor="t" anchorCtr="0"/>
           <a:lstStyle>
-            <a:lvl1pPr indent="-311150" lvl="0" marL="457200">
+            <a:lvl1pPr marL="457200" lvl="0" indent="-311150">
               <a:spcBef>
                 <a:spcPts val="0"/>
               </a:spcBef>
@@ -3252,7 +3047,7 @@
               <a:buChar char="●"/>
               <a:defRPr/>
             </a:lvl1pPr>
-            <a:lvl2pPr indent="-298450" lvl="1" marL="914400">
+            <a:lvl2pPr marL="914400" lvl="1" indent="-298450">
               <a:spcBef>
                 <a:spcPts val="1600"/>
               </a:spcBef>
@@ -3263,7 +3058,7 @@
               <a:buChar char="○"/>
               <a:defRPr/>
             </a:lvl2pPr>
-            <a:lvl3pPr indent="-298450" lvl="2" marL="1371600">
+            <a:lvl3pPr marL="1371600" lvl="2" indent="-298450">
               <a:spcBef>
                 <a:spcPts val="1600"/>
               </a:spcBef>
@@ -3274,7 +3069,7 @@
               <a:buChar char="■"/>
               <a:defRPr/>
             </a:lvl3pPr>
-            <a:lvl4pPr indent="-298450" lvl="3" marL="1828800">
+            <a:lvl4pPr marL="1828800" lvl="3" indent="-298450">
               <a:spcBef>
                 <a:spcPts val="1600"/>
               </a:spcBef>
@@ -3285,7 +3080,7 @@
               <a:buChar char="●"/>
               <a:defRPr/>
             </a:lvl4pPr>
-            <a:lvl5pPr indent="-298450" lvl="4" marL="2286000">
+            <a:lvl5pPr marL="2286000" lvl="4" indent="-298450">
               <a:spcBef>
                 <a:spcPts val="1600"/>
               </a:spcBef>
@@ -3296,7 +3091,7 @@
               <a:buChar char="○"/>
               <a:defRPr/>
             </a:lvl5pPr>
-            <a:lvl6pPr indent="-298450" lvl="5" marL="2743200">
+            <a:lvl6pPr marL="2743200" lvl="5" indent="-298450">
               <a:spcBef>
                 <a:spcPts val="1600"/>
               </a:spcBef>
@@ -3307,7 +3102,7 @@
               <a:buChar char="■"/>
               <a:defRPr/>
             </a:lvl6pPr>
-            <a:lvl7pPr indent="-298450" lvl="6" marL="3200400">
+            <a:lvl7pPr marL="3200400" lvl="6" indent="-298450">
               <a:spcBef>
                 <a:spcPts val="1600"/>
               </a:spcBef>
@@ -3318,7 +3113,7 @@
               <a:buChar char="●"/>
               <a:defRPr/>
             </a:lvl7pPr>
-            <a:lvl8pPr indent="-298450" lvl="7" marL="3657600">
+            <a:lvl8pPr marL="3657600" lvl="7" indent="-298450">
               <a:spcBef>
                 <a:spcPts val="1600"/>
               </a:spcBef>
@@ -3329,7 +3124,7 @@
               <a:buChar char="○"/>
               <a:defRPr/>
             </a:lvl8pPr>
-            <a:lvl9pPr indent="-298450" lvl="8" marL="4114800">
+            <a:lvl9pPr marL="4114800" lvl="8" indent="-298450">
               <a:spcBef>
                 <a:spcPts val="1600"/>
               </a:spcBef>
@@ -3341,15 +3136,19 @@
               <a:defRPr/>
             </a:lvl9pPr>
           </a:lstStyle>
-          <a:p/>
+          <a:p>
+            <a:endParaRPr/>
+          </a:p>
         </p:txBody>
       </p:sp>
       <p:sp>
         <p:nvSpPr>
           <p:cNvPr id="127" name="Google Shape;127;p11"/>
-          <p:cNvSpPr txBox="1"/>
+          <p:cNvSpPr txBox="1">
+            <a:spLocks noGrp="1"/>
+          </p:cNvSpPr>
           <p:nvPr>
-            <p:ph idx="12" type="sldNum"/>
+            <p:ph type="sldNum" idx="12"/>
           </p:nvPr>
         </p:nvSpPr>
         <p:spPr>
@@ -3362,7 +3161,7 @@
           </a:prstGeom>
         </p:spPr>
         <p:txBody>
-          <a:bodyPr anchorCtr="0" anchor="ctr" bIns="91425" lIns="91425" spcFirstLastPara="1" rIns="91425" wrap="square" tIns="91425">
+          <a:bodyPr spcFirstLastPara="1" wrap="square" lIns="91425" tIns="91425" rIns="91425" bIns="91425" anchor="ctr" anchorCtr="0">
             <a:noAutofit/>
           </a:bodyPr>
           <a:lstStyle>
@@ -3404,7 +3203,7 @@
             </a:lvl9pPr>
           </a:lstStyle>
           <a:p>
-            <a:pPr indent="0" lvl="0" marL="0" rtl="0" algn="r">
+            <a:pPr marL="0" lvl="0" indent="0" algn="r" rtl="0">
               <a:spcBef>
                 <a:spcPts val="0"/>
               </a:spcBef>
@@ -3430,11 +3229,11 @@
 </file>
 
 <file path=ppt/slideLayouts/slideLayout11.xml><?xml version="1.0" encoding="utf-8"?>
-<p:sldLayout xmlns:a="http://schemas.openxmlformats.org/drawingml/2006/main" xmlns:r="http://schemas.openxmlformats.org/officeDocument/2006/relationships" xmlns:mc="http://schemas.openxmlformats.org/markup-compatibility/2006" xmlns:mv="urn:schemas-microsoft-com:mac:vml" xmlns:p="http://schemas.openxmlformats.org/presentationml/2006/main" xmlns:c="http://schemas.openxmlformats.org/drawingml/2006/chart" xmlns:dgm="http://schemas.openxmlformats.org/drawingml/2006/diagram" xmlns:o="urn:schemas-microsoft-com:office:office" xmlns:v="urn:schemas-microsoft-com:vml" xmlns:pvml="urn:schemas-microsoft-com:office:powerpoint" xmlns:com="http://schemas.openxmlformats.org/drawingml/2006/compatibility" xmlns:p14="http://schemas.microsoft.com/office/powerpoint/2010/main" xmlns:p15="http://schemas.microsoft.com/office/powerpoint/2012/main" matchingName="Blank" type="blank">
+<p:sldLayout xmlns:a="http://schemas.openxmlformats.org/drawingml/2006/main" xmlns:r="http://schemas.openxmlformats.org/officeDocument/2006/relationships" xmlns:p="http://schemas.openxmlformats.org/presentationml/2006/main" matchingName="Blank" type="blank">
   <p:cSld name="BLANK">
     <p:spTree>
       <p:nvGrpSpPr>
-        <p:cNvPr id="128" name="Shape 128"/>
+        <p:cNvPr id="1" name="Shape 128"/>
         <p:cNvGrpSpPr/>
         <p:nvPr/>
       </p:nvGrpSpPr>
@@ -3449,9 +3248,11 @@
       <p:sp>
         <p:nvSpPr>
           <p:cNvPr id="129" name="Google Shape;129;p12"/>
-          <p:cNvSpPr txBox="1"/>
+          <p:cNvSpPr txBox="1">
+            <a:spLocks noGrp="1"/>
+          </p:cNvSpPr>
           <p:nvPr>
-            <p:ph idx="12" type="sldNum"/>
+            <p:ph type="sldNum" idx="12"/>
           </p:nvPr>
         </p:nvSpPr>
         <p:spPr>
@@ -3464,7 +3265,7 @@
           </a:prstGeom>
         </p:spPr>
         <p:txBody>
-          <a:bodyPr anchorCtr="0" anchor="ctr" bIns="91425" lIns="91425" spcFirstLastPara="1" rIns="91425" wrap="square" tIns="91425">
+          <a:bodyPr spcFirstLastPara="1" wrap="square" lIns="91425" tIns="91425" rIns="91425" bIns="91425" anchor="ctr" anchorCtr="0">
             <a:noAutofit/>
           </a:bodyPr>
           <a:lstStyle>
@@ -3506,7 +3307,7 @@
             </a:lvl9pPr>
           </a:lstStyle>
           <a:p>
-            <a:pPr indent="0" lvl="0" marL="0" rtl="0" algn="r">
+            <a:pPr marL="0" lvl="0" indent="0" algn="r" rtl="0">
               <a:spcBef>
                 <a:spcPts val="0"/>
               </a:spcBef>
@@ -3532,11 +3333,11 @@
 </file>
 
 <file path=ppt/slideLayouts/slideLayout2.xml><?xml version="1.0" encoding="utf-8"?>
-<p:sldLayout xmlns:a="http://schemas.openxmlformats.org/drawingml/2006/main" xmlns:r="http://schemas.openxmlformats.org/officeDocument/2006/relationships" xmlns:mc="http://schemas.openxmlformats.org/markup-compatibility/2006" xmlns:mv="urn:schemas-microsoft-com:mac:vml" xmlns:p="http://schemas.openxmlformats.org/presentationml/2006/main" xmlns:c="http://schemas.openxmlformats.org/drawingml/2006/chart" xmlns:dgm="http://schemas.openxmlformats.org/drawingml/2006/diagram" xmlns:o="urn:schemas-microsoft-com:office:office" xmlns:v="urn:schemas-microsoft-com:vml" xmlns:pvml="urn:schemas-microsoft-com:office:powerpoint" xmlns:com="http://schemas.openxmlformats.org/drawingml/2006/compatibility" xmlns:p14="http://schemas.microsoft.com/office/powerpoint/2010/main" xmlns:p15="http://schemas.microsoft.com/office/powerpoint/2012/main" matchingName="Section header" type="secHead">
+<p:sldLayout xmlns:a="http://schemas.openxmlformats.org/drawingml/2006/main" xmlns:r="http://schemas.openxmlformats.org/officeDocument/2006/relationships" xmlns:p="http://schemas.openxmlformats.org/presentationml/2006/main" matchingName="Section header" type="secHead">
   <p:cSld name="SECTION_HEADER">
     <p:spTree>
       <p:nvGrpSpPr>
-        <p:cNvPr id="19" name="Shape 19"/>
+        <p:cNvPr id="1" name="Shape 19"/>
         <p:cNvGrpSpPr/>
         <p:nvPr/>
       </p:nvGrpSpPr>
@@ -3575,7 +3376,7 @@
             </a:xfrm>
             <a:prstGeom prst="diagStripe">
               <a:avLst>
-                <a:gd fmla="val 49469" name="adj"/>
+                <a:gd name="adj" fmla="val 49469"/>
               </a:avLst>
             </a:prstGeom>
             <a:solidFill>
@@ -3588,12 +3389,12 @@
             </a:ln>
           </p:spPr>
           <p:txBody>
-            <a:bodyPr anchorCtr="0" anchor="ctr" bIns="91425" lIns="91425" spcFirstLastPara="1" rIns="91425" wrap="square" tIns="91425">
+            <a:bodyPr spcFirstLastPara="1" wrap="square" lIns="91425" tIns="91425" rIns="91425" bIns="91425" anchor="ctr" anchorCtr="0">
               <a:noAutofit/>
             </a:bodyPr>
             <a:lstStyle/>
             <a:p>
-              <a:pPr indent="0" lvl="0" marL="0" rtl="0" algn="l">
+              <a:pPr marL="0" lvl="0" indent="0" algn="l" rtl="0">
                 <a:spcBef>
                   <a:spcPts val="0"/>
                 </a:spcBef>
@@ -3602,9 +3403,6 @@
                 </a:spcAft>
                 <a:buNone/>
               </a:pPr>
-              <a:r>
-                <a:t/>
-              </a:r>
               <a:endParaRPr/>
             </a:p>
           </p:txBody>
@@ -3622,7 +3420,7 @@
             </a:xfrm>
             <a:prstGeom prst="diagStripe">
               <a:avLst>
-                <a:gd fmla="val 0" name="adj"/>
+                <a:gd name="adj" fmla="val 0"/>
               </a:avLst>
             </a:prstGeom>
             <a:solidFill>
@@ -3635,12 +3433,12 @@
             </a:ln>
           </p:spPr>
           <p:txBody>
-            <a:bodyPr anchorCtr="0" anchor="ctr" bIns="91425" lIns="91425" spcFirstLastPara="1" rIns="91425" wrap="square" tIns="91425">
+            <a:bodyPr spcFirstLastPara="1" wrap="square" lIns="91425" tIns="91425" rIns="91425" bIns="91425" anchor="ctr" anchorCtr="0">
               <a:noAutofit/>
             </a:bodyPr>
             <a:lstStyle/>
             <a:p>
-              <a:pPr indent="0" lvl="0" marL="0" rtl="0" algn="l">
+              <a:pPr marL="0" lvl="0" indent="0" algn="l" rtl="0">
                 <a:spcBef>
                   <a:spcPts val="0"/>
                 </a:spcBef>
@@ -3649,9 +3447,6 @@
                 </a:spcAft>
                 <a:buNone/>
               </a:pPr>
-              <a:r>
-                <a:t/>
-              </a:r>
               <a:endParaRPr/>
             </a:p>
           </p:txBody>
@@ -3669,7 +3464,7 @@
             </a:xfrm>
             <a:prstGeom prst="diagStripe">
               <a:avLst>
-                <a:gd fmla="val 50000" name="adj"/>
+                <a:gd name="adj" fmla="val 50000"/>
               </a:avLst>
             </a:prstGeom>
             <a:solidFill>
@@ -3682,12 +3477,12 @@
             </a:ln>
           </p:spPr>
           <p:txBody>
-            <a:bodyPr anchorCtr="0" anchor="ctr" bIns="91425" lIns="91425" spcFirstLastPara="1" rIns="91425" wrap="square" tIns="91425">
+            <a:bodyPr spcFirstLastPara="1" wrap="square" lIns="91425" tIns="91425" rIns="91425" bIns="91425" anchor="ctr" anchorCtr="0">
               <a:noAutofit/>
             </a:bodyPr>
             <a:lstStyle/>
             <a:p>
-              <a:pPr indent="0" lvl="0" marL="0" rtl="0" algn="l">
+              <a:pPr marL="0" lvl="0" indent="0" algn="l" rtl="0">
                 <a:spcBef>
                   <a:spcPts val="0"/>
                 </a:spcBef>
@@ -3696,9 +3491,6 @@
                 </a:spcAft>
                 <a:buNone/>
               </a:pPr>
-              <a:r>
-                <a:t/>
-              </a:r>
               <a:endParaRPr/>
             </a:p>
           </p:txBody>
@@ -3716,7 +3508,7 @@
             </a:xfrm>
             <a:prstGeom prst="diagStripe">
               <a:avLst>
-                <a:gd fmla="val 50000" name="adj"/>
+                <a:gd name="adj" fmla="val 50000"/>
               </a:avLst>
             </a:prstGeom>
             <a:solidFill>
@@ -3729,12 +3521,12 @@
             </a:ln>
           </p:spPr>
           <p:txBody>
-            <a:bodyPr anchorCtr="0" anchor="ctr" bIns="91425" lIns="91425" spcFirstLastPara="1" rIns="91425" wrap="square" tIns="91425">
+            <a:bodyPr spcFirstLastPara="1" wrap="square" lIns="91425" tIns="91425" rIns="91425" bIns="91425" anchor="ctr" anchorCtr="0">
               <a:noAutofit/>
             </a:bodyPr>
             <a:lstStyle/>
             <a:p>
-              <a:pPr indent="0" lvl="0" marL="0" rtl="0" algn="l">
+              <a:pPr marL="0" lvl="0" indent="0" algn="l" rtl="0">
                 <a:spcBef>
                   <a:spcPts val="0"/>
                 </a:spcBef>
@@ -3743,9 +3535,6 @@
                 </a:spcAft>
                 <a:buNone/>
               </a:pPr>
-              <a:r>
-                <a:t/>
-              </a:r>
               <a:endParaRPr/>
             </a:p>
           </p:txBody>
@@ -3763,7 +3552,7 @@
             </a:xfrm>
             <a:prstGeom prst="diagStripe">
               <a:avLst>
-                <a:gd fmla="val 50000" name="adj"/>
+                <a:gd name="adj" fmla="val 50000"/>
               </a:avLst>
             </a:prstGeom>
             <a:solidFill>
@@ -3776,12 +3565,12 @@
             </a:ln>
           </p:spPr>
           <p:txBody>
-            <a:bodyPr anchorCtr="0" anchor="ctr" bIns="91425" lIns="91425" spcFirstLastPara="1" rIns="91425" wrap="square" tIns="91425">
+            <a:bodyPr spcFirstLastPara="1" wrap="square" lIns="91425" tIns="91425" rIns="91425" bIns="91425" anchor="ctr" anchorCtr="0">
               <a:noAutofit/>
             </a:bodyPr>
             <a:lstStyle/>
             <a:p>
-              <a:pPr indent="0" lvl="0" marL="0" rtl="0" algn="l">
+              <a:pPr marL="0" lvl="0" indent="0" algn="l" rtl="0">
                 <a:spcBef>
                   <a:spcPts val="0"/>
                 </a:spcBef>
@@ -3790,9 +3579,6 @@
                 </a:spcAft>
                 <a:buNone/>
               </a:pPr>
-              <a:r>
-                <a:t/>
-              </a:r>
               <a:endParaRPr/>
             </a:p>
           </p:txBody>
@@ -3810,7 +3596,7 @@
             </a:xfrm>
             <a:prstGeom prst="diagStripe">
               <a:avLst>
-                <a:gd fmla="val 50000" name="adj"/>
+                <a:gd name="adj" fmla="val 50000"/>
               </a:avLst>
             </a:prstGeom>
             <a:solidFill>
@@ -3823,12 +3609,12 @@
             </a:ln>
           </p:spPr>
           <p:txBody>
-            <a:bodyPr anchorCtr="0" anchor="ctr" bIns="91425" lIns="91425" spcFirstLastPara="1" rIns="91425" wrap="square" tIns="91425">
+            <a:bodyPr spcFirstLastPara="1" wrap="square" lIns="91425" tIns="91425" rIns="91425" bIns="91425" anchor="ctr" anchorCtr="0">
               <a:noAutofit/>
             </a:bodyPr>
             <a:lstStyle/>
             <a:p>
-              <a:pPr indent="0" lvl="0" marL="0" rtl="0" algn="l">
+              <a:pPr marL="0" lvl="0" indent="0" algn="l" rtl="0">
                 <a:spcBef>
                   <a:spcPts val="0"/>
                 </a:spcBef>
@@ -3837,9 +3623,6 @@
                 </a:spcAft>
                 <a:buNone/>
               </a:pPr>
-              <a:r>
-                <a:t/>
-              </a:r>
               <a:endParaRPr/>
             </a:p>
           </p:txBody>
@@ -3857,7 +3640,7 @@
             </a:xfrm>
             <a:prstGeom prst="diagStripe">
               <a:avLst>
-                <a:gd fmla="val 50000" name="adj"/>
+                <a:gd name="adj" fmla="val 50000"/>
               </a:avLst>
             </a:prstGeom>
             <a:solidFill>
@@ -3870,12 +3653,12 @@
             </a:ln>
           </p:spPr>
           <p:txBody>
-            <a:bodyPr anchorCtr="0" anchor="ctr" bIns="91425" lIns="91425" spcFirstLastPara="1" rIns="91425" wrap="square" tIns="91425">
+            <a:bodyPr spcFirstLastPara="1" wrap="square" lIns="91425" tIns="91425" rIns="91425" bIns="91425" anchor="ctr" anchorCtr="0">
               <a:noAutofit/>
             </a:bodyPr>
             <a:lstStyle/>
             <a:p>
-              <a:pPr indent="0" lvl="0" marL="0" rtl="0" algn="l">
+              <a:pPr marL="0" lvl="0" indent="0" algn="l" rtl="0">
                 <a:spcBef>
                   <a:spcPts val="0"/>
                 </a:spcBef>
@@ -3884,9 +3667,6 @@
                 </a:spcAft>
                 <a:buNone/>
               </a:pPr>
-              <a:r>
-                <a:t/>
-              </a:r>
               <a:endParaRPr/>
             </a:p>
           </p:txBody>
@@ -3904,7 +3684,7 @@
             </a:xfrm>
             <a:prstGeom prst="diagStripe">
               <a:avLst>
-                <a:gd fmla="val 50000" name="adj"/>
+                <a:gd name="adj" fmla="val 50000"/>
               </a:avLst>
             </a:prstGeom>
             <a:solidFill>
@@ -3915,12 +3695,12 @@
             </a:ln>
           </p:spPr>
           <p:txBody>
-            <a:bodyPr anchorCtr="0" anchor="ctr" bIns="91425" lIns="91425" spcFirstLastPara="1" rIns="91425" wrap="square" tIns="91425">
+            <a:bodyPr spcFirstLastPara="1" wrap="square" lIns="91425" tIns="91425" rIns="91425" bIns="91425" anchor="ctr" anchorCtr="0">
               <a:noAutofit/>
             </a:bodyPr>
             <a:lstStyle/>
             <a:p>
-              <a:pPr indent="0" lvl="0" marL="0" rtl="0" algn="l">
+              <a:pPr marL="0" lvl="0" indent="0" algn="l" rtl="0">
                 <a:spcBef>
                   <a:spcPts val="0"/>
                 </a:spcBef>
@@ -3929,9 +3709,6 @@
                 </a:spcAft>
                 <a:buNone/>
               </a:pPr>
-              <a:r>
-                <a:t/>
-              </a:r>
               <a:endParaRPr/>
             </a:p>
           </p:txBody>
@@ -3949,7 +3726,7 @@
             </a:xfrm>
             <a:prstGeom prst="diagStripe">
               <a:avLst>
-                <a:gd fmla="val 50000" name="adj"/>
+                <a:gd name="adj" fmla="val 50000"/>
               </a:avLst>
             </a:prstGeom>
             <a:solidFill>
@@ -3962,12 +3739,12 @@
             </a:ln>
           </p:spPr>
           <p:txBody>
-            <a:bodyPr anchorCtr="0" anchor="ctr" bIns="91425" lIns="91425" spcFirstLastPara="1" rIns="91425" wrap="square" tIns="91425">
+            <a:bodyPr spcFirstLastPara="1" wrap="square" lIns="91425" tIns="91425" rIns="91425" bIns="91425" anchor="ctr" anchorCtr="0">
               <a:noAutofit/>
             </a:bodyPr>
             <a:lstStyle/>
             <a:p>
-              <a:pPr indent="0" lvl="0" marL="0" rtl="0" algn="l">
+              <a:pPr marL="0" lvl="0" indent="0" algn="l" rtl="0">
                 <a:spcBef>
                   <a:spcPts val="0"/>
                 </a:spcBef>
@@ -3976,9 +3753,6 @@
                 </a:spcAft>
                 <a:buNone/>
               </a:pPr>
-              <a:r>
-                <a:t/>
-              </a:r>
               <a:endParaRPr/>
             </a:p>
           </p:txBody>
@@ -3996,7 +3770,7 @@
             </a:xfrm>
             <a:prstGeom prst="diagStripe">
               <a:avLst>
-                <a:gd fmla="val 50000" name="adj"/>
+                <a:gd name="adj" fmla="val 50000"/>
               </a:avLst>
             </a:prstGeom>
             <a:solidFill>
@@ -4009,12 +3783,12 @@
             </a:ln>
           </p:spPr>
           <p:txBody>
-            <a:bodyPr anchorCtr="0" anchor="ctr" bIns="91425" lIns="91425" spcFirstLastPara="1" rIns="91425" wrap="square" tIns="91425">
+            <a:bodyPr spcFirstLastPara="1" wrap="square" lIns="91425" tIns="91425" rIns="91425" bIns="91425" anchor="ctr" anchorCtr="0">
               <a:noAutofit/>
             </a:bodyPr>
             <a:lstStyle/>
             <a:p>
-              <a:pPr indent="0" lvl="0" marL="0" rtl="0" algn="l">
+              <a:pPr marL="0" lvl="0" indent="0" algn="l" rtl="0">
                 <a:spcBef>
                   <a:spcPts val="0"/>
                 </a:spcBef>
@@ -4023,9 +3797,6 @@
                 </a:spcAft>
                 <a:buNone/>
               </a:pPr>
-              <a:r>
-                <a:t/>
-              </a:r>
               <a:endParaRPr/>
             </a:p>
           </p:txBody>
@@ -4043,7 +3814,7 @@
             </a:xfrm>
             <a:prstGeom prst="diagStripe">
               <a:avLst>
-                <a:gd fmla="val 50000" name="adj"/>
+                <a:gd name="adj" fmla="val 50000"/>
               </a:avLst>
             </a:prstGeom>
             <a:solidFill>
@@ -4056,12 +3827,12 @@
             </a:ln>
           </p:spPr>
           <p:txBody>
-            <a:bodyPr anchorCtr="0" anchor="ctr" bIns="91425" lIns="91425" spcFirstLastPara="1" rIns="91425" wrap="square" tIns="91425">
+            <a:bodyPr spcFirstLastPara="1" wrap="square" lIns="91425" tIns="91425" rIns="91425" bIns="91425" anchor="ctr" anchorCtr="0">
               <a:noAutofit/>
             </a:bodyPr>
             <a:lstStyle/>
             <a:p>
-              <a:pPr indent="0" lvl="0" marL="0" rtl="0" algn="l">
+              <a:pPr marL="0" lvl="0" indent="0" algn="l" rtl="0">
                 <a:spcBef>
                   <a:spcPts val="0"/>
                 </a:spcBef>
@@ -4070,9 +3841,6 @@
                 </a:spcAft>
                 <a:buNone/>
               </a:pPr>
-              <a:r>
-                <a:t/>
-              </a:r>
               <a:endParaRPr/>
             </a:p>
           </p:txBody>
@@ -4090,7 +3858,7 @@
             </a:xfrm>
             <a:prstGeom prst="diagStripe">
               <a:avLst>
-                <a:gd fmla="val 50000" name="adj"/>
+                <a:gd name="adj" fmla="val 50000"/>
               </a:avLst>
             </a:prstGeom>
             <a:solidFill>
@@ -4103,12 +3871,12 @@
             </a:ln>
           </p:spPr>
           <p:txBody>
-            <a:bodyPr anchorCtr="0" anchor="ctr" bIns="91425" lIns="91425" spcFirstLastPara="1" rIns="91425" wrap="square" tIns="91425">
+            <a:bodyPr spcFirstLastPara="1" wrap="square" lIns="91425" tIns="91425" rIns="91425" bIns="91425" anchor="ctr" anchorCtr="0">
               <a:noAutofit/>
             </a:bodyPr>
             <a:lstStyle/>
             <a:p>
-              <a:pPr indent="0" lvl="0" marL="0" rtl="0" algn="l">
+              <a:pPr marL="0" lvl="0" indent="0" algn="l" rtl="0">
                 <a:spcBef>
                   <a:spcPts val="0"/>
                 </a:spcBef>
@@ -4117,9 +3885,6 @@
                 </a:spcAft>
                 <a:buNone/>
               </a:pPr>
-              <a:r>
-                <a:t/>
-              </a:r>
               <a:endParaRPr/>
             </a:p>
           </p:txBody>
@@ -4137,7 +3902,7 @@
             </a:xfrm>
             <a:prstGeom prst="diagStripe">
               <a:avLst>
-                <a:gd fmla="val 50000" name="adj"/>
+                <a:gd name="adj" fmla="val 50000"/>
               </a:avLst>
             </a:prstGeom>
             <a:solidFill>
@@ -4150,12 +3915,12 @@
             </a:ln>
           </p:spPr>
           <p:txBody>
-            <a:bodyPr anchorCtr="0" anchor="ctr" bIns="91425" lIns="91425" spcFirstLastPara="1" rIns="91425" wrap="square" tIns="91425">
+            <a:bodyPr spcFirstLastPara="1" wrap="square" lIns="91425" tIns="91425" rIns="91425" bIns="91425" anchor="ctr" anchorCtr="0">
               <a:noAutofit/>
             </a:bodyPr>
             <a:lstStyle/>
             <a:p>
-              <a:pPr indent="0" lvl="0" marL="0" rtl="0" algn="l">
+              <a:pPr marL="0" lvl="0" indent="0" algn="l" rtl="0">
                 <a:spcBef>
                   <a:spcPts val="0"/>
                 </a:spcBef>
@@ -4164,9 +3929,6 @@
                 </a:spcAft>
                 <a:buNone/>
               </a:pPr>
-              <a:r>
-                <a:t/>
-              </a:r>
               <a:endParaRPr/>
             </a:p>
           </p:txBody>
@@ -4184,7 +3946,7 @@
             </a:xfrm>
             <a:prstGeom prst="diagStripe">
               <a:avLst>
-                <a:gd fmla="val 50000" name="adj"/>
+                <a:gd name="adj" fmla="val 50000"/>
               </a:avLst>
             </a:prstGeom>
             <a:solidFill>
@@ -4195,12 +3957,12 @@
             </a:ln>
           </p:spPr>
           <p:txBody>
-            <a:bodyPr anchorCtr="0" anchor="ctr" bIns="91425" lIns="91425" spcFirstLastPara="1" rIns="91425" wrap="square" tIns="91425">
+            <a:bodyPr spcFirstLastPara="1" wrap="square" lIns="91425" tIns="91425" rIns="91425" bIns="91425" anchor="ctr" anchorCtr="0">
               <a:noAutofit/>
             </a:bodyPr>
             <a:lstStyle/>
             <a:p>
-              <a:pPr indent="0" lvl="0" marL="0" rtl="0" algn="l">
+              <a:pPr marL="0" lvl="0" indent="0" algn="l" rtl="0">
                 <a:spcBef>
                   <a:spcPts val="0"/>
                 </a:spcBef>
@@ -4209,9 +3971,6 @@
                 </a:spcAft>
                 <a:buNone/>
               </a:pPr>
-              <a:r>
-                <a:t/>
-              </a:r>
               <a:endParaRPr/>
             </a:p>
           </p:txBody>
@@ -4229,7 +3988,7 @@
             </a:xfrm>
             <a:prstGeom prst="diagStripe">
               <a:avLst>
-                <a:gd fmla="val 50000" name="adj"/>
+                <a:gd name="adj" fmla="val 50000"/>
               </a:avLst>
             </a:prstGeom>
             <a:solidFill>
@@ -4242,12 +4001,12 @@
             </a:ln>
           </p:spPr>
           <p:txBody>
-            <a:bodyPr anchorCtr="0" anchor="ctr" bIns="91425" lIns="91425" spcFirstLastPara="1" rIns="91425" wrap="square" tIns="91425">
+            <a:bodyPr spcFirstLastPara="1" wrap="square" lIns="91425" tIns="91425" rIns="91425" bIns="91425" anchor="ctr" anchorCtr="0">
               <a:noAutofit/>
             </a:bodyPr>
             <a:lstStyle/>
             <a:p>
-              <a:pPr indent="0" lvl="0" marL="0" rtl="0" algn="l">
+              <a:pPr marL="0" lvl="0" indent="0" algn="l" rtl="0">
                 <a:spcBef>
                   <a:spcPts val="0"/>
                 </a:spcBef>
@@ -4256,9 +4015,6 @@
                 </a:spcAft>
                 <a:buNone/>
               </a:pPr>
-              <a:r>
-                <a:t/>
-              </a:r>
               <a:endParaRPr/>
             </a:p>
           </p:txBody>
@@ -4276,7 +4032,7 @@
             </a:xfrm>
             <a:prstGeom prst="diagStripe">
               <a:avLst>
-                <a:gd fmla="val 50000" name="adj"/>
+                <a:gd name="adj" fmla="val 50000"/>
               </a:avLst>
             </a:prstGeom>
             <a:solidFill>
@@ -4289,12 +4045,12 @@
             </a:ln>
           </p:spPr>
           <p:txBody>
-            <a:bodyPr anchorCtr="0" anchor="ctr" bIns="91425" lIns="91425" spcFirstLastPara="1" rIns="91425" wrap="square" tIns="91425">
+            <a:bodyPr spcFirstLastPara="1" wrap="square" lIns="91425" tIns="91425" rIns="91425" bIns="91425" anchor="ctr" anchorCtr="0">
               <a:noAutofit/>
             </a:bodyPr>
             <a:lstStyle/>
             <a:p>
-              <a:pPr indent="0" lvl="0" marL="0" rtl="0" algn="l">
+              <a:pPr marL="0" lvl="0" indent="0" algn="l" rtl="0">
                 <a:spcBef>
                   <a:spcPts val="0"/>
                 </a:spcBef>
@@ -4303,9 +4059,6 @@
                 </a:spcAft>
                 <a:buNone/>
               </a:pPr>
-              <a:r>
-                <a:t/>
-              </a:r>
               <a:endParaRPr/>
             </a:p>
           </p:txBody>
@@ -4323,7 +4076,7 @@
             </a:xfrm>
             <a:prstGeom prst="diagStripe">
               <a:avLst>
-                <a:gd fmla="val 50000" name="adj"/>
+                <a:gd name="adj" fmla="val 50000"/>
               </a:avLst>
             </a:prstGeom>
             <a:solidFill>
@@ -4336,12 +4089,12 @@
             </a:ln>
           </p:spPr>
           <p:txBody>
-            <a:bodyPr anchorCtr="0" anchor="ctr" bIns="91425" lIns="91425" spcFirstLastPara="1" rIns="91425" wrap="square" tIns="91425">
+            <a:bodyPr spcFirstLastPara="1" wrap="square" lIns="91425" tIns="91425" rIns="91425" bIns="91425" anchor="ctr" anchorCtr="0">
               <a:noAutofit/>
             </a:bodyPr>
             <a:lstStyle/>
             <a:p>
-              <a:pPr indent="0" lvl="0" marL="0" rtl="0" algn="l">
+              <a:pPr marL="0" lvl="0" indent="0" algn="l" rtl="0">
                 <a:spcBef>
                   <a:spcPts val="0"/>
                 </a:spcBef>
@@ -4350,9 +4103,6 @@
                 </a:spcAft>
                 <a:buNone/>
               </a:pPr>
-              <a:r>
-                <a:t/>
-              </a:r>
               <a:endParaRPr/>
             </a:p>
           </p:txBody>
@@ -4370,7 +4120,7 @@
             </a:xfrm>
             <a:prstGeom prst="diagStripe">
               <a:avLst>
-                <a:gd fmla="val 50000" name="adj"/>
+                <a:gd name="adj" fmla="val 50000"/>
               </a:avLst>
             </a:prstGeom>
             <a:solidFill>
@@ -4383,12 +4133,12 @@
             </a:ln>
           </p:spPr>
           <p:txBody>
-            <a:bodyPr anchorCtr="0" anchor="ctr" bIns="91425" lIns="91425" spcFirstLastPara="1" rIns="91425" wrap="square" tIns="91425">
+            <a:bodyPr spcFirstLastPara="1" wrap="square" lIns="91425" tIns="91425" rIns="91425" bIns="91425" anchor="ctr" anchorCtr="0">
               <a:noAutofit/>
             </a:bodyPr>
             <a:lstStyle/>
             <a:p>
-              <a:pPr indent="0" lvl="0" marL="0" rtl="0" algn="l">
+              <a:pPr marL="0" lvl="0" indent="0" algn="l" rtl="0">
                 <a:spcBef>
                   <a:spcPts val="0"/>
                 </a:spcBef>
@@ -4397,9 +4147,6 @@
                 </a:spcAft>
                 <a:buNone/>
               </a:pPr>
-              <a:r>
-                <a:t/>
-              </a:r>
               <a:endParaRPr/>
             </a:p>
           </p:txBody>
@@ -4408,7 +4155,9 @@
       <p:sp>
         <p:nvSpPr>
           <p:cNvPr id="39" name="Google Shape;39;p3"/>
-          <p:cNvSpPr txBox="1"/>
+          <p:cNvSpPr txBox="1">
+            <a:spLocks noGrp="1"/>
+          </p:cNvSpPr>
           <p:nvPr>
             <p:ph type="title"/>
           </p:nvPr>
@@ -4423,7 +4172,7 @@
           </a:prstGeom>
         </p:spPr>
         <p:txBody>
-          <a:bodyPr anchorCtr="0" anchor="ctr" bIns="91425" lIns="91425" spcFirstLastPara="1" rIns="91425" wrap="square" tIns="91425"/>
+          <a:bodyPr spcFirstLastPara="1" wrap="square" lIns="91425" tIns="91425" rIns="91425" bIns="91425" anchor="ctr" anchorCtr="0"/>
           <a:lstStyle>
             <a:lvl1pPr lvl="0">
               <a:spcBef>
@@ -4525,15 +4274,19 @@
               <a:defRPr/>
             </a:lvl9pPr>
           </a:lstStyle>
-          <a:p/>
+          <a:p>
+            <a:endParaRPr/>
+          </a:p>
         </p:txBody>
       </p:sp>
       <p:sp>
         <p:nvSpPr>
           <p:cNvPr id="40" name="Google Shape;40;p3"/>
-          <p:cNvSpPr txBox="1"/>
+          <p:cNvSpPr txBox="1">
+            <a:spLocks noGrp="1"/>
+          </p:cNvSpPr>
           <p:nvPr>
-            <p:ph idx="12" type="sldNum"/>
+            <p:ph type="sldNum" idx="12"/>
           </p:nvPr>
         </p:nvSpPr>
         <p:spPr>
@@ -4546,7 +4299,7 @@
           </a:prstGeom>
         </p:spPr>
         <p:txBody>
-          <a:bodyPr anchorCtr="0" anchor="ctr" bIns="91425" lIns="91425" spcFirstLastPara="1" rIns="91425" wrap="square" tIns="91425">
+          <a:bodyPr spcFirstLastPara="1" wrap="square" lIns="91425" tIns="91425" rIns="91425" bIns="91425" anchor="ctr" anchorCtr="0">
             <a:noAutofit/>
           </a:bodyPr>
           <a:lstStyle>
@@ -4588,7 +4341,7 @@
             </a:lvl9pPr>
           </a:lstStyle>
           <a:p>
-            <a:pPr indent="0" lvl="0" marL="0" rtl="0" algn="r">
+            <a:pPr marL="0" lvl="0" indent="0" algn="r" rtl="0">
               <a:spcBef>
                 <a:spcPts val="0"/>
               </a:spcBef>
@@ -4614,11 +4367,11 @@
 </file>
 
 <file path=ppt/slideLayouts/slideLayout3.xml><?xml version="1.0" encoding="utf-8"?>
-<p:sldLayout xmlns:a="http://schemas.openxmlformats.org/drawingml/2006/main" xmlns:r="http://schemas.openxmlformats.org/officeDocument/2006/relationships" xmlns:mc="http://schemas.openxmlformats.org/markup-compatibility/2006" xmlns:mv="urn:schemas-microsoft-com:mac:vml" xmlns:p="http://schemas.openxmlformats.org/presentationml/2006/main" xmlns:c="http://schemas.openxmlformats.org/drawingml/2006/chart" xmlns:dgm="http://schemas.openxmlformats.org/drawingml/2006/diagram" xmlns:o="urn:schemas-microsoft-com:office:office" xmlns:v="urn:schemas-microsoft-com:vml" xmlns:pvml="urn:schemas-microsoft-com:office:powerpoint" xmlns:com="http://schemas.openxmlformats.org/drawingml/2006/compatibility" xmlns:p14="http://schemas.microsoft.com/office/powerpoint/2010/main" xmlns:p15="http://schemas.microsoft.com/office/powerpoint/2012/main" matchingName="Title and body" type="tx">
+<p:sldLayout xmlns:a="http://schemas.openxmlformats.org/drawingml/2006/main" xmlns:r="http://schemas.openxmlformats.org/officeDocument/2006/relationships" xmlns:p="http://schemas.openxmlformats.org/presentationml/2006/main" matchingName="Title and body" type="tx">
   <p:cSld name="TITLE_AND_BODY">
     <p:spTree>
       <p:nvGrpSpPr>
-        <p:cNvPr id="41" name="Shape 41"/>
+        <p:cNvPr id="1" name="Shape 41"/>
         <p:cNvGrpSpPr/>
         <p:nvPr/>
       </p:nvGrpSpPr>
@@ -4657,7 +4410,7 @@
             </a:xfrm>
             <a:prstGeom prst="diagStripe">
               <a:avLst>
-                <a:gd fmla="val 50000" name="adj"/>
+                <a:gd name="adj" fmla="val 50000"/>
               </a:avLst>
             </a:prstGeom>
             <a:solidFill>
@@ -4668,12 +4421,12 @@
             </a:ln>
           </p:spPr>
           <p:txBody>
-            <a:bodyPr anchorCtr="0" anchor="ctr" bIns="91425" lIns="91425" spcFirstLastPara="1" rIns="91425" wrap="square" tIns="91425">
+            <a:bodyPr spcFirstLastPara="1" wrap="square" lIns="91425" tIns="91425" rIns="91425" bIns="91425" anchor="ctr" anchorCtr="0">
               <a:noAutofit/>
             </a:bodyPr>
             <a:lstStyle/>
             <a:p>
-              <a:pPr indent="0" lvl="0" marL="0" rtl="0" algn="l">
+              <a:pPr marL="0" lvl="0" indent="0" algn="l" rtl="0">
                 <a:spcBef>
                   <a:spcPts val="0"/>
                 </a:spcBef>
@@ -4682,9 +4435,6 @@
                 </a:spcAft>
                 <a:buNone/>
               </a:pPr>
-              <a:r>
-                <a:t/>
-              </a:r>
               <a:endParaRPr/>
             </a:p>
           </p:txBody>
@@ -4702,7 +4452,7 @@
             </a:xfrm>
             <a:prstGeom prst="diagStripe">
               <a:avLst>
-                <a:gd fmla="val 50000" name="adj"/>
+                <a:gd name="adj" fmla="val 50000"/>
               </a:avLst>
             </a:prstGeom>
             <a:solidFill>
@@ -4713,12 +4463,12 @@
             </a:ln>
           </p:spPr>
           <p:txBody>
-            <a:bodyPr anchorCtr="0" anchor="ctr" bIns="91425" lIns="91425" spcFirstLastPara="1" rIns="91425" wrap="square" tIns="91425">
+            <a:bodyPr spcFirstLastPara="1" wrap="square" lIns="91425" tIns="91425" rIns="91425" bIns="91425" anchor="ctr" anchorCtr="0">
               <a:noAutofit/>
             </a:bodyPr>
             <a:lstStyle/>
             <a:p>
-              <a:pPr indent="0" lvl="0" marL="0" rtl="0" algn="l">
+              <a:pPr marL="0" lvl="0" indent="0" algn="l" rtl="0">
                 <a:spcBef>
                   <a:spcPts val="0"/>
                 </a:spcBef>
@@ -4727,9 +4477,6 @@
                 </a:spcAft>
                 <a:buNone/>
               </a:pPr>
-              <a:r>
-                <a:t/>
-              </a:r>
               <a:endParaRPr/>
             </a:p>
           </p:txBody>
@@ -4738,7 +4485,9 @@
       <p:sp>
         <p:nvSpPr>
           <p:cNvPr id="45" name="Google Shape;45;p4"/>
-          <p:cNvSpPr txBox="1"/>
+          <p:cNvSpPr txBox="1">
+            <a:spLocks noGrp="1"/>
+          </p:cNvSpPr>
           <p:nvPr>
             <p:ph type="title"/>
           </p:nvPr>
@@ -4753,7 +4502,7 @@
           </a:prstGeom>
         </p:spPr>
         <p:txBody>
-          <a:bodyPr anchorCtr="0" anchor="t" bIns="91425" lIns="91425" spcFirstLastPara="1" rIns="91425" wrap="square" tIns="91425"/>
+          <a:bodyPr spcFirstLastPara="1" wrap="square" lIns="91425" tIns="91425" rIns="91425" bIns="91425" anchor="t" anchorCtr="0"/>
           <a:lstStyle>
             <a:lvl1pPr lvl="0">
               <a:spcBef>
@@ -4855,15 +4604,19 @@
               <a:defRPr sz="2400"/>
             </a:lvl9pPr>
           </a:lstStyle>
-          <a:p/>
+          <a:p>
+            <a:endParaRPr/>
+          </a:p>
         </p:txBody>
       </p:sp>
       <p:sp>
         <p:nvSpPr>
           <p:cNvPr id="46" name="Google Shape;46;p4"/>
-          <p:cNvSpPr txBox="1"/>
+          <p:cNvSpPr txBox="1">
+            <a:spLocks noGrp="1"/>
+          </p:cNvSpPr>
           <p:nvPr>
-            <p:ph idx="1" type="body"/>
+            <p:ph type="body" idx="1"/>
           </p:nvPr>
         </p:nvSpPr>
         <p:spPr>
@@ -4876,9 +4629,9 @@
           </a:prstGeom>
         </p:spPr>
         <p:txBody>
-          <a:bodyPr anchorCtr="0" anchor="t" bIns="91425" lIns="91425" spcFirstLastPara="1" rIns="91425" wrap="square" tIns="91425"/>
+          <a:bodyPr spcFirstLastPara="1" wrap="square" lIns="91425" tIns="91425" rIns="91425" bIns="91425" anchor="t" anchorCtr="0"/>
           <a:lstStyle>
-            <a:lvl1pPr indent="-311150" lvl="0" marL="457200">
+            <a:lvl1pPr marL="457200" lvl="0" indent="-311150">
               <a:spcBef>
                 <a:spcPts val="0"/>
               </a:spcBef>
@@ -4889,7 +4642,7 @@
               <a:buChar char="●"/>
               <a:defRPr/>
             </a:lvl1pPr>
-            <a:lvl2pPr indent="-298450" lvl="1" marL="914400">
+            <a:lvl2pPr marL="914400" lvl="1" indent="-298450">
               <a:spcBef>
                 <a:spcPts val="1600"/>
               </a:spcBef>
@@ -4900,7 +4653,7 @@
               <a:buChar char="○"/>
               <a:defRPr/>
             </a:lvl2pPr>
-            <a:lvl3pPr indent="-298450" lvl="2" marL="1371600">
+            <a:lvl3pPr marL="1371600" lvl="2" indent="-298450">
               <a:spcBef>
                 <a:spcPts val="1600"/>
               </a:spcBef>
@@ -4911,7 +4664,7 @@
               <a:buChar char="■"/>
               <a:defRPr/>
             </a:lvl3pPr>
-            <a:lvl4pPr indent="-298450" lvl="3" marL="1828800">
+            <a:lvl4pPr marL="1828800" lvl="3" indent="-298450">
               <a:spcBef>
                 <a:spcPts val="1600"/>
               </a:spcBef>
@@ -4922,7 +4675,7 @@
               <a:buChar char="●"/>
               <a:defRPr/>
             </a:lvl4pPr>
-            <a:lvl5pPr indent="-298450" lvl="4" marL="2286000">
+            <a:lvl5pPr marL="2286000" lvl="4" indent="-298450">
               <a:spcBef>
                 <a:spcPts val="1600"/>
               </a:spcBef>
@@ -4933,7 +4686,7 @@
               <a:buChar char="○"/>
               <a:defRPr/>
             </a:lvl5pPr>
-            <a:lvl6pPr indent="-298450" lvl="5" marL="2743200">
+            <a:lvl6pPr marL="2743200" lvl="5" indent="-298450">
               <a:spcBef>
                 <a:spcPts val="1600"/>
               </a:spcBef>
@@ -4944,7 +4697,7 @@
               <a:buChar char="■"/>
               <a:defRPr/>
             </a:lvl6pPr>
-            <a:lvl7pPr indent="-298450" lvl="6" marL="3200400">
+            <a:lvl7pPr marL="3200400" lvl="6" indent="-298450">
               <a:spcBef>
                 <a:spcPts val="1600"/>
               </a:spcBef>
@@ -4955,7 +4708,7 @@
               <a:buChar char="●"/>
               <a:defRPr/>
             </a:lvl7pPr>
-            <a:lvl8pPr indent="-298450" lvl="7" marL="3657600">
+            <a:lvl8pPr marL="3657600" lvl="7" indent="-298450">
               <a:spcBef>
                 <a:spcPts val="1600"/>
               </a:spcBef>
@@ -4966,7 +4719,7 @@
               <a:buChar char="○"/>
               <a:defRPr/>
             </a:lvl8pPr>
-            <a:lvl9pPr indent="-298450" lvl="8" marL="4114800">
+            <a:lvl9pPr marL="4114800" lvl="8" indent="-298450">
               <a:spcBef>
                 <a:spcPts val="1600"/>
               </a:spcBef>
@@ -4978,15 +4731,19 @@
               <a:defRPr/>
             </a:lvl9pPr>
           </a:lstStyle>
-          <a:p/>
+          <a:p>
+            <a:endParaRPr/>
+          </a:p>
         </p:txBody>
       </p:sp>
       <p:sp>
         <p:nvSpPr>
           <p:cNvPr id="47" name="Google Shape;47;p4"/>
-          <p:cNvSpPr txBox="1"/>
+          <p:cNvSpPr txBox="1">
+            <a:spLocks noGrp="1"/>
+          </p:cNvSpPr>
           <p:nvPr>
-            <p:ph idx="12" type="sldNum"/>
+            <p:ph type="sldNum" idx="12"/>
           </p:nvPr>
         </p:nvSpPr>
         <p:spPr>
@@ -4999,7 +4756,7 @@
           </a:prstGeom>
         </p:spPr>
         <p:txBody>
-          <a:bodyPr anchorCtr="0" anchor="ctr" bIns="91425" lIns="91425" spcFirstLastPara="1" rIns="91425" wrap="square" tIns="91425">
+          <a:bodyPr spcFirstLastPara="1" wrap="square" lIns="91425" tIns="91425" rIns="91425" bIns="91425" anchor="ctr" anchorCtr="0">
             <a:noAutofit/>
           </a:bodyPr>
           <a:lstStyle>
@@ -5041,7 +4798,7 @@
             </a:lvl9pPr>
           </a:lstStyle>
           <a:p>
-            <a:pPr indent="0" lvl="0" marL="0" rtl="0" algn="r">
+            <a:pPr marL="0" lvl="0" indent="0" algn="r" rtl="0">
               <a:spcBef>
                 <a:spcPts val="0"/>
               </a:spcBef>
@@ -5067,11 +4824,11 @@
 </file>
 
 <file path=ppt/slideLayouts/slideLayout4.xml><?xml version="1.0" encoding="utf-8"?>
-<p:sldLayout xmlns:a="http://schemas.openxmlformats.org/drawingml/2006/main" xmlns:r="http://schemas.openxmlformats.org/officeDocument/2006/relationships" xmlns:mc="http://schemas.openxmlformats.org/markup-compatibility/2006" xmlns:mv="urn:schemas-microsoft-com:mac:vml" xmlns:p="http://schemas.openxmlformats.org/presentationml/2006/main" xmlns:c="http://schemas.openxmlformats.org/drawingml/2006/chart" xmlns:dgm="http://schemas.openxmlformats.org/drawingml/2006/diagram" xmlns:o="urn:schemas-microsoft-com:office:office" xmlns:v="urn:schemas-microsoft-com:vml" xmlns:pvml="urn:schemas-microsoft-com:office:powerpoint" xmlns:com="http://schemas.openxmlformats.org/drawingml/2006/compatibility" xmlns:p14="http://schemas.microsoft.com/office/powerpoint/2010/main" xmlns:p15="http://schemas.microsoft.com/office/powerpoint/2012/main" matchingName="Title and two columns" type="twoColTx">
+<p:sldLayout xmlns:a="http://schemas.openxmlformats.org/drawingml/2006/main" xmlns:r="http://schemas.openxmlformats.org/officeDocument/2006/relationships" xmlns:p="http://schemas.openxmlformats.org/presentationml/2006/main" matchingName="Title and two columns" type="twoColTx">
   <p:cSld name="TITLE_AND_TWO_COLUMNS">
     <p:spTree>
       <p:nvGrpSpPr>
-        <p:cNvPr id="48" name="Shape 48"/>
+        <p:cNvPr id="1" name="Shape 48"/>
         <p:cNvGrpSpPr/>
         <p:nvPr/>
       </p:nvGrpSpPr>
@@ -5110,7 +4867,7 @@
             </a:xfrm>
             <a:prstGeom prst="diagStripe">
               <a:avLst>
-                <a:gd fmla="val 50000" name="adj"/>
+                <a:gd name="adj" fmla="val 50000"/>
               </a:avLst>
             </a:prstGeom>
             <a:solidFill>
@@ -5121,12 +4878,12 @@
             </a:ln>
           </p:spPr>
           <p:txBody>
-            <a:bodyPr anchorCtr="0" anchor="ctr" bIns="91425" lIns="91425" spcFirstLastPara="1" rIns="91425" wrap="square" tIns="91425">
+            <a:bodyPr spcFirstLastPara="1" wrap="square" lIns="91425" tIns="91425" rIns="91425" bIns="91425" anchor="ctr" anchorCtr="0">
               <a:noAutofit/>
             </a:bodyPr>
             <a:lstStyle/>
             <a:p>
-              <a:pPr indent="0" lvl="0" marL="0" rtl="0" algn="l">
+              <a:pPr marL="0" lvl="0" indent="0" algn="l" rtl="0">
                 <a:spcBef>
                   <a:spcPts val="0"/>
                 </a:spcBef>
@@ -5135,9 +4892,6 @@
                 </a:spcAft>
                 <a:buNone/>
               </a:pPr>
-              <a:r>
-                <a:t/>
-              </a:r>
               <a:endParaRPr/>
             </a:p>
           </p:txBody>
@@ -5155,7 +4909,7 @@
             </a:xfrm>
             <a:prstGeom prst="diagStripe">
               <a:avLst>
-                <a:gd fmla="val 50000" name="adj"/>
+                <a:gd name="adj" fmla="val 50000"/>
               </a:avLst>
             </a:prstGeom>
             <a:solidFill>
@@ -5166,12 +4920,12 @@
             </a:ln>
           </p:spPr>
           <p:txBody>
-            <a:bodyPr anchorCtr="0" anchor="ctr" bIns="91425" lIns="91425" spcFirstLastPara="1" rIns="91425" wrap="square" tIns="91425">
+            <a:bodyPr spcFirstLastPara="1" wrap="square" lIns="91425" tIns="91425" rIns="91425" bIns="91425" anchor="ctr" anchorCtr="0">
               <a:noAutofit/>
             </a:bodyPr>
             <a:lstStyle/>
             <a:p>
-              <a:pPr indent="0" lvl="0" marL="0" rtl="0" algn="l">
+              <a:pPr marL="0" lvl="0" indent="0" algn="l" rtl="0">
                 <a:spcBef>
                   <a:spcPts val="0"/>
                 </a:spcBef>
@@ -5180,9 +4934,6 @@
                 </a:spcAft>
                 <a:buNone/>
               </a:pPr>
-              <a:r>
-                <a:t/>
-              </a:r>
               <a:endParaRPr/>
             </a:p>
           </p:txBody>
@@ -5191,7 +4942,9 @@
       <p:sp>
         <p:nvSpPr>
           <p:cNvPr id="52" name="Google Shape;52;p5"/>
-          <p:cNvSpPr txBox="1"/>
+          <p:cNvSpPr txBox="1">
+            <a:spLocks noGrp="1"/>
+          </p:cNvSpPr>
           <p:nvPr>
             <p:ph type="title"/>
           </p:nvPr>
@@ -5206,7 +4959,7 @@
           </a:prstGeom>
         </p:spPr>
         <p:txBody>
-          <a:bodyPr anchorCtr="0" anchor="t" bIns="91425" lIns="91425" spcFirstLastPara="1" rIns="91425" wrap="square" tIns="91425"/>
+          <a:bodyPr spcFirstLastPara="1" wrap="square" lIns="91425" tIns="91425" rIns="91425" bIns="91425" anchor="t" anchorCtr="0"/>
           <a:lstStyle>
             <a:lvl1pPr lvl="0">
               <a:spcBef>
@@ -5308,15 +5061,19 @@
               <a:defRPr sz="2400"/>
             </a:lvl9pPr>
           </a:lstStyle>
-          <a:p/>
+          <a:p>
+            <a:endParaRPr/>
+          </a:p>
         </p:txBody>
       </p:sp>
       <p:sp>
         <p:nvSpPr>
           <p:cNvPr id="53" name="Google Shape;53;p5"/>
-          <p:cNvSpPr txBox="1"/>
+          <p:cNvSpPr txBox="1">
+            <a:spLocks noGrp="1"/>
+          </p:cNvSpPr>
           <p:nvPr>
-            <p:ph idx="1" type="body"/>
+            <p:ph type="body" idx="1"/>
           </p:nvPr>
         </p:nvSpPr>
         <p:spPr>
@@ -5329,9 +5086,9 @@
           </a:prstGeom>
         </p:spPr>
         <p:txBody>
-          <a:bodyPr anchorCtr="0" anchor="t" bIns="91425" lIns="91425" spcFirstLastPara="1" rIns="91425" wrap="square" tIns="91425"/>
+          <a:bodyPr spcFirstLastPara="1" wrap="square" lIns="91425" tIns="91425" rIns="91425" bIns="91425" anchor="t" anchorCtr="0"/>
           <a:lstStyle>
-            <a:lvl1pPr indent="-311150" lvl="0" marL="457200">
+            <a:lvl1pPr marL="457200" lvl="0" indent="-311150">
               <a:spcBef>
                 <a:spcPts val="0"/>
               </a:spcBef>
@@ -5342,7 +5099,7 @@
               <a:buChar char="●"/>
               <a:defRPr/>
             </a:lvl1pPr>
-            <a:lvl2pPr indent="-298450" lvl="1" marL="914400">
+            <a:lvl2pPr marL="914400" lvl="1" indent="-298450">
               <a:spcBef>
                 <a:spcPts val="1600"/>
               </a:spcBef>
@@ -5353,7 +5110,7 @@
               <a:buChar char="○"/>
               <a:defRPr/>
             </a:lvl2pPr>
-            <a:lvl3pPr indent="-298450" lvl="2" marL="1371600">
+            <a:lvl3pPr marL="1371600" lvl="2" indent="-298450">
               <a:spcBef>
                 <a:spcPts val="1600"/>
               </a:spcBef>
@@ -5364,7 +5121,7 @@
               <a:buChar char="■"/>
               <a:defRPr/>
             </a:lvl3pPr>
-            <a:lvl4pPr indent="-298450" lvl="3" marL="1828800">
+            <a:lvl4pPr marL="1828800" lvl="3" indent="-298450">
               <a:spcBef>
                 <a:spcPts val="1600"/>
               </a:spcBef>
@@ -5375,7 +5132,7 @@
               <a:buChar char="●"/>
               <a:defRPr/>
             </a:lvl4pPr>
-            <a:lvl5pPr indent="-298450" lvl="4" marL="2286000">
+            <a:lvl5pPr marL="2286000" lvl="4" indent="-298450">
               <a:spcBef>
                 <a:spcPts val="1600"/>
               </a:spcBef>
@@ -5386,7 +5143,7 @@
               <a:buChar char="○"/>
               <a:defRPr/>
             </a:lvl5pPr>
-            <a:lvl6pPr indent="-298450" lvl="5" marL="2743200">
+            <a:lvl6pPr marL="2743200" lvl="5" indent="-298450">
               <a:spcBef>
                 <a:spcPts val="1600"/>
               </a:spcBef>
@@ -5397,7 +5154,7 @@
               <a:buChar char="■"/>
               <a:defRPr/>
             </a:lvl6pPr>
-            <a:lvl7pPr indent="-298450" lvl="6" marL="3200400">
+            <a:lvl7pPr marL="3200400" lvl="6" indent="-298450">
               <a:spcBef>
                 <a:spcPts val="1600"/>
               </a:spcBef>
@@ -5408,7 +5165,7 @@
               <a:buChar char="●"/>
               <a:defRPr/>
             </a:lvl7pPr>
-            <a:lvl8pPr indent="-298450" lvl="7" marL="3657600">
+            <a:lvl8pPr marL="3657600" lvl="7" indent="-298450">
               <a:spcBef>
                 <a:spcPts val="1600"/>
               </a:spcBef>
@@ -5419,7 +5176,7 @@
               <a:buChar char="○"/>
               <a:defRPr/>
             </a:lvl8pPr>
-            <a:lvl9pPr indent="-298450" lvl="8" marL="4114800">
+            <a:lvl9pPr marL="4114800" lvl="8" indent="-298450">
               <a:spcBef>
                 <a:spcPts val="1600"/>
               </a:spcBef>
@@ -5431,15 +5188,19 @@
               <a:defRPr/>
             </a:lvl9pPr>
           </a:lstStyle>
-          <a:p/>
+          <a:p>
+            <a:endParaRPr/>
+          </a:p>
         </p:txBody>
       </p:sp>
       <p:sp>
         <p:nvSpPr>
           <p:cNvPr id="54" name="Google Shape;54;p5"/>
-          <p:cNvSpPr txBox="1"/>
+          <p:cNvSpPr txBox="1">
+            <a:spLocks noGrp="1"/>
+          </p:cNvSpPr>
           <p:nvPr>
-            <p:ph idx="2" type="body"/>
+            <p:ph type="body" idx="2"/>
           </p:nvPr>
         </p:nvSpPr>
         <p:spPr>
@@ -5452,9 +5213,9 @@
           </a:prstGeom>
         </p:spPr>
         <p:txBody>
-          <a:bodyPr anchorCtr="0" anchor="t" bIns="91425" lIns="91425" spcFirstLastPara="1" rIns="91425" wrap="square" tIns="91425"/>
+          <a:bodyPr spcFirstLastPara="1" wrap="square" lIns="91425" tIns="91425" rIns="91425" bIns="91425" anchor="t" anchorCtr="0"/>
           <a:lstStyle>
-            <a:lvl1pPr indent="-311150" lvl="0" marL="457200">
+            <a:lvl1pPr marL="457200" lvl="0" indent="-311150">
               <a:spcBef>
                 <a:spcPts val="0"/>
               </a:spcBef>
@@ -5465,7 +5226,7 @@
               <a:buChar char="●"/>
               <a:defRPr/>
             </a:lvl1pPr>
-            <a:lvl2pPr indent="-298450" lvl="1" marL="914400">
+            <a:lvl2pPr marL="914400" lvl="1" indent="-298450">
               <a:spcBef>
                 <a:spcPts val="1600"/>
               </a:spcBef>
@@ -5476,7 +5237,7 @@
               <a:buChar char="○"/>
               <a:defRPr/>
             </a:lvl2pPr>
-            <a:lvl3pPr indent="-298450" lvl="2" marL="1371600">
+            <a:lvl3pPr marL="1371600" lvl="2" indent="-298450">
               <a:spcBef>
                 <a:spcPts val="1600"/>
               </a:spcBef>
@@ -5487,7 +5248,7 @@
               <a:buChar char="■"/>
               <a:defRPr/>
             </a:lvl3pPr>
-            <a:lvl4pPr indent="-298450" lvl="3" marL="1828800">
+            <a:lvl4pPr marL="1828800" lvl="3" indent="-298450">
               <a:spcBef>
                 <a:spcPts val="1600"/>
               </a:spcBef>
@@ -5498,7 +5259,7 @@
               <a:buChar char="●"/>
               <a:defRPr/>
             </a:lvl4pPr>
-            <a:lvl5pPr indent="-298450" lvl="4" marL="2286000">
+            <a:lvl5pPr marL="2286000" lvl="4" indent="-298450">
               <a:spcBef>
                 <a:spcPts val="1600"/>
               </a:spcBef>
@@ -5509,7 +5270,7 @@
               <a:buChar char="○"/>
               <a:defRPr/>
             </a:lvl5pPr>
-            <a:lvl6pPr indent="-298450" lvl="5" marL="2743200">
+            <a:lvl6pPr marL="2743200" lvl="5" indent="-298450">
               <a:spcBef>
                 <a:spcPts val="1600"/>
               </a:spcBef>
@@ -5520,7 +5281,7 @@
               <a:buChar char="■"/>
               <a:defRPr/>
             </a:lvl6pPr>
-            <a:lvl7pPr indent="-298450" lvl="6" marL="3200400">
+            <a:lvl7pPr marL="3200400" lvl="6" indent="-298450">
               <a:spcBef>
                 <a:spcPts val="1600"/>
               </a:spcBef>
@@ -5531,7 +5292,7 @@
               <a:buChar char="●"/>
               <a:defRPr/>
             </a:lvl7pPr>
-            <a:lvl8pPr indent="-298450" lvl="7" marL="3657600">
+            <a:lvl8pPr marL="3657600" lvl="7" indent="-298450">
               <a:spcBef>
                 <a:spcPts val="1600"/>
               </a:spcBef>
@@ -5542,7 +5303,7 @@
               <a:buChar char="○"/>
               <a:defRPr/>
             </a:lvl8pPr>
-            <a:lvl9pPr indent="-298450" lvl="8" marL="4114800">
+            <a:lvl9pPr marL="4114800" lvl="8" indent="-298450">
               <a:spcBef>
                 <a:spcPts val="1600"/>
               </a:spcBef>
@@ -5554,15 +5315,19 @@
               <a:defRPr/>
             </a:lvl9pPr>
           </a:lstStyle>
-          <a:p/>
+          <a:p>
+            <a:endParaRPr/>
+          </a:p>
         </p:txBody>
       </p:sp>
       <p:sp>
         <p:nvSpPr>
           <p:cNvPr id="55" name="Google Shape;55;p5"/>
-          <p:cNvSpPr txBox="1"/>
+          <p:cNvSpPr txBox="1">
+            <a:spLocks noGrp="1"/>
+          </p:cNvSpPr>
           <p:nvPr>
-            <p:ph idx="12" type="sldNum"/>
+            <p:ph type="sldNum" idx="12"/>
           </p:nvPr>
         </p:nvSpPr>
         <p:spPr>
@@ -5575,7 +5340,7 @@
           </a:prstGeom>
         </p:spPr>
         <p:txBody>
-          <a:bodyPr anchorCtr="0" anchor="ctr" bIns="91425" lIns="91425" spcFirstLastPara="1" rIns="91425" wrap="square" tIns="91425">
+          <a:bodyPr spcFirstLastPara="1" wrap="square" lIns="91425" tIns="91425" rIns="91425" bIns="91425" anchor="ctr" anchorCtr="0">
             <a:noAutofit/>
           </a:bodyPr>
           <a:lstStyle>
@@ -5617,7 +5382,7 @@
             </a:lvl9pPr>
           </a:lstStyle>
           <a:p>
-            <a:pPr indent="0" lvl="0" marL="0" rtl="0" algn="r">
+            <a:pPr marL="0" lvl="0" indent="0" algn="r" rtl="0">
               <a:spcBef>
                 <a:spcPts val="0"/>
               </a:spcBef>
@@ -5643,11 +5408,11 @@
 </file>
 
 <file path=ppt/slideLayouts/slideLayout5.xml><?xml version="1.0" encoding="utf-8"?>
-<p:sldLayout xmlns:a="http://schemas.openxmlformats.org/drawingml/2006/main" xmlns:r="http://schemas.openxmlformats.org/officeDocument/2006/relationships" xmlns:mc="http://schemas.openxmlformats.org/markup-compatibility/2006" xmlns:mv="urn:schemas-microsoft-com:mac:vml" xmlns:p="http://schemas.openxmlformats.org/presentationml/2006/main" xmlns:c="http://schemas.openxmlformats.org/drawingml/2006/chart" xmlns:dgm="http://schemas.openxmlformats.org/drawingml/2006/diagram" xmlns:o="urn:schemas-microsoft-com:office:office" xmlns:v="urn:schemas-microsoft-com:vml" xmlns:pvml="urn:schemas-microsoft-com:office:powerpoint" xmlns:com="http://schemas.openxmlformats.org/drawingml/2006/compatibility" xmlns:p14="http://schemas.microsoft.com/office/powerpoint/2010/main" xmlns:p15="http://schemas.microsoft.com/office/powerpoint/2012/main" matchingName="Title only" type="titleOnly">
+<p:sldLayout xmlns:a="http://schemas.openxmlformats.org/drawingml/2006/main" xmlns:r="http://schemas.openxmlformats.org/officeDocument/2006/relationships" xmlns:p="http://schemas.openxmlformats.org/presentationml/2006/main" matchingName="Title only" type="titleOnly">
   <p:cSld name="TITLE_ONLY">
     <p:spTree>
       <p:nvGrpSpPr>
-        <p:cNvPr id="56" name="Shape 56"/>
+        <p:cNvPr id="1" name="Shape 56"/>
         <p:cNvGrpSpPr/>
         <p:nvPr/>
       </p:nvGrpSpPr>
@@ -5686,7 +5451,7 @@
             </a:xfrm>
             <a:prstGeom prst="diagStripe">
               <a:avLst>
-                <a:gd fmla="val 50000" name="adj"/>
+                <a:gd name="adj" fmla="val 50000"/>
               </a:avLst>
             </a:prstGeom>
             <a:solidFill>
@@ -5697,12 +5462,12 @@
             </a:ln>
           </p:spPr>
           <p:txBody>
-            <a:bodyPr anchorCtr="0" anchor="ctr" bIns="91425" lIns="91425" spcFirstLastPara="1" rIns="91425" wrap="square" tIns="91425">
+            <a:bodyPr spcFirstLastPara="1" wrap="square" lIns="91425" tIns="91425" rIns="91425" bIns="91425" anchor="ctr" anchorCtr="0">
               <a:noAutofit/>
             </a:bodyPr>
             <a:lstStyle/>
             <a:p>
-              <a:pPr indent="0" lvl="0" marL="0" rtl="0" algn="l">
+              <a:pPr marL="0" lvl="0" indent="0" algn="l" rtl="0">
                 <a:spcBef>
                   <a:spcPts val="0"/>
                 </a:spcBef>
@@ -5711,9 +5476,6 @@
                 </a:spcAft>
                 <a:buNone/>
               </a:pPr>
-              <a:r>
-                <a:t/>
-              </a:r>
               <a:endParaRPr/>
             </a:p>
           </p:txBody>
@@ -5731,7 +5493,7 @@
             </a:xfrm>
             <a:prstGeom prst="diagStripe">
               <a:avLst>
-                <a:gd fmla="val 50000" name="adj"/>
+                <a:gd name="adj" fmla="val 50000"/>
               </a:avLst>
             </a:prstGeom>
             <a:solidFill>
@@ -5742,12 +5504,12 @@
             </a:ln>
           </p:spPr>
           <p:txBody>
-            <a:bodyPr anchorCtr="0" anchor="ctr" bIns="91425" lIns="91425" spcFirstLastPara="1" rIns="91425" wrap="square" tIns="91425">
+            <a:bodyPr spcFirstLastPara="1" wrap="square" lIns="91425" tIns="91425" rIns="91425" bIns="91425" anchor="ctr" anchorCtr="0">
               <a:noAutofit/>
             </a:bodyPr>
             <a:lstStyle/>
             <a:p>
-              <a:pPr indent="0" lvl="0" marL="0" rtl="0" algn="l">
+              <a:pPr marL="0" lvl="0" indent="0" algn="l" rtl="0">
                 <a:spcBef>
                   <a:spcPts val="0"/>
                 </a:spcBef>
@@ -5756,9 +5518,6 @@
                 </a:spcAft>
                 <a:buNone/>
               </a:pPr>
-              <a:r>
-                <a:t/>
-              </a:r>
               <a:endParaRPr/>
             </a:p>
           </p:txBody>
@@ -5767,7 +5526,9 @@
       <p:sp>
         <p:nvSpPr>
           <p:cNvPr id="60" name="Google Shape;60;p6"/>
-          <p:cNvSpPr txBox="1"/>
+          <p:cNvSpPr txBox="1">
+            <a:spLocks noGrp="1"/>
+          </p:cNvSpPr>
           <p:nvPr>
             <p:ph type="title"/>
           </p:nvPr>
@@ -5782,7 +5543,7 @@
           </a:prstGeom>
         </p:spPr>
         <p:txBody>
-          <a:bodyPr anchorCtr="0" anchor="t" bIns="91425" lIns="91425" spcFirstLastPara="1" rIns="91425" wrap="square" tIns="91425"/>
+          <a:bodyPr spcFirstLastPara="1" wrap="square" lIns="91425" tIns="91425" rIns="91425" bIns="91425" anchor="t" anchorCtr="0"/>
           <a:lstStyle>
             <a:lvl1pPr lvl="0">
               <a:spcBef>
@@ -5884,15 +5645,19 @@
               <a:defRPr sz="2400"/>
             </a:lvl9pPr>
           </a:lstStyle>
-          <a:p/>
+          <a:p>
+            <a:endParaRPr/>
+          </a:p>
         </p:txBody>
       </p:sp>
       <p:sp>
         <p:nvSpPr>
           <p:cNvPr id="61" name="Google Shape;61;p6"/>
-          <p:cNvSpPr txBox="1"/>
+          <p:cNvSpPr txBox="1">
+            <a:spLocks noGrp="1"/>
+          </p:cNvSpPr>
           <p:nvPr>
-            <p:ph idx="12" type="sldNum"/>
+            <p:ph type="sldNum" idx="12"/>
           </p:nvPr>
         </p:nvSpPr>
         <p:spPr>
@@ -5905,7 +5670,7 @@
           </a:prstGeom>
         </p:spPr>
         <p:txBody>
-          <a:bodyPr anchorCtr="0" anchor="ctr" bIns="91425" lIns="91425" spcFirstLastPara="1" rIns="91425" wrap="square" tIns="91425">
+          <a:bodyPr spcFirstLastPara="1" wrap="square" lIns="91425" tIns="91425" rIns="91425" bIns="91425" anchor="ctr" anchorCtr="0">
             <a:noAutofit/>
           </a:bodyPr>
           <a:lstStyle>
@@ -5947,7 +5712,7 @@
             </a:lvl9pPr>
           </a:lstStyle>
           <a:p>
-            <a:pPr indent="0" lvl="0" marL="0" rtl="0" algn="r">
+            <a:pPr marL="0" lvl="0" indent="0" algn="r" rtl="0">
               <a:spcBef>
                 <a:spcPts val="0"/>
               </a:spcBef>
@@ -5973,11 +5738,11 @@
 </file>
 
 <file path=ppt/slideLayouts/slideLayout6.xml><?xml version="1.0" encoding="utf-8"?>
-<p:sldLayout xmlns:a="http://schemas.openxmlformats.org/drawingml/2006/main" xmlns:r="http://schemas.openxmlformats.org/officeDocument/2006/relationships" xmlns:mc="http://schemas.openxmlformats.org/markup-compatibility/2006" xmlns:mv="urn:schemas-microsoft-com:mac:vml" xmlns:p="http://schemas.openxmlformats.org/presentationml/2006/main" xmlns:c="http://schemas.openxmlformats.org/drawingml/2006/chart" xmlns:dgm="http://schemas.openxmlformats.org/drawingml/2006/diagram" xmlns:o="urn:schemas-microsoft-com:office:office" xmlns:v="urn:schemas-microsoft-com:vml" xmlns:pvml="urn:schemas-microsoft-com:office:powerpoint" xmlns:com="http://schemas.openxmlformats.org/drawingml/2006/compatibility" xmlns:p14="http://schemas.microsoft.com/office/powerpoint/2010/main" xmlns:p15="http://schemas.microsoft.com/office/powerpoint/2012/main" matchingName="One column text">
+<p:sldLayout xmlns:a="http://schemas.openxmlformats.org/drawingml/2006/main" xmlns:r="http://schemas.openxmlformats.org/officeDocument/2006/relationships" xmlns:p="http://schemas.openxmlformats.org/presentationml/2006/main" matchingName="One column text">
   <p:cSld name="ONE_COLUMN_TEXT">
     <p:spTree>
       <p:nvGrpSpPr>
-        <p:cNvPr id="62" name="Shape 62"/>
+        <p:cNvPr id="1" name="Shape 62"/>
         <p:cNvGrpSpPr/>
         <p:nvPr/>
       </p:nvGrpSpPr>
@@ -6016,7 +5781,7 @@
             </a:xfrm>
             <a:prstGeom prst="diagStripe">
               <a:avLst>
-                <a:gd fmla="val 50000" name="adj"/>
+                <a:gd name="adj" fmla="val 50000"/>
               </a:avLst>
             </a:prstGeom>
             <a:solidFill>
@@ -6027,12 +5792,12 @@
             </a:ln>
           </p:spPr>
           <p:txBody>
-            <a:bodyPr anchorCtr="0" anchor="ctr" bIns="91425" lIns="91425" spcFirstLastPara="1" rIns="91425" wrap="square" tIns="91425">
+            <a:bodyPr spcFirstLastPara="1" wrap="square" lIns="91425" tIns="91425" rIns="91425" bIns="91425" anchor="ctr" anchorCtr="0">
               <a:noAutofit/>
             </a:bodyPr>
             <a:lstStyle/>
             <a:p>
-              <a:pPr indent="0" lvl="0" marL="0" rtl="0" algn="l">
+              <a:pPr marL="0" lvl="0" indent="0" algn="l" rtl="0">
                 <a:spcBef>
                   <a:spcPts val="0"/>
                 </a:spcBef>
@@ -6041,9 +5806,6 @@
                 </a:spcAft>
                 <a:buNone/>
               </a:pPr>
-              <a:r>
-                <a:t/>
-              </a:r>
               <a:endParaRPr/>
             </a:p>
           </p:txBody>
@@ -6061,7 +5823,7 @@
             </a:xfrm>
             <a:prstGeom prst="diagStripe">
               <a:avLst>
-                <a:gd fmla="val 50000" name="adj"/>
+                <a:gd name="adj" fmla="val 50000"/>
               </a:avLst>
             </a:prstGeom>
             <a:solidFill>
@@ -6072,12 +5834,12 @@
             </a:ln>
           </p:spPr>
           <p:txBody>
-            <a:bodyPr anchorCtr="0" anchor="ctr" bIns="91425" lIns="91425" spcFirstLastPara="1" rIns="91425" wrap="square" tIns="91425">
+            <a:bodyPr spcFirstLastPara="1" wrap="square" lIns="91425" tIns="91425" rIns="91425" bIns="91425" anchor="ctr" anchorCtr="0">
               <a:noAutofit/>
             </a:bodyPr>
             <a:lstStyle/>
             <a:p>
-              <a:pPr indent="0" lvl="0" marL="0" rtl="0" algn="l">
+              <a:pPr marL="0" lvl="0" indent="0" algn="l" rtl="0">
                 <a:spcBef>
                   <a:spcPts val="0"/>
                 </a:spcBef>
@@ -6086,9 +5848,6 @@
                 </a:spcAft>
                 <a:buNone/>
               </a:pPr>
-              <a:r>
-                <a:t/>
-              </a:r>
               <a:endParaRPr/>
             </a:p>
           </p:txBody>
@@ -6097,7 +5856,9 @@
       <p:sp>
         <p:nvSpPr>
           <p:cNvPr id="66" name="Google Shape;66;p7"/>
-          <p:cNvSpPr txBox="1"/>
+          <p:cNvSpPr txBox="1">
+            <a:spLocks noGrp="1"/>
+          </p:cNvSpPr>
           <p:nvPr>
             <p:ph type="title"/>
           </p:nvPr>
@@ -6112,7 +5873,7 @@
           </a:prstGeom>
         </p:spPr>
         <p:txBody>
-          <a:bodyPr anchorCtr="0" anchor="t" bIns="91425" lIns="91425" spcFirstLastPara="1" rIns="91425" wrap="square" tIns="91425"/>
+          <a:bodyPr spcFirstLastPara="1" wrap="square" lIns="91425" tIns="91425" rIns="91425" bIns="91425" anchor="t" anchorCtr="0"/>
           <a:lstStyle>
             <a:lvl1pPr lvl="0">
               <a:spcBef>
@@ -6214,15 +5975,19 @@
               <a:defRPr sz="2400"/>
             </a:lvl9pPr>
           </a:lstStyle>
-          <a:p/>
+          <a:p>
+            <a:endParaRPr/>
+          </a:p>
         </p:txBody>
       </p:sp>
       <p:sp>
         <p:nvSpPr>
           <p:cNvPr id="67" name="Google Shape;67;p7"/>
-          <p:cNvSpPr txBox="1"/>
+          <p:cNvSpPr txBox="1">
+            <a:spLocks noGrp="1"/>
+          </p:cNvSpPr>
           <p:nvPr>
-            <p:ph idx="1" type="body"/>
+            <p:ph type="body" idx="1"/>
           </p:nvPr>
         </p:nvSpPr>
         <p:spPr>
@@ -6235,9 +6000,9 @@
           </a:prstGeom>
         </p:spPr>
         <p:txBody>
-          <a:bodyPr anchorCtr="0" anchor="t" bIns="91425" lIns="91425" spcFirstLastPara="1" rIns="91425" wrap="square" tIns="91425"/>
+          <a:bodyPr spcFirstLastPara="1" wrap="square" lIns="91425" tIns="91425" rIns="91425" bIns="91425" anchor="t" anchorCtr="0"/>
           <a:lstStyle>
-            <a:lvl1pPr indent="-311150" lvl="0" marL="457200">
+            <a:lvl1pPr marL="457200" lvl="0" indent="-311150">
               <a:spcBef>
                 <a:spcPts val="0"/>
               </a:spcBef>
@@ -6248,7 +6013,7 @@
               <a:buChar char="●"/>
               <a:defRPr/>
             </a:lvl1pPr>
-            <a:lvl2pPr indent="-298450" lvl="1" marL="914400">
+            <a:lvl2pPr marL="914400" lvl="1" indent="-298450">
               <a:spcBef>
                 <a:spcPts val="1600"/>
               </a:spcBef>
@@ -6259,7 +6024,7 @@
               <a:buChar char="○"/>
               <a:defRPr/>
             </a:lvl2pPr>
-            <a:lvl3pPr indent="-298450" lvl="2" marL="1371600">
+            <a:lvl3pPr marL="1371600" lvl="2" indent="-298450">
               <a:spcBef>
                 <a:spcPts val="1600"/>
               </a:spcBef>
@@ -6270,7 +6035,7 @@
               <a:buChar char="■"/>
               <a:defRPr/>
             </a:lvl3pPr>
-            <a:lvl4pPr indent="-298450" lvl="3" marL="1828800">
+            <a:lvl4pPr marL="1828800" lvl="3" indent="-298450">
               <a:spcBef>
                 <a:spcPts val="1600"/>
               </a:spcBef>
@@ -6281,7 +6046,7 @@
               <a:buChar char="●"/>
               <a:defRPr/>
             </a:lvl4pPr>
-            <a:lvl5pPr indent="-298450" lvl="4" marL="2286000">
+            <a:lvl5pPr marL="2286000" lvl="4" indent="-298450">
               <a:spcBef>
                 <a:spcPts val="1600"/>
               </a:spcBef>
@@ -6292,7 +6057,7 @@
               <a:buChar char="○"/>
               <a:defRPr/>
             </a:lvl5pPr>
-            <a:lvl6pPr indent="-298450" lvl="5" marL="2743200">
+            <a:lvl6pPr marL="2743200" lvl="5" indent="-298450">
               <a:spcBef>
                 <a:spcPts val="1600"/>
               </a:spcBef>
@@ -6303,7 +6068,7 @@
               <a:buChar char="■"/>
               <a:defRPr/>
             </a:lvl6pPr>
-            <a:lvl7pPr indent="-298450" lvl="6" marL="3200400">
+            <a:lvl7pPr marL="3200400" lvl="6" indent="-298450">
               <a:spcBef>
                 <a:spcPts val="1600"/>
               </a:spcBef>
@@ -6314,7 +6079,7 @@
               <a:buChar char="●"/>
               <a:defRPr/>
             </a:lvl7pPr>
-            <a:lvl8pPr indent="-298450" lvl="7" marL="3657600">
+            <a:lvl8pPr marL="3657600" lvl="7" indent="-298450">
               <a:spcBef>
                 <a:spcPts val="1600"/>
               </a:spcBef>
@@ -6325,7 +6090,7 @@
               <a:buChar char="○"/>
               <a:defRPr/>
             </a:lvl8pPr>
-            <a:lvl9pPr indent="-298450" lvl="8" marL="4114800">
+            <a:lvl9pPr marL="4114800" lvl="8" indent="-298450">
               <a:spcBef>
                 <a:spcPts val="1600"/>
               </a:spcBef>
@@ -6337,15 +6102,19 @@
               <a:defRPr/>
             </a:lvl9pPr>
           </a:lstStyle>
-          <a:p/>
+          <a:p>
+            <a:endParaRPr/>
+          </a:p>
         </p:txBody>
       </p:sp>
       <p:sp>
         <p:nvSpPr>
           <p:cNvPr id="68" name="Google Shape;68;p7"/>
-          <p:cNvSpPr txBox="1"/>
+          <p:cNvSpPr txBox="1">
+            <a:spLocks noGrp="1"/>
+          </p:cNvSpPr>
           <p:nvPr>
-            <p:ph idx="12" type="sldNum"/>
+            <p:ph type="sldNum" idx="12"/>
           </p:nvPr>
         </p:nvSpPr>
         <p:spPr>
@@ -6358,7 +6127,7 @@
           </a:prstGeom>
         </p:spPr>
         <p:txBody>
-          <a:bodyPr anchorCtr="0" anchor="ctr" bIns="91425" lIns="91425" spcFirstLastPara="1" rIns="91425" wrap="square" tIns="91425">
+          <a:bodyPr spcFirstLastPara="1" wrap="square" lIns="91425" tIns="91425" rIns="91425" bIns="91425" anchor="ctr" anchorCtr="0">
             <a:noAutofit/>
           </a:bodyPr>
           <a:lstStyle>
@@ -6400,7 +6169,7 @@
             </a:lvl9pPr>
           </a:lstStyle>
           <a:p>
-            <a:pPr indent="0" lvl="0" marL="0" rtl="0" algn="r">
+            <a:pPr marL="0" lvl="0" indent="0" algn="r" rtl="0">
               <a:spcBef>
                 <a:spcPts val="0"/>
               </a:spcBef>
@@ -6426,11 +6195,11 @@
 </file>
 
 <file path=ppt/slideLayouts/slideLayout7.xml><?xml version="1.0" encoding="utf-8"?>
-<p:sldLayout xmlns:a="http://schemas.openxmlformats.org/drawingml/2006/main" xmlns:r="http://schemas.openxmlformats.org/officeDocument/2006/relationships" xmlns:mc="http://schemas.openxmlformats.org/markup-compatibility/2006" xmlns:mv="urn:schemas-microsoft-com:mac:vml" xmlns:p="http://schemas.openxmlformats.org/presentationml/2006/main" xmlns:c="http://schemas.openxmlformats.org/drawingml/2006/chart" xmlns:dgm="http://schemas.openxmlformats.org/drawingml/2006/diagram" xmlns:o="urn:schemas-microsoft-com:office:office" xmlns:v="urn:schemas-microsoft-com:vml" xmlns:pvml="urn:schemas-microsoft-com:office:powerpoint" xmlns:com="http://schemas.openxmlformats.org/drawingml/2006/compatibility" xmlns:p14="http://schemas.microsoft.com/office/powerpoint/2010/main" xmlns:p15="http://schemas.microsoft.com/office/powerpoint/2012/main" matchingName="Main point">
+<p:sldLayout xmlns:a="http://schemas.openxmlformats.org/drawingml/2006/main" xmlns:r="http://schemas.openxmlformats.org/officeDocument/2006/relationships" xmlns:p="http://schemas.openxmlformats.org/presentationml/2006/main" matchingName="Main point">
   <p:cSld name="MAIN_POINT">
     <p:spTree>
       <p:nvGrpSpPr>
-        <p:cNvPr id="69" name="Shape 69"/>
+        <p:cNvPr id="1" name="Shape 69"/>
         <p:cNvGrpSpPr/>
         <p:nvPr/>
       </p:nvGrpSpPr>
@@ -6469,7 +6238,7 @@
             </a:xfrm>
             <a:prstGeom prst="diagStripe">
               <a:avLst>
-                <a:gd fmla="val 49469" name="adj"/>
+                <a:gd name="adj" fmla="val 49469"/>
               </a:avLst>
             </a:prstGeom>
             <a:solidFill>
@@ -6482,12 +6251,12 @@
             </a:ln>
           </p:spPr>
           <p:txBody>
-            <a:bodyPr anchorCtr="0" anchor="ctr" bIns="91425" lIns="91425" spcFirstLastPara="1" rIns="91425" wrap="square" tIns="91425">
+            <a:bodyPr spcFirstLastPara="1" wrap="square" lIns="91425" tIns="91425" rIns="91425" bIns="91425" anchor="ctr" anchorCtr="0">
               <a:noAutofit/>
             </a:bodyPr>
             <a:lstStyle/>
             <a:p>
-              <a:pPr indent="0" lvl="0" marL="0" rtl="0" algn="l">
+              <a:pPr marL="0" lvl="0" indent="0" algn="l" rtl="0">
                 <a:spcBef>
                   <a:spcPts val="0"/>
                 </a:spcBef>
@@ -6496,9 +6265,6 @@
                 </a:spcAft>
                 <a:buNone/>
               </a:pPr>
-              <a:r>
-                <a:t/>
-              </a:r>
               <a:endParaRPr/>
             </a:p>
           </p:txBody>
@@ -6516,7 +6282,7 @@
             </a:xfrm>
             <a:prstGeom prst="diagStripe">
               <a:avLst>
-                <a:gd fmla="val 0" name="adj"/>
+                <a:gd name="adj" fmla="val 0"/>
               </a:avLst>
             </a:prstGeom>
             <a:solidFill>
@@ -6529,12 +6295,12 @@
             </a:ln>
           </p:spPr>
           <p:txBody>
-            <a:bodyPr anchorCtr="0" anchor="ctr" bIns="91425" lIns="91425" spcFirstLastPara="1" rIns="91425" wrap="square" tIns="91425">
+            <a:bodyPr spcFirstLastPara="1" wrap="square" lIns="91425" tIns="91425" rIns="91425" bIns="91425" anchor="ctr" anchorCtr="0">
               <a:noAutofit/>
             </a:bodyPr>
             <a:lstStyle/>
             <a:p>
-              <a:pPr indent="0" lvl="0" marL="0" rtl="0" algn="l">
+              <a:pPr marL="0" lvl="0" indent="0" algn="l" rtl="0">
                 <a:spcBef>
                   <a:spcPts val="0"/>
                 </a:spcBef>
@@ -6543,9 +6309,6 @@
                 </a:spcAft>
                 <a:buNone/>
               </a:pPr>
-              <a:r>
-                <a:t/>
-              </a:r>
               <a:endParaRPr/>
             </a:p>
           </p:txBody>
@@ -6563,7 +6326,7 @@
             </a:xfrm>
             <a:prstGeom prst="diagStripe">
               <a:avLst>
-                <a:gd fmla="val 50000" name="adj"/>
+                <a:gd name="adj" fmla="val 50000"/>
               </a:avLst>
             </a:prstGeom>
             <a:solidFill>
@@ -6576,12 +6339,12 @@
             </a:ln>
           </p:spPr>
           <p:txBody>
-            <a:bodyPr anchorCtr="0" anchor="ctr" bIns="91425" lIns="91425" spcFirstLastPara="1" rIns="91425" wrap="square" tIns="91425">
+            <a:bodyPr spcFirstLastPara="1" wrap="square" lIns="91425" tIns="91425" rIns="91425" bIns="91425" anchor="ctr" anchorCtr="0">
               <a:noAutofit/>
             </a:bodyPr>
             <a:lstStyle/>
             <a:p>
-              <a:pPr indent="0" lvl="0" marL="0" rtl="0" algn="l">
+              <a:pPr marL="0" lvl="0" indent="0" algn="l" rtl="0">
                 <a:spcBef>
                   <a:spcPts val="0"/>
                 </a:spcBef>
@@ -6590,9 +6353,6 @@
                 </a:spcAft>
                 <a:buNone/>
               </a:pPr>
-              <a:r>
-                <a:t/>
-              </a:r>
               <a:endParaRPr/>
             </a:p>
           </p:txBody>
@@ -6610,7 +6370,7 @@
             </a:xfrm>
             <a:prstGeom prst="diagStripe">
               <a:avLst>
-                <a:gd fmla="val 50000" name="adj"/>
+                <a:gd name="adj" fmla="val 50000"/>
               </a:avLst>
             </a:prstGeom>
             <a:solidFill>
@@ -6623,12 +6383,12 @@
             </a:ln>
           </p:spPr>
           <p:txBody>
-            <a:bodyPr anchorCtr="0" anchor="ctr" bIns="91425" lIns="91425" spcFirstLastPara="1" rIns="91425" wrap="square" tIns="91425">
+            <a:bodyPr spcFirstLastPara="1" wrap="square" lIns="91425" tIns="91425" rIns="91425" bIns="91425" anchor="ctr" anchorCtr="0">
               <a:noAutofit/>
             </a:bodyPr>
             <a:lstStyle/>
             <a:p>
-              <a:pPr indent="0" lvl="0" marL="0" rtl="0" algn="l">
+              <a:pPr marL="0" lvl="0" indent="0" algn="l" rtl="0">
                 <a:spcBef>
                   <a:spcPts val="0"/>
                 </a:spcBef>
@@ -6637,9 +6397,6 @@
                 </a:spcAft>
                 <a:buNone/>
               </a:pPr>
-              <a:r>
-                <a:t/>
-              </a:r>
               <a:endParaRPr/>
             </a:p>
           </p:txBody>
@@ -6657,7 +6414,7 @@
             </a:xfrm>
             <a:prstGeom prst="diagStripe">
               <a:avLst>
-                <a:gd fmla="val 50000" name="adj"/>
+                <a:gd name="adj" fmla="val 50000"/>
               </a:avLst>
             </a:prstGeom>
             <a:solidFill>
@@ -6670,12 +6427,12 @@
             </a:ln>
           </p:spPr>
           <p:txBody>
-            <a:bodyPr anchorCtr="0" anchor="ctr" bIns="91425" lIns="91425" spcFirstLastPara="1" rIns="91425" wrap="square" tIns="91425">
+            <a:bodyPr spcFirstLastPara="1" wrap="square" lIns="91425" tIns="91425" rIns="91425" bIns="91425" anchor="ctr" anchorCtr="0">
               <a:noAutofit/>
             </a:bodyPr>
             <a:lstStyle/>
             <a:p>
-              <a:pPr indent="0" lvl="0" marL="0" rtl="0" algn="l">
+              <a:pPr marL="0" lvl="0" indent="0" algn="l" rtl="0">
                 <a:spcBef>
                   <a:spcPts val="0"/>
                 </a:spcBef>
@@ -6684,9 +6441,6 @@
                 </a:spcAft>
                 <a:buNone/>
               </a:pPr>
-              <a:r>
-                <a:t/>
-              </a:r>
               <a:endParaRPr/>
             </a:p>
           </p:txBody>
@@ -6704,7 +6458,7 @@
             </a:xfrm>
             <a:prstGeom prst="diagStripe">
               <a:avLst>
-                <a:gd fmla="val 50000" name="adj"/>
+                <a:gd name="adj" fmla="val 50000"/>
               </a:avLst>
             </a:prstGeom>
             <a:solidFill>
@@ -6717,12 +6471,12 @@
             </a:ln>
           </p:spPr>
           <p:txBody>
-            <a:bodyPr anchorCtr="0" anchor="ctr" bIns="91425" lIns="91425" spcFirstLastPara="1" rIns="91425" wrap="square" tIns="91425">
+            <a:bodyPr spcFirstLastPara="1" wrap="square" lIns="91425" tIns="91425" rIns="91425" bIns="91425" anchor="ctr" anchorCtr="0">
               <a:noAutofit/>
             </a:bodyPr>
             <a:lstStyle/>
             <a:p>
-              <a:pPr indent="0" lvl="0" marL="0" rtl="0" algn="l">
+              <a:pPr marL="0" lvl="0" indent="0" algn="l" rtl="0">
                 <a:spcBef>
                   <a:spcPts val="0"/>
                 </a:spcBef>
@@ -6731,9 +6485,6 @@
                 </a:spcAft>
                 <a:buNone/>
               </a:pPr>
-              <a:r>
-                <a:t/>
-              </a:r>
               <a:endParaRPr/>
             </a:p>
           </p:txBody>
@@ -6751,7 +6502,7 @@
             </a:xfrm>
             <a:prstGeom prst="diagStripe">
               <a:avLst>
-                <a:gd fmla="val 50000" name="adj"/>
+                <a:gd name="adj" fmla="val 50000"/>
               </a:avLst>
             </a:prstGeom>
             <a:solidFill>
@@ -6764,12 +6515,12 @@
             </a:ln>
           </p:spPr>
           <p:txBody>
-            <a:bodyPr anchorCtr="0" anchor="ctr" bIns="91425" lIns="91425" spcFirstLastPara="1" rIns="91425" wrap="square" tIns="91425">
+            <a:bodyPr spcFirstLastPara="1" wrap="square" lIns="91425" tIns="91425" rIns="91425" bIns="91425" anchor="ctr" anchorCtr="0">
               <a:noAutofit/>
             </a:bodyPr>
             <a:lstStyle/>
             <a:p>
-              <a:pPr indent="0" lvl="0" marL="0" rtl="0" algn="l">
+              <a:pPr marL="0" lvl="0" indent="0" algn="l" rtl="0">
                 <a:spcBef>
                   <a:spcPts val="0"/>
                 </a:spcBef>
@@ -6778,9 +6529,6 @@
                 </a:spcAft>
                 <a:buNone/>
               </a:pPr>
-              <a:r>
-                <a:t/>
-              </a:r>
               <a:endParaRPr/>
             </a:p>
           </p:txBody>
@@ -6798,7 +6546,7 @@
             </a:xfrm>
             <a:prstGeom prst="diagStripe">
               <a:avLst>
-                <a:gd fmla="val 50000" name="adj"/>
+                <a:gd name="adj" fmla="val 50000"/>
               </a:avLst>
             </a:prstGeom>
             <a:solidFill>
@@ -6809,12 +6557,12 @@
             </a:ln>
           </p:spPr>
           <p:txBody>
-            <a:bodyPr anchorCtr="0" anchor="ctr" bIns="91425" lIns="91425" spcFirstLastPara="1" rIns="91425" wrap="square" tIns="91425">
+            <a:bodyPr spcFirstLastPara="1" wrap="square" lIns="91425" tIns="91425" rIns="91425" bIns="91425" anchor="ctr" anchorCtr="0">
               <a:noAutofit/>
             </a:bodyPr>
             <a:lstStyle/>
             <a:p>
-              <a:pPr indent="0" lvl="0" marL="0" rtl="0" algn="l">
+              <a:pPr marL="0" lvl="0" indent="0" algn="l" rtl="0">
                 <a:spcBef>
                   <a:spcPts val="0"/>
                 </a:spcBef>
@@ -6823,9 +6571,6 @@
                 </a:spcAft>
                 <a:buNone/>
               </a:pPr>
-              <a:r>
-                <a:t/>
-              </a:r>
               <a:endParaRPr/>
             </a:p>
           </p:txBody>
@@ -6843,7 +6588,7 @@
             </a:xfrm>
             <a:prstGeom prst="diagStripe">
               <a:avLst>
-                <a:gd fmla="val 50000" name="adj"/>
+                <a:gd name="adj" fmla="val 50000"/>
               </a:avLst>
             </a:prstGeom>
             <a:solidFill>
@@ -6856,12 +6601,12 @@
             </a:ln>
           </p:spPr>
           <p:txBody>
-            <a:bodyPr anchorCtr="0" anchor="ctr" bIns="91425" lIns="91425" spcFirstLastPara="1" rIns="91425" wrap="square" tIns="91425">
+            <a:bodyPr spcFirstLastPara="1" wrap="square" lIns="91425" tIns="91425" rIns="91425" bIns="91425" anchor="ctr" anchorCtr="0">
               <a:noAutofit/>
             </a:bodyPr>
             <a:lstStyle/>
             <a:p>
-              <a:pPr indent="0" lvl="0" marL="0" rtl="0" algn="l">
+              <a:pPr marL="0" lvl="0" indent="0" algn="l" rtl="0">
                 <a:spcBef>
                   <a:spcPts val="0"/>
                 </a:spcBef>
@@ -6870,9 +6615,6 @@
                 </a:spcAft>
                 <a:buNone/>
               </a:pPr>
-              <a:r>
-                <a:t/>
-              </a:r>
               <a:endParaRPr/>
             </a:p>
           </p:txBody>
@@ -6890,7 +6632,7 @@
             </a:xfrm>
             <a:prstGeom prst="diagStripe">
               <a:avLst>
-                <a:gd fmla="val 50000" name="adj"/>
+                <a:gd name="adj" fmla="val 50000"/>
               </a:avLst>
             </a:prstGeom>
             <a:solidFill>
@@ -6903,12 +6645,12 @@
             </a:ln>
           </p:spPr>
           <p:txBody>
-            <a:bodyPr anchorCtr="0" anchor="ctr" bIns="91425" lIns="91425" spcFirstLastPara="1" rIns="91425" wrap="square" tIns="91425">
+            <a:bodyPr spcFirstLastPara="1" wrap="square" lIns="91425" tIns="91425" rIns="91425" bIns="91425" anchor="ctr" anchorCtr="0">
               <a:noAutofit/>
             </a:bodyPr>
             <a:lstStyle/>
             <a:p>
-              <a:pPr indent="0" lvl="0" marL="0" rtl="0" algn="l">
+              <a:pPr marL="0" lvl="0" indent="0" algn="l" rtl="0">
                 <a:spcBef>
                   <a:spcPts val="0"/>
                 </a:spcBef>
@@ -6917,9 +6659,6 @@
                 </a:spcAft>
                 <a:buNone/>
               </a:pPr>
-              <a:r>
-                <a:t/>
-              </a:r>
               <a:endParaRPr/>
             </a:p>
           </p:txBody>
@@ -6937,7 +6676,7 @@
             </a:xfrm>
             <a:prstGeom prst="diagStripe">
               <a:avLst>
-                <a:gd fmla="val 50000" name="adj"/>
+                <a:gd name="adj" fmla="val 50000"/>
               </a:avLst>
             </a:prstGeom>
             <a:solidFill>
@@ -6950,12 +6689,12 @@
             </a:ln>
           </p:spPr>
           <p:txBody>
-            <a:bodyPr anchorCtr="0" anchor="ctr" bIns="91425" lIns="91425" spcFirstLastPara="1" rIns="91425" wrap="square" tIns="91425">
+            <a:bodyPr spcFirstLastPara="1" wrap="square" lIns="91425" tIns="91425" rIns="91425" bIns="91425" anchor="ctr" anchorCtr="0">
               <a:noAutofit/>
             </a:bodyPr>
             <a:lstStyle/>
             <a:p>
-              <a:pPr indent="0" lvl="0" marL="0" rtl="0" algn="l">
+              <a:pPr marL="0" lvl="0" indent="0" algn="l" rtl="0">
                 <a:spcBef>
                   <a:spcPts val="0"/>
                 </a:spcBef>
@@ -6964,9 +6703,6 @@
                 </a:spcAft>
                 <a:buNone/>
               </a:pPr>
-              <a:r>
-                <a:t/>
-              </a:r>
               <a:endParaRPr/>
             </a:p>
           </p:txBody>
@@ -6984,7 +6720,7 @@
             </a:xfrm>
             <a:prstGeom prst="diagStripe">
               <a:avLst>
-                <a:gd fmla="val 50000" name="adj"/>
+                <a:gd name="adj" fmla="val 50000"/>
               </a:avLst>
             </a:prstGeom>
             <a:solidFill>
@@ -6997,12 +6733,12 @@
             </a:ln>
           </p:spPr>
           <p:txBody>
-            <a:bodyPr anchorCtr="0" anchor="ctr" bIns="91425" lIns="91425" spcFirstLastPara="1" rIns="91425" wrap="square" tIns="91425">
+            <a:bodyPr spcFirstLastPara="1" wrap="square" lIns="91425" tIns="91425" rIns="91425" bIns="91425" anchor="ctr" anchorCtr="0">
               <a:noAutofit/>
             </a:bodyPr>
             <a:lstStyle/>
             <a:p>
-              <a:pPr indent="0" lvl="0" marL="0" rtl="0" algn="l">
+              <a:pPr marL="0" lvl="0" indent="0" algn="l" rtl="0">
                 <a:spcBef>
                   <a:spcPts val="0"/>
                 </a:spcBef>
@@ -7011,9 +6747,6 @@
                 </a:spcAft>
                 <a:buNone/>
               </a:pPr>
-              <a:r>
-                <a:t/>
-              </a:r>
               <a:endParaRPr/>
             </a:p>
           </p:txBody>
@@ -7031,7 +6764,7 @@
             </a:xfrm>
             <a:prstGeom prst="diagStripe">
               <a:avLst>
-                <a:gd fmla="val 50000" name="adj"/>
+                <a:gd name="adj" fmla="val 50000"/>
               </a:avLst>
             </a:prstGeom>
             <a:solidFill>
@@ -7044,12 +6777,12 @@
             </a:ln>
           </p:spPr>
           <p:txBody>
-            <a:bodyPr anchorCtr="0" anchor="ctr" bIns="91425" lIns="91425" spcFirstLastPara="1" rIns="91425" wrap="square" tIns="91425">
+            <a:bodyPr spcFirstLastPara="1" wrap="square" lIns="91425" tIns="91425" rIns="91425" bIns="91425" anchor="ctr" anchorCtr="0">
               <a:noAutofit/>
             </a:bodyPr>
             <a:lstStyle/>
             <a:p>
-              <a:pPr indent="0" lvl="0" marL="0" rtl="0" algn="l">
+              <a:pPr marL="0" lvl="0" indent="0" algn="l" rtl="0">
                 <a:spcBef>
                   <a:spcPts val="0"/>
                 </a:spcBef>
@@ -7058,9 +6791,6 @@
                 </a:spcAft>
                 <a:buNone/>
               </a:pPr>
-              <a:r>
-                <a:t/>
-              </a:r>
               <a:endParaRPr/>
             </a:p>
           </p:txBody>
@@ -7078,7 +6808,7 @@
             </a:xfrm>
             <a:prstGeom prst="diagStripe">
               <a:avLst>
-                <a:gd fmla="val 50000" name="adj"/>
+                <a:gd name="adj" fmla="val 50000"/>
               </a:avLst>
             </a:prstGeom>
             <a:solidFill>
@@ -7089,12 +6819,12 @@
             </a:ln>
           </p:spPr>
           <p:txBody>
-            <a:bodyPr anchorCtr="0" anchor="ctr" bIns="91425" lIns="91425" spcFirstLastPara="1" rIns="91425" wrap="square" tIns="91425">
+            <a:bodyPr spcFirstLastPara="1" wrap="square" lIns="91425" tIns="91425" rIns="91425" bIns="91425" anchor="ctr" anchorCtr="0">
               <a:noAutofit/>
             </a:bodyPr>
             <a:lstStyle/>
             <a:p>
-              <a:pPr indent="0" lvl="0" marL="0" rtl="0" algn="l">
+              <a:pPr marL="0" lvl="0" indent="0" algn="l" rtl="0">
                 <a:spcBef>
                   <a:spcPts val="0"/>
                 </a:spcBef>
@@ -7103,9 +6833,6 @@
                 </a:spcAft>
                 <a:buNone/>
               </a:pPr>
-              <a:r>
-                <a:t/>
-              </a:r>
               <a:endParaRPr/>
             </a:p>
           </p:txBody>
@@ -7123,7 +6850,7 @@
             </a:xfrm>
             <a:prstGeom prst="diagStripe">
               <a:avLst>
-                <a:gd fmla="val 50000" name="adj"/>
+                <a:gd name="adj" fmla="val 50000"/>
               </a:avLst>
             </a:prstGeom>
             <a:solidFill>
@@ -7136,12 +6863,12 @@
             </a:ln>
           </p:spPr>
           <p:txBody>
-            <a:bodyPr anchorCtr="0" anchor="ctr" bIns="91425" lIns="91425" spcFirstLastPara="1" rIns="91425" wrap="square" tIns="91425">
+            <a:bodyPr spcFirstLastPara="1" wrap="square" lIns="91425" tIns="91425" rIns="91425" bIns="91425" anchor="ctr" anchorCtr="0">
               <a:noAutofit/>
             </a:bodyPr>
             <a:lstStyle/>
             <a:p>
-              <a:pPr indent="0" lvl="0" marL="0" rtl="0" algn="l">
+              <a:pPr marL="0" lvl="0" indent="0" algn="l" rtl="0">
                 <a:spcBef>
                   <a:spcPts val="0"/>
                 </a:spcBef>
@@ -7150,9 +6877,6 @@
                 </a:spcAft>
                 <a:buNone/>
               </a:pPr>
-              <a:r>
-                <a:t/>
-              </a:r>
               <a:endParaRPr/>
             </a:p>
           </p:txBody>
@@ -7170,7 +6894,7 @@
             </a:xfrm>
             <a:prstGeom prst="diagStripe">
               <a:avLst>
-                <a:gd fmla="val 50000" name="adj"/>
+                <a:gd name="adj" fmla="val 50000"/>
               </a:avLst>
             </a:prstGeom>
             <a:solidFill>
@@ -7183,12 +6907,12 @@
             </a:ln>
           </p:spPr>
           <p:txBody>
-            <a:bodyPr anchorCtr="0" anchor="ctr" bIns="91425" lIns="91425" spcFirstLastPara="1" rIns="91425" wrap="square" tIns="91425">
+            <a:bodyPr spcFirstLastPara="1" wrap="square" lIns="91425" tIns="91425" rIns="91425" bIns="91425" anchor="ctr" anchorCtr="0">
               <a:noAutofit/>
             </a:bodyPr>
             <a:lstStyle/>
             <a:p>
-              <a:pPr indent="0" lvl="0" marL="0" rtl="0" algn="l">
+              <a:pPr marL="0" lvl="0" indent="0" algn="l" rtl="0">
                 <a:spcBef>
                   <a:spcPts val="0"/>
                 </a:spcBef>
@@ -7197,9 +6921,6 @@
                 </a:spcAft>
                 <a:buNone/>
               </a:pPr>
-              <a:r>
-                <a:t/>
-              </a:r>
               <a:endParaRPr/>
             </a:p>
           </p:txBody>
@@ -7217,7 +6938,7 @@
             </a:xfrm>
             <a:prstGeom prst="diagStripe">
               <a:avLst>
-                <a:gd fmla="val 50000" name="adj"/>
+                <a:gd name="adj" fmla="val 50000"/>
               </a:avLst>
             </a:prstGeom>
             <a:solidFill>
@@ -7230,12 +6951,12 @@
             </a:ln>
           </p:spPr>
           <p:txBody>
-            <a:bodyPr anchorCtr="0" anchor="ctr" bIns="91425" lIns="91425" spcFirstLastPara="1" rIns="91425" wrap="square" tIns="91425">
+            <a:bodyPr spcFirstLastPara="1" wrap="square" lIns="91425" tIns="91425" rIns="91425" bIns="91425" anchor="ctr" anchorCtr="0">
               <a:noAutofit/>
             </a:bodyPr>
             <a:lstStyle/>
             <a:p>
-              <a:pPr indent="0" lvl="0" marL="0" rtl="0" algn="l">
+              <a:pPr marL="0" lvl="0" indent="0" algn="l" rtl="0">
                 <a:spcBef>
                   <a:spcPts val="0"/>
                 </a:spcBef>
@@ -7244,9 +6965,6 @@
                 </a:spcAft>
                 <a:buNone/>
               </a:pPr>
-              <a:r>
-                <a:t/>
-              </a:r>
               <a:endParaRPr/>
             </a:p>
           </p:txBody>
@@ -7264,7 +6982,7 @@
             </a:xfrm>
             <a:prstGeom prst="diagStripe">
               <a:avLst>
-                <a:gd fmla="val 50000" name="adj"/>
+                <a:gd name="adj" fmla="val 50000"/>
               </a:avLst>
             </a:prstGeom>
             <a:solidFill>
@@ -7277,12 +6995,12 @@
             </a:ln>
           </p:spPr>
           <p:txBody>
-            <a:bodyPr anchorCtr="0" anchor="ctr" bIns="91425" lIns="91425" spcFirstLastPara="1" rIns="91425" wrap="square" tIns="91425">
+            <a:bodyPr spcFirstLastPara="1" wrap="square" lIns="91425" tIns="91425" rIns="91425" bIns="91425" anchor="ctr" anchorCtr="0">
               <a:noAutofit/>
             </a:bodyPr>
             <a:lstStyle/>
             <a:p>
-              <a:pPr indent="0" lvl="0" marL="0" rtl="0" algn="l">
+              <a:pPr marL="0" lvl="0" indent="0" algn="l" rtl="0">
                 <a:spcBef>
                   <a:spcPts val="0"/>
                 </a:spcBef>
@@ -7291,9 +7009,6 @@
                 </a:spcAft>
                 <a:buNone/>
               </a:pPr>
-              <a:r>
-                <a:t/>
-              </a:r>
               <a:endParaRPr/>
             </a:p>
           </p:txBody>
@@ -7302,7 +7017,9 @@
       <p:sp>
         <p:nvSpPr>
           <p:cNvPr id="89" name="Google Shape;89;p8"/>
-          <p:cNvSpPr txBox="1"/>
+          <p:cNvSpPr txBox="1">
+            <a:spLocks noGrp="1"/>
+          </p:cNvSpPr>
           <p:nvPr>
             <p:ph type="title"/>
           </p:nvPr>
@@ -7317,7 +7034,7 @@
           </a:prstGeom>
         </p:spPr>
         <p:txBody>
-          <a:bodyPr anchorCtr="0" anchor="ctr" bIns="91425" lIns="91425" spcFirstLastPara="1" rIns="91425" wrap="square" tIns="91425"/>
+          <a:bodyPr spcFirstLastPara="1" wrap="square" lIns="91425" tIns="91425" rIns="91425" bIns="91425" anchor="ctr" anchorCtr="0"/>
           <a:lstStyle>
             <a:lvl1pPr lvl="0">
               <a:spcBef>
@@ -7419,15 +7136,19 @@
               <a:defRPr/>
             </a:lvl9pPr>
           </a:lstStyle>
-          <a:p/>
+          <a:p>
+            <a:endParaRPr/>
+          </a:p>
         </p:txBody>
       </p:sp>
       <p:sp>
         <p:nvSpPr>
           <p:cNvPr id="90" name="Google Shape;90;p8"/>
-          <p:cNvSpPr txBox="1"/>
+          <p:cNvSpPr txBox="1">
+            <a:spLocks noGrp="1"/>
+          </p:cNvSpPr>
           <p:nvPr>
-            <p:ph idx="12" type="sldNum"/>
+            <p:ph type="sldNum" idx="12"/>
           </p:nvPr>
         </p:nvSpPr>
         <p:spPr>
@@ -7440,7 +7161,7 @@
           </a:prstGeom>
         </p:spPr>
         <p:txBody>
-          <a:bodyPr anchorCtr="0" anchor="ctr" bIns="91425" lIns="91425" spcFirstLastPara="1" rIns="91425" wrap="square" tIns="91425">
+          <a:bodyPr spcFirstLastPara="1" wrap="square" lIns="91425" tIns="91425" rIns="91425" bIns="91425" anchor="ctr" anchorCtr="0">
             <a:noAutofit/>
           </a:bodyPr>
           <a:lstStyle>
@@ -7482,7 +7203,7 @@
             </a:lvl9pPr>
           </a:lstStyle>
           <a:p>
-            <a:pPr indent="0" lvl="0" marL="0" rtl="0" algn="r">
+            <a:pPr marL="0" lvl="0" indent="0" algn="r" rtl="0">
               <a:spcBef>
                 <a:spcPts val="0"/>
               </a:spcBef>
@@ -7508,11 +7229,11 @@
 </file>
 
 <file path=ppt/slideLayouts/slideLayout8.xml><?xml version="1.0" encoding="utf-8"?>
-<p:sldLayout xmlns:a="http://schemas.openxmlformats.org/drawingml/2006/main" xmlns:r="http://schemas.openxmlformats.org/officeDocument/2006/relationships" xmlns:mc="http://schemas.openxmlformats.org/markup-compatibility/2006" xmlns:mv="urn:schemas-microsoft-com:mac:vml" xmlns:p="http://schemas.openxmlformats.org/presentationml/2006/main" xmlns:c="http://schemas.openxmlformats.org/drawingml/2006/chart" xmlns:dgm="http://schemas.openxmlformats.org/drawingml/2006/diagram" xmlns:o="urn:schemas-microsoft-com:office:office" xmlns:v="urn:schemas-microsoft-com:vml" xmlns:pvml="urn:schemas-microsoft-com:office:powerpoint" xmlns:com="http://schemas.openxmlformats.org/drawingml/2006/compatibility" xmlns:p14="http://schemas.microsoft.com/office/powerpoint/2010/main" xmlns:p15="http://schemas.microsoft.com/office/powerpoint/2012/main" matchingName="Section title and description">
+<p:sldLayout xmlns:a="http://schemas.openxmlformats.org/drawingml/2006/main" xmlns:r="http://schemas.openxmlformats.org/officeDocument/2006/relationships" xmlns:p="http://schemas.openxmlformats.org/presentationml/2006/main" matchingName="Section title and description">
   <p:cSld name="SECTION_TITLE_AND_DESCRIPTION">
     <p:spTree>
       <p:nvGrpSpPr>
-        <p:cNvPr id="91" name="Shape 91"/>
+        <p:cNvPr id="1" name="Shape 91"/>
         <p:cNvGrpSpPr/>
         <p:nvPr/>
       </p:nvGrpSpPr>
@@ -7551,7 +7272,7 @@
             </a:xfrm>
             <a:prstGeom prst="diagStripe">
               <a:avLst>
-                <a:gd fmla="val 50000" name="adj"/>
+                <a:gd name="adj" fmla="val 50000"/>
               </a:avLst>
             </a:prstGeom>
             <a:solidFill>
@@ -7562,12 +7283,12 @@
             </a:ln>
           </p:spPr>
           <p:txBody>
-            <a:bodyPr anchorCtr="0" anchor="ctr" bIns="91425" lIns="91425" spcFirstLastPara="1" rIns="91425" wrap="square" tIns="91425">
+            <a:bodyPr spcFirstLastPara="1" wrap="square" lIns="91425" tIns="91425" rIns="91425" bIns="91425" anchor="ctr" anchorCtr="0">
               <a:noAutofit/>
             </a:bodyPr>
             <a:lstStyle/>
             <a:p>
-              <a:pPr indent="0" lvl="0" marL="0" rtl="0" algn="l">
+              <a:pPr marL="0" lvl="0" indent="0" algn="l" rtl="0">
                 <a:spcBef>
                   <a:spcPts val="0"/>
                 </a:spcBef>
@@ -7576,9 +7297,6 @@
                 </a:spcAft>
                 <a:buNone/>
               </a:pPr>
-              <a:r>
-                <a:t/>
-              </a:r>
               <a:endParaRPr/>
             </a:p>
           </p:txBody>
@@ -7596,7 +7314,7 @@
             </a:xfrm>
             <a:prstGeom prst="diagStripe">
               <a:avLst>
-                <a:gd fmla="val 50000" name="adj"/>
+                <a:gd name="adj" fmla="val 50000"/>
               </a:avLst>
             </a:prstGeom>
             <a:solidFill>
@@ -7607,12 +7325,12 @@
             </a:ln>
           </p:spPr>
           <p:txBody>
-            <a:bodyPr anchorCtr="0" anchor="ctr" bIns="91425" lIns="91425" spcFirstLastPara="1" rIns="91425" wrap="square" tIns="91425">
+            <a:bodyPr spcFirstLastPara="1" wrap="square" lIns="91425" tIns="91425" rIns="91425" bIns="91425" anchor="ctr" anchorCtr="0">
               <a:noAutofit/>
             </a:bodyPr>
             <a:lstStyle/>
             <a:p>
-              <a:pPr indent="0" lvl="0" marL="0" rtl="0" algn="l">
+              <a:pPr marL="0" lvl="0" indent="0" algn="l" rtl="0">
                 <a:spcBef>
                   <a:spcPts val="0"/>
                 </a:spcBef>
@@ -7621,9 +7339,6 @@
                 </a:spcAft>
                 <a:buNone/>
               </a:pPr>
-              <a:r>
-                <a:t/>
-              </a:r>
               <a:endParaRPr/>
             </a:p>
           </p:txBody>
@@ -7632,7 +7347,9 @@
       <p:sp>
         <p:nvSpPr>
           <p:cNvPr id="95" name="Google Shape;95;p9"/>
-          <p:cNvSpPr txBox="1"/>
+          <p:cNvSpPr txBox="1">
+            <a:spLocks noGrp="1"/>
+          </p:cNvSpPr>
           <p:nvPr>
             <p:ph type="title"/>
           </p:nvPr>
@@ -7647,7 +7364,7 @@
           </a:prstGeom>
         </p:spPr>
         <p:txBody>
-          <a:bodyPr anchorCtr="0" anchor="t" bIns="91425" lIns="91425" spcFirstLastPara="1" rIns="91425" wrap="square" tIns="91425"/>
+          <a:bodyPr spcFirstLastPara="1" wrap="square" lIns="91425" tIns="91425" rIns="91425" bIns="91425" anchor="t" anchorCtr="0"/>
           <a:lstStyle>
             <a:lvl1pPr lvl="0">
               <a:spcBef>
@@ -7749,15 +7466,19 @@
               <a:defRPr sz="2400"/>
             </a:lvl9pPr>
           </a:lstStyle>
-          <a:p/>
+          <a:p>
+            <a:endParaRPr/>
+          </a:p>
         </p:txBody>
       </p:sp>
       <p:sp>
         <p:nvSpPr>
           <p:cNvPr id="96" name="Google Shape;96;p9"/>
-          <p:cNvSpPr txBox="1"/>
+          <p:cNvSpPr txBox="1">
+            <a:spLocks noGrp="1"/>
+          </p:cNvSpPr>
           <p:nvPr>
-            <p:ph idx="1" type="subTitle"/>
+            <p:ph type="subTitle" idx="1"/>
           </p:nvPr>
         </p:nvSpPr>
         <p:spPr>
@@ -7770,7 +7491,7 @@
           </a:prstGeom>
         </p:spPr>
         <p:txBody>
-          <a:bodyPr anchorCtr="0" anchor="t" bIns="91425" lIns="91425" spcFirstLastPara="1" rIns="91425" wrap="square" tIns="91425"/>
+          <a:bodyPr spcFirstLastPara="1" wrap="square" lIns="91425" tIns="91425" rIns="91425" bIns="91425" anchor="t" anchorCtr="0"/>
           <a:lstStyle>
             <a:lvl1pPr lvl="0">
               <a:lnSpc>
@@ -7899,15 +7620,19 @@
               <a:defRPr sz="1300"/>
             </a:lvl9pPr>
           </a:lstStyle>
-          <a:p/>
+          <a:p>
+            <a:endParaRPr/>
+          </a:p>
         </p:txBody>
       </p:sp>
       <p:sp>
         <p:nvSpPr>
           <p:cNvPr id="97" name="Google Shape;97;p9"/>
-          <p:cNvSpPr txBox="1"/>
+          <p:cNvSpPr txBox="1">
+            <a:spLocks noGrp="1"/>
+          </p:cNvSpPr>
           <p:nvPr>
-            <p:ph idx="2" type="body"/>
+            <p:ph type="body" idx="2"/>
           </p:nvPr>
         </p:nvSpPr>
         <p:spPr>
@@ -7920,9 +7645,9 @@
           </a:prstGeom>
         </p:spPr>
         <p:txBody>
-          <a:bodyPr anchorCtr="0" anchor="t" bIns="91425" lIns="91425" spcFirstLastPara="1" rIns="91425" wrap="square" tIns="91425"/>
+          <a:bodyPr spcFirstLastPara="1" wrap="square" lIns="91425" tIns="91425" rIns="91425" bIns="91425" anchor="t" anchorCtr="0"/>
           <a:lstStyle>
-            <a:lvl1pPr indent="-311150" lvl="0" marL="457200">
+            <a:lvl1pPr marL="457200" lvl="0" indent="-311150">
               <a:spcBef>
                 <a:spcPts val="0"/>
               </a:spcBef>
@@ -7933,7 +7658,7 @@
               <a:buChar char="●"/>
               <a:defRPr/>
             </a:lvl1pPr>
-            <a:lvl2pPr indent="-298450" lvl="1" marL="914400">
+            <a:lvl2pPr marL="914400" lvl="1" indent="-298450">
               <a:spcBef>
                 <a:spcPts val="1600"/>
               </a:spcBef>
@@ -7944,7 +7669,7 @@
               <a:buChar char="○"/>
               <a:defRPr/>
             </a:lvl2pPr>
-            <a:lvl3pPr indent="-298450" lvl="2" marL="1371600">
+            <a:lvl3pPr marL="1371600" lvl="2" indent="-298450">
               <a:spcBef>
                 <a:spcPts val="1600"/>
               </a:spcBef>
@@ -7955,7 +7680,7 @@
               <a:buChar char="■"/>
               <a:defRPr/>
             </a:lvl3pPr>
-            <a:lvl4pPr indent="-298450" lvl="3" marL="1828800">
+            <a:lvl4pPr marL="1828800" lvl="3" indent="-298450">
               <a:spcBef>
                 <a:spcPts val="1600"/>
               </a:spcBef>
@@ -7966,7 +7691,7 @@
               <a:buChar char="●"/>
               <a:defRPr/>
             </a:lvl4pPr>
-            <a:lvl5pPr indent="-298450" lvl="4" marL="2286000">
+            <a:lvl5pPr marL="2286000" lvl="4" indent="-298450">
               <a:spcBef>
                 <a:spcPts val="1600"/>
               </a:spcBef>
@@ -7977,7 +7702,7 @@
               <a:buChar char="○"/>
               <a:defRPr/>
             </a:lvl5pPr>
-            <a:lvl6pPr indent="-298450" lvl="5" marL="2743200">
+            <a:lvl6pPr marL="2743200" lvl="5" indent="-298450">
               <a:spcBef>
                 <a:spcPts val="1600"/>
               </a:spcBef>
@@ -7988,7 +7713,7 @@
               <a:buChar char="■"/>
               <a:defRPr/>
             </a:lvl6pPr>
-            <a:lvl7pPr indent="-298450" lvl="6" marL="3200400">
+            <a:lvl7pPr marL="3200400" lvl="6" indent="-298450">
               <a:spcBef>
                 <a:spcPts val="1600"/>
               </a:spcBef>
@@ -7999,7 +7724,7 @@
               <a:buChar char="●"/>
               <a:defRPr/>
             </a:lvl7pPr>
-            <a:lvl8pPr indent="-298450" lvl="7" marL="3657600">
+            <a:lvl8pPr marL="3657600" lvl="7" indent="-298450">
               <a:spcBef>
                 <a:spcPts val="1600"/>
               </a:spcBef>
@@ -8010,7 +7735,7 @@
               <a:buChar char="○"/>
               <a:defRPr/>
             </a:lvl8pPr>
-            <a:lvl9pPr indent="-298450" lvl="8" marL="4114800">
+            <a:lvl9pPr marL="4114800" lvl="8" indent="-298450">
               <a:spcBef>
                 <a:spcPts val="1600"/>
               </a:spcBef>
@@ -8022,15 +7747,19 @@
               <a:defRPr/>
             </a:lvl9pPr>
           </a:lstStyle>
-          <a:p/>
+          <a:p>
+            <a:endParaRPr/>
+          </a:p>
         </p:txBody>
       </p:sp>
       <p:sp>
         <p:nvSpPr>
           <p:cNvPr id="98" name="Google Shape;98;p9"/>
-          <p:cNvSpPr txBox="1"/>
+          <p:cNvSpPr txBox="1">
+            <a:spLocks noGrp="1"/>
+          </p:cNvSpPr>
           <p:nvPr>
-            <p:ph idx="12" type="sldNum"/>
+            <p:ph type="sldNum" idx="12"/>
           </p:nvPr>
         </p:nvSpPr>
         <p:spPr>
@@ -8043,7 +7772,7 @@
           </a:prstGeom>
         </p:spPr>
         <p:txBody>
-          <a:bodyPr anchorCtr="0" anchor="ctr" bIns="91425" lIns="91425" spcFirstLastPara="1" rIns="91425" wrap="square" tIns="91425">
+          <a:bodyPr spcFirstLastPara="1" wrap="square" lIns="91425" tIns="91425" rIns="91425" bIns="91425" anchor="ctr" anchorCtr="0">
             <a:noAutofit/>
           </a:bodyPr>
           <a:lstStyle>
@@ -8085,7 +7814,7 @@
             </a:lvl9pPr>
           </a:lstStyle>
           <a:p>
-            <a:pPr indent="0" lvl="0" marL="0" rtl="0" algn="r">
+            <a:pPr marL="0" lvl="0" indent="0" algn="r" rtl="0">
               <a:spcBef>
                 <a:spcPts val="0"/>
               </a:spcBef>
@@ -8111,11 +7840,11 @@
 </file>
 
 <file path=ppt/slideLayouts/slideLayout9.xml><?xml version="1.0" encoding="utf-8"?>
-<p:sldLayout xmlns:a="http://schemas.openxmlformats.org/drawingml/2006/main" xmlns:r="http://schemas.openxmlformats.org/officeDocument/2006/relationships" xmlns:mc="http://schemas.openxmlformats.org/markup-compatibility/2006" xmlns:mv="urn:schemas-microsoft-com:mac:vml" xmlns:p="http://schemas.openxmlformats.org/presentationml/2006/main" xmlns:c="http://schemas.openxmlformats.org/drawingml/2006/chart" xmlns:dgm="http://schemas.openxmlformats.org/drawingml/2006/diagram" xmlns:o="urn:schemas-microsoft-com:office:office" xmlns:v="urn:schemas-microsoft-com:vml" xmlns:pvml="urn:schemas-microsoft-com:office:powerpoint" xmlns:com="http://schemas.openxmlformats.org/drawingml/2006/compatibility" xmlns:p14="http://schemas.microsoft.com/office/powerpoint/2010/main" xmlns:p15="http://schemas.microsoft.com/office/powerpoint/2012/main" matchingName="Caption">
+<p:sldLayout xmlns:a="http://schemas.openxmlformats.org/drawingml/2006/main" xmlns:r="http://schemas.openxmlformats.org/officeDocument/2006/relationships" xmlns:p="http://schemas.openxmlformats.org/presentationml/2006/main" matchingName="Caption">
   <p:cSld name="CAPTION_ONLY">
     <p:spTree>
       <p:nvGrpSpPr>
-        <p:cNvPr id="99" name="Shape 99"/>
+        <p:cNvPr id="1" name="Shape 99"/>
         <p:cNvGrpSpPr/>
         <p:nvPr/>
       </p:nvGrpSpPr>
@@ -8154,7 +7883,7 @@
             </a:xfrm>
             <a:prstGeom prst="diagStripe">
               <a:avLst>
-                <a:gd fmla="val 50000" name="adj"/>
+                <a:gd name="adj" fmla="val 50000"/>
               </a:avLst>
             </a:prstGeom>
             <a:solidFill>
@@ -8167,12 +7896,12 @@
             </a:ln>
           </p:spPr>
           <p:txBody>
-            <a:bodyPr anchorCtr="0" anchor="ctr" bIns="91425" lIns="91425" spcFirstLastPara="1" rIns="91425" wrap="square" tIns="91425">
+            <a:bodyPr spcFirstLastPara="1" wrap="square" lIns="91425" tIns="91425" rIns="91425" bIns="91425" anchor="ctr" anchorCtr="0">
               <a:noAutofit/>
             </a:bodyPr>
             <a:lstStyle/>
             <a:p>
-              <a:pPr indent="0" lvl="0" marL="0" rtl="0" algn="l">
+              <a:pPr marL="0" lvl="0" indent="0" algn="l" rtl="0">
                 <a:spcBef>
                   <a:spcPts val="0"/>
                 </a:spcBef>
@@ -8181,9 +7910,6 @@
                 </a:spcAft>
                 <a:buNone/>
               </a:pPr>
-              <a:r>
-                <a:t/>
-              </a:r>
               <a:endParaRPr/>
             </a:p>
           </p:txBody>
@@ -8201,7 +7927,7 @@
             </a:xfrm>
             <a:prstGeom prst="diagStripe">
               <a:avLst>
-                <a:gd fmla="val 50000" name="adj"/>
+                <a:gd name="adj" fmla="val 50000"/>
               </a:avLst>
             </a:prstGeom>
             <a:solidFill>
@@ -8214,12 +7940,12 @@
             </a:ln>
           </p:spPr>
           <p:txBody>
-            <a:bodyPr anchorCtr="0" anchor="ctr" bIns="91425" lIns="91425" spcFirstLastPara="1" rIns="91425" wrap="square" tIns="91425">
+            <a:bodyPr spcFirstLastPara="1" wrap="square" lIns="91425" tIns="91425" rIns="91425" bIns="91425" anchor="ctr" anchorCtr="0">
               <a:noAutofit/>
             </a:bodyPr>
             <a:lstStyle/>
             <a:p>
-              <a:pPr indent="0" lvl="0" marL="0" rtl="0" algn="l">
+              <a:pPr marL="0" lvl="0" indent="0" algn="l" rtl="0">
                 <a:spcBef>
                   <a:spcPts val="0"/>
                 </a:spcBef>
@@ -8228,9 +7954,6 @@
                 </a:spcAft>
                 <a:buNone/>
               </a:pPr>
-              <a:r>
-                <a:t/>
-              </a:r>
               <a:endParaRPr/>
             </a:p>
           </p:txBody>
@@ -8239,9 +7962,11 @@
       <p:sp>
         <p:nvSpPr>
           <p:cNvPr id="103" name="Google Shape;103;p10"/>
-          <p:cNvSpPr txBox="1"/>
+          <p:cNvSpPr txBox="1">
+            <a:spLocks noGrp="1"/>
+          </p:cNvSpPr>
           <p:nvPr>
-            <p:ph idx="1" type="body"/>
+            <p:ph type="body" idx="1"/>
           </p:nvPr>
         </p:nvSpPr>
         <p:spPr>
@@ -8254,9 +7979,9 @@
           </a:prstGeom>
         </p:spPr>
         <p:txBody>
-          <a:bodyPr anchorCtr="0" anchor="ctr" bIns="91425" lIns="91425" spcFirstLastPara="1" rIns="91425" wrap="square" tIns="91425"/>
+          <a:bodyPr spcFirstLastPara="1" wrap="square" lIns="91425" tIns="91425" rIns="91425" bIns="91425" anchor="ctr" anchorCtr="0"/>
           <a:lstStyle>
-            <a:lvl1pPr indent="-228600" lvl="0" marL="457200">
+            <a:lvl1pPr marL="457200" lvl="0" indent="-228600">
               <a:lnSpc>
                 <a:spcPct val="100000"/>
               </a:lnSpc>
@@ -8271,15 +7996,19 @@
               <a:defRPr/>
             </a:lvl1pPr>
           </a:lstStyle>
-          <a:p/>
+          <a:p>
+            <a:endParaRPr/>
+          </a:p>
         </p:txBody>
       </p:sp>
       <p:sp>
         <p:nvSpPr>
           <p:cNvPr id="104" name="Google Shape;104;p10"/>
-          <p:cNvSpPr txBox="1"/>
+          <p:cNvSpPr txBox="1">
+            <a:spLocks noGrp="1"/>
+          </p:cNvSpPr>
           <p:nvPr>
-            <p:ph idx="12" type="sldNum"/>
+            <p:ph type="sldNum" idx="12"/>
           </p:nvPr>
         </p:nvSpPr>
         <p:spPr>
@@ -8292,7 +8021,7 @@
           </a:prstGeom>
         </p:spPr>
         <p:txBody>
-          <a:bodyPr anchorCtr="0" anchor="ctr" bIns="91425" lIns="91425" spcFirstLastPara="1" rIns="91425" wrap="square" tIns="91425">
+          <a:bodyPr spcFirstLastPara="1" wrap="square" lIns="91425" tIns="91425" rIns="91425" bIns="91425" anchor="ctr" anchorCtr="0">
             <a:noAutofit/>
           </a:bodyPr>
           <a:lstStyle>
@@ -8334,7 +8063,7 @@
             </a:lvl9pPr>
           </a:lstStyle>
           <a:p>
-            <a:pPr indent="0" lvl="0" marL="0" rtl="0" algn="r">
+            <a:pPr marL="0" lvl="0" indent="0" algn="r" rtl="0">
               <a:spcBef>
                 <a:spcPts val="0"/>
               </a:spcBef>
@@ -8360,18 +8089,19 @@
 </file>
 
 <file path=ppt/slideMasters/slideMaster1.xml><?xml version="1.0" encoding="utf-8"?>
-<p:sldMaster xmlns:a="http://schemas.openxmlformats.org/drawingml/2006/main" xmlns:r="http://schemas.openxmlformats.org/officeDocument/2006/relationships" xmlns:mc="http://schemas.openxmlformats.org/markup-compatibility/2006" xmlns:mv="urn:schemas-microsoft-com:mac:vml" xmlns:p="http://schemas.openxmlformats.org/presentationml/2006/main" xmlns:c="http://schemas.openxmlformats.org/drawingml/2006/chart" xmlns:dgm="http://schemas.openxmlformats.org/drawingml/2006/diagram" xmlns:o="urn:schemas-microsoft-com:office:office" xmlns:v="urn:schemas-microsoft-com:vml" xmlns:pvml="urn:schemas-microsoft-com:office:powerpoint" xmlns:com="http://schemas.openxmlformats.org/drawingml/2006/compatibility" xmlns:p14="http://schemas.microsoft.com/office/powerpoint/2010/main" xmlns:p15="http://schemas.microsoft.com/office/powerpoint/2012/main">
+<p:sldMaster xmlns:a="http://schemas.openxmlformats.org/drawingml/2006/main" xmlns:r="http://schemas.openxmlformats.org/officeDocument/2006/relationships" xmlns:p="http://schemas.openxmlformats.org/presentationml/2006/main">
   <p:cSld name="focus">
     <p:bg>
       <p:bgPr>
         <a:solidFill>
           <a:schemeClr val="dk1"/>
         </a:solidFill>
+        <a:effectLst/>
       </p:bgPr>
     </p:bg>
     <p:spTree>
       <p:nvGrpSpPr>
-        <p:cNvPr id="5" name="Shape 5"/>
+        <p:cNvPr id="1" name="Shape 5"/>
         <p:cNvGrpSpPr/>
         <p:nvPr/>
       </p:nvGrpSpPr>
@@ -8386,7 +8116,9 @@
       <p:sp>
         <p:nvSpPr>
           <p:cNvPr id="6" name="Google Shape;6;p1"/>
-          <p:cNvSpPr txBox="1"/>
+          <p:cNvSpPr txBox="1">
+            <a:spLocks noGrp="1"/>
+          </p:cNvSpPr>
           <p:nvPr>
             <p:ph type="title"/>
           </p:nvPr>
@@ -8405,7 +8137,7 @@
           </a:ln>
         </p:spPr>
         <p:txBody>
-          <a:bodyPr anchorCtr="0" anchor="t" bIns="91425" lIns="91425" spcFirstLastPara="1" rIns="91425" wrap="square" tIns="91425"/>
+          <a:bodyPr spcFirstLastPara="1" wrap="square" lIns="91425" tIns="91425" rIns="91425" bIns="91425" anchor="t" anchorCtr="0"/>
           <a:lstStyle>
             <a:lvl1pPr lvl="0">
               <a:spcBef>
@@ -8615,15 +8347,19 @@
               </a:defRPr>
             </a:lvl9pPr>
           </a:lstStyle>
-          <a:p/>
+          <a:p>
+            <a:endParaRPr/>
+          </a:p>
         </p:txBody>
       </p:sp>
       <p:sp>
         <p:nvSpPr>
           <p:cNvPr id="7" name="Google Shape;7;p1"/>
-          <p:cNvSpPr txBox="1"/>
+          <p:cNvSpPr txBox="1">
+            <a:spLocks noGrp="1"/>
+          </p:cNvSpPr>
           <p:nvPr>
-            <p:ph idx="1" type="body"/>
+            <p:ph type="body" idx="1"/>
           </p:nvPr>
         </p:nvSpPr>
         <p:spPr>
@@ -8640,9 +8376,9 @@
           </a:ln>
         </p:spPr>
         <p:txBody>
-          <a:bodyPr anchorCtr="0" anchor="t" bIns="91425" lIns="91425" spcFirstLastPara="1" rIns="91425" wrap="square" tIns="91425"/>
+          <a:bodyPr spcFirstLastPara="1" wrap="square" lIns="91425" tIns="91425" rIns="91425" bIns="91425" anchor="t" anchorCtr="0"/>
           <a:lstStyle>
-            <a:lvl1pPr indent="-311150" lvl="0" marL="457200">
+            <a:lvl1pPr marL="457200" lvl="0" indent="-311150">
               <a:lnSpc>
                 <a:spcPct val="115000"/>
               </a:lnSpc>
@@ -8668,7 +8404,7 @@
                 <a:sym typeface="Lato"/>
               </a:defRPr>
             </a:lvl1pPr>
-            <a:lvl2pPr indent="-298450" lvl="1" marL="914400">
+            <a:lvl2pPr marL="914400" lvl="1" indent="-298450">
               <a:lnSpc>
                 <a:spcPct val="115000"/>
               </a:lnSpc>
@@ -8694,7 +8430,7 @@
                 <a:sym typeface="Lato"/>
               </a:defRPr>
             </a:lvl2pPr>
-            <a:lvl3pPr indent="-298450" lvl="2" marL="1371600">
+            <a:lvl3pPr marL="1371600" lvl="2" indent="-298450">
               <a:lnSpc>
                 <a:spcPct val="115000"/>
               </a:lnSpc>
@@ -8720,7 +8456,7 @@
                 <a:sym typeface="Lato"/>
               </a:defRPr>
             </a:lvl3pPr>
-            <a:lvl4pPr indent="-298450" lvl="3" marL="1828800">
+            <a:lvl4pPr marL="1828800" lvl="3" indent="-298450">
               <a:lnSpc>
                 <a:spcPct val="115000"/>
               </a:lnSpc>
@@ -8746,7 +8482,7 @@
                 <a:sym typeface="Lato"/>
               </a:defRPr>
             </a:lvl4pPr>
-            <a:lvl5pPr indent="-298450" lvl="4" marL="2286000">
+            <a:lvl5pPr marL="2286000" lvl="4" indent="-298450">
               <a:lnSpc>
                 <a:spcPct val="115000"/>
               </a:lnSpc>
@@ -8772,7 +8508,7 @@
                 <a:sym typeface="Lato"/>
               </a:defRPr>
             </a:lvl5pPr>
-            <a:lvl6pPr indent="-298450" lvl="5" marL="2743200">
+            <a:lvl6pPr marL="2743200" lvl="5" indent="-298450">
               <a:lnSpc>
                 <a:spcPct val="115000"/>
               </a:lnSpc>
@@ -8798,7 +8534,7 @@
                 <a:sym typeface="Lato"/>
               </a:defRPr>
             </a:lvl6pPr>
-            <a:lvl7pPr indent="-298450" lvl="6" marL="3200400">
+            <a:lvl7pPr marL="3200400" lvl="6" indent="-298450">
               <a:lnSpc>
                 <a:spcPct val="115000"/>
               </a:lnSpc>
@@ -8824,7 +8560,7 @@
                 <a:sym typeface="Lato"/>
               </a:defRPr>
             </a:lvl7pPr>
-            <a:lvl8pPr indent="-298450" lvl="7" marL="3657600">
+            <a:lvl8pPr marL="3657600" lvl="7" indent="-298450">
               <a:lnSpc>
                 <a:spcPct val="115000"/>
               </a:lnSpc>
@@ -8850,7 +8586,7 @@
                 <a:sym typeface="Lato"/>
               </a:defRPr>
             </a:lvl8pPr>
-            <a:lvl9pPr indent="-298450" lvl="8" marL="4114800">
+            <a:lvl9pPr marL="4114800" lvl="8" indent="-298450">
               <a:lnSpc>
                 <a:spcPct val="115000"/>
               </a:lnSpc>
@@ -8877,15 +8613,19 @@
               </a:defRPr>
             </a:lvl9pPr>
           </a:lstStyle>
-          <a:p/>
+          <a:p>
+            <a:endParaRPr/>
+          </a:p>
         </p:txBody>
       </p:sp>
       <p:sp>
         <p:nvSpPr>
           <p:cNvPr id="8" name="Google Shape;8;p1"/>
-          <p:cNvSpPr txBox="1"/>
+          <p:cNvSpPr txBox="1">
+            <a:spLocks noGrp="1"/>
+          </p:cNvSpPr>
           <p:nvPr>
-            <p:ph idx="12" type="sldNum"/>
+            <p:ph type="sldNum" idx="12"/>
           </p:nvPr>
         </p:nvSpPr>
         <p:spPr>
@@ -8902,7 +8642,7 @@
           </a:ln>
         </p:spPr>
         <p:txBody>
-          <a:bodyPr anchorCtr="0" anchor="ctr" bIns="91425" lIns="91425" spcFirstLastPara="1" rIns="91425" wrap="square" tIns="91425">
+          <a:bodyPr spcFirstLastPara="1" wrap="square" lIns="91425" tIns="91425" rIns="91425" bIns="91425" anchor="ctr" anchorCtr="0">
             <a:noAutofit/>
           </a:bodyPr>
           <a:lstStyle>
@@ -9016,7 +8756,7 @@
             </a:lvl9pPr>
           </a:lstStyle>
           <a:p>
-            <a:pPr indent="0" lvl="0" marL="0" rtl="0" algn="r">
+            <a:pPr marL="0" lvl="0" indent="0" algn="r" rtl="0">
               <a:spcBef>
                 <a:spcPts val="0"/>
               </a:spcBef>
@@ -9035,7 +8775,7 @@
       </p:sp>
     </p:spTree>
   </p:cSld>
-  <p:clrMap accent1="accent1" accent2="accent2" accent3="accent3" accent4="accent4" accent5="accent5" accent6="accent6" bg1="lt1" bg2="dk2" tx1="dk1" tx2="lt2" folHlink="folHlink" hlink="hlink"/>
+  <p:clrMap bg1="lt1" tx1="dk1" bg2="dk2" tx2="lt2" accent1="accent1" accent2="accent2" accent3="accent3" accent4="accent4" accent5="accent5" accent6="accent6" hlink="hlink" folHlink="folHlink"/>
   <p:sldLayoutIdLst>
     <p:sldLayoutId id="2147483648" r:id="rId1"/>
     <p:sldLayoutId id="2147483649" r:id="rId2"/>
@@ -9049,10 +8789,10 @@
     <p:sldLayoutId id="2147483657" r:id="rId10"/>
     <p:sldLayoutId id="2147483658" r:id="rId11"/>
   </p:sldLayoutIdLst>
-  <p:hf dt="0" ftr="0" hdr="0" sldNum="0"/>
+  <p:hf sldNum="0" hdr="0" ftr="0" dt="0"/>
   <p:txStyles>
     <p:titleStyle>
-      <a:defPPr lvl="0" marR="0" rtl="0" algn="l">
+      <a:defPPr marR="0" lvl="0" algn="l" rtl="0">
         <a:lnSpc>
           <a:spcPct val="100000"/>
         </a:lnSpc>
@@ -9063,7 +8803,7 @@
           <a:spcPts val="0"/>
         </a:spcAft>
       </a:defPPr>
-      <a:lvl1pPr lvl="0" marR="0" rtl="0" algn="l">
+      <a:lvl1pPr marR="0" lvl="0" algn="l" rtl="0">
         <a:lnSpc>
           <a:spcPct val="100000"/>
         </a:lnSpc>
@@ -9077,7 +8817,7 @@
           <a:srgbClr val="000000"/>
         </a:buClr>
         <a:buFont typeface="Arial"/>
-        <a:defRPr b="0" i="0" sz="1400" u="none" cap="none" strike="noStrike">
+        <a:defRPr sz="1400" b="0" i="0" u="none" strike="noStrike" cap="none">
           <a:solidFill>
             <a:srgbClr val="000000"/>
           </a:solidFill>
@@ -9087,7 +8827,7 @@
           <a:sym typeface="Arial"/>
         </a:defRPr>
       </a:lvl1pPr>
-      <a:lvl2pPr lvl="1" marR="0" rtl="0" algn="l">
+      <a:lvl2pPr marR="0" lvl="1" algn="l" rtl="0">
         <a:lnSpc>
           <a:spcPct val="100000"/>
         </a:lnSpc>
@@ -9101,7 +8841,7 @@
           <a:srgbClr val="000000"/>
         </a:buClr>
         <a:buFont typeface="Arial"/>
-        <a:defRPr b="0" i="0" sz="1400" u="none" cap="none" strike="noStrike">
+        <a:defRPr sz="1400" b="0" i="0" u="none" strike="noStrike" cap="none">
           <a:solidFill>
             <a:srgbClr val="000000"/>
           </a:solidFill>
@@ -9111,7 +8851,7 @@
           <a:sym typeface="Arial"/>
         </a:defRPr>
       </a:lvl2pPr>
-      <a:lvl3pPr lvl="2" marR="0" rtl="0" algn="l">
+      <a:lvl3pPr marR="0" lvl="2" algn="l" rtl="0">
         <a:lnSpc>
           <a:spcPct val="100000"/>
         </a:lnSpc>
@@ -9125,7 +8865,7 @@
           <a:srgbClr val="000000"/>
         </a:buClr>
         <a:buFont typeface="Arial"/>
-        <a:defRPr b="0" i="0" sz="1400" u="none" cap="none" strike="noStrike">
+        <a:defRPr sz="1400" b="0" i="0" u="none" strike="noStrike" cap="none">
           <a:solidFill>
             <a:srgbClr val="000000"/>
           </a:solidFill>
@@ -9135,7 +8875,7 @@
           <a:sym typeface="Arial"/>
         </a:defRPr>
       </a:lvl3pPr>
-      <a:lvl4pPr lvl="3" marR="0" rtl="0" algn="l">
+      <a:lvl4pPr marR="0" lvl="3" algn="l" rtl="0">
         <a:lnSpc>
           <a:spcPct val="100000"/>
         </a:lnSpc>
@@ -9149,7 +8889,7 @@
           <a:srgbClr val="000000"/>
         </a:buClr>
         <a:buFont typeface="Arial"/>
-        <a:defRPr b="0" i="0" sz="1400" u="none" cap="none" strike="noStrike">
+        <a:defRPr sz="1400" b="0" i="0" u="none" strike="noStrike" cap="none">
           <a:solidFill>
             <a:srgbClr val="000000"/>
           </a:solidFill>
@@ -9159,7 +8899,7 @@
           <a:sym typeface="Arial"/>
         </a:defRPr>
       </a:lvl4pPr>
-      <a:lvl5pPr lvl="4" marR="0" rtl="0" algn="l">
+      <a:lvl5pPr marR="0" lvl="4" algn="l" rtl="0">
         <a:lnSpc>
           <a:spcPct val="100000"/>
         </a:lnSpc>
@@ -9173,7 +8913,7 @@
           <a:srgbClr val="000000"/>
         </a:buClr>
         <a:buFont typeface="Arial"/>
-        <a:defRPr b="0" i="0" sz="1400" u="none" cap="none" strike="noStrike">
+        <a:defRPr sz="1400" b="0" i="0" u="none" strike="noStrike" cap="none">
           <a:solidFill>
             <a:srgbClr val="000000"/>
           </a:solidFill>
@@ -9183,7 +8923,7 @@
           <a:sym typeface="Arial"/>
         </a:defRPr>
       </a:lvl5pPr>
-      <a:lvl6pPr lvl="5" marR="0" rtl="0" algn="l">
+      <a:lvl6pPr marR="0" lvl="5" algn="l" rtl="0">
         <a:lnSpc>
           <a:spcPct val="100000"/>
         </a:lnSpc>
@@ -9197,7 +8937,7 @@
           <a:srgbClr val="000000"/>
         </a:buClr>
         <a:buFont typeface="Arial"/>
-        <a:defRPr b="0" i="0" sz="1400" u="none" cap="none" strike="noStrike">
+        <a:defRPr sz="1400" b="0" i="0" u="none" strike="noStrike" cap="none">
           <a:solidFill>
             <a:srgbClr val="000000"/>
           </a:solidFill>
@@ -9207,7 +8947,7 @@
           <a:sym typeface="Arial"/>
         </a:defRPr>
       </a:lvl6pPr>
-      <a:lvl7pPr lvl="6" marR="0" rtl="0" algn="l">
+      <a:lvl7pPr marR="0" lvl="6" algn="l" rtl="0">
         <a:lnSpc>
           <a:spcPct val="100000"/>
         </a:lnSpc>
@@ -9221,7 +8961,7 @@
           <a:srgbClr val="000000"/>
         </a:buClr>
         <a:buFont typeface="Arial"/>
-        <a:defRPr b="0" i="0" sz="1400" u="none" cap="none" strike="noStrike">
+        <a:defRPr sz="1400" b="0" i="0" u="none" strike="noStrike" cap="none">
           <a:solidFill>
             <a:srgbClr val="000000"/>
           </a:solidFill>
@@ -9231,7 +8971,7 @@
           <a:sym typeface="Arial"/>
         </a:defRPr>
       </a:lvl7pPr>
-      <a:lvl8pPr lvl="7" marR="0" rtl="0" algn="l">
+      <a:lvl8pPr marR="0" lvl="7" algn="l" rtl="0">
         <a:lnSpc>
           <a:spcPct val="100000"/>
         </a:lnSpc>
@@ -9245,7 +8985,7 @@
           <a:srgbClr val="000000"/>
         </a:buClr>
         <a:buFont typeface="Arial"/>
-        <a:defRPr b="0" i="0" sz="1400" u="none" cap="none" strike="noStrike">
+        <a:defRPr sz="1400" b="0" i="0" u="none" strike="noStrike" cap="none">
           <a:solidFill>
             <a:srgbClr val="000000"/>
           </a:solidFill>
@@ -9255,7 +8995,7 @@
           <a:sym typeface="Arial"/>
         </a:defRPr>
       </a:lvl8pPr>
-      <a:lvl9pPr lvl="8" marR="0" rtl="0" algn="l">
+      <a:lvl9pPr marR="0" lvl="8" algn="l" rtl="0">
         <a:lnSpc>
           <a:spcPct val="100000"/>
         </a:lnSpc>
@@ -9269,7 +9009,7 @@
           <a:srgbClr val="000000"/>
         </a:buClr>
         <a:buFont typeface="Arial"/>
-        <a:defRPr b="0" i="0" sz="1400" u="none" cap="none" strike="noStrike">
+        <a:defRPr sz="1400" b="0" i="0" u="none" strike="noStrike" cap="none">
           <a:solidFill>
             <a:srgbClr val="000000"/>
           </a:solidFill>
@@ -9281,7 +9021,7 @@
       </a:lvl9pPr>
     </p:titleStyle>
     <p:bodyStyle>
-      <a:defPPr lvl="0" marR="0" rtl="0" algn="l">
+      <a:defPPr marR="0" lvl="0" algn="l" rtl="0">
         <a:lnSpc>
           <a:spcPct val="100000"/>
         </a:lnSpc>
@@ -9292,7 +9032,7 @@
           <a:spcPts val="0"/>
         </a:spcAft>
       </a:defPPr>
-      <a:lvl1pPr lvl="0" marR="0" rtl="0" algn="l">
+      <a:lvl1pPr marR="0" lvl="0" algn="l" rtl="0">
         <a:lnSpc>
           <a:spcPct val="100000"/>
         </a:lnSpc>
@@ -9306,7 +9046,7 @@
           <a:srgbClr val="000000"/>
         </a:buClr>
         <a:buFont typeface="Arial"/>
-        <a:defRPr b="0" i="0" sz="1400" u="none" cap="none" strike="noStrike">
+        <a:defRPr sz="1400" b="0" i="0" u="none" strike="noStrike" cap="none">
           <a:solidFill>
             <a:srgbClr val="000000"/>
           </a:solidFill>
@@ -9316,7 +9056,7 @@
           <a:sym typeface="Arial"/>
         </a:defRPr>
       </a:lvl1pPr>
-      <a:lvl2pPr lvl="1" marR="0" rtl="0" algn="l">
+      <a:lvl2pPr marR="0" lvl="1" algn="l" rtl="0">
         <a:lnSpc>
           <a:spcPct val="100000"/>
         </a:lnSpc>
@@ -9330,7 +9070,7 @@
           <a:srgbClr val="000000"/>
         </a:buClr>
         <a:buFont typeface="Arial"/>
-        <a:defRPr b="0" i="0" sz="1400" u="none" cap="none" strike="noStrike">
+        <a:defRPr sz="1400" b="0" i="0" u="none" strike="noStrike" cap="none">
           <a:solidFill>
             <a:srgbClr val="000000"/>
           </a:solidFill>
@@ -9340,7 +9080,7 @@
           <a:sym typeface="Arial"/>
         </a:defRPr>
       </a:lvl2pPr>
-      <a:lvl3pPr lvl="2" marR="0" rtl="0" algn="l">
+      <a:lvl3pPr marR="0" lvl="2" algn="l" rtl="0">
         <a:lnSpc>
           <a:spcPct val="100000"/>
         </a:lnSpc>
@@ -9354,7 +9094,7 @@
           <a:srgbClr val="000000"/>
         </a:buClr>
         <a:buFont typeface="Arial"/>
-        <a:defRPr b="0" i="0" sz="1400" u="none" cap="none" strike="noStrike">
+        <a:defRPr sz="1400" b="0" i="0" u="none" strike="noStrike" cap="none">
           <a:solidFill>
             <a:srgbClr val="000000"/>
           </a:solidFill>
@@ -9364,7 +9104,7 @@
           <a:sym typeface="Arial"/>
         </a:defRPr>
       </a:lvl3pPr>
-      <a:lvl4pPr lvl="3" marR="0" rtl="0" algn="l">
+      <a:lvl4pPr marR="0" lvl="3" algn="l" rtl="0">
         <a:lnSpc>
           <a:spcPct val="100000"/>
         </a:lnSpc>
@@ -9378,7 +9118,7 @@
           <a:srgbClr val="000000"/>
         </a:buClr>
         <a:buFont typeface="Arial"/>
-        <a:defRPr b="0" i="0" sz="1400" u="none" cap="none" strike="noStrike">
+        <a:defRPr sz="1400" b="0" i="0" u="none" strike="noStrike" cap="none">
           <a:solidFill>
             <a:srgbClr val="000000"/>
           </a:solidFill>
@@ -9388,7 +9128,7 @@
           <a:sym typeface="Arial"/>
         </a:defRPr>
       </a:lvl4pPr>
-      <a:lvl5pPr lvl="4" marR="0" rtl="0" algn="l">
+      <a:lvl5pPr marR="0" lvl="4" algn="l" rtl="0">
         <a:lnSpc>
           <a:spcPct val="100000"/>
         </a:lnSpc>
@@ -9402,7 +9142,7 @@
           <a:srgbClr val="000000"/>
         </a:buClr>
         <a:buFont typeface="Arial"/>
-        <a:defRPr b="0" i="0" sz="1400" u="none" cap="none" strike="noStrike">
+        <a:defRPr sz="1400" b="0" i="0" u="none" strike="noStrike" cap="none">
           <a:solidFill>
             <a:srgbClr val="000000"/>
           </a:solidFill>
@@ -9412,7 +9152,7 @@
           <a:sym typeface="Arial"/>
         </a:defRPr>
       </a:lvl5pPr>
-      <a:lvl6pPr lvl="5" marR="0" rtl="0" algn="l">
+      <a:lvl6pPr marR="0" lvl="5" algn="l" rtl="0">
         <a:lnSpc>
           <a:spcPct val="100000"/>
         </a:lnSpc>
@@ -9426,7 +9166,7 @@
           <a:srgbClr val="000000"/>
         </a:buClr>
         <a:buFont typeface="Arial"/>
-        <a:defRPr b="0" i="0" sz="1400" u="none" cap="none" strike="noStrike">
+        <a:defRPr sz="1400" b="0" i="0" u="none" strike="noStrike" cap="none">
           <a:solidFill>
             <a:srgbClr val="000000"/>
           </a:solidFill>
@@ -9436,7 +9176,7 @@
           <a:sym typeface="Arial"/>
         </a:defRPr>
       </a:lvl6pPr>
-      <a:lvl7pPr lvl="6" marR="0" rtl="0" algn="l">
+      <a:lvl7pPr marR="0" lvl="6" algn="l" rtl="0">
         <a:lnSpc>
           <a:spcPct val="100000"/>
         </a:lnSpc>
@@ -9450,7 +9190,7 @@
           <a:srgbClr val="000000"/>
         </a:buClr>
         <a:buFont typeface="Arial"/>
-        <a:defRPr b="0" i="0" sz="1400" u="none" cap="none" strike="noStrike">
+        <a:defRPr sz="1400" b="0" i="0" u="none" strike="noStrike" cap="none">
           <a:solidFill>
             <a:srgbClr val="000000"/>
           </a:solidFill>
@@ -9460,7 +9200,7 @@
           <a:sym typeface="Arial"/>
         </a:defRPr>
       </a:lvl7pPr>
-      <a:lvl8pPr lvl="7" marR="0" rtl="0" algn="l">
+      <a:lvl8pPr marR="0" lvl="7" algn="l" rtl="0">
         <a:lnSpc>
           <a:spcPct val="100000"/>
         </a:lnSpc>
@@ -9474,7 +9214,7 @@
           <a:srgbClr val="000000"/>
         </a:buClr>
         <a:buFont typeface="Arial"/>
-        <a:defRPr b="0" i="0" sz="1400" u="none" cap="none" strike="noStrike">
+        <a:defRPr sz="1400" b="0" i="0" u="none" strike="noStrike" cap="none">
           <a:solidFill>
             <a:srgbClr val="000000"/>
           </a:solidFill>
@@ -9484,7 +9224,7 @@
           <a:sym typeface="Arial"/>
         </a:defRPr>
       </a:lvl8pPr>
-      <a:lvl9pPr lvl="8" marR="0" rtl="0" algn="l">
+      <a:lvl9pPr marR="0" lvl="8" algn="l" rtl="0">
         <a:lnSpc>
           <a:spcPct val="100000"/>
         </a:lnSpc>
@@ -9498,7 +9238,7 @@
           <a:srgbClr val="000000"/>
         </a:buClr>
         <a:buFont typeface="Arial"/>
-        <a:defRPr b="0" i="0" sz="1400" u="none" cap="none" strike="noStrike">
+        <a:defRPr sz="1400" b="0" i="0" u="none" strike="noStrike" cap="none">
           <a:solidFill>
             <a:srgbClr val="000000"/>
           </a:solidFill>
@@ -9510,7 +9250,7 @@
       </a:lvl9pPr>
     </p:bodyStyle>
     <p:otherStyle>
-      <a:defPPr lvl="0" marR="0" rtl="0" algn="l">
+      <a:defPPr marR="0" lvl="0" algn="l" rtl="0">
         <a:lnSpc>
           <a:spcPct val="100000"/>
         </a:lnSpc>
@@ -9521,7 +9261,7 @@
           <a:spcPts val="0"/>
         </a:spcAft>
       </a:defPPr>
-      <a:lvl1pPr lvl="0" marR="0" rtl="0" algn="l">
+      <a:lvl1pPr marR="0" lvl="0" algn="l" rtl="0">
         <a:lnSpc>
           <a:spcPct val="100000"/>
         </a:lnSpc>
@@ -9535,7 +9275,7 @@
           <a:srgbClr val="000000"/>
         </a:buClr>
         <a:buFont typeface="Arial"/>
-        <a:defRPr b="0" i="0" sz="1400" u="none" cap="none" strike="noStrike">
+        <a:defRPr sz="1400" b="0" i="0" u="none" strike="noStrike" cap="none">
           <a:solidFill>
             <a:srgbClr val="000000"/>
           </a:solidFill>
@@ -9545,7 +9285,7 @@
           <a:sym typeface="Arial"/>
         </a:defRPr>
       </a:lvl1pPr>
-      <a:lvl2pPr lvl="1" marR="0" rtl="0" algn="l">
+      <a:lvl2pPr marR="0" lvl="1" algn="l" rtl="0">
         <a:lnSpc>
           <a:spcPct val="100000"/>
         </a:lnSpc>
@@ -9559,7 +9299,7 @@
           <a:srgbClr val="000000"/>
         </a:buClr>
         <a:buFont typeface="Arial"/>
-        <a:defRPr b="0" i="0" sz="1400" u="none" cap="none" strike="noStrike">
+        <a:defRPr sz="1400" b="0" i="0" u="none" strike="noStrike" cap="none">
           <a:solidFill>
             <a:srgbClr val="000000"/>
           </a:solidFill>
@@ -9569,7 +9309,7 @@
           <a:sym typeface="Arial"/>
         </a:defRPr>
       </a:lvl2pPr>
-      <a:lvl3pPr lvl="2" marR="0" rtl="0" algn="l">
+      <a:lvl3pPr marR="0" lvl="2" algn="l" rtl="0">
         <a:lnSpc>
           <a:spcPct val="100000"/>
         </a:lnSpc>
@@ -9583,7 +9323,7 @@
           <a:srgbClr val="000000"/>
         </a:buClr>
         <a:buFont typeface="Arial"/>
-        <a:defRPr b="0" i="0" sz="1400" u="none" cap="none" strike="noStrike">
+        <a:defRPr sz="1400" b="0" i="0" u="none" strike="noStrike" cap="none">
           <a:solidFill>
             <a:srgbClr val="000000"/>
           </a:solidFill>
@@ -9593,7 +9333,7 @@
           <a:sym typeface="Arial"/>
         </a:defRPr>
       </a:lvl3pPr>
-      <a:lvl4pPr lvl="3" marR="0" rtl="0" algn="l">
+      <a:lvl4pPr marR="0" lvl="3" algn="l" rtl="0">
         <a:lnSpc>
           <a:spcPct val="100000"/>
         </a:lnSpc>
@@ -9607,7 +9347,7 @@
           <a:srgbClr val="000000"/>
         </a:buClr>
         <a:buFont typeface="Arial"/>
-        <a:defRPr b="0" i="0" sz="1400" u="none" cap="none" strike="noStrike">
+        <a:defRPr sz="1400" b="0" i="0" u="none" strike="noStrike" cap="none">
           <a:solidFill>
             <a:srgbClr val="000000"/>
           </a:solidFill>
@@ -9617,7 +9357,7 @@
           <a:sym typeface="Arial"/>
         </a:defRPr>
       </a:lvl4pPr>
-      <a:lvl5pPr lvl="4" marR="0" rtl="0" algn="l">
+      <a:lvl5pPr marR="0" lvl="4" algn="l" rtl="0">
         <a:lnSpc>
           <a:spcPct val="100000"/>
         </a:lnSpc>
@@ -9631,7 +9371,7 @@
           <a:srgbClr val="000000"/>
         </a:buClr>
         <a:buFont typeface="Arial"/>
-        <a:defRPr b="0" i="0" sz="1400" u="none" cap="none" strike="noStrike">
+        <a:defRPr sz="1400" b="0" i="0" u="none" strike="noStrike" cap="none">
           <a:solidFill>
             <a:srgbClr val="000000"/>
           </a:solidFill>
@@ -9641,7 +9381,7 @@
           <a:sym typeface="Arial"/>
         </a:defRPr>
       </a:lvl5pPr>
-      <a:lvl6pPr lvl="5" marR="0" rtl="0" algn="l">
+      <a:lvl6pPr marR="0" lvl="5" algn="l" rtl="0">
         <a:lnSpc>
           <a:spcPct val="100000"/>
         </a:lnSpc>
@@ -9655,7 +9395,7 @@
           <a:srgbClr val="000000"/>
         </a:buClr>
         <a:buFont typeface="Arial"/>
-        <a:defRPr b="0" i="0" sz="1400" u="none" cap="none" strike="noStrike">
+        <a:defRPr sz="1400" b="0" i="0" u="none" strike="noStrike" cap="none">
           <a:solidFill>
             <a:srgbClr val="000000"/>
           </a:solidFill>
@@ -9665,7 +9405,7 @@
           <a:sym typeface="Arial"/>
         </a:defRPr>
       </a:lvl6pPr>
-      <a:lvl7pPr lvl="6" marR="0" rtl="0" algn="l">
+      <a:lvl7pPr marR="0" lvl="6" algn="l" rtl="0">
         <a:lnSpc>
           <a:spcPct val="100000"/>
         </a:lnSpc>
@@ -9679,7 +9419,7 @@
           <a:srgbClr val="000000"/>
         </a:buClr>
         <a:buFont typeface="Arial"/>
-        <a:defRPr b="0" i="0" sz="1400" u="none" cap="none" strike="noStrike">
+        <a:defRPr sz="1400" b="0" i="0" u="none" strike="noStrike" cap="none">
           <a:solidFill>
             <a:srgbClr val="000000"/>
           </a:solidFill>
@@ -9689,7 +9429,7 @@
           <a:sym typeface="Arial"/>
         </a:defRPr>
       </a:lvl7pPr>
-      <a:lvl8pPr lvl="7" marR="0" rtl="0" algn="l">
+      <a:lvl8pPr marR="0" lvl="7" algn="l" rtl="0">
         <a:lnSpc>
           <a:spcPct val="100000"/>
         </a:lnSpc>
@@ -9703,7 +9443,7 @@
           <a:srgbClr val="000000"/>
         </a:buClr>
         <a:buFont typeface="Arial"/>
-        <a:defRPr b="0" i="0" sz="1400" u="none" cap="none" strike="noStrike">
+        <a:defRPr sz="1400" b="0" i="0" u="none" strike="noStrike" cap="none">
           <a:solidFill>
             <a:srgbClr val="000000"/>
           </a:solidFill>
@@ -9713,7 +9453,7 @@
           <a:sym typeface="Arial"/>
         </a:defRPr>
       </a:lvl8pPr>
-      <a:lvl9pPr lvl="8" marR="0" rtl="0" algn="l">
+      <a:lvl9pPr marR="0" lvl="8" algn="l" rtl="0">
         <a:lnSpc>
           <a:spcPct val="100000"/>
         </a:lnSpc>
@@ -9727,7 +9467,7 @@
           <a:srgbClr val="000000"/>
         </a:buClr>
         <a:buFont typeface="Arial"/>
-        <a:defRPr b="0" i="0" sz="1400" u="none" cap="none" strike="noStrike">
+        <a:defRPr sz="1400" b="0" i="0" u="none" strike="noStrike" cap="none">
           <a:solidFill>
             <a:srgbClr val="000000"/>
           </a:solidFill>
@@ -9743,11 +9483,11 @@
 </file>
 
 <file path=ppt/slides/slide1.xml><?xml version="1.0" encoding="utf-8"?>
-<p:sld xmlns:a="http://schemas.openxmlformats.org/drawingml/2006/main" xmlns:r="http://schemas.openxmlformats.org/officeDocument/2006/relationships" xmlns:mc="http://schemas.openxmlformats.org/markup-compatibility/2006" xmlns:mv="urn:schemas-microsoft-com:mac:vml" xmlns:p="http://schemas.openxmlformats.org/presentationml/2006/main" xmlns:c="http://schemas.openxmlformats.org/drawingml/2006/chart" xmlns:dgm="http://schemas.openxmlformats.org/drawingml/2006/diagram" xmlns:o="urn:schemas-microsoft-com:office:office" xmlns:v="urn:schemas-microsoft-com:vml" xmlns:pvml="urn:schemas-microsoft-com:office:powerpoint" xmlns:com="http://schemas.openxmlformats.org/drawingml/2006/compatibility" xmlns:p14="http://schemas.microsoft.com/office/powerpoint/2010/main" xmlns:p15="http://schemas.microsoft.com/office/powerpoint/2012/main">
+<p:sld xmlns:a="http://schemas.openxmlformats.org/drawingml/2006/main" xmlns:r="http://schemas.openxmlformats.org/officeDocument/2006/relationships" xmlns:p="http://schemas.openxmlformats.org/presentationml/2006/main">
   <p:cSld>
     <p:spTree>
       <p:nvGrpSpPr>
-        <p:cNvPr id="133" name="Shape 133"/>
+        <p:cNvPr id="1" name="Shape 133"/>
         <p:cNvGrpSpPr/>
         <p:nvPr/>
       </p:nvGrpSpPr>
@@ -9762,7 +9502,9 @@
       <p:sp>
         <p:nvSpPr>
           <p:cNvPr id="134" name="Google Shape;134;p13"/>
-          <p:cNvSpPr txBox="1"/>
+          <p:cNvSpPr txBox="1">
+            <a:spLocks noGrp="1"/>
+          </p:cNvSpPr>
           <p:nvPr>
             <p:ph type="ctrTitle"/>
           </p:nvPr>
@@ -9777,12 +9519,12 @@
           </a:prstGeom>
         </p:spPr>
         <p:txBody>
-          <a:bodyPr anchorCtr="0" anchor="t" bIns="91425" lIns="91425" spcFirstLastPara="1" rIns="91425" wrap="square" tIns="91425">
+          <a:bodyPr spcFirstLastPara="1" wrap="square" lIns="91425" tIns="91425" rIns="91425" bIns="91425" anchor="t" anchorCtr="0">
             <a:noAutofit/>
           </a:bodyPr>
           <a:lstStyle/>
           <a:p>
-            <a:pPr indent="0" lvl="0" marL="0" rtl="0" algn="l">
+            <a:pPr marL="0" lvl="0" indent="0" algn="l" rtl="0">
               <a:spcBef>
                 <a:spcPts val="0"/>
               </a:spcBef>
@@ -9802,9 +9544,11 @@
       <p:sp>
         <p:nvSpPr>
           <p:cNvPr id="135" name="Google Shape;135;p13"/>
-          <p:cNvSpPr txBox="1"/>
+          <p:cNvSpPr txBox="1">
+            <a:spLocks noGrp="1"/>
+          </p:cNvSpPr>
           <p:nvPr>
-            <p:ph idx="1" type="subTitle"/>
+            <p:ph type="subTitle" idx="1"/>
           </p:nvPr>
         </p:nvSpPr>
         <p:spPr>
@@ -9817,12 +9561,12 @@
           </a:prstGeom>
         </p:spPr>
         <p:txBody>
-          <a:bodyPr anchorCtr="0" anchor="t" bIns="91425" lIns="91425" spcFirstLastPara="1" rIns="91425" wrap="square" tIns="91425">
+          <a:bodyPr spcFirstLastPara="1" wrap="square" lIns="91425" tIns="91425" rIns="91425" bIns="91425" anchor="t" anchorCtr="0">
             <a:noAutofit/>
           </a:bodyPr>
           <a:lstStyle/>
           <a:p>
-            <a:pPr indent="0" lvl="0" marL="0" rtl="0" algn="l">
+            <a:pPr marL="0" lvl="0" indent="0" algn="l" rtl="0">
               <a:spcBef>
                 <a:spcPts val="0"/>
               </a:spcBef>
@@ -9875,13 +9619,13 @@
   <p:timing>
     <p:tnLst>
       <p:par>
-        <p:cTn dur="indefinite" nodeType="tmRoot" restart="never">
+        <p:cTn id="1" dur="indefinite" restart="never" nodeType="tmRoot">
           <p:childTnLst>
             <p:seq concurrent="1" nextAc="seek">
-              <p:cTn dur="indefinite" id="2" nodeType="mainSeq">
+              <p:cTn id="2" dur="indefinite" nodeType="mainSeq">
                 <p:childTnLst>
                   <p:par>
-                    <p:cTn fill="hold">
+                    <p:cTn id="3" fill="hold">
                       <p:stCondLst>
                         <p:cond delay="indefinite"/>
                         <p:cond evt="onBegin" delay="0">
@@ -9890,20 +9634,20 @@
                       </p:stCondLst>
                       <p:childTnLst>
                         <p:par>
-                          <p:cTn fill="hold">
+                          <p:cTn id="4" fill="hold">
                             <p:stCondLst>
                               <p:cond delay="0"/>
                             </p:stCondLst>
                             <p:childTnLst>
                               <p:par>
-                                <p:cTn fill="hold" nodeType="withEffect" presetClass="entr" presetID="10" presetSubtype="0">
+                                <p:cTn id="5" presetID="10" presetClass="entr" presetSubtype="0" fill="hold" nodeType="withEffect">
                                   <p:stCondLst>
                                     <p:cond delay="0"/>
                                   </p:stCondLst>
                                   <p:childTnLst>
                                     <p:set>
                                       <p:cBhvr>
-                                        <p:cTn dur="1" fill="hold">
+                                        <p:cTn id="6" dur="1" fill="hold">
                                           <p:stCondLst>
                                             <p:cond delay="0"/>
                                           </p:stCondLst>
@@ -9919,9 +9663,9 @@
                                         <p:strVal val="visible"/>
                                       </p:to>
                                     </p:set>
-                                    <p:animEffect filter="fade" transition="in">
+                                    <p:animEffect transition="in" filter="fade">
                                       <p:cBhvr>
-                                        <p:cTn dur="1000"/>
+                                        <p:cTn id="7" dur="1000"/>
                                         <p:tgtEl>
                                           <p:spTgt spid="134"/>
                                         </p:tgtEl>
@@ -9931,14 +9675,14 @@
                                 </p:cTn>
                               </p:par>
                               <p:par>
-                                <p:cTn fill="hold" nodeType="withEffect" presetClass="entr" presetID="10" presetSubtype="0">
+                                <p:cTn id="8" presetID="10" presetClass="entr" presetSubtype="0" fill="hold" nodeType="withEffect">
                                   <p:stCondLst>
                                     <p:cond delay="0"/>
                                   </p:stCondLst>
                                   <p:childTnLst>
                                     <p:set>
                                       <p:cBhvr>
-                                        <p:cTn dur="1" fill="hold">
+                                        <p:cTn id="9" dur="1" fill="hold">
                                           <p:stCondLst>
                                             <p:cond delay="0"/>
                                           </p:stCondLst>
@@ -9954,9 +9698,9 @@
                                         <p:strVal val="visible"/>
                                       </p:to>
                                     </p:set>
-                                    <p:animEffect filter="fade" transition="in">
+                                    <p:animEffect transition="in" filter="fade">
                                       <p:cBhvr>
-                                        <p:cTn dur="3000"/>
+                                        <p:cTn id="10" dur="3000"/>
                                         <p:tgtEl>
                                           <p:spTgt spid="135"/>
                                         </p:tgtEl>
@@ -9966,14 +9710,14 @@
                                 </p:cTn>
                               </p:par>
                               <p:par>
-                                <p:cTn fill="hold" nodeType="withEffect" presetClass="entr" presetID="2" presetSubtype="2">
+                                <p:cTn id="11" presetID="2" presetClass="entr" presetSubtype="2" fill="hold" nodeType="withEffect">
                                   <p:stCondLst>
                                     <p:cond delay="0"/>
                                   </p:stCondLst>
                                   <p:childTnLst>
                                     <p:set>
                                       <p:cBhvr>
-                                        <p:cTn dur="1" fill="hold">
+                                        <p:cTn id="12" dur="1" fill="hold">
                                           <p:stCondLst>
                                             <p:cond delay="0"/>
                                           </p:stCondLst>
@@ -9991,7 +9735,7 @@
                                     </p:set>
                                     <p:anim calcmode="lin" valueType="num">
                                       <p:cBhvr additive="base">
-                                        <p:cTn dur="1000"/>
+                                        <p:cTn id="13" dur="1000"/>
                                         <p:tgtEl>
                                           <p:spTgt spid="136"/>
                                         </p:tgtEl>
@@ -10000,12 +9744,12 @@
                                         </p:attrNameLst>
                                       </p:cBhvr>
                                       <p:tavLst>
-                                        <p:tav fmla="" tm="0">
+                                        <p:tav tm="0">
                                           <p:val>
                                             <p:strVal val="#ppt_x+1"/>
                                           </p:val>
                                         </p:tav>
-                                        <p:tav fmla="" tm="100000">
+                                        <p:tav tm="100000">
                                           <p:val>
                                             <p:strVal val="#ppt_x"/>
                                           </p:val>
@@ -10024,14 +9768,14 @@
                 </p:childTnLst>
               </p:cTn>
               <p:prevCondLst>
-                <p:cond evt="onPrev">
+                <p:cond evt="onPrev" delay="0">
                   <p:tgtEl>
                     <p:sldTgt/>
                   </p:tgtEl>
                 </p:cond>
               </p:prevCondLst>
               <p:nextCondLst>
-                <p:cond evt="onNext">
+                <p:cond evt="onNext" delay="0">
                   <p:tgtEl>
                     <p:sldTgt/>
                   </p:tgtEl>
@@ -10047,377 +9791,11 @@
 </file>
 
 <file path=ppt/slides/slide2.xml><?xml version="1.0" encoding="utf-8"?>
-<p:sld xmlns:a="http://schemas.openxmlformats.org/drawingml/2006/main" xmlns:r="http://schemas.openxmlformats.org/officeDocument/2006/relationships" xmlns:mc="http://schemas.openxmlformats.org/markup-compatibility/2006" xmlns:mv="urn:schemas-microsoft-com:mac:vml" xmlns:p="http://schemas.openxmlformats.org/presentationml/2006/main" xmlns:c="http://schemas.openxmlformats.org/drawingml/2006/chart" xmlns:dgm="http://schemas.openxmlformats.org/drawingml/2006/diagram" xmlns:o="urn:schemas-microsoft-com:office:office" xmlns:v="urn:schemas-microsoft-com:vml" xmlns:pvml="urn:schemas-microsoft-com:office:powerpoint" xmlns:com="http://schemas.openxmlformats.org/drawingml/2006/compatibility" xmlns:p14="http://schemas.microsoft.com/office/powerpoint/2010/main" xmlns:p15="http://schemas.microsoft.com/office/powerpoint/2012/main">
+<p:sld xmlns:a="http://schemas.openxmlformats.org/drawingml/2006/main" xmlns:r="http://schemas.openxmlformats.org/officeDocument/2006/relationships" xmlns:p="http://schemas.openxmlformats.org/presentationml/2006/main">
   <p:cSld>
     <p:spTree>
       <p:nvGrpSpPr>
-        <p:cNvPr id="140" name="Shape 140"/>
-        <p:cNvGrpSpPr/>
-        <p:nvPr/>
-      </p:nvGrpSpPr>
-      <p:grpSpPr>
-        <a:xfrm>
-          <a:off x="0" y="0"/>
-          <a:ext cx="0" cy="0"/>
-          <a:chOff x="0" y="0"/>
-          <a:chExt cx="0" cy="0"/>
-        </a:xfrm>
-      </p:grpSpPr>
-      <p:sp>
-        <p:nvSpPr>
-          <p:cNvPr id="141" name="Google Shape;141;p14"/>
-          <p:cNvSpPr txBox="1"/>
-          <p:nvPr>
-            <p:ph type="title"/>
-          </p:nvPr>
-        </p:nvSpPr>
-        <p:spPr>
-          <a:xfrm>
-            <a:off x="5635750" y="393750"/>
-            <a:ext cx="3415500" cy="914100"/>
-          </a:xfrm>
-          <a:prstGeom prst="rect">
-            <a:avLst/>
-          </a:prstGeom>
-        </p:spPr>
-        <p:txBody>
-          <a:bodyPr anchorCtr="0" anchor="t" bIns="91425" lIns="91425" spcFirstLastPara="1" rIns="91425" wrap="square" tIns="91425">
-            <a:noAutofit/>
-          </a:bodyPr>
-          <a:lstStyle/>
-          <a:p>
-            <a:pPr indent="0" lvl="0" marL="0" rtl="0" algn="l">
-              <a:spcBef>
-                <a:spcPts val="0"/>
-              </a:spcBef>
-              <a:spcAft>
-                <a:spcPts val="0"/>
-              </a:spcAft>
-              <a:buNone/>
-            </a:pPr>
-            <a:r>
-              <a:rPr lang="sv"/>
-              <a:t>Hur delarna hör ihop</a:t>
-            </a:r>
-            <a:endParaRPr/>
-          </a:p>
-        </p:txBody>
-      </p:sp>
-      <p:sp>
-        <p:nvSpPr>
-          <p:cNvPr id="142" name="Google Shape;142;p14"/>
-          <p:cNvSpPr txBox="1"/>
-          <p:nvPr>
-            <p:ph idx="1" type="body"/>
-          </p:nvPr>
-        </p:nvSpPr>
-        <p:spPr>
-          <a:xfrm>
-            <a:off x="6063600" y="1567550"/>
-            <a:ext cx="2272800" cy="2911200"/>
-          </a:xfrm>
-          <a:prstGeom prst="rect">
-            <a:avLst/>
-          </a:prstGeom>
-        </p:spPr>
-        <p:txBody>
-          <a:bodyPr anchorCtr="0" anchor="t" bIns="91425" lIns="91425" spcFirstLastPara="1" rIns="91425" wrap="square" tIns="91425">
-            <a:noAutofit/>
-          </a:bodyPr>
-          <a:lstStyle/>
-          <a:p>
-            <a:pPr indent="0" lvl="0" marL="0" rtl="0" algn="l">
-              <a:spcBef>
-                <a:spcPts val="0"/>
-              </a:spcBef>
-              <a:spcAft>
-                <a:spcPts val="1600"/>
-              </a:spcAft>
-              <a:buNone/>
-            </a:pPr>
-            <a:r>
-              <a:t/>
-            </a:r>
-            <a:endParaRPr/>
-          </a:p>
-        </p:txBody>
-      </p:sp>
-      <p:pic>
-        <p:nvPicPr>
-          <p:cNvPr id="143" name="Google Shape;143;p14"/>
-          <p:cNvPicPr preferRelativeResize="0"/>
-          <p:nvPr/>
-        </p:nvPicPr>
-        <p:blipFill>
-          <a:blip r:embed="rId3">
-            <a:alphaModFix/>
-          </a:blip>
-          <a:stretch>
-            <a:fillRect/>
-          </a:stretch>
-        </p:blipFill>
-        <p:spPr>
-          <a:xfrm>
-            <a:off x="1096575" y="132762"/>
-            <a:ext cx="4477850" cy="4877975"/>
-          </a:xfrm>
-          <a:prstGeom prst="rect">
-            <a:avLst/>
-          </a:prstGeom>
-          <a:noFill/>
-          <a:ln>
-            <a:noFill/>
-          </a:ln>
-        </p:spPr>
-      </p:pic>
-    </p:spTree>
-  </p:cSld>
-  <p:clrMapOvr>
-    <a:masterClrMapping/>
-  </p:clrMapOvr>
-  <p:timing>
-    <p:tnLst>
-      <p:par>
-        <p:cTn dur="indefinite" nodeType="tmRoot" restart="never">
-          <p:childTnLst>
-            <p:seq concurrent="1" nextAc="seek">
-              <p:cTn dur="indefinite" id="2" nodeType="mainSeq">
-                <p:childTnLst>
-                  <p:par>
-                    <p:cTn fill="hold">
-                      <p:stCondLst>
-                        <p:cond delay="indefinite"/>
-                      </p:stCondLst>
-                      <p:childTnLst>
-                        <p:par>
-                          <p:cTn fill="hold">
-                            <p:stCondLst>
-                              <p:cond delay="0"/>
-                            </p:stCondLst>
-                            <p:childTnLst>
-                              <p:par>
-                                <p:cTn fill="hold" nodeType="clickEffect" presetClass="entr" presetID="2" presetSubtype="4">
-                                  <p:stCondLst>
-                                    <p:cond delay="0"/>
-                                  </p:stCondLst>
-                                  <p:childTnLst>
-                                    <p:set>
-                                      <p:cBhvr>
-                                        <p:cTn dur="1" fill="hold">
-                                          <p:stCondLst>
-                                            <p:cond delay="0"/>
-                                          </p:stCondLst>
-                                        </p:cTn>
-                                        <p:tgtEl>
-                                          <p:spTgt spid="141"/>
-                                        </p:tgtEl>
-                                        <p:attrNameLst>
-                                          <p:attrName>style.visibility</p:attrName>
-                                        </p:attrNameLst>
-                                      </p:cBhvr>
-                                      <p:to>
-                                        <p:strVal val="visible"/>
-                                      </p:to>
-                                    </p:set>
-                                    <p:anim calcmode="lin" valueType="num">
-                                      <p:cBhvr additive="base">
-                                        <p:cTn dur="1000"/>
-                                        <p:tgtEl>
-                                          <p:spTgt spid="141"/>
-                                        </p:tgtEl>
-                                        <p:attrNameLst>
-                                          <p:attrName>ppt_y</p:attrName>
-                                        </p:attrNameLst>
-                                      </p:cBhvr>
-                                      <p:tavLst>
-                                        <p:tav fmla="" tm="0">
-                                          <p:val>
-                                            <p:strVal val="#ppt_y+1"/>
-                                          </p:val>
-                                        </p:tav>
-                                        <p:tav fmla="" tm="100000">
-                                          <p:val>
-                                            <p:strVal val="#ppt_y"/>
-                                          </p:val>
-                                        </p:tav>
-                                      </p:tavLst>
-                                    </p:anim>
-                                  </p:childTnLst>
-                                </p:cTn>
-                              </p:par>
-                            </p:childTnLst>
-                          </p:cTn>
-                        </p:par>
-                      </p:childTnLst>
-                    </p:cTn>
-                  </p:par>
-                  <p:par>
-                    <p:cTn fill="hold">
-                      <p:stCondLst>
-                        <p:cond delay="indefinite"/>
-                      </p:stCondLst>
-                      <p:childTnLst>
-                        <p:par>
-                          <p:cTn fill="hold">
-                            <p:stCondLst>
-                              <p:cond delay="0"/>
-                            </p:stCondLst>
-                            <p:childTnLst>
-                              <p:par>
-                                <p:cTn fill="hold" nodeType="clickEffect" presetClass="entr" presetID="2" presetSubtype="1">
-                                  <p:stCondLst>
-                                    <p:cond delay="0"/>
-                                  </p:stCondLst>
-                                  <p:childTnLst>
-                                    <p:set>
-                                      <p:cBhvr>
-                                        <p:cTn dur="1" fill="hold">
-                                          <p:stCondLst>
-                                            <p:cond delay="0"/>
-                                          </p:stCondLst>
-                                        </p:cTn>
-                                        <p:tgtEl>
-                                          <p:spTgt spid="143"/>
-                                        </p:tgtEl>
-                                        <p:attrNameLst>
-                                          <p:attrName>style.visibility</p:attrName>
-                                        </p:attrNameLst>
-                                      </p:cBhvr>
-                                      <p:to>
-                                        <p:strVal val="visible"/>
-                                      </p:to>
-                                    </p:set>
-                                    <p:anim calcmode="lin" valueType="num">
-                                      <p:cBhvr additive="base">
-                                        <p:cTn dur="1000"/>
-                                        <p:tgtEl>
-                                          <p:spTgt spid="143"/>
-                                        </p:tgtEl>
-                                        <p:attrNameLst>
-                                          <p:attrName>ppt_y</p:attrName>
-                                        </p:attrNameLst>
-                                      </p:cBhvr>
-                                      <p:tavLst>
-                                        <p:tav fmla="" tm="0">
-                                          <p:val>
-                                            <p:strVal val="#ppt_y-1"/>
-                                          </p:val>
-                                        </p:tav>
-                                        <p:tav fmla="" tm="100000">
-                                          <p:val>
-                                            <p:strVal val="#ppt_y"/>
-                                          </p:val>
-                                        </p:tav>
-                                      </p:tavLst>
-                                    </p:anim>
-                                  </p:childTnLst>
-                                </p:cTn>
-                              </p:par>
-                            </p:childTnLst>
-                          </p:cTn>
-                        </p:par>
-                      </p:childTnLst>
-                    </p:cTn>
-                  </p:par>
-                  <p:par>
-                    <p:cTn fill="hold">
-                      <p:stCondLst>
-                        <p:cond delay="indefinite"/>
-                      </p:stCondLst>
-                      <p:childTnLst>
-                        <p:par>
-                          <p:cTn fill="hold">
-                            <p:stCondLst>
-                              <p:cond delay="0"/>
-                            </p:stCondLst>
-                            <p:childTnLst>
-                              <p:par>
-                                <p:cTn fill="hold" nodeType="clickEffect" presetClass="entr" presetID="2" presetSubtype="2">
-                                  <p:stCondLst>
-                                    <p:cond delay="0"/>
-                                  </p:stCondLst>
-                                  <p:childTnLst>
-                                    <p:set>
-                                      <p:cBhvr>
-                                        <p:cTn dur="1" fill="hold">
-                                          <p:stCondLst>
-                                            <p:cond delay="0"/>
-                                          </p:stCondLst>
-                                        </p:cTn>
-                                        <p:tgtEl>
-                                          <p:spTgt spid="142"/>
-                                        </p:tgtEl>
-                                        <p:attrNameLst>
-                                          <p:attrName>style.visibility</p:attrName>
-                                        </p:attrNameLst>
-                                      </p:cBhvr>
-                                      <p:to>
-                                        <p:strVal val="visible"/>
-                                      </p:to>
-                                    </p:set>
-                                    <p:anim calcmode="lin" valueType="num">
-                                      <p:cBhvr additive="base">
-                                        <p:cTn dur="1000"/>
-                                        <p:tgtEl>
-                                          <p:spTgt spid="142"/>
-                                        </p:tgtEl>
-                                        <p:attrNameLst>
-                                          <p:attrName>ppt_x</p:attrName>
-                                        </p:attrNameLst>
-                                      </p:cBhvr>
-                                      <p:tavLst>
-                                        <p:tav fmla="" tm="0">
-                                          <p:val>
-                                            <p:strVal val="#ppt_x+1"/>
-                                          </p:val>
-                                        </p:tav>
-                                        <p:tav fmla="" tm="100000">
-                                          <p:val>
-                                            <p:strVal val="#ppt_x"/>
-                                          </p:val>
-                                        </p:tav>
-                                      </p:tavLst>
-                                    </p:anim>
-                                  </p:childTnLst>
-                                </p:cTn>
-                              </p:par>
-                            </p:childTnLst>
-                          </p:cTn>
-                        </p:par>
-                      </p:childTnLst>
-                    </p:cTn>
-                  </p:par>
-                </p:childTnLst>
-              </p:cTn>
-              <p:prevCondLst>
-                <p:cond evt="onPrev">
-                  <p:tgtEl>
-                    <p:sldTgt/>
-                  </p:tgtEl>
-                </p:cond>
-              </p:prevCondLst>
-              <p:nextCondLst>
-                <p:cond evt="onNext">
-                  <p:tgtEl>
-                    <p:sldTgt/>
-                  </p:tgtEl>
-                </p:cond>
-              </p:nextCondLst>
-            </p:seq>
-          </p:childTnLst>
-        </p:cTn>
-      </p:par>
-    </p:tnLst>
-  </p:timing>
-</p:sld>
-</file>
-
-<file path=ppt/slides/slide3.xml><?xml version="1.0" encoding="utf-8"?>
-<p:sld xmlns:a="http://schemas.openxmlformats.org/drawingml/2006/main" xmlns:r="http://schemas.openxmlformats.org/officeDocument/2006/relationships" xmlns:mc="http://schemas.openxmlformats.org/markup-compatibility/2006" xmlns:mv="urn:schemas-microsoft-com:mac:vml" xmlns:p="http://schemas.openxmlformats.org/presentationml/2006/main" xmlns:c="http://schemas.openxmlformats.org/drawingml/2006/chart" xmlns:dgm="http://schemas.openxmlformats.org/drawingml/2006/diagram" xmlns:o="urn:schemas-microsoft-com:office:office" xmlns:v="urn:schemas-microsoft-com:vml" xmlns:pvml="urn:schemas-microsoft-com:office:powerpoint" xmlns:com="http://schemas.openxmlformats.org/drawingml/2006/compatibility" xmlns:p14="http://schemas.microsoft.com/office/powerpoint/2010/main" xmlns:p15="http://schemas.microsoft.com/office/powerpoint/2012/main">
-  <p:cSld>
-    <p:spTree>
-      <p:nvGrpSpPr>
-        <p:cNvPr id="147" name="Shape 147"/>
+        <p:cNvPr id="1" name="Shape 147"/>
         <p:cNvGrpSpPr/>
         <p:nvPr/>
       </p:nvGrpSpPr>
@@ -10432,7 +9810,9 @@
       <p:sp>
         <p:nvSpPr>
           <p:cNvPr id="148" name="Google Shape;148;p15"/>
-          <p:cNvSpPr txBox="1"/>
+          <p:cNvSpPr txBox="1">
+            <a:spLocks noGrp="1"/>
+          </p:cNvSpPr>
           <p:nvPr>
             <p:ph type="title"/>
           </p:nvPr>
@@ -10447,12 +9827,12 @@
           </a:prstGeom>
         </p:spPr>
         <p:txBody>
-          <a:bodyPr anchorCtr="0" anchor="t" bIns="91425" lIns="91425" spcFirstLastPara="1" rIns="91425" wrap="square" tIns="91425">
+          <a:bodyPr spcFirstLastPara="1" wrap="square" lIns="91425" tIns="91425" rIns="91425" bIns="91425" anchor="t" anchorCtr="0">
             <a:noAutofit/>
           </a:bodyPr>
           <a:lstStyle/>
           <a:p>
-            <a:pPr indent="0" lvl="0" marL="0" rtl="0" algn="l">
+            <a:pPr marL="0" lvl="0" indent="0" algn="l" rtl="0">
               <a:spcBef>
                 <a:spcPts val="0"/>
               </a:spcBef>
@@ -10468,7 +9848,7 @@
             <a:endParaRPr/>
           </a:p>
           <a:p>
-            <a:pPr indent="0" lvl="0" marL="0" rtl="0" algn="l">
+            <a:pPr marL="0" lvl="0" indent="0" algn="l" rtl="0">
               <a:spcBef>
                 <a:spcPts val="0"/>
               </a:spcBef>
@@ -10477,9 +9857,6 @@
               </a:spcAft>
               <a:buNone/>
             </a:pPr>
-            <a:r>
-              <a:t/>
-            </a:r>
             <a:endParaRPr/>
           </a:p>
         </p:txBody>
@@ -10487,9 +9864,11 @@
       <p:sp>
         <p:nvSpPr>
           <p:cNvPr id="149" name="Google Shape;149;p15"/>
-          <p:cNvSpPr txBox="1"/>
+          <p:cNvSpPr txBox="1">
+            <a:spLocks noGrp="1"/>
+          </p:cNvSpPr>
           <p:nvPr>
-            <p:ph idx="1" type="body"/>
+            <p:ph type="body" idx="1"/>
           </p:nvPr>
         </p:nvSpPr>
         <p:spPr>
@@ -10502,12 +9881,12 @@
           </a:prstGeom>
         </p:spPr>
         <p:txBody>
-          <a:bodyPr anchorCtr="0" anchor="t" bIns="91425" lIns="91425" spcFirstLastPara="1" rIns="91425" wrap="square" tIns="91425">
+          <a:bodyPr spcFirstLastPara="1" wrap="square" lIns="91425" tIns="91425" rIns="91425" bIns="91425" anchor="t" anchorCtr="0">
             <a:noAutofit/>
           </a:bodyPr>
           <a:lstStyle/>
           <a:p>
-            <a:pPr indent="0" lvl="0" marL="0" rtl="0" algn="l">
+            <a:pPr marL="0" lvl="0" indent="0" algn="l" rtl="0">
               <a:spcBef>
                 <a:spcPts val="0"/>
               </a:spcBef>
@@ -10516,9 +9895,6 @@
               </a:spcAft>
               <a:buNone/>
             </a:pPr>
-            <a:r>
-              <a:t/>
-            </a:r>
             <a:endParaRPr/>
           </a:p>
         </p:txBody>
@@ -10559,32 +9935,32 @@
   <p:timing>
     <p:tnLst>
       <p:par>
-        <p:cTn dur="indefinite" nodeType="tmRoot" restart="never">
+        <p:cTn id="1" dur="indefinite" restart="never" nodeType="tmRoot">
           <p:childTnLst>
             <p:seq concurrent="1" nextAc="seek">
-              <p:cTn dur="indefinite" id="2" nodeType="mainSeq">
+              <p:cTn id="2" dur="indefinite" nodeType="mainSeq">
                 <p:childTnLst>
                   <p:par>
-                    <p:cTn fill="hold">
+                    <p:cTn id="3" fill="hold">
                       <p:stCondLst>
                         <p:cond delay="indefinite"/>
                       </p:stCondLst>
                       <p:childTnLst>
                         <p:par>
-                          <p:cTn fill="hold">
+                          <p:cTn id="4" fill="hold">
                             <p:stCondLst>
                               <p:cond delay="0"/>
                             </p:stCondLst>
                             <p:childTnLst>
                               <p:par>
-                                <p:cTn fill="hold" nodeType="clickEffect" presetClass="entr" presetID="2" presetSubtype="1">
+                                <p:cTn id="5" presetID="2" presetClass="entr" presetSubtype="1" fill="hold" nodeType="clickEffect">
                                   <p:stCondLst>
                                     <p:cond delay="0"/>
                                   </p:stCondLst>
                                   <p:childTnLst>
                                     <p:set>
                                       <p:cBhvr>
-                                        <p:cTn dur="1" fill="hold">
+                                        <p:cTn id="6" dur="1" fill="hold">
                                           <p:stCondLst>
                                             <p:cond delay="0"/>
                                           </p:stCondLst>
@@ -10602,7 +9978,7 @@
                                     </p:set>
                                     <p:anim calcmode="lin" valueType="num">
                                       <p:cBhvr additive="base">
-                                        <p:cTn dur="1000"/>
+                                        <p:cTn id="7" dur="1000"/>
                                         <p:tgtEl>
                                           <p:spTgt spid="148"/>
                                         </p:tgtEl>
@@ -10611,12 +9987,12 @@
                                         </p:attrNameLst>
                                       </p:cBhvr>
                                       <p:tavLst>
-                                        <p:tav fmla="" tm="0">
+                                        <p:tav tm="0">
                                           <p:val>
                                             <p:strVal val="#ppt_y-1"/>
                                           </p:val>
                                         </p:tav>
-                                        <p:tav fmla="" tm="100000">
+                                        <p:tav tm="100000">
                                           <p:val>
                                             <p:strVal val="#ppt_y"/>
                                           </p:val>
@@ -10633,26 +10009,26 @@
                     </p:cTn>
                   </p:par>
                   <p:par>
-                    <p:cTn fill="hold">
+                    <p:cTn id="8" fill="hold">
                       <p:stCondLst>
                         <p:cond delay="indefinite"/>
                       </p:stCondLst>
                       <p:childTnLst>
                         <p:par>
-                          <p:cTn fill="hold">
+                          <p:cTn id="9" fill="hold">
                             <p:stCondLst>
                               <p:cond delay="0"/>
                             </p:stCondLst>
                             <p:childTnLst>
                               <p:par>
-                                <p:cTn fill="hold" nodeType="clickEffect" presetClass="entr" presetID="2" presetSubtype="4">
+                                <p:cTn id="10" presetID="2" presetClass="entr" presetSubtype="4" fill="hold" nodeType="clickEffect">
                                   <p:stCondLst>
                                     <p:cond delay="0"/>
                                   </p:stCondLst>
                                   <p:childTnLst>
                                     <p:set>
                                       <p:cBhvr>
-                                        <p:cTn dur="1" fill="hold">
+                                        <p:cTn id="11" dur="1" fill="hold">
                                           <p:stCondLst>
                                             <p:cond delay="0"/>
                                           </p:stCondLst>
@@ -10670,7 +10046,7 @@
                                     </p:set>
                                     <p:anim calcmode="lin" valueType="num">
                                       <p:cBhvr additive="base">
-                                        <p:cTn dur="1000"/>
+                                        <p:cTn id="12" dur="1000"/>
                                         <p:tgtEl>
                                           <p:spTgt spid="150"/>
                                         </p:tgtEl>
@@ -10679,12 +10055,12 @@
                                         </p:attrNameLst>
                                       </p:cBhvr>
                                       <p:tavLst>
-                                        <p:tav fmla="" tm="0">
+                                        <p:tav tm="0">
                                           <p:val>
                                             <p:strVal val="#ppt_y+1"/>
                                           </p:val>
                                         </p:tav>
-                                        <p:tav fmla="" tm="100000">
+                                        <p:tav tm="100000">
                                           <p:val>
                                             <p:strVal val="#ppt_y"/>
                                           </p:val>
@@ -10701,26 +10077,26 @@
                     </p:cTn>
                   </p:par>
                   <p:par>
-                    <p:cTn fill="hold">
+                    <p:cTn id="13" fill="hold">
                       <p:stCondLst>
                         <p:cond delay="indefinite"/>
                       </p:stCondLst>
                       <p:childTnLst>
                         <p:par>
-                          <p:cTn fill="hold">
+                          <p:cTn id="14" fill="hold">
                             <p:stCondLst>
                               <p:cond delay="0"/>
                             </p:stCondLst>
                             <p:childTnLst>
                               <p:par>
-                                <p:cTn fill="hold" nodeType="clickEffect" presetClass="entr" presetID="2" presetSubtype="8">
+                                <p:cTn id="15" presetID="2" presetClass="entr" presetSubtype="8" fill="hold" nodeType="clickEffect">
                                   <p:stCondLst>
                                     <p:cond delay="0"/>
                                   </p:stCondLst>
                                   <p:childTnLst>
                                     <p:set>
                                       <p:cBhvr>
-                                        <p:cTn dur="1" fill="hold">
+                                        <p:cTn id="16" dur="1" fill="hold">
                                           <p:stCondLst>
                                             <p:cond delay="0"/>
                                           </p:stCondLst>
@@ -10738,7 +10114,7 @@
                                     </p:set>
                                     <p:anim calcmode="lin" valueType="num">
                                       <p:cBhvr additive="base">
-                                        <p:cTn dur="1000"/>
+                                        <p:cTn id="17" dur="1000"/>
                                         <p:tgtEl>
                                           <p:spTgt spid="149"/>
                                         </p:tgtEl>
@@ -10747,12 +10123,12 @@
                                         </p:attrNameLst>
                                       </p:cBhvr>
                                       <p:tavLst>
-                                        <p:tav fmla="" tm="0">
+                                        <p:tav tm="0">
                                           <p:val>
                                             <p:strVal val="#ppt_x-1"/>
                                           </p:val>
                                         </p:tav>
-                                        <p:tav fmla="" tm="100000">
+                                        <p:tav tm="100000">
                                           <p:val>
                                             <p:strVal val="#ppt_x"/>
                                           </p:val>
@@ -10771,14 +10147,14 @@
                 </p:childTnLst>
               </p:cTn>
               <p:prevCondLst>
-                <p:cond evt="onPrev">
+                <p:cond evt="onPrev" delay="0">
                   <p:tgtEl>
                     <p:sldTgt/>
                   </p:tgtEl>
                 </p:cond>
               </p:prevCondLst>
               <p:nextCondLst>
-                <p:cond evt="onNext">
+                <p:cond evt="onNext" delay="0">
                   <p:tgtEl>
                     <p:sldTgt/>
                   </p:tgtEl>
@@ -10793,12 +10169,12 @@
 </p:sld>
 </file>
 
-<file path=ppt/slides/slide4.xml><?xml version="1.0" encoding="utf-8"?>
-<p:sld xmlns:a="http://schemas.openxmlformats.org/drawingml/2006/main" xmlns:r="http://schemas.openxmlformats.org/officeDocument/2006/relationships" xmlns:mc="http://schemas.openxmlformats.org/markup-compatibility/2006" xmlns:mv="urn:schemas-microsoft-com:mac:vml" xmlns:p="http://schemas.openxmlformats.org/presentationml/2006/main" xmlns:c="http://schemas.openxmlformats.org/drawingml/2006/chart" xmlns:dgm="http://schemas.openxmlformats.org/drawingml/2006/diagram" xmlns:o="urn:schemas-microsoft-com:office:office" xmlns:v="urn:schemas-microsoft-com:vml" xmlns:pvml="urn:schemas-microsoft-com:office:powerpoint" xmlns:com="http://schemas.openxmlformats.org/drawingml/2006/compatibility" xmlns:p14="http://schemas.microsoft.com/office/powerpoint/2010/main" xmlns:p15="http://schemas.microsoft.com/office/powerpoint/2012/main">
+<file path=ppt/slides/slide3.xml><?xml version="1.0" encoding="utf-8"?>
+<p:sld xmlns:a="http://schemas.openxmlformats.org/drawingml/2006/main" xmlns:r="http://schemas.openxmlformats.org/officeDocument/2006/relationships" xmlns:p="http://schemas.openxmlformats.org/presentationml/2006/main">
   <p:cSld>
     <p:spTree>
       <p:nvGrpSpPr>
-        <p:cNvPr id="154" name="Shape 154"/>
+        <p:cNvPr id="1" name="Shape 154"/>
         <p:cNvGrpSpPr/>
         <p:nvPr/>
       </p:nvGrpSpPr>
@@ -10813,7 +10189,9 @@
       <p:sp>
         <p:nvSpPr>
           <p:cNvPr id="155" name="Google Shape;155;p16"/>
-          <p:cNvSpPr txBox="1"/>
+          <p:cNvSpPr txBox="1">
+            <a:spLocks noGrp="1"/>
+          </p:cNvSpPr>
           <p:nvPr>
             <p:ph type="title"/>
           </p:nvPr>
@@ -10828,12 +10206,12 @@
           </a:prstGeom>
         </p:spPr>
         <p:txBody>
-          <a:bodyPr anchorCtr="0" anchor="t" bIns="91425" lIns="91425" spcFirstLastPara="1" rIns="91425" wrap="square" tIns="91425">
+          <a:bodyPr spcFirstLastPara="1" wrap="square" lIns="91425" tIns="91425" rIns="91425" bIns="91425" anchor="t" anchorCtr="0">
             <a:noAutofit/>
           </a:bodyPr>
           <a:lstStyle/>
           <a:p>
-            <a:pPr indent="0" lvl="0" marL="0" rtl="0" algn="l">
+            <a:pPr marL="0" lvl="0" indent="0" algn="l" rtl="0">
               <a:spcBef>
                 <a:spcPts val="0"/>
               </a:spcBef>
@@ -10849,7 +10227,7 @@
             <a:endParaRPr/>
           </a:p>
           <a:p>
-            <a:pPr indent="0" lvl="0" marL="0" rtl="0" algn="l">
+            <a:pPr marL="0" lvl="0" indent="0" algn="l" rtl="0">
               <a:spcBef>
                 <a:spcPts val="0"/>
               </a:spcBef>
@@ -10869,9 +10247,11 @@
       <p:sp>
         <p:nvSpPr>
           <p:cNvPr id="156" name="Google Shape;156;p16"/>
-          <p:cNvSpPr txBox="1"/>
+          <p:cNvSpPr txBox="1">
+            <a:spLocks noGrp="1"/>
+          </p:cNvSpPr>
           <p:nvPr>
-            <p:ph idx="1" type="body"/>
+            <p:ph type="body" idx="1"/>
           </p:nvPr>
         </p:nvSpPr>
         <p:spPr>
@@ -10884,12 +10264,12 @@
           </a:prstGeom>
         </p:spPr>
         <p:txBody>
-          <a:bodyPr anchorCtr="0" anchor="t" bIns="91425" lIns="91425" spcFirstLastPara="1" rIns="91425" wrap="square" tIns="91425">
+          <a:bodyPr spcFirstLastPara="1" wrap="square" lIns="91425" tIns="91425" rIns="91425" bIns="91425" anchor="t" anchorCtr="0">
             <a:noAutofit/>
           </a:bodyPr>
           <a:lstStyle/>
           <a:p>
-            <a:pPr indent="0" lvl="0" marL="0" rtl="0" algn="l">
+            <a:pPr marL="0" lvl="0" indent="0" algn="l" rtl="0">
               <a:spcBef>
                 <a:spcPts val="0"/>
               </a:spcBef>
@@ -10898,9 +10278,6 @@
               </a:spcAft>
               <a:buNone/>
             </a:pPr>
-            <a:r>
-              <a:t/>
-            </a:r>
             <a:endParaRPr/>
           </a:p>
         </p:txBody>
@@ -10941,32 +10318,32 @@
   <p:timing>
     <p:tnLst>
       <p:par>
-        <p:cTn dur="indefinite" nodeType="tmRoot" restart="never">
+        <p:cTn id="1" dur="indefinite" restart="never" nodeType="tmRoot">
           <p:childTnLst>
             <p:seq concurrent="1" nextAc="seek">
-              <p:cTn dur="indefinite" id="2" nodeType="mainSeq">
+              <p:cTn id="2" dur="indefinite" nodeType="mainSeq">
                 <p:childTnLst>
                   <p:par>
-                    <p:cTn fill="hold">
+                    <p:cTn id="3" fill="hold">
                       <p:stCondLst>
                         <p:cond delay="indefinite"/>
                       </p:stCondLst>
                       <p:childTnLst>
                         <p:par>
-                          <p:cTn fill="hold">
+                          <p:cTn id="4" fill="hold">
                             <p:stCondLst>
                               <p:cond delay="0"/>
                             </p:stCondLst>
                             <p:childTnLst>
                               <p:par>
-                                <p:cTn fill="hold" nodeType="clickEffect" presetClass="entr" presetID="2" presetSubtype="4">
+                                <p:cTn id="5" presetID="2" presetClass="entr" presetSubtype="4" fill="hold" nodeType="clickEffect">
                                   <p:stCondLst>
                                     <p:cond delay="0"/>
                                   </p:stCondLst>
                                   <p:childTnLst>
                                     <p:set>
                                       <p:cBhvr>
-                                        <p:cTn dur="1" fill="hold">
+                                        <p:cTn id="6" dur="1" fill="hold">
                                           <p:stCondLst>
                                             <p:cond delay="0"/>
                                           </p:stCondLst>
@@ -10984,7 +10361,7 @@
                                     </p:set>
                                     <p:anim calcmode="lin" valueType="num">
                                       <p:cBhvr additive="base">
-                                        <p:cTn dur="1000"/>
+                                        <p:cTn id="7" dur="1000"/>
                                         <p:tgtEl>
                                           <p:spTgt spid="155"/>
                                         </p:tgtEl>
@@ -10993,12 +10370,12 @@
                                         </p:attrNameLst>
                                       </p:cBhvr>
                                       <p:tavLst>
-                                        <p:tav fmla="" tm="0">
+                                        <p:tav tm="0">
                                           <p:val>
                                             <p:strVal val="#ppt_y+1"/>
                                           </p:val>
                                         </p:tav>
-                                        <p:tav fmla="" tm="100000">
+                                        <p:tav tm="100000">
                                           <p:val>
                                             <p:strVal val="#ppt_y"/>
                                           </p:val>
@@ -11015,26 +10392,26 @@
                     </p:cTn>
                   </p:par>
                   <p:par>
-                    <p:cTn fill="hold">
+                    <p:cTn id="8" fill="hold">
                       <p:stCondLst>
                         <p:cond delay="indefinite"/>
                       </p:stCondLst>
                       <p:childTnLst>
                         <p:par>
-                          <p:cTn fill="hold">
+                          <p:cTn id="9" fill="hold">
                             <p:stCondLst>
                               <p:cond delay="0"/>
                             </p:stCondLst>
                             <p:childTnLst>
                               <p:par>
-                                <p:cTn fill="hold" nodeType="clickEffect" presetClass="entr" presetID="2" presetSubtype="1">
+                                <p:cTn id="10" presetID="2" presetClass="entr" presetSubtype="1" fill="hold" nodeType="clickEffect">
                                   <p:stCondLst>
                                     <p:cond delay="0"/>
                                   </p:stCondLst>
                                   <p:childTnLst>
                                     <p:set>
                                       <p:cBhvr>
-                                        <p:cTn dur="1" fill="hold">
+                                        <p:cTn id="11" dur="1" fill="hold">
                                           <p:stCondLst>
                                             <p:cond delay="0"/>
                                           </p:stCondLst>
@@ -11052,7 +10429,7 @@
                                     </p:set>
                                     <p:anim calcmode="lin" valueType="num">
                                       <p:cBhvr additive="base">
-                                        <p:cTn dur="1000"/>
+                                        <p:cTn id="12" dur="1000"/>
                                         <p:tgtEl>
                                           <p:spTgt spid="157"/>
                                         </p:tgtEl>
@@ -11061,12 +10438,12 @@
                                         </p:attrNameLst>
                                       </p:cBhvr>
                                       <p:tavLst>
-                                        <p:tav fmla="" tm="0">
+                                        <p:tav tm="0">
                                           <p:val>
                                             <p:strVal val="#ppt_y-1"/>
                                           </p:val>
                                         </p:tav>
-                                        <p:tav fmla="" tm="100000">
+                                        <p:tav tm="100000">
                                           <p:val>
                                             <p:strVal val="#ppt_y"/>
                                           </p:val>
@@ -11083,26 +10460,26 @@
                     </p:cTn>
                   </p:par>
                   <p:par>
-                    <p:cTn fill="hold">
+                    <p:cTn id="13" fill="hold">
                       <p:stCondLst>
                         <p:cond delay="indefinite"/>
                       </p:stCondLst>
                       <p:childTnLst>
                         <p:par>
-                          <p:cTn fill="hold">
+                          <p:cTn id="14" fill="hold">
                             <p:stCondLst>
                               <p:cond delay="0"/>
                             </p:stCondLst>
                             <p:childTnLst>
                               <p:par>
-                                <p:cTn fill="hold" nodeType="clickEffect" presetClass="entr" presetID="2" presetSubtype="2">
+                                <p:cTn id="15" presetID="2" presetClass="entr" presetSubtype="2" fill="hold" nodeType="clickEffect">
                                   <p:stCondLst>
                                     <p:cond delay="0"/>
                                   </p:stCondLst>
                                   <p:childTnLst>
                                     <p:set>
                                       <p:cBhvr>
-                                        <p:cTn dur="1" fill="hold">
+                                        <p:cTn id="16" dur="1" fill="hold">
                                           <p:stCondLst>
                                             <p:cond delay="0"/>
                                           </p:stCondLst>
@@ -11120,7 +10497,7 @@
                                     </p:set>
                                     <p:anim calcmode="lin" valueType="num">
                                       <p:cBhvr additive="base">
-                                        <p:cTn dur="1000"/>
+                                        <p:cTn id="17" dur="1000"/>
                                         <p:tgtEl>
                                           <p:spTgt spid="156"/>
                                         </p:tgtEl>
@@ -11129,12 +10506,12 @@
                                         </p:attrNameLst>
                                       </p:cBhvr>
                                       <p:tavLst>
-                                        <p:tav fmla="" tm="0">
+                                        <p:tav tm="0">
                                           <p:val>
                                             <p:strVal val="#ppt_x+1"/>
                                           </p:val>
                                         </p:tav>
-                                        <p:tav fmla="" tm="100000">
+                                        <p:tav tm="100000">
                                           <p:val>
                                             <p:strVal val="#ppt_x"/>
                                           </p:val>
@@ -11153,14 +10530,14 @@
                 </p:childTnLst>
               </p:cTn>
               <p:prevCondLst>
-                <p:cond evt="onPrev">
+                <p:cond evt="onPrev" delay="0">
                   <p:tgtEl>
                     <p:sldTgt/>
                   </p:tgtEl>
                 </p:cond>
               </p:prevCondLst>
               <p:nextCondLst>
-                <p:cond evt="onNext">
+                <p:cond evt="onNext" delay="0">
                   <p:tgtEl>
                     <p:sldTgt/>
                   </p:tgtEl>
@@ -11175,493 +10552,12 @@
 </p:sld>
 </file>
 
-<file path=ppt/slides/slide5.xml><?xml version="1.0" encoding="utf-8"?>
-<p:sld xmlns:a="http://schemas.openxmlformats.org/drawingml/2006/main" xmlns:r="http://schemas.openxmlformats.org/officeDocument/2006/relationships" xmlns:mc="http://schemas.openxmlformats.org/markup-compatibility/2006" xmlns:mv="urn:schemas-microsoft-com:mac:vml" xmlns:p="http://schemas.openxmlformats.org/presentationml/2006/main" xmlns:c="http://schemas.openxmlformats.org/drawingml/2006/chart" xmlns:dgm="http://schemas.openxmlformats.org/drawingml/2006/diagram" xmlns:o="urn:schemas-microsoft-com:office:office" xmlns:v="urn:schemas-microsoft-com:vml" xmlns:pvml="urn:schemas-microsoft-com:office:powerpoint" xmlns:com="http://schemas.openxmlformats.org/drawingml/2006/compatibility" xmlns:p14="http://schemas.microsoft.com/office/powerpoint/2010/main" xmlns:p15="http://schemas.microsoft.com/office/powerpoint/2012/main">
+<file path=ppt/slides/slide4.xml><?xml version="1.0" encoding="utf-8"?>
+<p:sld xmlns:a="http://schemas.openxmlformats.org/drawingml/2006/main" xmlns:r="http://schemas.openxmlformats.org/officeDocument/2006/relationships" xmlns:p="http://schemas.openxmlformats.org/presentationml/2006/main">
   <p:cSld>
     <p:spTree>
       <p:nvGrpSpPr>
-        <p:cNvPr id="161" name="Shape 161"/>
-        <p:cNvGrpSpPr/>
-        <p:nvPr/>
-      </p:nvGrpSpPr>
-      <p:grpSpPr>
-        <a:xfrm>
-          <a:off x="0" y="0"/>
-          <a:ext cx="0" cy="0"/>
-          <a:chOff x="0" y="0"/>
-          <a:chExt cx="0" cy="0"/>
-        </a:xfrm>
-      </p:grpSpPr>
-      <p:sp>
-        <p:nvSpPr>
-          <p:cNvPr id="162" name="Google Shape;162;p17"/>
-          <p:cNvSpPr txBox="1"/>
-          <p:nvPr>
-            <p:ph type="title"/>
-          </p:nvPr>
-        </p:nvSpPr>
-        <p:spPr>
-          <a:xfrm>
-            <a:off x="1297500" y="393750"/>
-            <a:ext cx="7038900" cy="914100"/>
-          </a:xfrm>
-          <a:prstGeom prst="rect">
-            <a:avLst/>
-          </a:prstGeom>
-        </p:spPr>
-        <p:txBody>
-          <a:bodyPr anchorCtr="0" anchor="t" bIns="91425" lIns="91425" spcFirstLastPara="1" rIns="91425" wrap="square" tIns="91425">
-            <a:noAutofit/>
-          </a:bodyPr>
-          <a:lstStyle/>
-          <a:p>
-            <a:pPr indent="0" lvl="0" marL="0" rtl="0" algn="l">
-              <a:spcBef>
-                <a:spcPts val="0"/>
-              </a:spcBef>
-              <a:spcAft>
-                <a:spcPts val="0"/>
-              </a:spcAft>
-              <a:buNone/>
-            </a:pPr>
-            <a:r>
-              <a:rPr lang="sv"/>
-              <a:t>De olika delarna av Programmet</a:t>
-            </a:r>
-            <a:endParaRPr/>
-          </a:p>
-          <a:p>
-            <a:pPr indent="0" lvl="0" marL="0" rtl="0" algn="l">
-              <a:spcBef>
-                <a:spcPts val="0"/>
-              </a:spcBef>
-              <a:spcAft>
-                <a:spcPts val="0"/>
-              </a:spcAft>
-              <a:buNone/>
-            </a:pPr>
-            <a:r>
-              <a:rPr lang="sv"/>
-              <a:t>Mindmap</a:t>
-            </a:r>
-            <a:endParaRPr/>
-          </a:p>
-        </p:txBody>
-      </p:sp>
-      <p:sp>
-        <p:nvSpPr>
-          <p:cNvPr id="163" name="Google Shape;163;p17"/>
-          <p:cNvSpPr txBox="1"/>
-          <p:nvPr>
-            <p:ph idx="1" type="body"/>
-          </p:nvPr>
-        </p:nvSpPr>
-        <p:spPr>
-          <a:xfrm>
-            <a:off x="1297500" y="1567550"/>
-            <a:ext cx="7038900" cy="2911200"/>
-          </a:xfrm>
-          <a:prstGeom prst="rect">
-            <a:avLst/>
-          </a:prstGeom>
-        </p:spPr>
-        <p:txBody>
-          <a:bodyPr anchorCtr="0" anchor="t" bIns="91425" lIns="91425" spcFirstLastPara="1" rIns="91425" wrap="square" tIns="91425">
-            <a:noAutofit/>
-          </a:bodyPr>
-          <a:lstStyle/>
-          <a:p>
-            <a:pPr indent="-311150" lvl="0" marL="457200" rtl="0" algn="l">
-              <a:spcBef>
-                <a:spcPts val="0"/>
-              </a:spcBef>
-              <a:spcAft>
-                <a:spcPts val="0"/>
-              </a:spcAft>
-              <a:buSzPts val="1300"/>
-              <a:buChar char="●"/>
-            </a:pPr>
-            <a:r>
-              <a:rPr lang="sv"/>
-              <a:t>Lägga till </a:t>
-            </a:r>
-            <a:endParaRPr/>
-          </a:p>
-          <a:p>
-            <a:pPr indent="-311150" lvl="0" marL="457200" rtl="0" algn="l">
-              <a:spcBef>
-                <a:spcPts val="0"/>
-              </a:spcBef>
-              <a:spcAft>
-                <a:spcPts val="0"/>
-              </a:spcAft>
-              <a:buSzPts val="1300"/>
-              <a:buChar char="●"/>
-            </a:pPr>
-            <a:r>
-              <a:rPr lang="sv"/>
-              <a:t>Redigera</a:t>
-            </a:r>
-            <a:endParaRPr/>
-          </a:p>
-          <a:p>
-            <a:pPr indent="-311150" lvl="0" marL="457200" rtl="0" algn="l">
-              <a:spcBef>
-                <a:spcPts val="0"/>
-              </a:spcBef>
-              <a:spcAft>
-                <a:spcPts val="0"/>
-              </a:spcAft>
-              <a:buSzPts val="1300"/>
-              <a:buChar char="●"/>
-            </a:pPr>
-            <a:r>
-              <a:rPr lang="sv"/>
-              <a:t>Sök</a:t>
-            </a:r>
-            <a:endParaRPr/>
-          </a:p>
-          <a:p>
-            <a:pPr indent="-311150" lvl="0" marL="457200" rtl="0" algn="l">
-              <a:spcBef>
-                <a:spcPts val="0"/>
-              </a:spcBef>
-              <a:spcAft>
-                <a:spcPts val="0"/>
-              </a:spcAft>
-              <a:buSzPts val="1300"/>
-              <a:buChar char="●"/>
-            </a:pPr>
-            <a:r>
-              <a:rPr lang="sv"/>
-              <a:t>Sortera</a:t>
-            </a:r>
-            <a:endParaRPr/>
-          </a:p>
-          <a:p>
-            <a:pPr indent="-311150" lvl="0" marL="457200" rtl="0" algn="l">
-              <a:spcBef>
-                <a:spcPts val="0"/>
-              </a:spcBef>
-              <a:spcAft>
-                <a:spcPts val="0"/>
-              </a:spcAft>
-              <a:buSzPts val="1300"/>
-              <a:buChar char="●"/>
-            </a:pPr>
-            <a:r>
-              <a:rPr lang="sv"/>
-              <a:t>Ta bort</a:t>
-            </a:r>
-            <a:endParaRPr/>
-          </a:p>
-          <a:p>
-            <a:pPr indent="-311150" lvl="0" marL="457200" rtl="0" algn="l">
-              <a:spcBef>
-                <a:spcPts val="0"/>
-              </a:spcBef>
-              <a:spcAft>
-                <a:spcPts val="0"/>
-              </a:spcAft>
-              <a:buSzPts val="1300"/>
-              <a:buChar char="●"/>
-            </a:pPr>
-            <a:r>
-              <a:rPr lang="sv"/>
-              <a:t>Skriv ut meny</a:t>
-            </a:r>
-            <a:endParaRPr/>
-          </a:p>
-          <a:p>
-            <a:pPr indent="-311150" lvl="0" marL="457200" rtl="0" algn="l">
-              <a:spcBef>
-                <a:spcPts val="0"/>
-              </a:spcBef>
-              <a:spcAft>
-                <a:spcPts val="0"/>
-              </a:spcAft>
-              <a:buSzPts val="1300"/>
-              <a:buChar char="●"/>
-            </a:pPr>
-            <a:r>
-              <a:rPr lang="sv"/>
-              <a:t>Skriv ut extra</a:t>
-            </a:r>
-            <a:endParaRPr/>
-          </a:p>
-          <a:p>
-            <a:pPr indent="-311150" lvl="0" marL="457200" rtl="0" algn="l">
-              <a:spcBef>
-                <a:spcPts val="0"/>
-              </a:spcBef>
-              <a:spcAft>
-                <a:spcPts val="0"/>
-              </a:spcAft>
-              <a:buSzPts val="1300"/>
-              <a:buChar char="●"/>
-            </a:pPr>
-            <a:r>
-              <a:rPr lang="sv"/>
-              <a:t>Räkna ord</a:t>
-            </a:r>
-            <a:endParaRPr/>
-          </a:p>
-          <a:p>
-            <a:pPr indent="-311150" lvl="0" marL="457200" rtl="0" algn="l">
-              <a:spcBef>
-                <a:spcPts val="0"/>
-              </a:spcBef>
-              <a:spcAft>
-                <a:spcPts val="0"/>
-              </a:spcAft>
-              <a:buSzPts val="1300"/>
-              <a:buChar char="●"/>
-            </a:pPr>
-            <a:r>
-              <a:rPr lang="sv"/>
-              <a:t>Debug</a:t>
-            </a:r>
-            <a:endParaRPr/>
-          </a:p>
-          <a:p>
-            <a:pPr indent="-311150" lvl="0" marL="457200" rtl="0" algn="l">
-              <a:spcBef>
-                <a:spcPts val="0"/>
-              </a:spcBef>
-              <a:spcAft>
-                <a:spcPts val="0"/>
-              </a:spcAft>
-              <a:buSzPts val="1300"/>
-              <a:buChar char="●"/>
-            </a:pPr>
-            <a:r>
-              <a:rPr lang="sv"/>
-              <a:t>Rekursiv</a:t>
-            </a:r>
-            <a:endParaRPr/>
-          </a:p>
-          <a:p>
-            <a:pPr indent="-311150" lvl="0" marL="457200" rtl="0" algn="l">
-              <a:spcBef>
-                <a:spcPts val="0"/>
-              </a:spcBef>
-              <a:spcAft>
-                <a:spcPts val="0"/>
-              </a:spcAft>
-              <a:buSzPts val="1300"/>
-              <a:buChar char="●"/>
-            </a:pPr>
-            <a:r>
-              <a:rPr lang="sv"/>
-              <a:t>UserInput</a:t>
-            </a:r>
-            <a:endParaRPr/>
-          </a:p>
-          <a:p>
-            <a:pPr indent="0" lvl="0" marL="0" rtl="0" algn="l">
-              <a:spcBef>
-                <a:spcPts val="1600"/>
-              </a:spcBef>
-              <a:spcAft>
-                <a:spcPts val="1600"/>
-              </a:spcAft>
-              <a:buNone/>
-            </a:pPr>
-            <a:r>
-              <a:t/>
-            </a:r>
-            <a:endParaRPr/>
-          </a:p>
-        </p:txBody>
-      </p:sp>
-    </p:spTree>
-  </p:cSld>
-  <p:clrMapOvr>
-    <a:masterClrMapping/>
-  </p:clrMapOvr>
-  <p:timing>
-    <p:tnLst>
-      <p:par>
-        <p:cTn dur="indefinite" nodeType="tmRoot" restart="never">
-          <p:childTnLst>
-            <p:seq concurrent="1" nextAc="seek">
-              <p:cTn dur="indefinite" id="2" nodeType="mainSeq">
-                <p:childTnLst>
-                  <p:par>
-                    <p:cTn fill="hold">
-                      <p:stCondLst>
-                        <p:cond delay="indefinite"/>
-                      </p:stCondLst>
-                      <p:childTnLst>
-                        <p:par>
-                          <p:cTn fill="hold">
-                            <p:stCondLst>
-                              <p:cond delay="0"/>
-                            </p:stCondLst>
-                            <p:childTnLst>
-                              <p:par>
-                                <p:cTn fill="hold" nodeType="clickEffect" presetClass="entr" presetID="23" presetSubtype="16">
-                                  <p:stCondLst>
-                                    <p:cond delay="0"/>
-                                  </p:stCondLst>
-                                  <p:childTnLst>
-                                    <p:set>
-                                      <p:cBhvr>
-                                        <p:cTn dur="1" fill="hold">
-                                          <p:stCondLst>
-                                            <p:cond delay="0"/>
-                                          </p:stCondLst>
-                                        </p:cTn>
-                                        <p:tgtEl>
-                                          <p:spTgt spid="162"/>
-                                        </p:tgtEl>
-                                        <p:attrNameLst>
-                                          <p:attrName>style.visibility</p:attrName>
-                                        </p:attrNameLst>
-                                      </p:cBhvr>
-                                      <p:to>
-                                        <p:strVal val="visible"/>
-                                      </p:to>
-                                    </p:set>
-                                    <p:anim calcmode="lin" valueType="num">
-                                      <p:cBhvr additive="base">
-                                        <p:cTn dur="1000"/>
-                                        <p:tgtEl>
-                                          <p:spTgt spid="162"/>
-                                        </p:tgtEl>
-                                        <p:attrNameLst>
-                                          <p:attrName>ppt_w</p:attrName>
-                                        </p:attrNameLst>
-                                      </p:cBhvr>
-                                      <p:tavLst>
-                                        <p:tav fmla="" tm="0">
-                                          <p:val>
-                                            <p:strVal val="0"/>
-                                          </p:val>
-                                        </p:tav>
-                                        <p:tav fmla="" tm="100000">
-                                          <p:val>
-                                            <p:strVal val="#ppt_w"/>
-                                          </p:val>
-                                        </p:tav>
-                                      </p:tavLst>
-                                    </p:anim>
-                                    <p:anim calcmode="lin" valueType="num">
-                                      <p:cBhvr additive="base">
-                                        <p:cTn dur="1000"/>
-                                        <p:tgtEl>
-                                          <p:spTgt spid="162"/>
-                                        </p:tgtEl>
-                                        <p:attrNameLst>
-                                          <p:attrName>ppt_h</p:attrName>
-                                        </p:attrNameLst>
-                                      </p:cBhvr>
-                                      <p:tavLst>
-                                        <p:tav fmla="" tm="0">
-                                          <p:val>
-                                            <p:strVal val="0"/>
-                                          </p:val>
-                                        </p:tav>
-                                        <p:tav fmla="" tm="100000">
-                                          <p:val>
-                                            <p:strVal val="#ppt_h"/>
-                                          </p:val>
-                                        </p:tav>
-                                      </p:tavLst>
-                                    </p:anim>
-                                  </p:childTnLst>
-                                </p:cTn>
-                              </p:par>
-                            </p:childTnLst>
-                          </p:cTn>
-                        </p:par>
-                      </p:childTnLst>
-                    </p:cTn>
-                  </p:par>
-                  <p:par>
-                    <p:cTn fill="hold">
-                      <p:stCondLst>
-                        <p:cond delay="indefinite"/>
-                      </p:stCondLst>
-                      <p:childTnLst>
-                        <p:par>
-                          <p:cTn fill="hold">
-                            <p:stCondLst>
-                              <p:cond delay="0"/>
-                            </p:stCondLst>
-                            <p:childTnLst>
-                              <p:par>
-                                <p:cTn fill="hold" nodeType="clickEffect" presetClass="entr" presetID="10" presetSubtype="0">
-                                  <p:stCondLst>
-                                    <p:cond delay="0"/>
-                                  </p:stCondLst>
-                                  <p:childTnLst>
-                                    <p:set>
-                                      <p:cBhvr>
-                                        <p:cTn dur="1" fill="hold">
-                                          <p:stCondLst>
-                                            <p:cond delay="0"/>
-                                          </p:stCondLst>
-                                        </p:cTn>
-                                        <p:tgtEl>
-                                          <p:spTgt spid="163"/>
-                                        </p:tgtEl>
-                                        <p:attrNameLst>
-                                          <p:attrName>style.visibility</p:attrName>
-                                        </p:attrNameLst>
-                                      </p:cBhvr>
-                                      <p:to>
-                                        <p:strVal val="visible"/>
-                                      </p:to>
-                                    </p:set>
-                                    <p:animEffect filter="fade" transition="in">
-                                      <p:cBhvr>
-                                        <p:cTn dur="1000"/>
-                                        <p:tgtEl>
-                                          <p:spTgt spid="163"/>
-                                        </p:tgtEl>
-                                      </p:cBhvr>
-                                    </p:animEffect>
-                                  </p:childTnLst>
-                                </p:cTn>
-                              </p:par>
-                            </p:childTnLst>
-                          </p:cTn>
-                        </p:par>
-                      </p:childTnLst>
-                    </p:cTn>
-                  </p:par>
-                </p:childTnLst>
-              </p:cTn>
-              <p:prevCondLst>
-                <p:cond evt="onPrev">
-                  <p:tgtEl>
-                    <p:sldTgt/>
-                  </p:tgtEl>
-                </p:cond>
-              </p:prevCondLst>
-              <p:nextCondLst>
-                <p:cond evt="onNext">
-                  <p:tgtEl>
-                    <p:sldTgt/>
-                  </p:tgtEl>
-                </p:cond>
-              </p:nextCondLst>
-            </p:seq>
-          </p:childTnLst>
-        </p:cTn>
-      </p:par>
-    </p:tnLst>
-  </p:timing>
-</p:sld>
-</file>
-
-<file path=ppt/slides/slide6.xml><?xml version="1.0" encoding="utf-8"?>
-<p:sld xmlns:a="http://schemas.openxmlformats.org/drawingml/2006/main" xmlns:r="http://schemas.openxmlformats.org/officeDocument/2006/relationships" xmlns:mc="http://schemas.openxmlformats.org/markup-compatibility/2006" xmlns:mv="urn:schemas-microsoft-com:mac:vml" xmlns:p="http://schemas.openxmlformats.org/presentationml/2006/main" xmlns:c="http://schemas.openxmlformats.org/drawingml/2006/chart" xmlns:dgm="http://schemas.openxmlformats.org/drawingml/2006/diagram" xmlns:o="urn:schemas-microsoft-com:office:office" xmlns:v="urn:schemas-microsoft-com:vml" xmlns:pvml="urn:schemas-microsoft-com:office:powerpoint" xmlns:com="http://schemas.openxmlformats.org/drawingml/2006/compatibility" xmlns:p14="http://schemas.microsoft.com/office/powerpoint/2010/main" xmlns:p15="http://schemas.microsoft.com/office/powerpoint/2012/main">
-  <p:cSld>
-    <p:spTree>
-      <p:nvGrpSpPr>
-        <p:cNvPr id="167" name="Shape 167"/>
+        <p:cNvPr id="1" name="Shape 167"/>
         <p:cNvGrpSpPr/>
         <p:nvPr/>
       </p:nvGrpSpPr>
@@ -11676,7 +10572,9 @@
       <p:sp>
         <p:nvSpPr>
           <p:cNvPr id="168" name="Google Shape;168;p18"/>
-          <p:cNvSpPr txBox="1"/>
+          <p:cNvSpPr txBox="1">
+            <a:spLocks noGrp="1"/>
+          </p:cNvSpPr>
           <p:nvPr>
             <p:ph type="title"/>
           </p:nvPr>
@@ -11691,12 +10589,12 @@
           </a:prstGeom>
         </p:spPr>
         <p:txBody>
-          <a:bodyPr anchorCtr="0" anchor="t" bIns="91425" lIns="91425" spcFirstLastPara="1" rIns="91425" wrap="square" tIns="91425">
+          <a:bodyPr spcFirstLastPara="1" wrap="square" lIns="91425" tIns="91425" rIns="91425" bIns="91425" anchor="t" anchorCtr="0">
             <a:noAutofit/>
           </a:bodyPr>
           <a:lstStyle/>
           <a:p>
-            <a:pPr indent="0" lvl="0" marL="0" rtl="0" algn="ctr">
+            <a:pPr marL="0" lvl="0" indent="0" algn="ctr" rtl="0">
               <a:spcBef>
                 <a:spcPts val="0"/>
               </a:spcBef>
@@ -11721,32 +10619,32 @@
   <p:timing>
     <p:tnLst>
       <p:par>
-        <p:cTn dur="indefinite" nodeType="tmRoot" restart="never">
+        <p:cTn id="1" dur="indefinite" restart="never" nodeType="tmRoot">
           <p:childTnLst>
             <p:seq concurrent="1" nextAc="seek">
-              <p:cTn dur="indefinite" id="2" nodeType="mainSeq">
+              <p:cTn id="2" dur="indefinite" nodeType="mainSeq">
                 <p:childTnLst>
                   <p:par>
-                    <p:cTn fill="hold">
+                    <p:cTn id="3" fill="hold">
                       <p:stCondLst>
                         <p:cond delay="indefinite"/>
                       </p:stCondLst>
                       <p:childTnLst>
                         <p:par>
-                          <p:cTn fill="hold">
+                          <p:cTn id="4" fill="hold">
                             <p:stCondLst>
                               <p:cond delay="0"/>
                             </p:stCondLst>
                             <p:childTnLst>
                               <p:par>
-                                <p:cTn fill="hold" nodeType="clickEffect" presetClass="entr" presetID="10" presetSubtype="0">
+                                <p:cTn id="5" presetID="10" presetClass="entr" presetSubtype="0" fill="hold" nodeType="clickEffect">
                                   <p:stCondLst>
                                     <p:cond delay="0"/>
                                   </p:stCondLst>
                                   <p:childTnLst>
                                     <p:set>
                                       <p:cBhvr>
-                                        <p:cTn dur="1" fill="hold">
+                                        <p:cTn id="6" dur="1" fill="hold">
                                           <p:stCondLst>
                                             <p:cond delay="0"/>
                                           </p:stCondLst>
@@ -11762,9 +10660,9 @@
                                         <p:strVal val="visible"/>
                                       </p:to>
                                     </p:set>
-                                    <p:animEffect filter="fade" transition="in">
+                                    <p:animEffect transition="in" filter="fade">
                                       <p:cBhvr>
-                                        <p:cTn dur="1000"/>
+                                        <p:cTn id="7" dur="1000"/>
                                         <p:tgtEl>
                                           <p:spTgt spid="168"/>
                                         </p:tgtEl>
@@ -11782,14 +10680,14 @@
                 </p:childTnLst>
               </p:cTn>
               <p:prevCondLst>
-                <p:cond evt="onPrev">
+                <p:cond evt="onPrev" delay="0">
                   <p:tgtEl>
                     <p:sldTgt/>
                   </p:tgtEl>
                 </p:cond>
               </p:prevCondLst>
               <p:nextCondLst>
-                <p:cond evt="onNext">
+                <p:cond evt="onNext" delay="0">
                   <p:tgtEl>
                     <p:sldTgt/>
                   </p:tgtEl>
@@ -11804,12 +10702,12 @@
 </p:sld>
 </file>
 
-<file path=ppt/slides/slide7.xml><?xml version="1.0" encoding="utf-8"?>
-<p:sld xmlns:a="http://schemas.openxmlformats.org/drawingml/2006/main" xmlns:r="http://schemas.openxmlformats.org/officeDocument/2006/relationships" xmlns:mc="http://schemas.openxmlformats.org/markup-compatibility/2006" xmlns:mv="urn:schemas-microsoft-com:mac:vml" xmlns:p="http://schemas.openxmlformats.org/presentationml/2006/main" xmlns:c="http://schemas.openxmlformats.org/drawingml/2006/chart" xmlns:dgm="http://schemas.openxmlformats.org/drawingml/2006/diagram" xmlns:o="urn:schemas-microsoft-com:office:office" xmlns:v="urn:schemas-microsoft-com:vml" xmlns:pvml="urn:schemas-microsoft-com:office:powerpoint" xmlns:com="http://schemas.openxmlformats.org/drawingml/2006/compatibility" xmlns:p14="http://schemas.microsoft.com/office/powerpoint/2010/main" xmlns:p15="http://schemas.microsoft.com/office/powerpoint/2012/main">
+<file path=ppt/slides/slide5.xml><?xml version="1.0" encoding="utf-8"?>
+<p:sld xmlns:a="http://schemas.openxmlformats.org/drawingml/2006/main" xmlns:r="http://schemas.openxmlformats.org/officeDocument/2006/relationships" xmlns:p="http://schemas.openxmlformats.org/presentationml/2006/main">
   <p:cSld>
     <p:spTree>
       <p:nvGrpSpPr>
-        <p:cNvPr id="172" name="Shape 172"/>
+        <p:cNvPr id="1" name="Shape 172"/>
         <p:cNvGrpSpPr/>
         <p:nvPr/>
       </p:nvGrpSpPr>
@@ -11824,7 +10722,9 @@
       <p:sp>
         <p:nvSpPr>
           <p:cNvPr id="173" name="Google Shape;173;p19"/>
-          <p:cNvSpPr txBox="1"/>
+          <p:cNvSpPr txBox="1">
+            <a:spLocks noGrp="1"/>
+          </p:cNvSpPr>
           <p:nvPr>
             <p:ph type="title"/>
           </p:nvPr>
@@ -11839,12 +10739,12 @@
           </a:prstGeom>
         </p:spPr>
         <p:txBody>
-          <a:bodyPr anchorCtr="0" anchor="t" bIns="91425" lIns="91425" spcFirstLastPara="1" rIns="91425" wrap="square" tIns="91425">
+          <a:bodyPr spcFirstLastPara="1" wrap="square" lIns="91425" tIns="91425" rIns="91425" bIns="91425" anchor="t" anchorCtr="0">
             <a:noAutofit/>
           </a:bodyPr>
           <a:lstStyle/>
           <a:p>
-            <a:pPr indent="0" lvl="0" marL="0" rtl="0" algn="l">
+            <a:pPr marL="0" lvl="0" indent="0" algn="l" rtl="0">
               <a:spcBef>
                 <a:spcPts val="0"/>
               </a:spcBef>
@@ -11864,9 +10764,11 @@
       <p:sp>
         <p:nvSpPr>
           <p:cNvPr id="174" name="Google Shape;174;p19"/>
-          <p:cNvSpPr txBox="1"/>
+          <p:cNvSpPr txBox="1">
+            <a:spLocks noGrp="1"/>
+          </p:cNvSpPr>
           <p:nvPr>
-            <p:ph idx="1" type="body"/>
+            <p:ph type="body" idx="1"/>
           </p:nvPr>
         </p:nvSpPr>
         <p:spPr>
@@ -11879,12 +10781,12 @@
           </a:prstGeom>
         </p:spPr>
         <p:txBody>
-          <a:bodyPr anchorCtr="0" anchor="t" bIns="91425" lIns="91425" spcFirstLastPara="1" rIns="91425" wrap="square" tIns="91425">
+          <a:bodyPr spcFirstLastPara="1" wrap="square" lIns="91425" tIns="91425" rIns="91425" bIns="91425" anchor="t" anchorCtr="0">
             <a:noAutofit/>
           </a:bodyPr>
           <a:lstStyle/>
           <a:p>
-            <a:pPr indent="-342900" lvl="0" marL="457200" rtl="0" algn="l">
+            <a:pPr marL="457200" lvl="0" indent="-342900" algn="l" rtl="0">
               <a:spcBef>
                 <a:spcPts val="0"/>
               </a:spcBef>
@@ -11901,7 +10803,7 @@
             <a:endParaRPr sz="1800"/>
           </a:p>
           <a:p>
-            <a:pPr indent="-342900" lvl="0" marL="457200" rtl="0" algn="l">
+            <a:pPr marL="457200" lvl="0" indent="-342900" algn="l" rtl="0">
               <a:spcBef>
                 <a:spcPts val="0"/>
               </a:spcBef>
@@ -11918,7 +10820,7 @@
             <a:endParaRPr sz="1800"/>
           </a:p>
           <a:p>
-            <a:pPr indent="-342900" lvl="0" marL="457200" rtl="0" algn="l">
+            <a:pPr marL="457200" lvl="0" indent="-342900" algn="l" rtl="0">
               <a:spcBef>
                 <a:spcPts val="0"/>
               </a:spcBef>
@@ -11935,7 +10837,7 @@
             <a:endParaRPr sz="1800"/>
           </a:p>
           <a:p>
-            <a:pPr indent="-342900" lvl="0" marL="457200" rtl="0" algn="l">
+            <a:pPr marL="457200" lvl="0" indent="-342900" algn="l" rtl="0">
               <a:spcBef>
                 <a:spcPts val="0"/>
               </a:spcBef>
@@ -11952,7 +10854,7 @@
             <a:endParaRPr sz="1800"/>
           </a:p>
           <a:p>
-            <a:pPr indent="-342900" lvl="0" marL="457200" rtl="0" algn="l">
+            <a:pPr marL="457200" lvl="0" indent="-342900" algn="l" rtl="0">
               <a:spcBef>
                 <a:spcPts val="0"/>
               </a:spcBef>
@@ -11969,7 +10871,7 @@
             <a:endParaRPr sz="1800"/>
           </a:p>
           <a:p>
-            <a:pPr indent="-342900" lvl="0" marL="457200" rtl="0" algn="l">
+            <a:pPr marL="457200" lvl="0" indent="-342900" algn="l" rtl="0">
               <a:spcBef>
                 <a:spcPts val="0"/>
               </a:spcBef>
@@ -11986,7 +10888,7 @@
             <a:endParaRPr sz="1800"/>
           </a:p>
           <a:p>
-            <a:pPr indent="0" lvl="0" marL="0" rtl="0" algn="l">
+            <a:pPr marL="0" lvl="0" indent="0" algn="l" rtl="0">
               <a:spcBef>
                 <a:spcPts val="1600"/>
               </a:spcBef>
@@ -11995,13 +10897,10 @@
               </a:spcAft>
               <a:buNone/>
             </a:pPr>
-            <a:r>
-              <a:t/>
-            </a:r>
             <a:endParaRPr/>
           </a:p>
           <a:p>
-            <a:pPr indent="0" lvl="0" marL="0" rtl="0" algn="l">
+            <a:pPr marL="0" lvl="0" indent="0" algn="l" rtl="0">
               <a:spcBef>
                 <a:spcPts val="1600"/>
               </a:spcBef>
@@ -12010,9 +10909,6 @@
               </a:spcAft>
               <a:buNone/>
             </a:pPr>
-            <a:r>
-              <a:t/>
-            </a:r>
             <a:endParaRPr/>
           </a:p>
         </p:txBody>
@@ -12025,32 +10921,32 @@
   <p:timing>
     <p:tnLst>
       <p:par>
-        <p:cTn dur="indefinite" nodeType="tmRoot" restart="never">
+        <p:cTn id="1" dur="indefinite" restart="never" nodeType="tmRoot">
           <p:childTnLst>
             <p:seq concurrent="1" nextAc="seek">
-              <p:cTn dur="indefinite" id="2" nodeType="mainSeq">
+              <p:cTn id="2" dur="indefinite" nodeType="mainSeq">
                 <p:childTnLst>
                   <p:par>
-                    <p:cTn fill="hold">
+                    <p:cTn id="3" fill="hold">
                       <p:stCondLst>
                         <p:cond delay="indefinite"/>
                       </p:stCondLst>
                       <p:childTnLst>
                         <p:par>
-                          <p:cTn fill="hold">
+                          <p:cTn id="4" fill="hold">
                             <p:stCondLst>
                               <p:cond delay="0"/>
                             </p:stCondLst>
                             <p:childTnLst>
                               <p:par>
-                                <p:cTn fill="hold" nodeType="clickEffect" presetClass="entr" presetID="2" presetSubtype="4">
+                                <p:cTn id="5" presetID="2" presetClass="entr" presetSubtype="4" fill="hold" nodeType="clickEffect">
                                   <p:stCondLst>
                                     <p:cond delay="0"/>
                                   </p:stCondLst>
                                   <p:childTnLst>
                                     <p:set>
                                       <p:cBhvr>
-                                        <p:cTn dur="1" fill="hold">
+                                        <p:cTn id="6" dur="1" fill="hold">
                                           <p:stCondLst>
                                             <p:cond delay="0"/>
                                           </p:stCondLst>
@@ -12068,7 +10964,7 @@
                                     </p:set>
                                     <p:anim calcmode="lin" valueType="num">
                                       <p:cBhvr additive="base">
-                                        <p:cTn dur="1000"/>
+                                        <p:cTn id="7" dur="1000"/>
                                         <p:tgtEl>
                                           <p:spTgt spid="173"/>
                                         </p:tgtEl>
@@ -12077,12 +10973,12 @@
                                         </p:attrNameLst>
                                       </p:cBhvr>
                                       <p:tavLst>
-                                        <p:tav fmla="" tm="0">
+                                        <p:tav tm="0">
                                           <p:val>
                                             <p:strVal val="#ppt_y+1"/>
                                           </p:val>
                                         </p:tav>
-                                        <p:tav fmla="" tm="100000">
+                                        <p:tav tm="100000">
                                           <p:val>
                                             <p:strVal val="#ppt_y"/>
                                           </p:val>
@@ -12099,26 +10995,26 @@
                     </p:cTn>
                   </p:par>
                   <p:par>
-                    <p:cTn fill="hold">
+                    <p:cTn id="8" fill="hold">
                       <p:stCondLst>
                         <p:cond delay="indefinite"/>
                       </p:stCondLst>
                       <p:childTnLst>
                         <p:par>
-                          <p:cTn fill="hold">
+                          <p:cTn id="9" fill="hold">
                             <p:stCondLst>
                               <p:cond delay="0"/>
                             </p:stCondLst>
                             <p:childTnLst>
                               <p:par>
-                                <p:cTn fill="hold" nodeType="clickEffect" presetClass="entr" presetID="2" presetSubtype="1">
+                                <p:cTn id="10" presetID="2" presetClass="entr" presetSubtype="1" fill="hold" nodeType="clickEffect">
                                   <p:stCondLst>
                                     <p:cond delay="0"/>
                                   </p:stCondLst>
                                   <p:childTnLst>
                                     <p:set>
                                       <p:cBhvr>
-                                        <p:cTn dur="1" fill="hold">
+                                        <p:cTn id="11" dur="1" fill="hold">
                                           <p:stCondLst>
                                             <p:cond delay="0"/>
                                           </p:stCondLst>
@@ -12136,7 +11032,7 @@
                                     </p:set>
                                     <p:anim calcmode="lin" valueType="num">
                                       <p:cBhvr additive="base">
-                                        <p:cTn dur="1000"/>
+                                        <p:cTn id="12" dur="1000"/>
                                         <p:tgtEl>
                                           <p:spTgt spid="174"/>
                                         </p:tgtEl>
@@ -12145,12 +11041,12 @@
                                         </p:attrNameLst>
                                       </p:cBhvr>
                                       <p:tavLst>
-                                        <p:tav fmla="" tm="0">
+                                        <p:tav tm="0">
                                           <p:val>
                                             <p:strVal val="#ppt_y-1"/>
                                           </p:val>
                                         </p:tav>
-                                        <p:tav fmla="" tm="100000">
+                                        <p:tav tm="100000">
                                           <p:val>
                                             <p:strVal val="#ppt_y"/>
                                           </p:val>
@@ -12169,14 +11065,14 @@
                 </p:childTnLst>
               </p:cTn>
               <p:prevCondLst>
-                <p:cond evt="onPrev">
+                <p:cond evt="onPrev" delay="0">
                   <p:tgtEl>
                     <p:sldTgt/>
                   </p:tgtEl>
                 </p:cond>
               </p:prevCondLst>
               <p:nextCondLst>
-                <p:cond evt="onNext">
+                <p:cond evt="onNext" delay="0">
                   <p:tgtEl>
                     <p:sldTgt/>
                   </p:tgtEl>
@@ -12191,12 +11087,12 @@
 </p:sld>
 </file>
 
-<file path=ppt/slides/slide8.xml><?xml version="1.0" encoding="utf-8"?>
-<p:sld xmlns:a="http://schemas.openxmlformats.org/drawingml/2006/main" xmlns:r="http://schemas.openxmlformats.org/officeDocument/2006/relationships" xmlns:mc="http://schemas.openxmlformats.org/markup-compatibility/2006" xmlns:mv="urn:schemas-microsoft-com:mac:vml" xmlns:p="http://schemas.openxmlformats.org/presentationml/2006/main" xmlns:c="http://schemas.openxmlformats.org/drawingml/2006/chart" xmlns:dgm="http://schemas.openxmlformats.org/drawingml/2006/diagram" xmlns:o="urn:schemas-microsoft-com:office:office" xmlns:v="urn:schemas-microsoft-com:vml" xmlns:pvml="urn:schemas-microsoft-com:office:powerpoint" xmlns:com="http://schemas.openxmlformats.org/drawingml/2006/compatibility" xmlns:p14="http://schemas.microsoft.com/office/powerpoint/2010/main" xmlns:p15="http://schemas.microsoft.com/office/powerpoint/2012/main">
+<file path=ppt/slides/slide6.xml><?xml version="1.0" encoding="utf-8"?>
+<p:sld xmlns:a="http://schemas.openxmlformats.org/drawingml/2006/main" xmlns:r="http://schemas.openxmlformats.org/officeDocument/2006/relationships" xmlns:p="http://schemas.openxmlformats.org/presentationml/2006/main">
   <p:cSld>
     <p:spTree>
       <p:nvGrpSpPr>
-        <p:cNvPr id="178" name="Shape 178"/>
+        <p:cNvPr id="1" name="Shape 178"/>
         <p:cNvGrpSpPr/>
         <p:nvPr/>
       </p:nvGrpSpPr>
@@ -12211,7 +11107,9 @@
       <p:sp>
         <p:nvSpPr>
           <p:cNvPr id="179" name="Google Shape;179;p20"/>
-          <p:cNvSpPr txBox="1"/>
+          <p:cNvSpPr txBox="1">
+            <a:spLocks noGrp="1"/>
+          </p:cNvSpPr>
           <p:nvPr>
             <p:ph type="title"/>
           </p:nvPr>
@@ -12226,12 +11124,12 @@
           </a:prstGeom>
         </p:spPr>
         <p:txBody>
-          <a:bodyPr anchorCtr="0" anchor="t" bIns="91425" lIns="91425" spcFirstLastPara="1" rIns="91425" wrap="square" tIns="91425">
+          <a:bodyPr spcFirstLastPara="1" wrap="square" lIns="91425" tIns="91425" rIns="91425" bIns="91425" anchor="t" anchorCtr="0">
             <a:noAutofit/>
           </a:bodyPr>
           <a:lstStyle/>
           <a:p>
-            <a:pPr indent="0" lvl="0" marL="0" rtl="0" algn="l">
+            <a:pPr marL="0" lvl="0" indent="0" algn="l" rtl="0">
               <a:spcBef>
                 <a:spcPts val="0"/>
               </a:spcBef>
@@ -12251,9 +11149,11 @@
       <p:sp>
         <p:nvSpPr>
           <p:cNvPr id="180" name="Google Shape;180;p20"/>
-          <p:cNvSpPr txBox="1"/>
+          <p:cNvSpPr txBox="1">
+            <a:spLocks noGrp="1"/>
+          </p:cNvSpPr>
           <p:nvPr>
-            <p:ph idx="1" type="body"/>
+            <p:ph type="body" idx="1"/>
           </p:nvPr>
         </p:nvSpPr>
         <p:spPr>
@@ -12266,12 +11166,12 @@
           </a:prstGeom>
         </p:spPr>
         <p:txBody>
-          <a:bodyPr anchorCtr="0" anchor="t" bIns="91425" lIns="91425" spcFirstLastPara="1" rIns="91425" wrap="square" tIns="91425">
+          <a:bodyPr spcFirstLastPara="1" wrap="square" lIns="91425" tIns="91425" rIns="91425" bIns="91425" anchor="t" anchorCtr="0">
             <a:noAutofit/>
           </a:bodyPr>
           <a:lstStyle/>
           <a:p>
-            <a:pPr indent="-381000" lvl="0" marL="457200" rtl="0" algn="l">
+            <a:pPr marL="457200" lvl="0" indent="-381000" algn="l" rtl="0">
               <a:spcBef>
                 <a:spcPts val="0"/>
               </a:spcBef>
@@ -12282,13 +11182,13 @@
               <a:buChar char="●"/>
             </a:pPr>
             <a:r>
-              <a:rPr lang="sv" sz="2400"/>
+              <a:rPr lang="sv" sz="2400" dirty="0"/>
               <a:t>Kod strukturer</a:t>
             </a:r>
-            <a:endParaRPr sz="2400"/>
+            <a:endParaRPr sz="2400" dirty="0"/>
           </a:p>
           <a:p>
-            <a:pPr indent="-381000" lvl="0" marL="457200" rtl="0" algn="l">
+            <a:pPr marL="457200" lvl="0" indent="-381000" algn="l" rtl="0">
               <a:spcBef>
                 <a:spcPts val="0"/>
               </a:spcBef>
@@ -12299,25 +11199,50 @@
               <a:buChar char="●"/>
             </a:pPr>
             <a:r>
-              <a:rPr lang="sv" sz="2400"/>
+              <a:rPr lang="sv" sz="2400" dirty="0"/>
               <a:t>Windows update</a:t>
             </a:r>
-            <a:endParaRPr sz="2400"/>
           </a:p>
           <a:p>
-            <a:pPr indent="0" lvl="0" marL="457200" rtl="0" algn="l">
-              <a:spcBef>
-                <a:spcPts val="1600"/>
-              </a:spcBef>
-              <a:spcAft>
-                <a:spcPts val="1600"/>
-              </a:spcAft>
-              <a:buNone/>
+            <a:pPr marL="457200" lvl="0" indent="-381000" algn="l" rtl="0">
+              <a:spcBef>
+                <a:spcPts val="0"/>
+              </a:spcBef>
+              <a:spcAft>
+                <a:spcPts val="0"/>
+              </a:spcAft>
+              <a:buSzPts val="2400"/>
+              <a:buChar char="●"/>
             </a:pPr>
             <a:r>
-              <a:t/>
+              <a:rPr lang="sv" sz="2400" dirty="0"/>
+              <a:t>Kryptering lades in sent</a:t>
             </a:r>
-            <a:endParaRPr/>
+          </a:p>
+          <a:p>
+            <a:pPr marL="457200" lvl="0" indent="-381000" algn="l" rtl="0">
+              <a:spcBef>
+                <a:spcPts val="0"/>
+              </a:spcBef>
+              <a:spcAft>
+                <a:spcPts val="0"/>
+              </a:spcAft>
+              <a:buSzPts val="2400"/>
+              <a:buChar char="●"/>
+            </a:pPr>
+            <a:endParaRPr sz="2400" dirty="0"/>
+          </a:p>
+          <a:p>
+            <a:pPr marL="457200" lvl="0" indent="0" algn="l" rtl="0">
+              <a:spcBef>
+                <a:spcPts val="1600"/>
+              </a:spcBef>
+              <a:spcAft>
+                <a:spcPts val="1600"/>
+              </a:spcAft>
+              <a:buNone/>
+            </a:pPr>
+            <a:endParaRPr dirty="0"/>
           </a:p>
         </p:txBody>
       </p:sp>
@@ -12357,32 +11282,32 @@
   <p:timing>
     <p:tnLst>
       <p:par>
-        <p:cTn dur="indefinite" nodeType="tmRoot" restart="never">
+        <p:cTn id="1" dur="indefinite" restart="never" nodeType="tmRoot">
           <p:childTnLst>
             <p:seq concurrent="1" nextAc="seek">
-              <p:cTn dur="indefinite" id="2" nodeType="mainSeq">
+              <p:cTn id="2" dur="indefinite" nodeType="mainSeq">
                 <p:childTnLst>
                   <p:par>
-                    <p:cTn fill="hold">
+                    <p:cTn id="3" fill="hold">
                       <p:stCondLst>
                         <p:cond delay="indefinite"/>
                       </p:stCondLst>
                       <p:childTnLst>
                         <p:par>
-                          <p:cTn fill="hold">
+                          <p:cTn id="4" fill="hold">
                             <p:stCondLst>
                               <p:cond delay="0"/>
                             </p:stCondLst>
                             <p:childTnLst>
                               <p:par>
-                                <p:cTn fill="hold" nodeType="clickEffect" presetClass="entr" presetID="2" presetSubtype="8">
+                                <p:cTn id="5" presetID="2" presetClass="entr" presetSubtype="8" fill="hold" nodeType="clickEffect">
                                   <p:stCondLst>
                                     <p:cond delay="0"/>
                                   </p:stCondLst>
                                   <p:childTnLst>
                                     <p:set>
                                       <p:cBhvr>
-                                        <p:cTn dur="1" fill="hold">
+                                        <p:cTn id="6" dur="1" fill="hold">
                                           <p:stCondLst>
                                             <p:cond delay="0"/>
                                           </p:stCondLst>
@@ -12400,7 +11325,7 @@
                                     </p:set>
                                     <p:anim calcmode="lin" valueType="num">
                                       <p:cBhvr additive="base">
-                                        <p:cTn dur="1000"/>
+                                        <p:cTn id="7" dur="1000"/>
                                         <p:tgtEl>
                                           <p:spTgt spid="179"/>
                                         </p:tgtEl>
@@ -12409,12 +11334,12 @@
                                         </p:attrNameLst>
                                       </p:cBhvr>
                                       <p:tavLst>
-                                        <p:tav fmla="" tm="0">
+                                        <p:tav tm="0">
                                           <p:val>
                                             <p:strVal val="#ppt_x-1"/>
                                           </p:val>
                                         </p:tav>
-                                        <p:tav fmla="" tm="100000">
+                                        <p:tav tm="100000">
                                           <p:val>
                                             <p:strVal val="#ppt_x"/>
                                           </p:val>
@@ -12431,26 +11356,26 @@
                     </p:cTn>
                   </p:par>
                   <p:par>
-                    <p:cTn fill="hold">
+                    <p:cTn id="8" fill="hold">
                       <p:stCondLst>
                         <p:cond delay="indefinite"/>
                       </p:stCondLst>
                       <p:childTnLst>
                         <p:par>
-                          <p:cTn fill="hold">
+                          <p:cTn id="9" fill="hold">
                             <p:stCondLst>
                               <p:cond delay="0"/>
                             </p:stCondLst>
                             <p:childTnLst>
                               <p:par>
-                                <p:cTn fill="hold" nodeType="clickEffect" presetClass="entr" presetID="2" presetSubtype="2">
+                                <p:cTn id="10" presetID="2" presetClass="entr" presetSubtype="2" fill="hold" nodeType="clickEffect">
                                   <p:stCondLst>
                                     <p:cond delay="0"/>
                                   </p:stCondLst>
                                   <p:childTnLst>
                                     <p:set>
                                       <p:cBhvr>
-                                        <p:cTn dur="1" fill="hold">
+                                        <p:cTn id="11" dur="1" fill="hold">
                                           <p:stCondLst>
                                             <p:cond delay="0"/>
                                           </p:stCondLst>
@@ -12468,7 +11393,7 @@
                                     </p:set>
                                     <p:anim calcmode="lin" valueType="num">
                                       <p:cBhvr additive="base">
-                                        <p:cTn dur="1000"/>
+                                        <p:cTn id="12" dur="1000"/>
                                         <p:tgtEl>
                                           <p:spTgt spid="180"/>
                                         </p:tgtEl>
@@ -12477,12 +11402,12 @@
                                         </p:attrNameLst>
                                       </p:cBhvr>
                                       <p:tavLst>
-                                        <p:tav fmla="" tm="0">
+                                        <p:tav tm="0">
                                           <p:val>
                                             <p:strVal val="#ppt_x+1"/>
                                           </p:val>
                                         </p:tav>
-                                        <p:tav fmla="" tm="100000">
+                                        <p:tav tm="100000">
                                           <p:val>
                                             <p:strVal val="#ppt_x"/>
                                           </p:val>
@@ -12493,14 +11418,14 @@
                                 </p:cTn>
                               </p:par>
                               <p:par>
-                                <p:cTn fill="hold" nodeType="withEffect" presetClass="entr" presetID="10" presetSubtype="0">
+                                <p:cTn id="13" presetID="10" presetClass="entr" presetSubtype="0" fill="hold" nodeType="withEffect">
                                   <p:stCondLst>
                                     <p:cond delay="0"/>
                                   </p:stCondLst>
                                   <p:childTnLst>
                                     <p:set>
                                       <p:cBhvr>
-                                        <p:cTn dur="1" fill="hold">
+                                        <p:cTn id="14" dur="1" fill="hold">
                                           <p:stCondLst>
                                             <p:cond delay="0"/>
                                           </p:stCondLst>
@@ -12516,9 +11441,9 @@
                                         <p:strVal val="visible"/>
                                       </p:to>
                                     </p:set>
-                                    <p:animEffect filter="fade" transition="in">
+                                    <p:animEffect transition="in" filter="fade">
                                       <p:cBhvr>
-                                        <p:cTn dur="1000"/>
+                                        <p:cTn id="15" dur="1000"/>
                                         <p:tgtEl>
                                           <p:spTgt spid="181"/>
                                         </p:tgtEl>
@@ -12536,14 +11461,14 @@
                 </p:childTnLst>
               </p:cTn>
               <p:prevCondLst>
-                <p:cond evt="onPrev">
+                <p:cond evt="onPrev" delay="0">
                   <p:tgtEl>
                     <p:sldTgt/>
                   </p:tgtEl>
                 </p:cond>
               </p:prevCondLst>
               <p:nextCondLst>
-                <p:cond evt="onNext">
+                <p:cond evt="onNext" delay="0">
                   <p:tgtEl>
                     <p:sldTgt/>
                   </p:tgtEl>
@@ -12558,12 +11483,12 @@
 </p:sld>
 </file>
 
-<file path=ppt/slides/slide9.xml><?xml version="1.0" encoding="utf-8"?>
-<p:sld xmlns:a="http://schemas.openxmlformats.org/drawingml/2006/main" xmlns:r="http://schemas.openxmlformats.org/officeDocument/2006/relationships" xmlns:mc="http://schemas.openxmlformats.org/markup-compatibility/2006" xmlns:mv="urn:schemas-microsoft-com:mac:vml" xmlns:p="http://schemas.openxmlformats.org/presentationml/2006/main" xmlns:c="http://schemas.openxmlformats.org/drawingml/2006/chart" xmlns:dgm="http://schemas.openxmlformats.org/drawingml/2006/diagram" xmlns:o="urn:schemas-microsoft-com:office:office" xmlns:v="urn:schemas-microsoft-com:vml" xmlns:pvml="urn:schemas-microsoft-com:office:powerpoint" xmlns:com="http://schemas.openxmlformats.org/drawingml/2006/compatibility" xmlns:p14="http://schemas.microsoft.com/office/powerpoint/2010/main" xmlns:p15="http://schemas.microsoft.com/office/powerpoint/2012/main">
+<file path=ppt/slides/slide7.xml><?xml version="1.0" encoding="utf-8"?>
+<p:sld xmlns:a="http://schemas.openxmlformats.org/drawingml/2006/main" xmlns:r="http://schemas.openxmlformats.org/officeDocument/2006/relationships" xmlns:p="http://schemas.openxmlformats.org/presentationml/2006/main">
   <p:cSld>
     <p:spTree>
       <p:nvGrpSpPr>
-        <p:cNvPr id="185" name="Shape 185"/>
+        <p:cNvPr id="1" name="Shape 185"/>
         <p:cNvGrpSpPr/>
         <p:nvPr/>
       </p:nvGrpSpPr>
@@ -12578,7 +11503,9 @@
       <p:sp>
         <p:nvSpPr>
           <p:cNvPr id="186" name="Google Shape;186;p21"/>
-          <p:cNvSpPr txBox="1"/>
+          <p:cNvSpPr txBox="1">
+            <a:spLocks noGrp="1"/>
+          </p:cNvSpPr>
           <p:nvPr>
             <p:ph type="title"/>
           </p:nvPr>
@@ -12593,12 +11520,12 @@
           </a:prstGeom>
         </p:spPr>
         <p:txBody>
-          <a:bodyPr anchorCtr="0" anchor="t" bIns="91425" lIns="91425" spcFirstLastPara="1" rIns="91425" wrap="square" tIns="91425">
+          <a:bodyPr spcFirstLastPara="1" wrap="square" lIns="91425" tIns="91425" rIns="91425" bIns="91425" anchor="t" anchorCtr="0">
             <a:noAutofit/>
           </a:bodyPr>
           <a:lstStyle/>
           <a:p>
-            <a:pPr indent="0" lvl="0" marL="0" rtl="0" algn="ctr">
+            <a:pPr marL="0" lvl="0" indent="0" algn="ctr" rtl="0">
               <a:spcBef>
                 <a:spcPts val="0"/>
               </a:spcBef>
@@ -12651,13 +11578,13 @@
   <p:timing>
     <p:tnLst>
       <p:par>
-        <p:cTn dur="indefinite" nodeType="tmRoot" restart="never">
+        <p:cTn id="1" dur="indefinite" restart="never" nodeType="tmRoot">
           <p:childTnLst>
             <p:seq concurrent="1" nextAc="seek">
-              <p:cTn dur="indefinite" id="2" nodeType="mainSeq">
+              <p:cTn id="2" dur="indefinite" nodeType="mainSeq">
                 <p:childTnLst>
                   <p:par>
-                    <p:cTn fill="hold">
+                    <p:cTn id="3" fill="hold">
                       <p:stCondLst>
                         <p:cond delay="indefinite"/>
                         <p:cond evt="onBegin" delay="0">
@@ -12666,20 +11593,20 @@
                       </p:stCondLst>
                       <p:childTnLst>
                         <p:par>
-                          <p:cTn fill="hold">
+                          <p:cTn id="4" fill="hold">
                             <p:stCondLst>
                               <p:cond delay="0"/>
                             </p:stCondLst>
                             <p:childTnLst>
                               <p:par>
-                                <p:cTn fill="hold" nodeType="withEffect" presetClass="entr" presetID="10" presetSubtype="0">
+                                <p:cTn id="5" presetID="10" presetClass="entr" presetSubtype="0" fill="hold" nodeType="withEffect">
                                   <p:stCondLst>
                                     <p:cond delay="0"/>
                                   </p:stCondLst>
                                   <p:childTnLst>
                                     <p:set>
                                       <p:cBhvr>
-                                        <p:cTn dur="1" fill="hold">
+                                        <p:cTn id="6" dur="1" fill="hold">
                                           <p:stCondLst>
                                             <p:cond delay="0"/>
                                           </p:stCondLst>
@@ -12695,9 +11622,9 @@
                                         <p:strVal val="visible"/>
                                       </p:to>
                                     </p:set>
-                                    <p:animEffect filter="fade" transition="in">
+                                    <p:animEffect transition="in" filter="fade">
                                       <p:cBhvr>
-                                        <p:cTn dur="1000"/>
+                                        <p:cTn id="7" dur="1000"/>
                                         <p:tgtEl>
                                           <p:spTgt spid="186"/>
                                         </p:tgtEl>
@@ -12715,14 +11642,14 @@
                 </p:childTnLst>
               </p:cTn>
               <p:prevCondLst>
-                <p:cond evt="onPrev">
+                <p:cond evt="onPrev" delay="0">
                   <p:tgtEl>
                     <p:sldTgt/>
                   </p:tgtEl>
                 </p:cond>
               </p:prevCondLst>
               <p:nextCondLst>
-                <p:cond evt="onNext">
+                <p:cond evt="onNext" delay="0">
                   <p:tgtEl>
                     <p:sldTgt/>
                   </p:tgtEl>
@@ -12738,7 +11665,288 @@
 </file>
 
 <file path=ppt/theme/theme1.xml><?xml version="1.0" encoding="utf-8"?>
-<a:theme xmlns:a="http://schemas.openxmlformats.org/drawingml/2006/main" xmlns:r="http://schemas.openxmlformats.org/officeDocument/2006/relationships">
+<a:theme xmlns:a="http://schemas.openxmlformats.org/drawingml/2006/main" name="Focus">
+  <a:themeElements>
+    <a:clrScheme name="Focus">
+      <a:dk1>
+        <a:srgbClr val="1B212C"/>
+      </a:dk1>
+      <a:lt1>
+        <a:srgbClr val="FFFFFF"/>
+      </a:lt1>
+      <a:dk2>
+        <a:srgbClr val="D9D9D9"/>
+      </a:dk2>
+      <a:lt2>
+        <a:srgbClr val="82C7A5"/>
+      </a:lt2>
+      <a:accent1>
+        <a:srgbClr val="0145AC"/>
+      </a:accent1>
+      <a:accent2>
+        <a:srgbClr val="EECE1A"/>
+      </a:accent2>
+      <a:accent3>
+        <a:srgbClr val="4E5567"/>
+      </a:accent3>
+      <a:accent4>
+        <a:srgbClr val="F4D6AD"/>
+      </a:accent4>
+      <a:accent5>
+        <a:srgbClr val="7890CD"/>
+      </a:accent5>
+      <a:accent6>
+        <a:srgbClr val="F15E22"/>
+      </a:accent6>
+      <a:hlink>
+        <a:srgbClr val="7890CD"/>
+      </a:hlink>
+      <a:folHlink>
+        <a:srgbClr val="7890CD"/>
+      </a:folHlink>
+    </a:clrScheme>
+    <a:fontScheme name="Office">
+      <a:majorFont>
+        <a:latin typeface="Arial"/>
+        <a:ea typeface=""/>
+        <a:cs typeface=""/>
+        <a:font script="Jpan" typeface="ＭＳ Ｐゴシック"/>
+        <a:font script="Hang" typeface="맑은 고딕"/>
+        <a:font script="Hans" typeface="宋体"/>
+        <a:font script="Hant" typeface="新細明體"/>
+        <a:font script="Arab" typeface="Times New Roman"/>
+        <a:font script="Hebr" typeface="Times New Roman"/>
+        <a:font script="Thai" typeface="Angsana New"/>
+        <a:font script="Ethi" typeface="Nyala"/>
+        <a:font script="Beng" typeface="Vrinda"/>
+        <a:font script="Gujr" typeface="Shruti"/>
+        <a:font script="Khmr" typeface="MoolBoran"/>
+        <a:font script="Knda" typeface="Tunga"/>
+        <a:font script="Guru" typeface="Raavi"/>
+        <a:font script="Cans" typeface="Euphemia"/>
+        <a:font script="Cher" typeface="Plantagenet Cherokee"/>
+        <a:font script="Yiii" typeface="Microsoft Yi Baiti"/>
+        <a:font script="Tibt" typeface="Microsoft Himalaya"/>
+        <a:font script="Thaa" typeface="MV Boli"/>
+        <a:font script="Deva" typeface="Mangal"/>
+        <a:font script="Telu" typeface="Gautami"/>
+        <a:font script="Taml" typeface="Latha"/>
+        <a:font script="Syrc" typeface="Estrangelo Edessa"/>
+        <a:font script="Orya" typeface="Kalinga"/>
+        <a:font script="Mlym" typeface="Kartika"/>
+        <a:font script="Laoo" typeface="DokChampa"/>
+        <a:font script="Sinh" typeface="Iskoola Pota"/>
+        <a:font script="Mong" typeface="Mongolian Baiti"/>
+        <a:font script="Viet" typeface="Times New Roman"/>
+        <a:font script="Uigh" typeface="Microsoft Uighur"/>
+        <a:font script="Geor" typeface="Sylfaen"/>
+      </a:majorFont>
+      <a:minorFont>
+        <a:latin typeface="Arial"/>
+        <a:ea typeface=""/>
+        <a:cs typeface=""/>
+        <a:font script="Jpan" typeface="ＭＳ Ｐゴシック"/>
+        <a:font script="Hang" typeface="맑은 고딕"/>
+        <a:font script="Hans" typeface="宋体"/>
+        <a:font script="Hant" typeface="新細明體"/>
+        <a:font script="Arab" typeface="Arial"/>
+        <a:font script="Hebr" typeface="Arial"/>
+        <a:font script="Thai" typeface="Cordia New"/>
+        <a:font script="Ethi" typeface="Nyala"/>
+        <a:font script="Beng" typeface="Vrinda"/>
+        <a:font script="Gujr" typeface="Shruti"/>
+        <a:font script="Khmr" typeface="DaunPenh"/>
+        <a:font script="Knda" typeface="Tunga"/>
+        <a:font script="Guru" typeface="Raavi"/>
+        <a:font script="Cans" typeface="Euphemia"/>
+        <a:font script="Cher" typeface="Plantagenet Cherokee"/>
+        <a:font script="Yiii" typeface="Microsoft Yi Baiti"/>
+        <a:font script="Tibt" typeface="Microsoft Himalaya"/>
+        <a:font script="Thaa" typeface="MV Boli"/>
+        <a:font script="Deva" typeface="Mangal"/>
+        <a:font script="Telu" typeface="Gautami"/>
+        <a:font script="Taml" typeface="Latha"/>
+        <a:font script="Syrc" typeface="Estrangelo Edessa"/>
+        <a:font script="Orya" typeface="Kalinga"/>
+        <a:font script="Mlym" typeface="Kartika"/>
+        <a:font script="Laoo" typeface="DokChampa"/>
+        <a:font script="Sinh" typeface="Iskoola Pota"/>
+        <a:font script="Mong" typeface="Mongolian Baiti"/>
+        <a:font script="Viet" typeface="Arial"/>
+        <a:font script="Uigh" typeface="Microsoft Uighur"/>
+        <a:font script="Geor" typeface="Sylfaen"/>
+      </a:minorFont>
+    </a:fontScheme>
+    <a:fmtScheme name="Office">
+      <a:fillStyleLst>
+        <a:solidFill>
+          <a:schemeClr val="phClr"/>
+        </a:solidFill>
+        <a:gradFill rotWithShape="1">
+          <a:gsLst>
+            <a:gs pos="0">
+              <a:schemeClr val="phClr">
+                <a:tint val="50000"/>
+                <a:satMod val="300000"/>
+              </a:schemeClr>
+            </a:gs>
+            <a:gs pos="35000">
+              <a:schemeClr val="phClr">
+                <a:tint val="37000"/>
+                <a:satMod val="300000"/>
+              </a:schemeClr>
+            </a:gs>
+            <a:gs pos="100000">
+              <a:schemeClr val="phClr">
+                <a:tint val="15000"/>
+                <a:satMod val="350000"/>
+              </a:schemeClr>
+            </a:gs>
+          </a:gsLst>
+          <a:lin ang="16200000" scaled="1"/>
+        </a:gradFill>
+        <a:gradFill rotWithShape="1">
+          <a:gsLst>
+            <a:gs pos="0">
+              <a:schemeClr val="phClr">
+                <a:tint val="100000"/>
+                <a:shade val="100000"/>
+                <a:satMod val="130000"/>
+              </a:schemeClr>
+            </a:gs>
+            <a:gs pos="100000">
+              <a:schemeClr val="phClr">
+                <a:tint val="50000"/>
+                <a:shade val="100000"/>
+                <a:satMod val="350000"/>
+              </a:schemeClr>
+            </a:gs>
+          </a:gsLst>
+          <a:lin ang="16200000" scaled="0"/>
+        </a:gradFill>
+      </a:fillStyleLst>
+      <a:lnStyleLst>
+        <a:ln w="9525" cap="flat" cmpd="sng" algn="ctr">
+          <a:solidFill>
+            <a:schemeClr val="phClr">
+              <a:shade val="95000"/>
+              <a:satMod val="105000"/>
+            </a:schemeClr>
+          </a:solidFill>
+          <a:prstDash val="solid"/>
+        </a:ln>
+        <a:ln w="25400" cap="flat" cmpd="sng" algn="ctr">
+          <a:solidFill>
+            <a:schemeClr val="phClr"/>
+          </a:solidFill>
+          <a:prstDash val="solid"/>
+        </a:ln>
+        <a:ln w="38100" cap="flat" cmpd="sng" algn="ctr">
+          <a:solidFill>
+            <a:schemeClr val="phClr"/>
+          </a:solidFill>
+          <a:prstDash val="solid"/>
+        </a:ln>
+      </a:lnStyleLst>
+      <a:effectStyleLst>
+        <a:effectStyle>
+          <a:effectLst>
+            <a:outerShdw blurRad="40000" dist="20000" dir="5400000" rotWithShape="0">
+              <a:srgbClr val="000000">
+                <a:alpha val="38000"/>
+              </a:srgbClr>
+            </a:outerShdw>
+          </a:effectLst>
+        </a:effectStyle>
+        <a:effectStyle>
+          <a:effectLst>
+            <a:outerShdw blurRad="40000" dist="23000" dir="5400000" rotWithShape="0">
+              <a:srgbClr val="000000">
+                <a:alpha val="35000"/>
+              </a:srgbClr>
+            </a:outerShdw>
+          </a:effectLst>
+        </a:effectStyle>
+        <a:effectStyle>
+          <a:effectLst>
+            <a:outerShdw blurRad="40000" dist="23000" dir="5400000" rotWithShape="0">
+              <a:srgbClr val="000000">
+                <a:alpha val="35000"/>
+              </a:srgbClr>
+            </a:outerShdw>
+          </a:effectLst>
+          <a:scene3d>
+            <a:camera prst="orthographicFront">
+              <a:rot lat="0" lon="0" rev="0"/>
+            </a:camera>
+            <a:lightRig rig="threePt" dir="t">
+              <a:rot lat="0" lon="0" rev="1200000"/>
+            </a:lightRig>
+          </a:scene3d>
+          <a:sp3d>
+            <a:bevelT w="63500" h="25400"/>
+          </a:sp3d>
+        </a:effectStyle>
+      </a:effectStyleLst>
+      <a:bgFillStyleLst>
+        <a:solidFill>
+          <a:schemeClr val="phClr"/>
+        </a:solidFill>
+        <a:gradFill rotWithShape="1">
+          <a:gsLst>
+            <a:gs pos="0">
+              <a:schemeClr val="phClr">
+                <a:tint val="40000"/>
+                <a:satMod val="350000"/>
+              </a:schemeClr>
+            </a:gs>
+            <a:gs pos="40000">
+              <a:schemeClr val="phClr">
+                <a:tint val="45000"/>
+                <a:shade val="99000"/>
+                <a:satMod val="350000"/>
+              </a:schemeClr>
+            </a:gs>
+            <a:gs pos="100000">
+              <a:schemeClr val="phClr">
+                <a:shade val="20000"/>
+                <a:satMod val="255000"/>
+              </a:schemeClr>
+            </a:gs>
+          </a:gsLst>
+          <a:path path="circle">
+            <a:fillToRect l="50000" t="-80000" r="50000" b="180000"/>
+          </a:path>
+        </a:gradFill>
+        <a:gradFill rotWithShape="1">
+          <a:gsLst>
+            <a:gs pos="0">
+              <a:schemeClr val="phClr">
+                <a:tint val="80000"/>
+                <a:satMod val="300000"/>
+              </a:schemeClr>
+            </a:gs>
+            <a:gs pos="100000">
+              <a:schemeClr val="phClr">
+                <a:shade val="30000"/>
+                <a:satMod val="200000"/>
+              </a:schemeClr>
+            </a:gs>
+          </a:gsLst>
+          <a:path path="circle">
+            <a:fillToRect l="50000" t="50000" r="50000" b="50000"/>
+          </a:path>
+        </a:gradFill>
+      </a:bgFillStyleLst>
+    </a:fmtScheme>
+  </a:themeElements>
+  <a:objectDefaults/>
+  <a:extraClrSchemeLst/>
+</a:theme>
+</file>
+
+<file path=ppt/theme/theme2.xml><?xml version="1.0" encoding="utf-8"?>
+<a:theme xmlns:a="http://schemas.openxmlformats.org/drawingml/2006/main">
   <a:themeElements>
     <a:clrScheme name="Default">
       <a:dk1>
@@ -13013,284 +12221,7 @@
       </a:bgFillStyleLst>
     </a:fmtScheme>
   </a:themeElements>
-</a:theme>
-</file>
-
-<file path=ppt/theme/theme2.xml><?xml version="1.0" encoding="utf-8"?>
-<a:theme xmlns:a="http://schemas.openxmlformats.org/drawingml/2006/main" xmlns:r="http://schemas.openxmlformats.org/officeDocument/2006/relationships" name="Focus">
-  <a:themeElements>
-    <a:clrScheme name="Focus">
-      <a:dk1>
-        <a:srgbClr val="1B212C"/>
-      </a:dk1>
-      <a:lt1>
-        <a:srgbClr val="FFFFFF"/>
-      </a:lt1>
-      <a:dk2>
-        <a:srgbClr val="D9D9D9"/>
-      </a:dk2>
-      <a:lt2>
-        <a:srgbClr val="82C7A5"/>
-      </a:lt2>
-      <a:accent1>
-        <a:srgbClr val="0145AC"/>
-      </a:accent1>
-      <a:accent2>
-        <a:srgbClr val="EECE1A"/>
-      </a:accent2>
-      <a:accent3>
-        <a:srgbClr val="4E5567"/>
-      </a:accent3>
-      <a:accent4>
-        <a:srgbClr val="F4D6AD"/>
-      </a:accent4>
-      <a:accent5>
-        <a:srgbClr val="7890CD"/>
-      </a:accent5>
-      <a:accent6>
-        <a:srgbClr val="F15E22"/>
-      </a:accent6>
-      <a:hlink>
-        <a:srgbClr val="7890CD"/>
-      </a:hlink>
-      <a:folHlink>
-        <a:srgbClr val="7890CD"/>
-      </a:folHlink>
-    </a:clrScheme>
-    <a:fontScheme name="Office">
-      <a:majorFont>
-        <a:latin typeface="Arial"/>
-        <a:ea typeface=""/>
-        <a:cs typeface=""/>
-        <a:font script="Jpan" typeface="ＭＳ Ｐゴシック"/>
-        <a:font script="Hang" typeface="맑은 고딕"/>
-        <a:font script="Hans" typeface="宋体"/>
-        <a:font script="Hant" typeface="新細明體"/>
-        <a:font script="Arab" typeface="Times New Roman"/>
-        <a:font script="Hebr" typeface="Times New Roman"/>
-        <a:font script="Thai" typeface="Angsana New"/>
-        <a:font script="Ethi" typeface="Nyala"/>
-        <a:font script="Beng" typeface="Vrinda"/>
-        <a:font script="Gujr" typeface="Shruti"/>
-        <a:font script="Khmr" typeface="MoolBoran"/>
-        <a:font script="Knda" typeface="Tunga"/>
-        <a:font script="Guru" typeface="Raavi"/>
-        <a:font script="Cans" typeface="Euphemia"/>
-        <a:font script="Cher" typeface="Plantagenet Cherokee"/>
-        <a:font script="Yiii" typeface="Microsoft Yi Baiti"/>
-        <a:font script="Tibt" typeface="Microsoft Himalaya"/>
-        <a:font script="Thaa" typeface="MV Boli"/>
-        <a:font script="Deva" typeface="Mangal"/>
-        <a:font script="Telu" typeface="Gautami"/>
-        <a:font script="Taml" typeface="Latha"/>
-        <a:font script="Syrc" typeface="Estrangelo Edessa"/>
-        <a:font script="Orya" typeface="Kalinga"/>
-        <a:font script="Mlym" typeface="Kartika"/>
-        <a:font script="Laoo" typeface="DokChampa"/>
-        <a:font script="Sinh" typeface="Iskoola Pota"/>
-        <a:font script="Mong" typeface="Mongolian Baiti"/>
-        <a:font script="Viet" typeface="Times New Roman"/>
-        <a:font script="Uigh" typeface="Microsoft Uighur"/>
-        <a:font script="Geor" typeface="Sylfaen"/>
-      </a:majorFont>
-      <a:minorFont>
-        <a:latin typeface="Arial"/>
-        <a:ea typeface=""/>
-        <a:cs typeface=""/>
-        <a:font script="Jpan" typeface="ＭＳ Ｐゴシック"/>
-        <a:font script="Hang" typeface="맑은 고딕"/>
-        <a:font script="Hans" typeface="宋体"/>
-        <a:font script="Hant" typeface="新細明體"/>
-        <a:font script="Arab" typeface="Arial"/>
-        <a:font script="Hebr" typeface="Arial"/>
-        <a:font script="Thai" typeface="Cordia New"/>
-        <a:font script="Ethi" typeface="Nyala"/>
-        <a:font script="Beng" typeface="Vrinda"/>
-        <a:font script="Gujr" typeface="Shruti"/>
-        <a:font script="Khmr" typeface="DaunPenh"/>
-        <a:font script="Knda" typeface="Tunga"/>
-        <a:font script="Guru" typeface="Raavi"/>
-        <a:font script="Cans" typeface="Euphemia"/>
-        <a:font script="Cher" typeface="Plantagenet Cherokee"/>
-        <a:font script="Yiii" typeface="Microsoft Yi Baiti"/>
-        <a:font script="Tibt" typeface="Microsoft Himalaya"/>
-        <a:font script="Thaa" typeface="MV Boli"/>
-        <a:font script="Deva" typeface="Mangal"/>
-        <a:font script="Telu" typeface="Gautami"/>
-        <a:font script="Taml" typeface="Latha"/>
-        <a:font script="Syrc" typeface="Estrangelo Edessa"/>
-        <a:font script="Orya" typeface="Kalinga"/>
-        <a:font script="Mlym" typeface="Kartika"/>
-        <a:font script="Laoo" typeface="DokChampa"/>
-        <a:font script="Sinh" typeface="Iskoola Pota"/>
-        <a:font script="Mong" typeface="Mongolian Baiti"/>
-        <a:font script="Viet" typeface="Arial"/>
-        <a:font script="Uigh" typeface="Microsoft Uighur"/>
-        <a:font script="Geor" typeface="Sylfaen"/>
-      </a:minorFont>
-    </a:fontScheme>
-    <a:fmtScheme name="Office">
-      <a:fillStyleLst>
-        <a:solidFill>
-          <a:schemeClr val="phClr"/>
-        </a:solidFill>
-        <a:gradFill rotWithShape="1">
-          <a:gsLst>
-            <a:gs pos="0">
-              <a:schemeClr val="phClr">
-                <a:tint val="50000"/>
-                <a:satMod val="300000"/>
-              </a:schemeClr>
-            </a:gs>
-            <a:gs pos="35000">
-              <a:schemeClr val="phClr">
-                <a:tint val="37000"/>
-                <a:satMod val="300000"/>
-              </a:schemeClr>
-            </a:gs>
-            <a:gs pos="100000">
-              <a:schemeClr val="phClr">
-                <a:tint val="15000"/>
-                <a:satMod val="350000"/>
-              </a:schemeClr>
-            </a:gs>
-          </a:gsLst>
-          <a:lin ang="16200000" scaled="1"/>
-        </a:gradFill>
-        <a:gradFill rotWithShape="1">
-          <a:gsLst>
-            <a:gs pos="0">
-              <a:schemeClr val="phClr">
-                <a:tint val="100000"/>
-                <a:shade val="100000"/>
-                <a:satMod val="130000"/>
-              </a:schemeClr>
-            </a:gs>
-            <a:gs pos="100000">
-              <a:schemeClr val="phClr">
-                <a:tint val="50000"/>
-                <a:shade val="100000"/>
-                <a:satMod val="350000"/>
-              </a:schemeClr>
-            </a:gs>
-          </a:gsLst>
-          <a:lin ang="16200000" scaled="0"/>
-        </a:gradFill>
-      </a:fillStyleLst>
-      <a:lnStyleLst>
-        <a:ln w="9525" cap="flat" cmpd="sng" algn="ctr">
-          <a:solidFill>
-            <a:schemeClr val="phClr">
-              <a:shade val="95000"/>
-              <a:satMod val="105000"/>
-            </a:schemeClr>
-          </a:solidFill>
-          <a:prstDash val="solid"/>
-        </a:ln>
-        <a:ln w="25400" cap="flat" cmpd="sng" algn="ctr">
-          <a:solidFill>
-            <a:schemeClr val="phClr"/>
-          </a:solidFill>
-          <a:prstDash val="solid"/>
-        </a:ln>
-        <a:ln w="38100" cap="flat" cmpd="sng" algn="ctr">
-          <a:solidFill>
-            <a:schemeClr val="phClr"/>
-          </a:solidFill>
-          <a:prstDash val="solid"/>
-        </a:ln>
-      </a:lnStyleLst>
-      <a:effectStyleLst>
-        <a:effectStyle>
-          <a:effectLst>
-            <a:outerShdw blurRad="40000" dist="20000" dir="5400000" rotWithShape="0">
-              <a:srgbClr val="000000">
-                <a:alpha val="38000"/>
-              </a:srgbClr>
-            </a:outerShdw>
-          </a:effectLst>
-        </a:effectStyle>
-        <a:effectStyle>
-          <a:effectLst>
-            <a:outerShdw blurRad="40000" dist="23000" dir="5400000" rotWithShape="0">
-              <a:srgbClr val="000000">
-                <a:alpha val="35000"/>
-              </a:srgbClr>
-            </a:outerShdw>
-          </a:effectLst>
-        </a:effectStyle>
-        <a:effectStyle>
-          <a:effectLst>
-            <a:outerShdw blurRad="40000" dist="23000" dir="5400000" rotWithShape="0">
-              <a:srgbClr val="000000">
-                <a:alpha val="35000"/>
-              </a:srgbClr>
-            </a:outerShdw>
-          </a:effectLst>
-          <a:scene3d>
-            <a:camera prst="orthographicFront">
-              <a:rot lat="0" lon="0" rev="0"/>
-            </a:camera>
-            <a:lightRig rig="threePt" dir="t">
-              <a:rot lat="0" lon="0" rev="1200000"/>
-            </a:lightRig>
-          </a:scene3d>
-          <a:sp3d>
-            <a:bevelT w="63500" h="25400"/>
-          </a:sp3d>
-        </a:effectStyle>
-      </a:effectStyleLst>
-      <a:bgFillStyleLst>
-        <a:solidFill>
-          <a:schemeClr val="phClr"/>
-        </a:solidFill>
-        <a:gradFill rotWithShape="1">
-          <a:gsLst>
-            <a:gs pos="0">
-              <a:schemeClr val="phClr">
-                <a:tint val="40000"/>
-                <a:satMod val="350000"/>
-              </a:schemeClr>
-            </a:gs>
-            <a:gs pos="40000">
-              <a:schemeClr val="phClr">
-                <a:tint val="45000"/>
-                <a:shade val="99000"/>
-                <a:satMod val="350000"/>
-              </a:schemeClr>
-            </a:gs>
-            <a:gs pos="100000">
-              <a:schemeClr val="phClr">
-                <a:shade val="20000"/>
-                <a:satMod val="255000"/>
-              </a:schemeClr>
-            </a:gs>
-          </a:gsLst>
-          <a:path path="circle">
-            <a:fillToRect l="50000" t="-80000" r="50000" b="180000"/>
-          </a:path>
-        </a:gradFill>
-        <a:gradFill rotWithShape="1">
-          <a:gsLst>
-            <a:gs pos="0">
-              <a:schemeClr val="phClr">
-                <a:tint val="80000"/>
-                <a:satMod val="300000"/>
-              </a:schemeClr>
-            </a:gs>
-            <a:gs pos="100000">
-              <a:schemeClr val="phClr">
-                <a:shade val="30000"/>
-                <a:satMod val="200000"/>
-              </a:schemeClr>
-            </a:gs>
-          </a:gsLst>
-          <a:path path="circle">
-            <a:fillToRect l="50000" t="50000" r="50000" b="50000"/>
-          </a:path>
-        </a:gradFill>
-      </a:bgFillStyleLst>
-    </a:fmtScheme>
-  </a:themeElements>
+  <a:objectDefaults/>
+  <a:extraClrSchemeLst/>
 </a:theme>
 </file>
--- a/Inlämningsuppgift 3 Datalogi - Grupp 2 (1).pptx
+++ b/Inlämningsuppgift 3 Datalogi - Grupp 2 (1).pptx
@@ -10797,10 +10797,10 @@
               <a:buChar char="●"/>
             </a:pPr>
             <a:r>
-              <a:rPr lang="sv" sz="1800"/>
+              <a:rPr lang="sv" sz="1800" dirty="0"/>
               <a:t>Delade upp i flera klasser - kunnat arbeta samtidigt</a:t>
             </a:r>
-            <a:endParaRPr sz="1800"/>
+            <a:endParaRPr sz="1800" dirty="0"/>
           </a:p>
           <a:p>
             <a:pPr marL="457200" lvl="0" indent="-342900" algn="l" rtl="0">
@@ -10814,10 +10814,10 @@
               <a:buChar char="●"/>
             </a:pPr>
             <a:r>
-              <a:rPr lang="sv" sz="1800"/>
+              <a:rPr lang="sv" sz="1800" dirty="0"/>
               <a:t>Git</a:t>
             </a:r>
-            <a:endParaRPr sz="1800"/>
+            <a:endParaRPr sz="1800" dirty="0"/>
           </a:p>
           <a:p>
             <a:pPr marL="457200" lvl="0" indent="-342900" algn="l" rtl="0">
@@ -10831,10 +10831,10 @@
               <a:buChar char="●"/>
             </a:pPr>
             <a:r>
-              <a:rPr lang="sv" sz="1800"/>
+              <a:rPr lang="sv" sz="1800" dirty="0"/>
               <a:t>Arbetet har rullat på</a:t>
             </a:r>
-            <a:endParaRPr sz="1800"/>
+            <a:endParaRPr sz="1800" dirty="0"/>
           </a:p>
           <a:p>
             <a:pPr marL="457200" lvl="0" indent="-342900" algn="l" rtl="0">
@@ -10848,10 +10848,10 @@
               <a:buChar char="●"/>
             </a:pPr>
             <a:r>
-              <a:rPr lang="sv" sz="1800"/>
+              <a:rPr lang="sv" sz="1800" dirty="0"/>
               <a:t>Bra samarbete</a:t>
             </a:r>
-            <a:endParaRPr sz="1800"/>
+            <a:endParaRPr sz="1800" dirty="0"/>
           </a:p>
           <a:p>
             <a:pPr marL="457200" lvl="0" indent="-342900" algn="l" rtl="0">
@@ -10865,10 +10865,10 @@
               <a:buChar char="●"/>
             </a:pPr>
             <a:r>
-              <a:rPr lang="sv" sz="1800"/>
+              <a:rPr lang="sv" sz="1800" dirty="0"/>
               <a:t>Tydliga instruktioner</a:t>
             </a:r>
-            <a:endParaRPr sz="1800"/>
+            <a:endParaRPr sz="1800" dirty="0"/>
           </a:p>
           <a:p>
             <a:pPr marL="457200" lvl="0" indent="-342900" algn="l" rtl="0">
@@ -10882,10 +10882,10 @@
               <a:buChar char="●"/>
             </a:pPr>
             <a:r>
-              <a:rPr lang="sv" sz="1800"/>
+              <a:rPr lang="sv" sz="1800" dirty="0"/>
               <a:t>Tydligt flödesschema - klart innan börja koda</a:t>
             </a:r>
-            <a:endParaRPr sz="1800"/>
+            <a:endParaRPr sz="1800" dirty="0"/>
           </a:p>
           <a:p>
             <a:pPr marL="0" lvl="0" indent="0" algn="l" rtl="0">
@@ -10897,7 +10897,7 @@
               </a:spcAft>
               <a:buNone/>
             </a:pPr>
-            <a:endParaRPr/>
+            <a:endParaRPr dirty="0"/>
           </a:p>
           <a:p>
             <a:pPr marL="0" lvl="0" indent="0" algn="l" rtl="0">
@@ -10909,7 +10909,7 @@
               </a:spcAft>
               <a:buNone/>
             </a:pPr>
-            <a:endParaRPr/>
+            <a:endParaRPr dirty="0"/>
           </a:p>
         </p:txBody>
       </p:sp>
@@ -11158,8 +11158,8 @@
         </p:nvSpPr>
         <p:spPr>
           <a:xfrm>
-            <a:off x="1297500" y="1438163"/>
-            <a:ext cx="3414000" cy="2911200"/>
+            <a:off x="732865" y="1438163"/>
+            <a:ext cx="3978635" cy="2911200"/>
           </a:xfrm>
           <a:prstGeom prst="rect">
             <a:avLst/>
@@ -11218,6 +11218,23 @@
               <a:rPr lang="sv" sz="2400" dirty="0"/>
               <a:t>Kryptering lades in sent</a:t>
             </a:r>
+          </a:p>
+          <a:p>
+            <a:pPr marL="457200" lvl="0" indent="-381000" algn="l" rtl="0">
+              <a:spcBef>
+                <a:spcPts val="0"/>
+              </a:spcBef>
+              <a:spcAft>
+                <a:spcPts val="0"/>
+              </a:spcAft>
+              <a:buSzPts val="2400"/>
+              <a:buChar char="●"/>
+            </a:pPr>
+            <a:r>
+              <a:rPr lang="sv" sz="2400"/>
+              <a:t>Blandat svenska  med engelska</a:t>
+            </a:r>
+            <a:endParaRPr lang="sv" sz="2400" dirty="0"/>
           </a:p>
           <a:p>
             <a:pPr marL="457200" lvl="0" indent="-381000" algn="l" rtl="0">

--- a/Inlämningsuppgift 3 Datalogi - Grupp 2 (1).pptx
+++ b/Inlämningsuppgift 3 Datalogi - Grupp 2 (1).pptx
@@ -11231,10 +11231,9 @@
               <a:buChar char="●"/>
             </a:pPr>
             <a:r>
-              <a:rPr lang="sv" sz="2400"/>
+              <a:rPr lang="sv" sz="2400" dirty="0"/>
               <a:t>Blandat svenska  med engelska</a:t>
             </a:r>
-            <a:endParaRPr lang="sv" sz="2400" dirty="0"/>
           </a:p>
           <a:p>
             <a:pPr marL="457200" lvl="0" indent="-381000" algn="l" rtl="0">
